--- a/presentation.pptx
+++ b/presentation.pptx
@@ -5,14 +5,18 @@
     <p:sldMasterId id="2147483648" r:id="rId1"/>
   </p:sldMasterIdLst>
   <p:notesMasterIdLst>
-    <p:notesMasterId r:id="rId4"/>
+    <p:notesMasterId r:id="rId8"/>
   </p:notesMasterIdLst>
   <p:handoutMasterIdLst>
-    <p:handoutMasterId r:id="rId5"/>
+    <p:handoutMasterId r:id="rId9"/>
   </p:handoutMasterIdLst>
   <p:sldIdLst>
     <p:sldId id="259" r:id="rId2"/>
     <p:sldId id="260" r:id="rId3"/>
+    <p:sldId id="261" r:id="rId4"/>
+    <p:sldId id="262" r:id="rId5"/>
+    <p:sldId id="263" r:id="rId6"/>
+    <p:sldId id="264" r:id="rId7"/>
   </p:sldIdLst>
   <p:sldSz cx="9144000" cy="6858000" type="screen4x3"/>
   <p:notesSz cx="6858000" cy="9144000"/>
@@ -811,6 +815,376 @@
 </p:notesMaster>
 </file>
 
+<file path=ppt/notesSlides/notesSlide1.xml><?xml version="1.0" encoding="utf-8"?>
+<p:notes xmlns:a="http://schemas.openxmlformats.org/drawingml/2006/main" xmlns:r="http://schemas.openxmlformats.org/officeDocument/2006/relationships" xmlns:p="http://schemas.openxmlformats.org/presentationml/2006/main">
+  <p:cSld>
+    <p:spTree>
+      <p:nvGrpSpPr>
+        <p:cNvPr id="1" name=""/>
+        <p:cNvGrpSpPr/>
+        <p:nvPr/>
+      </p:nvGrpSpPr>
+      <p:grpSpPr>
+        <a:xfrm>
+          <a:off x="0" y="0"/>
+          <a:ext cx="0" cy="0"/>
+          <a:chOff x="0" y="0"/>
+          <a:chExt cx="0" cy="0"/>
+        </a:xfrm>
+      </p:grpSpPr>
+      <p:sp>
+        <p:nvSpPr>
+          <p:cNvPr id="2" name="Folienbildplatzhalter 1"/>
+          <p:cNvSpPr>
+            <a:spLocks noGrp="1" noRot="1" noChangeAspect="1"/>
+          </p:cNvSpPr>
+          <p:nvPr>
+            <p:ph type="sldImg"/>
+          </p:nvPr>
+        </p:nvSpPr>
+        <p:spPr/>
+      </p:sp>
+      <p:sp>
+        <p:nvSpPr>
+          <p:cNvPr id="3" name="Notizenplatzhalter 2"/>
+          <p:cNvSpPr>
+            <a:spLocks noGrp="1"/>
+          </p:cNvSpPr>
+          <p:nvPr>
+            <p:ph type="body" idx="1"/>
+          </p:nvPr>
+        </p:nvSpPr>
+        <p:spPr/>
+        <p:txBody>
+          <a:bodyPr/>
+          <a:lstStyle/>
+          <a:p>
+            <a:r>
+              <a:rPr lang="de-DE" dirty="0" smtClean="0"/>
+              <a:t>Adaptierbarkeit:</a:t>
+            </a:r>
+          </a:p>
+          <a:p>
+            <a:pPr marL="171450" indent="-171450">
+              <a:buFontTx/>
+              <a:buChar char="-"/>
+            </a:pPr>
+            <a:r>
+              <a:rPr lang="de-DE" dirty="0" smtClean="0"/>
+              <a:t>Sprache</a:t>
+            </a:r>
+          </a:p>
+          <a:p>
+            <a:pPr marL="171450" indent="-171450">
+              <a:buFontTx/>
+              <a:buChar char="-"/>
+            </a:pPr>
+            <a:r>
+              <a:rPr lang="de-DE" dirty="0" smtClean="0"/>
+              <a:t>Live-Vorschau</a:t>
+            </a:r>
+          </a:p>
+          <a:p>
+            <a:pPr marL="171450" indent="-171450">
+              <a:buFontTx/>
+              <a:buChar char="-"/>
+            </a:pPr>
+            <a:r>
+              <a:rPr lang="de-DE" dirty="0" smtClean="0"/>
+              <a:t>CSV-Separator</a:t>
+            </a:r>
+          </a:p>
+          <a:p>
+            <a:pPr marL="171450" indent="-171450">
+              <a:buFontTx/>
+              <a:buChar char="-"/>
+            </a:pPr>
+            <a:r>
+              <a:rPr lang="de-DE" dirty="0" smtClean="0"/>
+              <a:t>GIT-Anbindung</a:t>
+            </a:r>
+            <a:endParaRPr lang="de-DE" dirty="0"/>
+          </a:p>
+        </p:txBody>
+      </p:sp>
+      <p:sp>
+        <p:nvSpPr>
+          <p:cNvPr id="4" name="Foliennummernplatzhalter 3"/>
+          <p:cNvSpPr>
+            <a:spLocks noGrp="1"/>
+          </p:cNvSpPr>
+          <p:nvPr>
+            <p:ph type="sldNum" sz="quarter" idx="10"/>
+          </p:nvPr>
+        </p:nvSpPr>
+        <p:spPr/>
+        <p:txBody>
+          <a:bodyPr/>
+          <a:lstStyle/>
+          <a:p>
+            <a:fld id="{97667336-ABAD-4032-8A72-A57DA0F2B670}" type="slidenum">
+              <a:rPr lang="de-LU" smtClean="0"/>
+              <a:t>4</a:t>
+            </a:fld>
+            <a:endParaRPr lang="de-LU"/>
+          </a:p>
+        </p:txBody>
+      </p:sp>
+    </p:spTree>
+    <p:extLst>
+      <p:ext uri="{BB962C8B-B14F-4D97-AF65-F5344CB8AC3E}">
+        <p14:creationId xmlns:p14="http://schemas.microsoft.com/office/powerpoint/2010/main" val="1251578950"/>
+      </p:ext>
+    </p:extLst>
+  </p:cSld>
+  <p:clrMapOvr>
+    <a:masterClrMapping/>
+  </p:clrMapOvr>
+</p:notes>
+</file>
+
+<file path=ppt/notesSlides/notesSlide2.xml><?xml version="1.0" encoding="utf-8"?>
+<p:notes xmlns:a="http://schemas.openxmlformats.org/drawingml/2006/main" xmlns:r="http://schemas.openxmlformats.org/officeDocument/2006/relationships" xmlns:p="http://schemas.openxmlformats.org/presentationml/2006/main">
+  <p:cSld>
+    <p:spTree>
+      <p:nvGrpSpPr>
+        <p:cNvPr id="1" name=""/>
+        <p:cNvGrpSpPr/>
+        <p:nvPr/>
+      </p:nvGrpSpPr>
+      <p:grpSpPr>
+        <a:xfrm>
+          <a:off x="0" y="0"/>
+          <a:ext cx="0" cy="0"/>
+          <a:chOff x="0" y="0"/>
+          <a:chExt cx="0" cy="0"/>
+        </a:xfrm>
+      </p:grpSpPr>
+      <p:sp>
+        <p:nvSpPr>
+          <p:cNvPr id="2" name="Folienbildplatzhalter 1"/>
+          <p:cNvSpPr>
+            <a:spLocks noGrp="1" noRot="1" noChangeAspect="1"/>
+          </p:cNvSpPr>
+          <p:nvPr>
+            <p:ph type="sldImg"/>
+          </p:nvPr>
+        </p:nvSpPr>
+        <p:spPr/>
+      </p:sp>
+      <p:sp>
+        <p:nvSpPr>
+          <p:cNvPr id="3" name="Notizenplatzhalter 2"/>
+          <p:cNvSpPr>
+            <a:spLocks noGrp="1"/>
+          </p:cNvSpPr>
+          <p:nvPr>
+            <p:ph type="body" idx="1"/>
+          </p:nvPr>
+        </p:nvSpPr>
+        <p:spPr/>
+        <p:txBody>
+          <a:bodyPr/>
+          <a:lstStyle/>
+          <a:p>
+            <a:pPr marL="342900" indent="-342900">
+              <a:buFont typeface=".AppleSystemUIFont" charset="-120"/>
+              <a:buChar char="-"/>
+            </a:pPr>
+            <a:r>
+              <a:rPr lang="de-DE" dirty="0" smtClean="0"/>
+              <a:t>AGSBS </a:t>
+            </a:r>
+            <a:r>
+              <a:rPr lang="de-DE" dirty="0" err="1" smtClean="0"/>
+              <a:t>Markdown</a:t>
+            </a:r>
+            <a:r>
+              <a:rPr lang="de-DE" dirty="0" smtClean="0"/>
+              <a:t> Helper (Erweiterung für Sublime Text)</a:t>
+            </a:r>
+          </a:p>
+          <a:p>
+            <a:pPr marL="631825" lvl="3" indent="-342900">
+              <a:buFont typeface="Wingdings" charset="2"/>
+              <a:buChar char="§"/>
+            </a:pPr>
+            <a:r>
+              <a:rPr lang="de-DE" dirty="0" smtClean="0"/>
+              <a:t>GUI konnte nicht vollständig angepasst werden</a:t>
+            </a:r>
+            <a:br>
+              <a:rPr lang="de-DE" dirty="0" smtClean="0"/>
+            </a:br>
+            <a:r>
+              <a:rPr lang="de-DE" dirty="0" smtClean="0">
+                <a:sym typeface="Wingdings"/>
+              </a:rPr>
+              <a:t> Texteingabefelder nur am unteren Bildschirmrand möglich</a:t>
+            </a:r>
+            <a:endParaRPr lang="de-DE" dirty="0" smtClean="0"/>
+          </a:p>
+          <a:p>
+            <a:pPr marL="631825" lvl="3" indent="-342900">
+              <a:buFont typeface="Wingdings" charset="2"/>
+              <a:buChar char="§"/>
+            </a:pPr>
+            <a:r>
+              <a:rPr lang="de-DE" dirty="0" smtClean="0"/>
+              <a:t>Keine Live-Vorschau</a:t>
+            </a:r>
+          </a:p>
+          <a:p>
+            <a:pPr marL="631825" lvl="3" indent="-342900">
+              <a:buFont typeface="Wingdings" charset="2"/>
+              <a:buChar char="§"/>
+            </a:pPr>
+            <a:r>
+              <a:rPr lang="de-DE" dirty="0" smtClean="0"/>
+              <a:t>Versionskontrolle (SVN) nicht in Sublime Text integriert</a:t>
+            </a:r>
+          </a:p>
+          <a:p>
+            <a:pPr marL="631825" lvl="3" indent="-342900">
+              <a:buFont typeface="Wingdings" charset="2"/>
+              <a:buChar char="§"/>
+            </a:pPr>
+            <a:r>
+              <a:rPr lang="de-DE" dirty="0" smtClean="0"/>
+              <a:t>Nutzer muss alle Arbeitsschritte kennen und die Reihenfolge genau einhalten</a:t>
+            </a:r>
+          </a:p>
+          <a:p>
+            <a:pPr marL="631825" lvl="3" indent="-342900">
+              <a:buFont typeface="Wingdings" charset="2"/>
+              <a:buChar char="§"/>
+            </a:pPr>
+            <a:endParaRPr lang="de-DE" dirty="0" smtClean="0"/>
+          </a:p>
+          <a:p>
+            <a:pPr marL="342900" lvl="2" indent="-342900">
+              <a:buFont typeface=".AppleSystemUIFont" charset="-120"/>
+              <a:buChar char="-"/>
+            </a:pPr>
+            <a:r>
+              <a:rPr lang="de-DE" dirty="0" err="1" smtClean="0"/>
+              <a:t>Matuc</a:t>
+            </a:r>
+            <a:r>
+              <a:rPr lang="de-DE" dirty="0" smtClean="0"/>
+              <a:t> (Kommandozeilen-Programm)</a:t>
+            </a:r>
+          </a:p>
+          <a:p>
+            <a:pPr marL="631825" lvl="3" indent="-342900">
+              <a:buFont typeface="Wingdings" charset="2"/>
+              <a:buChar char="§"/>
+            </a:pPr>
+            <a:r>
+              <a:rPr lang="de-DE" dirty="0" smtClean="0"/>
+              <a:t>Generiert Verzeichnisstruktur für aufbereitete Lehrmaterialien</a:t>
+            </a:r>
+          </a:p>
+          <a:p>
+            <a:pPr marL="631825" lvl="3" indent="-342900">
+              <a:buFont typeface="Wingdings" charset="2"/>
+              <a:buChar char="§"/>
+            </a:pPr>
+            <a:r>
+              <a:rPr lang="de-DE" dirty="0" smtClean="0"/>
+              <a:t>Konvertiert </a:t>
+            </a:r>
+            <a:r>
+              <a:rPr lang="de-DE" dirty="0" err="1" smtClean="0"/>
+              <a:t>Markdown</a:t>
+            </a:r>
+            <a:r>
+              <a:rPr lang="de-DE" dirty="0" smtClean="0"/>
+              <a:t>-Dateien (.md) mittels </a:t>
+            </a:r>
+            <a:r>
+              <a:rPr lang="de-DE" dirty="0" err="1" smtClean="0"/>
+              <a:t>pandoc</a:t>
+            </a:r>
+            <a:endParaRPr lang="de-DE" dirty="0" smtClean="0"/>
+          </a:p>
+          <a:p>
+            <a:pPr marL="631825" lvl="3" indent="-342900">
+              <a:buFont typeface="Wingdings" charset="2"/>
+              <a:buChar char="§"/>
+            </a:pPr>
+            <a:r>
+              <a:rPr lang="de-DE" dirty="0" smtClean="0"/>
+              <a:t>Unterstützt bei der Erstellung von Bildbeschreibungen und lagert diese ggf. aus</a:t>
+            </a:r>
+          </a:p>
+          <a:p>
+            <a:pPr marL="631825" lvl="3" indent="-342900">
+              <a:buFont typeface="Wingdings" charset="2"/>
+              <a:buChar char="§"/>
+            </a:pPr>
+            <a:r>
+              <a:rPr lang="de-DE" dirty="0" smtClean="0"/>
+              <a:t>Enthält </a:t>
+            </a:r>
+            <a:r>
+              <a:rPr lang="de-DE" dirty="0" err="1" smtClean="0"/>
+              <a:t>mistkerl</a:t>
+            </a:r>
+            <a:r>
+              <a:rPr lang="de-DE" dirty="0" smtClean="0"/>
+              <a:t> zur Überprüfung der Struktur und </a:t>
+            </a:r>
+            <a:r>
+              <a:rPr lang="de-DE" dirty="0" err="1" smtClean="0"/>
+              <a:t>Markdown</a:t>
+            </a:r>
+            <a:r>
+              <a:rPr lang="de-DE" dirty="0" smtClean="0"/>
+              <a:t>-Syntax</a:t>
+            </a:r>
+          </a:p>
+          <a:p>
+            <a:endParaRPr lang="de-DE" dirty="0"/>
+          </a:p>
+        </p:txBody>
+      </p:sp>
+      <p:sp>
+        <p:nvSpPr>
+          <p:cNvPr id="4" name="Foliennummernplatzhalter 3"/>
+          <p:cNvSpPr>
+            <a:spLocks noGrp="1"/>
+          </p:cNvSpPr>
+          <p:nvPr>
+            <p:ph type="sldNum" sz="quarter" idx="10"/>
+          </p:nvPr>
+        </p:nvSpPr>
+        <p:spPr/>
+        <p:txBody>
+          <a:bodyPr/>
+          <a:lstStyle/>
+          <a:p>
+            <a:fld id="{97667336-ABAD-4032-8A72-A57DA0F2B670}" type="slidenum">
+              <a:rPr lang="de-LU" smtClean="0"/>
+              <a:t>6</a:t>
+            </a:fld>
+            <a:endParaRPr lang="de-LU"/>
+          </a:p>
+        </p:txBody>
+      </p:sp>
+    </p:spTree>
+    <p:extLst>
+      <p:ext uri="{BB962C8B-B14F-4D97-AF65-F5344CB8AC3E}">
+        <p14:creationId xmlns:p14="http://schemas.microsoft.com/office/powerpoint/2010/main" val="978973637"/>
+      </p:ext>
+    </p:extLst>
+  </p:cSld>
+  <p:clrMapOvr>
+    <a:masterClrMapping/>
+  </p:clrMapOvr>
+</p:notes>
+</file>
+
 <file path=ppt/slideLayouts/slideLayout1.xml><?xml version="1.0" encoding="utf-8"?>
 <p:sldLayout xmlns:a="http://schemas.openxmlformats.org/drawingml/2006/main" xmlns:r="http://schemas.openxmlformats.org/officeDocument/2006/relationships" xmlns:p="http://schemas.openxmlformats.org/presentationml/2006/main" showMasterSp="0" preserve="1" userDrawn="1">
   <p:cSld name="Titelfolie">
@@ -906,7 +1280,7 @@
         </p:nvCxnSpPr>
         <p:spPr>
           <a:xfrm>
-            <a:off x="-2" y="965200"/>
+            <a:off x="-2" y="1124744"/>
             <a:ext cx="9144001" cy="0"/>
           </a:xfrm>
           <a:prstGeom prst="line">
@@ -1031,16 +1405,7 @@
                 </a:solidFill>
                 <a:latin typeface="Verdana" pitchFamily="34" charset="0"/>
               </a:rPr>
-              <a:t>Dresden, </a:t>
-            </a:r>
-            <a:r>
-              <a:rPr lang="de-DE" sz="1400" baseline="0" dirty="0" smtClean="0">
-                <a:solidFill>
-                  <a:srgbClr val="0B2A51"/>
-                </a:solidFill>
-                <a:latin typeface="Verdana" pitchFamily="34" charset="0"/>
-              </a:rPr>
-              <a:t>Montag, 24. Oktober 2016</a:t>
+              <a:t>Dresden, Montag, 24. Oktober 2016</a:t>
             </a:r>
             <a:endParaRPr lang="de-LU" sz="1400" baseline="0" dirty="0">
               <a:solidFill>
@@ -1116,7 +1481,7 @@
         </p:blipFill>
         <p:spPr>
           <a:xfrm>
-            <a:off x="457200" y="266700"/>
+            <a:off x="179512" y="266700"/>
             <a:ext cx="1214116" cy="360000"/>
           </a:xfrm>
           <a:prstGeom prst="rect">
@@ -1146,7 +1511,7 @@
         </p:blipFill>
         <p:spPr>
           <a:xfrm>
-            <a:off x="7555418" y="261595"/>
+            <a:off x="7835394" y="261595"/>
             <a:ext cx="1129094" cy="238092"/>
           </a:xfrm>
           <a:prstGeom prst="rect">
@@ -1280,7 +1645,7 @@
         </p:nvCxnSpPr>
         <p:spPr>
           <a:xfrm>
-            <a:off x="-2" y="965200"/>
+            <a:off x="-2" y="1124744"/>
             <a:ext cx="9144001" cy="0"/>
           </a:xfrm>
           <a:prstGeom prst="line">
@@ -1413,7 +1778,7 @@
         </p:blipFill>
         <p:spPr>
           <a:xfrm>
-            <a:off x="457200" y="260350"/>
+            <a:off x="179512" y="260350"/>
             <a:ext cx="1263997" cy="370312"/>
           </a:xfrm>
           <a:prstGeom prst="rect">
@@ -1492,20 +1857,7 @@
                 <a:ea typeface="Verdana" charset="0"/>
                 <a:cs typeface="Verdana" charset="0"/>
               </a:rPr>
-              <a:t>Dresden, </a:t>
-            </a:r>
-            <a:r>
-              <a:rPr lang="de-DE" sz="1600" b="0" i="0" dirty="0" smtClean="0">
-                <a:solidFill>
-                  <a:schemeClr val="bg1">
-                    <a:alpha val="80000"/>
-                  </a:schemeClr>
-                </a:solidFill>
-                <a:latin typeface="Verdana" charset="0"/>
-                <a:ea typeface="Verdana" charset="0"/>
-                <a:cs typeface="Verdana" charset="0"/>
-              </a:rPr>
-              <a:t>27.10.2016</a:t>
+              <a:t>Dresden, 27.10.2016</a:t>
             </a:r>
             <a:endParaRPr lang="de-DE" sz="1600" b="0" i="0" dirty="0">
               <a:solidFill>
@@ -1542,7 +1894,7 @@
         </p:blipFill>
         <p:spPr>
           <a:xfrm>
-            <a:off x="7555418" y="260350"/>
+            <a:off x="7823581" y="325215"/>
             <a:ext cx="1140907" cy="240582"/>
           </a:xfrm>
           <a:prstGeom prst="rect">
@@ -1599,7 +1951,7 @@
         </p:nvSpPr>
         <p:spPr>
           <a:xfrm>
-            <a:off x="863600" y="2060575"/>
+            <a:off x="683568" y="2034020"/>
             <a:ext cx="7832725" cy="4032250"/>
           </a:xfrm>
           <a:prstGeom prst="rect">
@@ -1744,7 +2096,7 @@
         </p:nvSpPr>
         <p:spPr>
           <a:xfrm>
-            <a:off x="863599" y="1141412"/>
+            <a:off x="704941" y="1145769"/>
             <a:ext cx="7834314" cy="558801"/>
           </a:xfrm>
           <a:prstGeom prst="rect">
@@ -1785,7 +2137,12 @@
             <p:ph type="dt" sz="half" idx="20"/>
           </p:nvPr>
         </p:nvSpPr>
-        <p:spPr/>
+        <p:spPr>
+          <a:xfrm>
+            <a:off x="179512" y="6394450"/>
+            <a:ext cx="1898652" cy="254000"/>
+          </a:xfrm>
+        </p:spPr>
         <p:txBody>
           <a:bodyPr/>
           <a:lstStyle/>
@@ -1808,7 +2165,12 @@
             <p:ph type="ftr" sz="quarter" idx="21"/>
           </p:nvPr>
         </p:nvSpPr>
-        <p:spPr/>
+        <p:spPr>
+          <a:xfrm>
+            <a:off x="2680585" y="6400799"/>
+            <a:ext cx="3883025" cy="254000"/>
+          </a:xfrm>
+        </p:spPr>
         <p:txBody>
           <a:bodyPr/>
           <a:lstStyle/>
@@ -1839,7 +2201,12 @@
             <p:ph type="sldNum" sz="quarter" idx="22"/>
           </p:nvPr>
         </p:nvSpPr>
-        <p:spPr/>
+        <p:spPr>
+          <a:xfrm>
+            <a:off x="7092280" y="6379633"/>
+            <a:ext cx="1908175" cy="254000"/>
+          </a:xfrm>
+        </p:spPr>
         <p:txBody>
           <a:bodyPr/>
           <a:lstStyle/>
@@ -4136,7 +4503,7 @@
         </p:blipFill>
         <p:spPr>
           <a:xfrm>
-            <a:off x="457200" y="266700"/>
+            <a:off x="179512" y="266700"/>
             <a:ext cx="1214116" cy="360000"/>
           </a:xfrm>
           <a:prstGeom prst="rect">
@@ -4152,7 +4519,7 @@
         </p:nvCxnSpPr>
         <p:spPr>
           <a:xfrm>
-            <a:off x="-2" y="965200"/>
+            <a:off x="-2" y="1124744"/>
             <a:ext cx="9144001" cy="0"/>
           </a:xfrm>
           <a:prstGeom prst="line">
@@ -4341,7 +4708,7 @@
         </p:blipFill>
         <p:spPr>
           <a:xfrm>
-            <a:off x="7555418" y="261595"/>
+            <a:off x="7835394" y="327654"/>
             <a:ext cx="1129094" cy="238092"/>
           </a:xfrm>
           <a:prstGeom prst="rect">
@@ -4956,6 +5323,10 @@
               <a:rPr lang="de-DE" dirty="0" smtClean="0"/>
               <a:t>Zielstellung</a:t>
             </a:r>
+            <a:br>
+              <a:rPr lang="de-DE" dirty="0" smtClean="0"/>
+            </a:br>
+            <a:endParaRPr lang="de-DE" dirty="0" smtClean="0"/>
           </a:p>
           <a:p>
             <a:pPr marL="457200" indent="-457200">
@@ -4964,8 +5335,16 @@
             </a:pPr>
             <a:r>
               <a:rPr lang="de-DE" dirty="0" smtClean="0"/>
-              <a:t>Bestehende Lösungsansätze</a:t>
-            </a:r>
+              <a:t>Bestehende </a:t>
+            </a:r>
+            <a:r>
+              <a:rPr lang="de-DE" dirty="0" smtClean="0"/>
+              <a:t>Lösungsansätze</a:t>
+            </a:r>
+            <a:br>
+              <a:rPr lang="de-DE" dirty="0" smtClean="0"/>
+            </a:br>
+            <a:endParaRPr lang="de-DE" dirty="0" smtClean="0"/>
           </a:p>
           <a:p>
             <a:pPr marL="457200" indent="-457200">
@@ -5004,8 +5383,16 @@
             </a:pPr>
             <a:r>
               <a:rPr lang="de-DE" sz="1600" dirty="0" smtClean="0"/>
-              <a:t>Struktur im Code, Wiederverwendbarkeit</a:t>
-            </a:r>
+              <a:t>Struktur im Code, </a:t>
+            </a:r>
+            <a:r>
+              <a:rPr lang="de-DE" sz="1600" dirty="0" smtClean="0"/>
+              <a:t>Wiederverwendbarkeit</a:t>
+            </a:r>
+            <a:br>
+              <a:rPr lang="de-DE" sz="1600" dirty="0" smtClean="0"/>
+            </a:br>
+            <a:endParaRPr lang="de-DE" sz="1600" dirty="0" smtClean="0"/>
           </a:p>
           <a:p>
             <a:pPr marL="457200" indent="-457200">
@@ -5042,10 +5429,1153 @@
           </a:p>
         </p:txBody>
       </p:sp>
+      <p:sp>
+        <p:nvSpPr>
+          <p:cNvPr id="6" name="Inhaltsplatzhalter 2"/>
+          <p:cNvSpPr txBox="1">
+            <a:spLocks/>
+          </p:cNvSpPr>
+          <p:nvPr/>
+        </p:nvSpPr>
+        <p:spPr>
+          <a:xfrm>
+            <a:off x="0" y="836712"/>
+            <a:ext cx="9144000" cy="288032"/>
+          </a:xfrm>
+          <a:prstGeom prst="rect">
+            <a:avLst/>
+          </a:prstGeom>
+        </p:spPr>
+        <p:txBody>
+          <a:bodyPr lIns="0" tIns="0" rIns="0" bIns="0" anchor="ctr"/>
+          <a:lstStyle>
+            <a:lvl1pPr marL="0" indent="0" algn="l" defTabSz="914368" rtl="0" eaLnBrk="1" fontAlgn="t" latinLnBrk="0" hangingPunct="1">
+              <a:spcBef>
+                <a:spcPts val="0"/>
+              </a:spcBef>
+              <a:spcAft>
+                <a:spcPts val="1200"/>
+              </a:spcAft>
+              <a:buFontTx/>
+              <a:buNone/>
+              <a:defRPr lang="de-DE" sz="2000" b="1" i="0" kern="1200" baseline="0" dirty="0">
+                <a:solidFill>
+                  <a:schemeClr val="bg2"/>
+                </a:solidFill>
+                <a:latin typeface="Verdana" pitchFamily="34" charset="0"/>
+                <a:ea typeface="+mj-ea"/>
+                <a:cs typeface="+mj-cs"/>
+              </a:defRPr>
+            </a:lvl1pPr>
+            <a:lvl2pPr marL="0" indent="-127000" algn="l" defTabSz="914368" rtl="0" eaLnBrk="1" fontAlgn="t" latinLnBrk="0" hangingPunct="1">
+              <a:spcBef>
+                <a:spcPts val="300"/>
+              </a:spcBef>
+              <a:buSzPct val="100000"/>
+              <a:buFont typeface="Symbol" charset="2"/>
+              <a:buChar char="-"/>
+              <a:tabLst/>
+              <a:defRPr sz="1800" kern="1200" baseline="0">
+                <a:solidFill>
+                  <a:srgbClr val="0B2A51"/>
+                </a:solidFill>
+                <a:latin typeface="Verdana" pitchFamily="34" charset="0"/>
+                <a:ea typeface="+mn-ea"/>
+                <a:cs typeface="+mn-cs"/>
+              </a:defRPr>
+            </a:lvl2pPr>
+            <a:lvl3pPr marL="787400" indent="-127000" algn="l" defTabSz="914368" rtl="0" eaLnBrk="1" fontAlgn="t" latinLnBrk="0" hangingPunct="1">
+              <a:spcBef>
+                <a:spcPts val="0"/>
+              </a:spcBef>
+              <a:spcAft>
+                <a:spcPts val="300"/>
+              </a:spcAft>
+              <a:buSzPct val="100000"/>
+              <a:buFont typeface="Symbol" charset="2"/>
+              <a:buChar char="-"/>
+              <a:tabLst/>
+              <a:defRPr sz="1800" kern="1200" baseline="0">
+                <a:solidFill>
+                  <a:srgbClr val="0B2A51"/>
+                </a:solidFill>
+                <a:latin typeface="Verdana" pitchFamily="34" charset="0"/>
+                <a:ea typeface="+mn-ea"/>
+                <a:cs typeface="+mn-cs"/>
+              </a:defRPr>
+            </a:lvl3pPr>
+            <a:lvl4pPr marL="812800" indent="0" algn="l" defTabSz="914368" rtl="0" eaLnBrk="1" latinLnBrk="0" hangingPunct="1">
+              <a:spcBef>
+                <a:spcPts val="0"/>
+              </a:spcBef>
+              <a:buSzPct val="100000"/>
+              <a:buFont typeface="AppleSymbols" charset="0"/>
+              <a:buNone/>
+              <a:tabLst/>
+              <a:defRPr sz="1400" kern="1200" baseline="0">
+                <a:solidFill>
+                  <a:srgbClr val="0B2A51"/>
+                </a:solidFill>
+                <a:latin typeface="Verdana" pitchFamily="34" charset="0"/>
+                <a:ea typeface="+mn-ea"/>
+                <a:cs typeface="+mn-cs"/>
+              </a:defRPr>
+            </a:lvl4pPr>
+            <a:lvl5pPr marL="1435100" indent="-127000" algn="l" defTabSz="914368" rtl="0" eaLnBrk="1" latinLnBrk="0" hangingPunct="1">
+              <a:spcBef>
+                <a:spcPts val="0"/>
+              </a:spcBef>
+              <a:buSzPct val="170000"/>
+              <a:buFont typeface="AppleSymbols" charset="0"/>
+              <a:buChar char="⌞"/>
+              <a:tabLst/>
+              <a:defRPr sz="1400" kern="1200" baseline="0">
+                <a:solidFill>
+                  <a:srgbClr val="0B2A51"/>
+                </a:solidFill>
+                <a:latin typeface="Verdana" pitchFamily="34" charset="0"/>
+                <a:ea typeface="+mn-ea"/>
+                <a:cs typeface="+mn-cs"/>
+              </a:defRPr>
+            </a:lvl5pPr>
+            <a:lvl6pPr marL="2514512" indent="-228592" algn="l" defTabSz="914368" rtl="0" eaLnBrk="1" latinLnBrk="0" hangingPunct="1">
+              <a:spcBef>
+                <a:spcPct val="20000"/>
+              </a:spcBef>
+              <a:buFont typeface="Arial" pitchFamily="34" charset="0"/>
+              <a:buChar char="•"/>
+              <a:defRPr sz="2000" kern="1200">
+                <a:solidFill>
+                  <a:schemeClr val="tx1"/>
+                </a:solidFill>
+                <a:latin typeface="+mn-lt"/>
+                <a:ea typeface="+mn-ea"/>
+                <a:cs typeface="+mn-cs"/>
+              </a:defRPr>
+            </a:lvl6pPr>
+            <a:lvl7pPr marL="2971696" indent="-228592" algn="l" defTabSz="914368" rtl="0" eaLnBrk="1" latinLnBrk="0" hangingPunct="1">
+              <a:spcBef>
+                <a:spcPct val="20000"/>
+              </a:spcBef>
+              <a:buFont typeface="Arial" pitchFamily="34" charset="0"/>
+              <a:buChar char="•"/>
+              <a:defRPr sz="2000" kern="1200">
+                <a:solidFill>
+                  <a:schemeClr val="tx1"/>
+                </a:solidFill>
+                <a:latin typeface="+mn-lt"/>
+                <a:ea typeface="+mn-ea"/>
+                <a:cs typeface="+mn-cs"/>
+              </a:defRPr>
+            </a:lvl7pPr>
+            <a:lvl8pPr marL="3428880" indent="-228592" algn="l" defTabSz="914368" rtl="0" eaLnBrk="1" latinLnBrk="0" hangingPunct="1">
+              <a:spcBef>
+                <a:spcPct val="20000"/>
+              </a:spcBef>
+              <a:buFont typeface="Arial" pitchFamily="34" charset="0"/>
+              <a:buChar char="•"/>
+              <a:defRPr sz="2000" kern="1200">
+                <a:solidFill>
+                  <a:schemeClr val="tx1"/>
+                </a:solidFill>
+                <a:latin typeface="+mn-lt"/>
+                <a:ea typeface="+mn-ea"/>
+                <a:cs typeface="+mn-cs"/>
+              </a:defRPr>
+            </a:lvl8pPr>
+            <a:lvl9pPr marL="3886064" indent="-228592" algn="l" defTabSz="914368" rtl="0" eaLnBrk="1" latinLnBrk="0" hangingPunct="1">
+              <a:spcBef>
+                <a:spcPct val="20000"/>
+              </a:spcBef>
+              <a:buFont typeface="Arial" pitchFamily="34" charset="0"/>
+              <a:buChar char="•"/>
+              <a:defRPr sz="2000" kern="1200">
+                <a:solidFill>
+                  <a:schemeClr val="tx1"/>
+                </a:solidFill>
+                <a:latin typeface="+mn-lt"/>
+                <a:ea typeface="+mn-ea"/>
+                <a:cs typeface="+mn-cs"/>
+              </a:defRPr>
+            </a:lvl9pPr>
+          </a:lstStyle>
+          <a:p>
+            <a:pPr algn="ctr"/>
+            <a:r>
+              <a:rPr lang="de-DE" sz="1200" b="0" dirty="0" smtClean="0"/>
+              <a:t>1. Zielstellung &gt; 2. Bestehende Lösungsansätze &gt; 3. Entwicklung einer neuen Erweiterung für ATOM &gt; 4. Ausblick</a:t>
+            </a:r>
+            <a:endParaRPr lang="de-DE" sz="1200" b="0" dirty="0"/>
+          </a:p>
+        </p:txBody>
+      </p:sp>
     </p:spTree>
     <p:extLst>
       <p:ext uri="{BB962C8B-B14F-4D97-AF65-F5344CB8AC3E}">
         <p14:creationId xmlns:p14="http://schemas.microsoft.com/office/powerpoint/2010/main" val="1926861238"/>
+      </p:ext>
+    </p:extLst>
+  </p:cSld>
+  <p:clrMapOvr>
+    <a:masterClrMapping/>
+  </p:clrMapOvr>
+  <p:timing>
+    <p:tnLst>
+      <p:par>
+        <p:cTn id="1" dur="indefinite" restart="never" nodeType="tmRoot"/>
+      </p:par>
+    </p:tnLst>
+  </p:timing>
+</p:sld>
+</file>
+
+<file path=ppt/slides/slide3.xml><?xml version="1.0" encoding="utf-8"?>
+<p:sld xmlns:a="http://schemas.openxmlformats.org/drawingml/2006/main" xmlns:r="http://schemas.openxmlformats.org/officeDocument/2006/relationships" xmlns:p="http://schemas.openxmlformats.org/presentationml/2006/main">
+  <p:cSld>
+    <p:spTree>
+      <p:nvGrpSpPr>
+        <p:cNvPr id="1" name=""/>
+        <p:cNvGrpSpPr/>
+        <p:nvPr/>
+      </p:nvGrpSpPr>
+      <p:grpSpPr>
+        <a:xfrm>
+          <a:off x="0" y="0"/>
+          <a:ext cx="0" cy="0"/>
+          <a:chOff x="0" y="0"/>
+          <a:chExt cx="0" cy="0"/>
+        </a:xfrm>
+      </p:grpSpPr>
+      <p:sp>
+        <p:nvSpPr>
+          <p:cNvPr id="2" name="Inhaltsplatzhalter 1"/>
+          <p:cNvSpPr>
+            <a:spLocks noGrp="1"/>
+          </p:cNvSpPr>
+          <p:nvPr>
+            <p:ph sz="quarter" idx="11"/>
+          </p:nvPr>
+        </p:nvSpPr>
+        <p:spPr>
+          <a:xfrm>
+            <a:off x="859632" y="4277677"/>
+            <a:ext cx="7832725" cy="360313"/>
+          </a:xfrm>
+        </p:spPr>
+        <p:txBody>
+          <a:bodyPr/>
+          <a:lstStyle/>
+          <a:p>
+            <a:pPr algn="r"/>
+            <a:r>
+              <a:rPr lang="de-DE" sz="1800" dirty="0" smtClean="0"/>
+              <a:t>Das Problem und seine Lösung</a:t>
+            </a:r>
+            <a:endParaRPr lang="de-DE" sz="1800" dirty="0"/>
+          </a:p>
+        </p:txBody>
+      </p:sp>
+      <p:sp>
+        <p:nvSpPr>
+          <p:cNvPr id="3" name="Inhaltsplatzhalter 2"/>
+          <p:cNvSpPr>
+            <a:spLocks noGrp="1"/>
+          </p:cNvSpPr>
+          <p:nvPr>
+            <p:ph sz="quarter" idx="19"/>
+          </p:nvPr>
+        </p:nvSpPr>
+        <p:spPr>
+          <a:xfrm>
+            <a:off x="858043" y="2324000"/>
+            <a:ext cx="7834314" cy="558801"/>
+          </a:xfrm>
+        </p:spPr>
+        <p:txBody>
+          <a:bodyPr/>
+          <a:lstStyle/>
+          <a:p>
+            <a:r>
+              <a:rPr lang="de-DE" sz="2800" dirty="0" smtClean="0"/>
+              <a:t>1. ZIELSTELLUNG</a:t>
+            </a:r>
+            <a:endParaRPr lang="de-DE" sz="2800" dirty="0"/>
+          </a:p>
+        </p:txBody>
+      </p:sp>
+      <p:sp>
+        <p:nvSpPr>
+          <p:cNvPr id="4" name="Datumsplatzhalter 3"/>
+          <p:cNvSpPr>
+            <a:spLocks noGrp="1"/>
+          </p:cNvSpPr>
+          <p:nvPr>
+            <p:ph type="dt" sz="half" idx="20"/>
+          </p:nvPr>
+        </p:nvSpPr>
+        <p:spPr/>
+        <p:txBody>
+          <a:bodyPr/>
+          <a:lstStyle/>
+          <a:p>
+            <a:fld id="{852F18A7-60EF-DD48-8F37-BE93452F0A67}" type="datetime1">
+              <a:rPr lang="de-DE" smtClean="0"/>
+              <a:t>24.10.16</a:t>
+            </a:fld>
+            <a:endParaRPr lang="de-DE" dirty="0"/>
+          </a:p>
+        </p:txBody>
+      </p:sp>
+      <p:sp>
+        <p:nvSpPr>
+          <p:cNvPr id="5" name="Fußzeilenplatzhalter 4"/>
+          <p:cNvSpPr>
+            <a:spLocks noGrp="1"/>
+          </p:cNvSpPr>
+          <p:nvPr>
+            <p:ph type="ftr" sz="quarter" idx="21"/>
+          </p:nvPr>
+        </p:nvSpPr>
+        <p:spPr/>
+        <p:txBody>
+          <a:bodyPr/>
+          <a:lstStyle/>
+          <a:p>
+            <a:r>
+              <a:rPr lang="de-DE" smtClean="0"/>
+              <a:t>agsbs-atom-package</a:t>
+            </a:r>
+            <a:endParaRPr lang="de-DE" dirty="0"/>
+          </a:p>
+        </p:txBody>
+      </p:sp>
+      <p:sp>
+        <p:nvSpPr>
+          <p:cNvPr id="6" name="Foliennummernplatzhalter 5"/>
+          <p:cNvSpPr>
+            <a:spLocks noGrp="1"/>
+          </p:cNvSpPr>
+          <p:nvPr>
+            <p:ph type="sldNum" sz="quarter" idx="22"/>
+          </p:nvPr>
+        </p:nvSpPr>
+        <p:spPr/>
+        <p:txBody>
+          <a:bodyPr/>
+          <a:lstStyle/>
+          <a:p>
+            <a:r>
+              <a:rPr lang="de-DE" smtClean="0"/>
+              <a:t>Folie </a:t>
+            </a:r>
+            <a:fld id="{20336FBE-96EF-1B43-9998-83765DDB0397}" type="slidenum">
+              <a:rPr lang="de-DE" smtClean="0"/>
+              <a:pPr/>
+              <a:t>3</a:t>
+            </a:fld>
+            <a:r>
+              <a:rPr lang="de-DE" smtClean="0"/>
+              <a:t> von XYZ</a:t>
+            </a:r>
+            <a:endParaRPr lang="de-DE" dirty="0"/>
+          </a:p>
+        </p:txBody>
+      </p:sp>
+    </p:spTree>
+    <p:extLst>
+      <p:ext uri="{BB962C8B-B14F-4D97-AF65-F5344CB8AC3E}">
+        <p14:creationId xmlns:p14="http://schemas.microsoft.com/office/powerpoint/2010/main" val="549248552"/>
+      </p:ext>
+    </p:extLst>
+  </p:cSld>
+  <p:clrMapOvr>
+    <a:masterClrMapping/>
+  </p:clrMapOvr>
+  <p:timing>
+    <p:tnLst>
+      <p:par>
+        <p:cTn id="1" dur="indefinite" restart="never" nodeType="tmRoot"/>
+      </p:par>
+    </p:tnLst>
+  </p:timing>
+</p:sld>
+</file>
+
+<file path=ppt/slides/slide4.xml><?xml version="1.0" encoding="utf-8"?>
+<p:sld xmlns:a="http://schemas.openxmlformats.org/drawingml/2006/main" xmlns:r="http://schemas.openxmlformats.org/officeDocument/2006/relationships" xmlns:p="http://schemas.openxmlformats.org/presentationml/2006/main">
+  <p:cSld>
+    <p:spTree>
+      <p:nvGrpSpPr>
+        <p:cNvPr id="1" name=""/>
+        <p:cNvGrpSpPr/>
+        <p:nvPr/>
+      </p:nvGrpSpPr>
+      <p:grpSpPr>
+        <a:xfrm>
+          <a:off x="0" y="0"/>
+          <a:ext cx="0" cy="0"/>
+          <a:chOff x="0" y="0"/>
+          <a:chExt cx="0" cy="0"/>
+        </a:xfrm>
+      </p:grpSpPr>
+      <p:sp>
+        <p:nvSpPr>
+          <p:cNvPr id="2" name="Inhaltsplatzhalter 1"/>
+          <p:cNvSpPr>
+            <a:spLocks noGrp="1"/>
+          </p:cNvSpPr>
+          <p:nvPr>
+            <p:ph sz="quarter" idx="11"/>
+          </p:nvPr>
+        </p:nvSpPr>
+        <p:spPr>
+          <a:xfrm>
+            <a:off x="655637" y="1556792"/>
+            <a:ext cx="7832725" cy="4608041"/>
+          </a:xfrm>
+        </p:spPr>
+        <p:txBody>
+          <a:bodyPr/>
+          <a:lstStyle/>
+          <a:p>
+            <a:pPr marL="342900" indent="-342900">
+              <a:buFont typeface=".AppleSystemUIFont" charset="-120"/>
+              <a:buChar char="-"/>
+            </a:pPr>
+            <a:r>
+              <a:rPr lang="de-DE" dirty="0" smtClean="0"/>
+              <a:t>„All-In-</a:t>
+            </a:r>
+            <a:r>
+              <a:rPr lang="de-DE" dirty="0" err="1" smtClean="0"/>
+              <a:t>One</a:t>
+            </a:r>
+            <a:r>
+              <a:rPr lang="de-DE" dirty="0" smtClean="0"/>
+              <a:t> Lösung“ zur barrierefreien Literaturerstellung</a:t>
+            </a:r>
+            <a:endParaRPr lang="de-DE" dirty="0"/>
+          </a:p>
+          <a:p>
+            <a:pPr marL="631825" lvl="3" indent="-342900">
+              <a:buFont typeface="Wingdings" charset="2"/>
+              <a:buChar char="§"/>
+            </a:pPr>
+            <a:r>
+              <a:rPr lang="de-DE" dirty="0"/>
+              <a:t>GUI zur </a:t>
+            </a:r>
+            <a:r>
+              <a:rPr lang="de-DE" dirty="0" err="1" smtClean="0"/>
+              <a:t>Markdown</a:t>
+            </a:r>
+            <a:r>
+              <a:rPr lang="de-DE" dirty="0" smtClean="0"/>
+              <a:t>-Erstellung</a:t>
+            </a:r>
+          </a:p>
+          <a:p>
+            <a:pPr marL="631825" lvl="3" indent="-342900">
+              <a:buFont typeface="Wingdings" charset="2"/>
+              <a:buChar char="§"/>
+            </a:pPr>
+            <a:r>
+              <a:rPr lang="de-DE" dirty="0" smtClean="0"/>
+              <a:t>Live-Vorschau</a:t>
+            </a:r>
+          </a:p>
+          <a:p>
+            <a:pPr marL="631825" lvl="3" indent="-342900">
+              <a:buFont typeface="Wingdings" charset="2"/>
+              <a:buChar char="§"/>
+            </a:pPr>
+            <a:r>
+              <a:rPr lang="de-DE" dirty="0" err="1" smtClean="0"/>
+              <a:t>Markdown</a:t>
+            </a:r>
+            <a:r>
+              <a:rPr lang="de-DE" dirty="0" smtClean="0"/>
+              <a:t> </a:t>
+            </a:r>
+            <a:r>
+              <a:rPr lang="de-DE" dirty="0" err="1" smtClean="0"/>
+              <a:t>Linting</a:t>
+            </a:r>
+            <a:endParaRPr lang="de-DE" dirty="0" smtClean="0"/>
+          </a:p>
+          <a:p>
+            <a:pPr marL="631825" lvl="3" indent="-342900">
+              <a:buFont typeface="Wingdings" charset="2"/>
+              <a:buChar char="§"/>
+            </a:pPr>
+            <a:r>
+              <a:rPr lang="de-DE" dirty="0" smtClean="0"/>
+              <a:t>Versionskontrolle</a:t>
+            </a:r>
+          </a:p>
+          <a:p>
+            <a:pPr marL="631825" lvl="3" indent="-342900">
+              <a:buFont typeface="Wingdings" charset="2"/>
+              <a:buChar char="§"/>
+            </a:pPr>
+            <a:r>
+              <a:rPr lang="de-DE" dirty="0" smtClean="0"/>
+              <a:t>Plattformunabhängig</a:t>
+            </a:r>
+          </a:p>
+          <a:p>
+            <a:pPr marL="342900" indent="-342900">
+              <a:buFont typeface=".AppleSystemUIFont" charset="-120"/>
+              <a:buChar char="-"/>
+            </a:pPr>
+            <a:r>
+              <a:rPr lang="de-DE" dirty="0" smtClean="0"/>
+              <a:t>Benutzerfreundlicher Editor</a:t>
+            </a:r>
+          </a:p>
+          <a:p>
+            <a:pPr marL="342900" indent="-342900">
+              <a:buFont typeface=".AppleSystemUIFont" charset="-120"/>
+              <a:buChar char="-"/>
+            </a:pPr>
+            <a:r>
+              <a:rPr lang="de-DE" dirty="0" smtClean="0"/>
+              <a:t>Adaptierbarkeit</a:t>
+            </a:r>
+          </a:p>
+          <a:p>
+            <a:pPr marL="504825" lvl="1" indent="-342900">
+              <a:buFont typeface="Arial" charset="0"/>
+              <a:buChar char="•"/>
+            </a:pPr>
+            <a:endParaRPr lang="de-DE" dirty="0"/>
+          </a:p>
+        </p:txBody>
+      </p:sp>
+      <p:sp>
+        <p:nvSpPr>
+          <p:cNvPr id="3" name="Inhaltsplatzhalter 2"/>
+          <p:cNvSpPr>
+            <a:spLocks noGrp="1"/>
+          </p:cNvSpPr>
+          <p:nvPr>
+            <p:ph sz="quarter" idx="19"/>
+          </p:nvPr>
+        </p:nvSpPr>
+        <p:spPr>
+          <a:xfrm>
+            <a:off x="0" y="836712"/>
+            <a:ext cx="9144000" cy="288032"/>
+          </a:xfrm>
+        </p:spPr>
+        <p:txBody>
+          <a:bodyPr anchor="ctr"/>
+          <a:lstStyle/>
+          <a:p>
+            <a:pPr algn="ctr"/>
+            <a:r>
+              <a:rPr lang="de-DE" sz="1200" b="0" dirty="0" smtClean="0">
+                <a:solidFill>
+                  <a:schemeClr val="tx1"/>
+                </a:solidFill>
+              </a:rPr>
+              <a:t>1. Zielstellung</a:t>
+            </a:r>
+            <a:r>
+              <a:rPr lang="de-DE" sz="1200" b="0" dirty="0" smtClean="0"/>
+              <a:t> &gt; 2. Bestehende Lösungsansätze &gt; 3. Entwicklung einer neuen Erweiterung für ATOM &gt; 4. Ausblick</a:t>
+            </a:r>
+            <a:endParaRPr lang="de-DE" sz="1200" b="0" dirty="0"/>
+          </a:p>
+        </p:txBody>
+      </p:sp>
+      <p:sp>
+        <p:nvSpPr>
+          <p:cNvPr id="4" name="Datumsplatzhalter 3"/>
+          <p:cNvSpPr>
+            <a:spLocks noGrp="1"/>
+          </p:cNvSpPr>
+          <p:nvPr>
+            <p:ph type="dt" sz="half" idx="20"/>
+          </p:nvPr>
+        </p:nvSpPr>
+        <p:spPr/>
+        <p:txBody>
+          <a:bodyPr/>
+          <a:lstStyle/>
+          <a:p>
+            <a:fld id="{852F18A7-60EF-DD48-8F37-BE93452F0A67}" type="datetime1">
+              <a:rPr lang="de-DE" smtClean="0"/>
+              <a:t>24.10.16</a:t>
+            </a:fld>
+            <a:endParaRPr lang="de-DE" dirty="0"/>
+          </a:p>
+        </p:txBody>
+      </p:sp>
+      <p:sp>
+        <p:nvSpPr>
+          <p:cNvPr id="5" name="Fußzeilenplatzhalter 4"/>
+          <p:cNvSpPr>
+            <a:spLocks noGrp="1"/>
+          </p:cNvSpPr>
+          <p:nvPr>
+            <p:ph type="ftr" sz="quarter" idx="21"/>
+          </p:nvPr>
+        </p:nvSpPr>
+        <p:spPr/>
+        <p:txBody>
+          <a:bodyPr/>
+          <a:lstStyle/>
+          <a:p>
+            <a:r>
+              <a:rPr lang="de-DE" smtClean="0"/>
+              <a:t>agsbs-atom-package</a:t>
+            </a:r>
+            <a:endParaRPr lang="de-DE" dirty="0"/>
+          </a:p>
+        </p:txBody>
+      </p:sp>
+      <p:sp>
+        <p:nvSpPr>
+          <p:cNvPr id="6" name="Foliennummernplatzhalter 5"/>
+          <p:cNvSpPr>
+            <a:spLocks noGrp="1"/>
+          </p:cNvSpPr>
+          <p:nvPr>
+            <p:ph type="sldNum" sz="quarter" idx="22"/>
+          </p:nvPr>
+        </p:nvSpPr>
+        <p:spPr/>
+        <p:txBody>
+          <a:bodyPr/>
+          <a:lstStyle/>
+          <a:p>
+            <a:r>
+              <a:rPr lang="de-DE" smtClean="0"/>
+              <a:t>Folie </a:t>
+            </a:r>
+            <a:fld id="{20336FBE-96EF-1B43-9998-83765DDB0397}" type="slidenum">
+              <a:rPr lang="de-DE" smtClean="0"/>
+              <a:pPr/>
+              <a:t>4</a:t>
+            </a:fld>
+            <a:r>
+              <a:rPr lang="de-DE" smtClean="0"/>
+              <a:t> von XYZ</a:t>
+            </a:r>
+            <a:endParaRPr lang="de-DE" dirty="0"/>
+          </a:p>
+        </p:txBody>
+      </p:sp>
+    </p:spTree>
+    <p:extLst>
+      <p:ext uri="{BB962C8B-B14F-4D97-AF65-F5344CB8AC3E}">
+        <p14:creationId xmlns:p14="http://schemas.microsoft.com/office/powerpoint/2010/main" val="1005631054"/>
+      </p:ext>
+    </p:extLst>
+  </p:cSld>
+  <p:clrMapOvr>
+    <a:masterClrMapping/>
+  </p:clrMapOvr>
+  <p:timing>
+    <p:tnLst>
+      <p:par>
+        <p:cTn id="1" dur="indefinite" restart="never" nodeType="tmRoot"/>
+      </p:par>
+    </p:tnLst>
+  </p:timing>
+</p:sld>
+</file>
+
+<file path=ppt/slides/slide5.xml><?xml version="1.0" encoding="utf-8"?>
+<p:sld xmlns:a="http://schemas.openxmlformats.org/drawingml/2006/main" xmlns:r="http://schemas.openxmlformats.org/officeDocument/2006/relationships" xmlns:p="http://schemas.openxmlformats.org/presentationml/2006/main">
+  <p:cSld>
+    <p:spTree>
+      <p:nvGrpSpPr>
+        <p:cNvPr id="1" name=""/>
+        <p:cNvGrpSpPr/>
+        <p:nvPr/>
+      </p:nvGrpSpPr>
+      <p:grpSpPr>
+        <a:xfrm>
+          <a:off x="0" y="0"/>
+          <a:ext cx="0" cy="0"/>
+          <a:chOff x="0" y="0"/>
+          <a:chExt cx="0" cy="0"/>
+        </a:xfrm>
+      </p:grpSpPr>
+      <p:sp>
+        <p:nvSpPr>
+          <p:cNvPr id="2" name="Inhaltsplatzhalter 1"/>
+          <p:cNvSpPr>
+            <a:spLocks noGrp="1"/>
+          </p:cNvSpPr>
+          <p:nvPr>
+            <p:ph sz="quarter" idx="11"/>
+          </p:nvPr>
+        </p:nvSpPr>
+        <p:spPr>
+          <a:xfrm>
+            <a:off x="859632" y="4277677"/>
+            <a:ext cx="7832725" cy="360313"/>
+          </a:xfrm>
+        </p:spPr>
+        <p:txBody>
+          <a:bodyPr/>
+          <a:lstStyle/>
+          <a:p>
+            <a:pPr algn="r"/>
+            <a:r>
+              <a:rPr lang="de-DE" sz="1800" dirty="0" smtClean="0"/>
+              <a:t>Was können wir besser machen?</a:t>
+            </a:r>
+            <a:endParaRPr lang="de-DE" sz="1800" dirty="0"/>
+          </a:p>
+        </p:txBody>
+      </p:sp>
+      <p:sp>
+        <p:nvSpPr>
+          <p:cNvPr id="3" name="Inhaltsplatzhalter 2"/>
+          <p:cNvSpPr>
+            <a:spLocks noGrp="1"/>
+          </p:cNvSpPr>
+          <p:nvPr>
+            <p:ph sz="quarter" idx="19"/>
+          </p:nvPr>
+        </p:nvSpPr>
+        <p:spPr>
+          <a:xfrm>
+            <a:off x="858043" y="2324000"/>
+            <a:ext cx="7834314" cy="558801"/>
+          </a:xfrm>
+        </p:spPr>
+        <p:txBody>
+          <a:bodyPr/>
+          <a:lstStyle/>
+          <a:p>
+            <a:r>
+              <a:rPr lang="de-DE" sz="2800" dirty="0" smtClean="0"/>
+              <a:t>2. BESTEHENDE LÖSUNGSANSÄTZE</a:t>
+            </a:r>
+            <a:endParaRPr lang="de-DE" sz="2800" dirty="0"/>
+          </a:p>
+        </p:txBody>
+      </p:sp>
+      <p:sp>
+        <p:nvSpPr>
+          <p:cNvPr id="4" name="Datumsplatzhalter 3"/>
+          <p:cNvSpPr>
+            <a:spLocks noGrp="1"/>
+          </p:cNvSpPr>
+          <p:nvPr>
+            <p:ph type="dt" sz="half" idx="20"/>
+          </p:nvPr>
+        </p:nvSpPr>
+        <p:spPr/>
+        <p:txBody>
+          <a:bodyPr/>
+          <a:lstStyle/>
+          <a:p>
+            <a:fld id="{852F18A7-60EF-DD48-8F37-BE93452F0A67}" type="datetime1">
+              <a:rPr lang="de-DE" smtClean="0"/>
+              <a:t>24.10.16</a:t>
+            </a:fld>
+            <a:endParaRPr lang="de-DE" dirty="0"/>
+          </a:p>
+        </p:txBody>
+      </p:sp>
+      <p:sp>
+        <p:nvSpPr>
+          <p:cNvPr id="5" name="Fußzeilenplatzhalter 4"/>
+          <p:cNvSpPr>
+            <a:spLocks noGrp="1"/>
+          </p:cNvSpPr>
+          <p:nvPr>
+            <p:ph type="ftr" sz="quarter" idx="21"/>
+          </p:nvPr>
+        </p:nvSpPr>
+        <p:spPr/>
+        <p:txBody>
+          <a:bodyPr/>
+          <a:lstStyle/>
+          <a:p>
+            <a:r>
+              <a:rPr lang="de-DE" smtClean="0"/>
+              <a:t>agsbs-atom-package</a:t>
+            </a:r>
+            <a:endParaRPr lang="de-DE" dirty="0"/>
+          </a:p>
+        </p:txBody>
+      </p:sp>
+      <p:sp>
+        <p:nvSpPr>
+          <p:cNvPr id="6" name="Foliennummernplatzhalter 5"/>
+          <p:cNvSpPr>
+            <a:spLocks noGrp="1"/>
+          </p:cNvSpPr>
+          <p:nvPr>
+            <p:ph type="sldNum" sz="quarter" idx="22"/>
+          </p:nvPr>
+        </p:nvSpPr>
+        <p:spPr/>
+        <p:txBody>
+          <a:bodyPr/>
+          <a:lstStyle/>
+          <a:p>
+            <a:r>
+              <a:rPr lang="de-DE" smtClean="0"/>
+              <a:t>Folie </a:t>
+            </a:r>
+            <a:fld id="{20336FBE-96EF-1B43-9998-83765DDB0397}" type="slidenum">
+              <a:rPr lang="de-DE" smtClean="0"/>
+              <a:pPr/>
+              <a:t>5</a:t>
+            </a:fld>
+            <a:r>
+              <a:rPr lang="de-DE" smtClean="0"/>
+              <a:t> von XYZ</a:t>
+            </a:r>
+            <a:endParaRPr lang="de-DE" dirty="0"/>
+          </a:p>
+        </p:txBody>
+      </p:sp>
+    </p:spTree>
+    <p:extLst>
+      <p:ext uri="{BB962C8B-B14F-4D97-AF65-F5344CB8AC3E}">
+        <p14:creationId xmlns:p14="http://schemas.microsoft.com/office/powerpoint/2010/main" val="1536436573"/>
+      </p:ext>
+    </p:extLst>
+  </p:cSld>
+  <p:clrMapOvr>
+    <a:masterClrMapping/>
+  </p:clrMapOvr>
+  <p:timing>
+    <p:tnLst>
+      <p:par>
+        <p:cTn id="1" dur="indefinite" restart="never" nodeType="tmRoot"/>
+      </p:par>
+    </p:tnLst>
+  </p:timing>
+</p:sld>
+</file>
+
+<file path=ppt/slides/slide6.xml><?xml version="1.0" encoding="utf-8"?>
+<p:sld xmlns:a="http://schemas.openxmlformats.org/drawingml/2006/main" xmlns:r="http://schemas.openxmlformats.org/officeDocument/2006/relationships" xmlns:p="http://schemas.openxmlformats.org/presentationml/2006/main">
+  <p:cSld>
+    <p:spTree>
+      <p:nvGrpSpPr>
+        <p:cNvPr id="1" name=""/>
+        <p:cNvGrpSpPr/>
+        <p:nvPr/>
+      </p:nvGrpSpPr>
+      <p:grpSpPr>
+        <a:xfrm>
+          <a:off x="0" y="0"/>
+          <a:ext cx="0" cy="0"/>
+          <a:chOff x="0" y="0"/>
+          <a:chExt cx="0" cy="0"/>
+        </a:xfrm>
+      </p:grpSpPr>
+      <p:sp>
+        <p:nvSpPr>
+          <p:cNvPr id="2" name="Inhaltsplatzhalter 1"/>
+          <p:cNvSpPr>
+            <a:spLocks noGrp="1"/>
+          </p:cNvSpPr>
+          <p:nvPr>
+            <p:ph sz="quarter" idx="11"/>
+          </p:nvPr>
+        </p:nvSpPr>
+        <p:spPr>
+          <a:xfrm>
+            <a:off x="655637" y="1556792"/>
+            <a:ext cx="7832725" cy="4608041"/>
+          </a:xfrm>
+        </p:spPr>
+        <p:txBody>
+          <a:bodyPr/>
+          <a:lstStyle/>
+          <a:p>
+            <a:pPr marL="342900" indent="-342900">
+              <a:buFont typeface=".AppleSystemUIFont" charset="-120"/>
+              <a:buChar char="-"/>
+            </a:pPr>
+            <a:r>
+              <a:rPr lang="de-DE" dirty="0" smtClean="0"/>
+              <a:t>AGSBS </a:t>
+            </a:r>
+            <a:r>
+              <a:rPr lang="de-DE" dirty="0" err="1" smtClean="0"/>
+              <a:t>Markdown</a:t>
+            </a:r>
+            <a:r>
+              <a:rPr lang="de-DE" dirty="0" smtClean="0"/>
+              <a:t> Helper (Erweiterung für Sublime Text)</a:t>
+            </a:r>
+            <a:endParaRPr lang="de-DE" dirty="0"/>
+          </a:p>
+          <a:p>
+            <a:pPr marL="631825" lvl="3" indent="-342900">
+              <a:buFont typeface="Wingdings" charset="2"/>
+              <a:buChar char="§"/>
+            </a:pPr>
+            <a:r>
+              <a:rPr lang="de-DE" dirty="0"/>
+              <a:t>GUI </a:t>
+            </a:r>
+            <a:r>
+              <a:rPr lang="de-DE" dirty="0" smtClean="0"/>
+              <a:t>für </a:t>
+            </a:r>
+            <a:r>
+              <a:rPr lang="de-DE" dirty="0" err="1" smtClean="0"/>
+              <a:t>Markdown</a:t>
+            </a:r>
+            <a:r>
+              <a:rPr lang="de-DE" dirty="0" smtClean="0"/>
+              <a:t>-Syntax</a:t>
+            </a:r>
+            <a:br>
+              <a:rPr lang="de-DE" dirty="0" smtClean="0"/>
+            </a:br>
+            <a:r>
+              <a:rPr lang="de-DE" dirty="0" smtClean="0">
+                <a:sym typeface="Wingdings"/>
+              </a:rPr>
+              <a:t> Texteingabefelder am unteren Bildschirmrand</a:t>
+            </a:r>
+            <a:endParaRPr lang="de-DE" dirty="0" smtClean="0"/>
+          </a:p>
+          <a:p>
+            <a:pPr marL="631825" lvl="3" indent="-342900">
+              <a:buFont typeface="Wingdings" charset="2"/>
+              <a:buChar char="§"/>
+            </a:pPr>
+            <a:r>
+              <a:rPr lang="de-DE" dirty="0" smtClean="0"/>
+              <a:t>Nutzung einer Versionskontrolle (SVN)</a:t>
+            </a:r>
+          </a:p>
+          <a:p>
+            <a:pPr marL="631825" lvl="3" indent="-342900">
+              <a:buFont typeface="Wingdings" charset="2"/>
+              <a:buChar char="§"/>
+            </a:pPr>
+            <a:r>
+              <a:rPr lang="de-DE" dirty="0" smtClean="0"/>
+              <a:t>Vorgegebene Arbeitsschritte</a:t>
+            </a:r>
+          </a:p>
+          <a:p>
+            <a:pPr marL="631825" lvl="3" indent="-342900">
+              <a:buFont typeface="Wingdings" charset="2"/>
+              <a:buChar char="§"/>
+            </a:pPr>
+            <a:endParaRPr lang="de-DE" dirty="0"/>
+          </a:p>
+          <a:p>
+            <a:pPr marL="342900" lvl="2" indent="-342900">
+              <a:buFont typeface=".AppleSystemUIFont" charset="-120"/>
+              <a:buChar char="-"/>
+            </a:pPr>
+            <a:r>
+              <a:rPr lang="de-DE" dirty="0" err="1" smtClean="0"/>
+              <a:t>Matuc</a:t>
+            </a:r>
+            <a:r>
+              <a:rPr lang="de-DE" dirty="0" smtClean="0"/>
+              <a:t> (Kommandozeilen-Programm)</a:t>
+            </a:r>
+          </a:p>
+          <a:p>
+            <a:pPr marL="631825" lvl="3" indent="-342900">
+              <a:buFont typeface="Wingdings" charset="2"/>
+              <a:buChar char="§"/>
+            </a:pPr>
+            <a:r>
+              <a:rPr lang="de-DE" dirty="0" smtClean="0"/>
+              <a:t>Verzeichnisstruktur</a:t>
+            </a:r>
+          </a:p>
+          <a:p>
+            <a:pPr marL="631825" lvl="3" indent="-342900">
+              <a:buFont typeface="Wingdings" charset="2"/>
+              <a:buChar char="§"/>
+            </a:pPr>
+            <a:r>
+              <a:rPr lang="de-DE" dirty="0" smtClean="0"/>
+              <a:t>Konvertierung von </a:t>
+            </a:r>
+            <a:r>
+              <a:rPr lang="de-DE" dirty="0" err="1" smtClean="0"/>
+              <a:t>Markdown</a:t>
+            </a:r>
+            <a:r>
+              <a:rPr lang="de-DE" dirty="0" smtClean="0"/>
+              <a:t>-Dateien (.md)</a:t>
+            </a:r>
+          </a:p>
+          <a:p>
+            <a:pPr marL="631825" lvl="3" indent="-342900">
+              <a:buFont typeface="Wingdings" charset="2"/>
+              <a:buChar char="§"/>
+            </a:pPr>
+            <a:r>
+              <a:rPr lang="de-DE" dirty="0" smtClean="0"/>
+              <a:t>Bildbeschreibungen</a:t>
+            </a:r>
+          </a:p>
+          <a:p>
+            <a:pPr marL="631825" lvl="3" indent="-342900">
+              <a:buFont typeface="Wingdings" charset="2"/>
+              <a:buChar char="§"/>
+            </a:pPr>
+            <a:r>
+              <a:rPr lang="de-DE" dirty="0" smtClean="0"/>
+              <a:t>Überprüfung von </a:t>
+            </a:r>
+            <a:r>
+              <a:rPr lang="de-DE" dirty="0" err="1" smtClean="0"/>
+              <a:t>Markdown</a:t>
+            </a:r>
+            <a:r>
+              <a:rPr lang="de-DE" dirty="0" smtClean="0"/>
+              <a:t>-Syntax</a:t>
+            </a:r>
+          </a:p>
+        </p:txBody>
+      </p:sp>
+      <p:sp>
+        <p:nvSpPr>
+          <p:cNvPr id="3" name="Inhaltsplatzhalter 2"/>
+          <p:cNvSpPr>
+            <a:spLocks noGrp="1"/>
+          </p:cNvSpPr>
+          <p:nvPr>
+            <p:ph sz="quarter" idx="19"/>
+          </p:nvPr>
+        </p:nvSpPr>
+        <p:spPr>
+          <a:xfrm>
+            <a:off x="0" y="836712"/>
+            <a:ext cx="9144000" cy="288032"/>
+          </a:xfrm>
+        </p:spPr>
+        <p:txBody>
+          <a:bodyPr anchor="ctr"/>
+          <a:lstStyle/>
+          <a:p>
+            <a:pPr algn="ctr"/>
+            <a:r>
+              <a:rPr lang="de-DE" sz="1200" b="0" dirty="0" smtClean="0"/>
+              <a:t>1. Zielstellung &gt; </a:t>
+            </a:r>
+            <a:r>
+              <a:rPr lang="de-DE" sz="1200" b="0" dirty="0" smtClean="0">
+                <a:solidFill>
+                  <a:schemeClr val="tx1"/>
+                </a:solidFill>
+              </a:rPr>
+              <a:t>2. Bestehende Lösungsansätze</a:t>
+            </a:r>
+            <a:r>
+              <a:rPr lang="de-DE" sz="1200" b="0" dirty="0" smtClean="0"/>
+              <a:t> &gt; 3. Entwicklung einer neuen Erweiterung für ATOM &gt; 4. Ausblick</a:t>
+            </a:r>
+            <a:endParaRPr lang="de-DE" sz="1200" b="0" dirty="0"/>
+          </a:p>
+        </p:txBody>
+      </p:sp>
+      <p:sp>
+        <p:nvSpPr>
+          <p:cNvPr id="4" name="Datumsplatzhalter 3"/>
+          <p:cNvSpPr>
+            <a:spLocks noGrp="1"/>
+          </p:cNvSpPr>
+          <p:nvPr>
+            <p:ph type="dt" sz="half" idx="20"/>
+          </p:nvPr>
+        </p:nvSpPr>
+        <p:spPr/>
+        <p:txBody>
+          <a:bodyPr/>
+          <a:lstStyle/>
+          <a:p>
+            <a:fld id="{852F18A7-60EF-DD48-8F37-BE93452F0A67}" type="datetime1">
+              <a:rPr lang="de-DE" smtClean="0"/>
+              <a:t>24.10.16</a:t>
+            </a:fld>
+            <a:endParaRPr lang="de-DE" dirty="0"/>
+          </a:p>
+        </p:txBody>
+      </p:sp>
+      <p:sp>
+        <p:nvSpPr>
+          <p:cNvPr id="5" name="Fußzeilenplatzhalter 4"/>
+          <p:cNvSpPr>
+            <a:spLocks noGrp="1"/>
+          </p:cNvSpPr>
+          <p:nvPr>
+            <p:ph type="ftr" sz="quarter" idx="21"/>
+          </p:nvPr>
+        </p:nvSpPr>
+        <p:spPr/>
+        <p:txBody>
+          <a:bodyPr/>
+          <a:lstStyle/>
+          <a:p>
+            <a:r>
+              <a:rPr lang="de-DE" dirty="0" err="1" smtClean="0"/>
+              <a:t>agsbs</a:t>
+            </a:r>
+            <a:r>
+              <a:rPr lang="de-DE" dirty="0" smtClean="0"/>
+              <a:t>-atom-</a:t>
+            </a:r>
+            <a:r>
+              <a:rPr lang="de-DE" dirty="0" err="1" smtClean="0"/>
+              <a:t>package</a:t>
+            </a:r>
+            <a:endParaRPr lang="de-DE" dirty="0"/>
+          </a:p>
+        </p:txBody>
+      </p:sp>
+      <p:sp>
+        <p:nvSpPr>
+          <p:cNvPr id="6" name="Foliennummernplatzhalter 5"/>
+          <p:cNvSpPr>
+            <a:spLocks noGrp="1"/>
+          </p:cNvSpPr>
+          <p:nvPr>
+            <p:ph type="sldNum" sz="quarter" idx="22"/>
+          </p:nvPr>
+        </p:nvSpPr>
+        <p:spPr/>
+        <p:txBody>
+          <a:bodyPr/>
+          <a:lstStyle/>
+          <a:p>
+            <a:r>
+              <a:rPr lang="de-DE" smtClean="0"/>
+              <a:t>Folie </a:t>
+            </a:r>
+            <a:fld id="{20336FBE-96EF-1B43-9998-83765DDB0397}" type="slidenum">
+              <a:rPr lang="de-DE" smtClean="0"/>
+              <a:pPr/>
+              <a:t>6</a:t>
+            </a:fld>
+            <a:r>
+              <a:rPr lang="de-DE" smtClean="0"/>
+              <a:t> von XYZ</a:t>
+            </a:r>
+            <a:endParaRPr lang="de-DE" dirty="0"/>
+          </a:p>
+        </p:txBody>
+      </p:sp>
+    </p:spTree>
+    <p:extLst>
+      <p:ext uri="{BB962C8B-B14F-4D97-AF65-F5344CB8AC3E}">
+        <p14:creationId xmlns:p14="http://schemas.microsoft.com/office/powerpoint/2010/main" val="1943871464"/>
       </p:ext>
     </p:extLst>
   </p:cSld>

--- a/presentation.pptx
+++ b/presentation.pptx
@@ -380,7 +380,7 @@
           <a:p>
             <a:fld id="{C018CAB8-1F61-49D8-8340-04BCC7D2C15D}" type="datetimeFigureOut">
               <a:rPr lang="de-LU" smtClean="0"/>
-              <a:t>24.10.16</a:t>
+              <a:t>24.10.2016</a:t>
             </a:fld>
             <a:endParaRPr lang="de-LU"/>
           </a:p>
@@ -546,7 +546,7 @@
           <a:p>
             <a:fld id="{8B9FABE9-F223-40F4-B29B-AF42B1456244}" type="datetimeFigureOut">
               <a:rPr lang="de-LU" smtClean="0"/>
-              <a:t>24.10.16</a:t>
+              <a:t>24.10.2016</a:t>
             </a:fld>
             <a:endParaRPr lang="de-LU"/>
           </a:p>
@@ -610,35 +610,35 @@
           <a:p>
             <a:pPr lvl="0"/>
             <a:r>
-              <a:rPr lang="de-DE" smtClean="0"/>
+              <a:rPr lang="de-DE"/>
               <a:t>Textmasterformat bearbeiten</a:t>
             </a:r>
           </a:p>
           <a:p>
             <a:pPr lvl="1"/>
             <a:r>
-              <a:rPr lang="de-DE" smtClean="0"/>
+              <a:rPr lang="de-DE"/>
               <a:t>Zweite Ebene</a:t>
             </a:r>
           </a:p>
           <a:p>
             <a:pPr lvl="2"/>
             <a:r>
-              <a:rPr lang="de-DE" smtClean="0"/>
+              <a:rPr lang="de-DE"/>
               <a:t>Dritte Ebene</a:t>
             </a:r>
           </a:p>
           <a:p>
             <a:pPr lvl="3"/>
             <a:r>
-              <a:rPr lang="de-DE" smtClean="0"/>
+              <a:rPr lang="de-DE"/>
               <a:t>Vierte Ebene</a:t>
             </a:r>
           </a:p>
           <a:p>
             <a:pPr lvl="4"/>
             <a:r>
-              <a:rPr lang="de-DE" smtClean="0"/>
+              <a:rPr lang="de-DE"/>
               <a:t>Fünfte Ebene</a:t>
             </a:r>
             <a:endParaRPr lang="de-LU"/>
@@ -860,7 +860,7 @@
           <a:lstStyle/>
           <a:p>
             <a:r>
-              <a:rPr lang="de-DE" dirty="0" smtClean="0"/>
+              <a:rPr lang="de-DE" dirty="0"/>
               <a:t>Adaptierbarkeit:</a:t>
             </a:r>
           </a:p>
@@ -870,7 +870,7 @@
               <a:buChar char="-"/>
             </a:pPr>
             <a:r>
-              <a:rPr lang="de-DE" dirty="0" smtClean="0"/>
+              <a:rPr lang="de-DE" dirty="0"/>
               <a:t>Sprache</a:t>
             </a:r>
           </a:p>
@@ -880,7 +880,7 @@
               <a:buChar char="-"/>
             </a:pPr>
             <a:r>
-              <a:rPr lang="de-DE" dirty="0" smtClean="0"/>
+              <a:rPr lang="de-DE" dirty="0"/>
               <a:t>Live-Vorschau</a:t>
             </a:r>
           </a:p>
@@ -890,7 +890,7 @@
               <a:buChar char="-"/>
             </a:pPr>
             <a:r>
-              <a:rPr lang="de-DE" dirty="0" smtClean="0"/>
+              <a:rPr lang="de-DE" dirty="0"/>
               <a:t>CSV-Separator</a:t>
             </a:r>
           </a:p>
@@ -900,10 +900,9 @@
               <a:buChar char="-"/>
             </a:pPr>
             <a:r>
-              <a:rPr lang="de-DE" dirty="0" smtClean="0"/>
+              <a:rPr lang="de-DE" dirty="0"/>
               <a:t>GIT-Anbindung</a:t>
             </a:r>
-            <a:endParaRPr lang="de-DE" dirty="0"/>
           </a:p>
         </p:txBody>
       </p:sp>
@@ -992,15 +991,15 @@
               <a:buChar char="-"/>
             </a:pPr>
             <a:r>
-              <a:rPr lang="de-DE" dirty="0" smtClean="0"/>
+              <a:rPr lang="de-DE" dirty="0"/>
               <a:t>AGSBS </a:t>
             </a:r>
             <a:r>
-              <a:rPr lang="de-DE" dirty="0" err="1" smtClean="0"/>
+              <a:rPr lang="de-DE" dirty="0" err="1"/>
               <a:t>Markdown</a:t>
             </a:r>
             <a:r>
-              <a:rPr lang="de-DE" dirty="0" smtClean="0"/>
+              <a:rPr lang="de-DE" dirty="0"/>
               <a:t> Helper (Erweiterung für Sublime Text)</a:t>
             </a:r>
           </a:p>
@@ -1010,19 +1009,19 @@
               <a:buChar char="§"/>
             </a:pPr>
             <a:r>
-              <a:rPr lang="de-DE" dirty="0" smtClean="0"/>
+              <a:rPr lang="de-DE" dirty="0"/>
               <a:t>GUI konnte nicht vollständig angepasst werden</a:t>
             </a:r>
             <a:br>
-              <a:rPr lang="de-DE" dirty="0" smtClean="0"/>
+              <a:rPr lang="de-DE" dirty="0"/>
             </a:br>
             <a:r>
-              <a:rPr lang="de-DE" dirty="0" smtClean="0">
+              <a:rPr lang="de-DE" dirty="0">
                 <a:sym typeface="Wingdings"/>
               </a:rPr>
               <a:t> Texteingabefelder nur am unteren Bildschirmrand möglich</a:t>
             </a:r>
-            <a:endParaRPr lang="de-DE" dirty="0" smtClean="0"/>
+            <a:endParaRPr lang="de-DE" dirty="0"/>
           </a:p>
           <a:p>
             <a:pPr marL="631825" lvl="3" indent="-342900">
@@ -1030,7 +1029,7 @@
               <a:buChar char="§"/>
             </a:pPr>
             <a:r>
-              <a:rPr lang="de-DE" dirty="0" smtClean="0"/>
+              <a:rPr lang="de-DE" dirty="0"/>
               <a:t>Keine Live-Vorschau</a:t>
             </a:r>
           </a:p>
@@ -1040,7 +1039,7 @@
               <a:buChar char="§"/>
             </a:pPr>
             <a:r>
-              <a:rPr lang="de-DE" dirty="0" smtClean="0"/>
+              <a:rPr lang="de-DE" dirty="0"/>
               <a:t>Versionskontrolle (SVN) nicht in Sublime Text integriert</a:t>
             </a:r>
           </a:p>
@@ -1050,7 +1049,7 @@
               <a:buChar char="§"/>
             </a:pPr>
             <a:r>
-              <a:rPr lang="de-DE" dirty="0" smtClean="0"/>
+              <a:rPr lang="de-DE" dirty="0"/>
               <a:t>Nutzer muss alle Arbeitsschritte kennen und die Reihenfolge genau einhalten</a:t>
             </a:r>
           </a:p>
@@ -1059,7 +1058,7 @@
               <a:buFont typeface="Wingdings" charset="2"/>
               <a:buChar char="§"/>
             </a:pPr>
-            <a:endParaRPr lang="de-DE" dirty="0" smtClean="0"/>
+            <a:endParaRPr lang="de-DE" dirty="0"/>
           </a:p>
           <a:p>
             <a:pPr marL="342900" lvl="2" indent="-342900">
@@ -1067,11 +1066,11 @@
               <a:buChar char="-"/>
             </a:pPr>
             <a:r>
-              <a:rPr lang="de-DE" dirty="0" err="1" smtClean="0"/>
+              <a:rPr lang="de-DE" dirty="0" err="1"/>
               <a:t>Matuc</a:t>
             </a:r>
             <a:r>
-              <a:rPr lang="de-DE" dirty="0" smtClean="0"/>
+              <a:rPr lang="de-DE" dirty="0"/>
               <a:t> (Kommandozeilen-Programm)</a:t>
             </a:r>
           </a:p>
@@ -1081,7 +1080,7 @@
               <a:buChar char="§"/>
             </a:pPr>
             <a:r>
-              <a:rPr lang="de-DE" dirty="0" smtClean="0"/>
+              <a:rPr lang="de-DE" dirty="0"/>
               <a:t>Generiert Verzeichnisstruktur für aufbereitete Lehrmaterialien</a:t>
             </a:r>
           </a:p>
@@ -1091,22 +1090,22 @@
               <a:buChar char="§"/>
             </a:pPr>
             <a:r>
-              <a:rPr lang="de-DE" dirty="0" smtClean="0"/>
+              <a:rPr lang="de-DE" dirty="0"/>
               <a:t>Konvertiert </a:t>
             </a:r>
             <a:r>
-              <a:rPr lang="de-DE" dirty="0" err="1" smtClean="0"/>
+              <a:rPr lang="de-DE" dirty="0" err="1"/>
               <a:t>Markdown</a:t>
             </a:r>
             <a:r>
-              <a:rPr lang="de-DE" dirty="0" smtClean="0"/>
+              <a:rPr lang="de-DE" dirty="0"/>
               <a:t>-Dateien (.md) mittels </a:t>
             </a:r>
             <a:r>
-              <a:rPr lang="de-DE" dirty="0" err="1" smtClean="0"/>
+              <a:rPr lang="de-DE" dirty="0" err="1"/>
               <a:t>pandoc</a:t>
             </a:r>
-            <a:endParaRPr lang="de-DE" dirty="0" smtClean="0"/>
+            <a:endParaRPr lang="de-DE" dirty="0"/>
           </a:p>
           <a:p>
             <a:pPr marL="631825" lvl="3" indent="-342900">
@@ -1114,7 +1113,7 @@
               <a:buChar char="§"/>
             </a:pPr>
             <a:r>
-              <a:rPr lang="de-DE" dirty="0" smtClean="0"/>
+              <a:rPr lang="de-DE" dirty="0"/>
               <a:t>Unterstützt bei der Erstellung von Bildbeschreibungen und lagert diese ggf. aus</a:t>
             </a:r>
           </a:p>
@@ -1124,23 +1123,23 @@
               <a:buChar char="§"/>
             </a:pPr>
             <a:r>
-              <a:rPr lang="de-DE" dirty="0" smtClean="0"/>
+              <a:rPr lang="de-DE" dirty="0"/>
               <a:t>Enthält </a:t>
             </a:r>
             <a:r>
-              <a:rPr lang="de-DE" dirty="0" err="1" smtClean="0"/>
+              <a:rPr lang="de-DE" dirty="0" err="1"/>
               <a:t>mistkerl</a:t>
             </a:r>
             <a:r>
-              <a:rPr lang="de-DE" dirty="0" smtClean="0"/>
+              <a:rPr lang="de-DE" dirty="0"/>
               <a:t> zur Überprüfung der Struktur und </a:t>
             </a:r>
             <a:r>
-              <a:rPr lang="de-DE" dirty="0" err="1" smtClean="0"/>
+              <a:rPr lang="de-DE" dirty="0" err="1"/>
               <a:t>Markdown</a:t>
             </a:r>
             <a:r>
-              <a:rPr lang="de-DE" dirty="0" smtClean="0"/>
+              <a:rPr lang="de-DE" dirty="0"/>
               <a:t>-Syntax</a:t>
             </a:r>
           </a:p>
@@ -1336,7 +1335,7 @@
           <a:p>
             <a:pPr lvl="0"/>
             <a:r>
-              <a:rPr lang="de-DE" dirty="0" smtClean="0"/>
+              <a:rPr lang="de-DE" dirty="0"/>
               <a:t>Institut für Muster / Professur für Beispiele</a:t>
             </a:r>
           </a:p>
@@ -1373,7 +1372,7 @@
           </a:lstStyle>
           <a:p>
             <a:r>
-              <a:rPr lang="de-DE" sz="1400" baseline="0" dirty="0" smtClean="0">
+              <a:rPr lang="de-DE" sz="1400" baseline="0" dirty="0">
                 <a:solidFill>
                   <a:srgbClr val="0B2A51"/>
                 </a:solidFill>
@@ -1382,7 +1381,7 @@
               <a:t>Leroy Buchholz und Niklas </a:t>
             </a:r>
             <a:r>
-              <a:rPr lang="de-DE" sz="1400" baseline="0" dirty="0" err="1" smtClean="0">
+              <a:rPr lang="de-DE" sz="1400" baseline="0" dirty="0" err="1">
                 <a:solidFill>
                   <a:srgbClr val="0B2A51"/>
                 </a:solidFill>
@@ -1390,7 +1389,7 @@
               </a:rPr>
               <a:t>Fallik</a:t>
             </a:r>
-            <a:endParaRPr lang="de-DE" sz="1400" baseline="0" dirty="0" smtClean="0">
+            <a:endParaRPr lang="de-DE" sz="1400" baseline="0" dirty="0">
               <a:solidFill>
                 <a:srgbClr val="0B2A51"/>
               </a:solidFill>
@@ -1399,7 +1398,7 @@
           </a:p>
           <a:p>
             <a:r>
-              <a:rPr lang="de-DE" sz="1400" baseline="0" dirty="0" smtClean="0">
+              <a:rPr lang="de-DE" sz="1400" baseline="0" dirty="0">
                 <a:solidFill>
                   <a:srgbClr val="0B2A51"/>
                 </a:solidFill>
@@ -1452,10 +1451,9 @@
           <a:p>
             <a:pPr lvl="0"/>
             <a:r>
-              <a:rPr lang="de-DE" dirty="0" smtClean="0"/>
+              <a:rPr lang="de-DE" dirty="0"/>
               <a:t>Präsentationsüberschrift</a:t>
             </a:r>
-            <a:endParaRPr lang="de-DE" dirty="0"/>
           </a:p>
         </p:txBody>
       </p:sp>
@@ -1529,13 +1527,6 @@
   <p:clrMapOvr>
     <a:masterClrMapping/>
   </p:clrMapOvr>
-  <p:timing>
-    <p:tnLst>
-      <p:par>
-        <p:cTn id="1" dur="indefinite" restart="never" nodeType="tmRoot"/>
-      </p:par>
-    </p:tnLst>
-  </p:timing>
 </p:sldLayout>
 </file>
 
@@ -1602,6 +1593,30 @@
           </a:p>
         </p:txBody>
       </p:sp>
+      <p:pic>
+        <p:nvPicPr>
+          <p:cNvPr id="5" name="Grafik 4"/>
+          <p:cNvPicPr>
+            <a:picLocks noChangeAspect="1"/>
+          </p:cNvPicPr>
+          <p:nvPr userDrawn="1"/>
+        </p:nvPicPr>
+        <p:blipFill>
+          <a:blip r:embed="rId2"/>
+          <a:stretch>
+            <a:fillRect/>
+          </a:stretch>
+        </p:blipFill>
+        <p:spPr>
+          <a:xfrm>
+            <a:off x="0" y="5336438"/>
+            <a:ext cx="9144000" cy="1521562"/>
+          </a:xfrm>
+          <a:prstGeom prst="rect">
+            <a:avLst/>
+          </a:prstGeom>
+        </p:spPr>
+      </p:pic>
       <p:cxnSp>
         <p:nvCxnSpPr>
           <p:cNvPr id="4" name="Gerade Verbindung 3"/>
@@ -1684,7 +1699,7 @@
         </p:nvSpPr>
         <p:spPr>
           <a:xfrm>
-            <a:off x="863600" y="2420938"/>
+            <a:off x="863600" y="1258976"/>
             <a:ext cx="7832725" cy="1157154"/>
           </a:xfrm>
           <a:prstGeom prst="rect">
@@ -1707,7 +1722,7 @@
           <a:p>
             <a:pPr lvl="0"/>
             <a:r>
-              <a:rPr lang="de-DE" dirty="0" smtClean="0"/>
+              <a:rPr lang="de-DE" dirty="0"/>
               <a:t>Institut für Muster / Professur für Beispiele</a:t>
             </a:r>
           </a:p>
@@ -1725,7 +1740,7 @@
         </p:nvSpPr>
         <p:spPr>
           <a:xfrm>
-            <a:off x="863600" y="4005263"/>
+            <a:off x="863600" y="2843301"/>
             <a:ext cx="7832725" cy="1511300"/>
           </a:xfrm>
           <a:prstGeom prst="rect">
@@ -1749,10 +1764,9 @@
           <a:p>
             <a:pPr lvl="0"/>
             <a:r>
-              <a:rPr lang="de-DE" dirty="0" smtClean="0"/>
+              <a:rPr lang="de-DE" dirty="0"/>
               <a:t>Präsentationsüberschrift</a:t>
             </a:r>
-            <a:endParaRPr lang="de-DE" dirty="0"/>
           </a:p>
         </p:txBody>
       </p:sp>
@@ -1765,7 +1779,7 @@
           <p:nvPr userDrawn="1"/>
         </p:nvPicPr>
         <p:blipFill>
-          <a:blip r:embed="rId2">
+          <a:blip r:embed="rId3">
             <a:extLst>
               <a:ext uri="{28A0092B-C50C-407E-A947-70E740481C1C}">
                 <a14:useLocalDpi xmlns:a14="http://schemas.microsoft.com/office/drawing/2010/main" val="0"/>
@@ -1794,8 +1808,8 @@
         </p:nvSpPr>
         <p:spPr>
           <a:xfrm>
-            <a:off x="863600" y="5610687"/>
-            <a:ext cx="3492376" cy="492443"/>
+            <a:off x="863599" y="4448725"/>
+            <a:ext cx="7832725" cy="492443"/>
           </a:xfrm>
           <a:prstGeom prst="rect">
             <a:avLst/>
@@ -1808,8 +1822,9 @@
           </a:bodyPr>
           <a:lstStyle/>
           <a:p>
-            <a:r>
-              <a:rPr lang="de-DE" sz="1600" b="0" i="0" dirty="0" smtClean="0">
+            <a:pPr algn="r"/>
+            <a:r>
+              <a:rPr lang="de-DE" sz="1600" b="0" i="0" dirty="0">
                 <a:solidFill>
                   <a:schemeClr val="bg1">
                     <a:alpha val="80000"/>
@@ -1822,7 +1837,7 @@
               <a:t>Leroy Buchholz und Niklas </a:t>
             </a:r>
             <a:r>
-              <a:rPr lang="de-DE" sz="1600" b="0" i="0" dirty="0" err="1" smtClean="0">
+              <a:rPr lang="de-DE" sz="1600" b="0" i="0" dirty="0" err="1">
                 <a:solidFill>
                   <a:schemeClr val="bg1">
                     <a:alpha val="80000"/>
@@ -1834,7 +1849,7 @@
               </a:rPr>
               <a:t>Fallik</a:t>
             </a:r>
-            <a:endParaRPr lang="de-DE" sz="1600" b="0" i="0" dirty="0" smtClean="0">
+            <a:endParaRPr lang="de-DE" sz="1600" b="0" i="0" dirty="0">
               <a:solidFill>
                 <a:schemeClr val="bg1">
                   <a:alpha val="80000"/>
@@ -1846,8 +1861,9 @@
             </a:endParaRPr>
           </a:p>
           <a:p>
-            <a:r>
-              <a:rPr lang="de-DE" sz="1600" b="0" i="0" dirty="0" smtClean="0">
+            <a:pPr algn="r"/>
+            <a:r>
+              <a:rPr lang="de-DE" sz="1600" b="0" i="0" dirty="0">
                 <a:solidFill>
                   <a:schemeClr val="bg1">
                     <a:alpha val="80000"/>
@@ -1859,16 +1875,6 @@
               </a:rPr>
               <a:t>Dresden, 27.10.2016</a:t>
             </a:r>
-            <a:endParaRPr lang="de-DE" sz="1600" b="0" i="0" dirty="0">
-              <a:solidFill>
-                <a:schemeClr val="bg1">
-                  <a:alpha val="80000"/>
-                </a:schemeClr>
-              </a:solidFill>
-              <a:latin typeface="Verdana" charset="0"/>
-              <a:ea typeface="Verdana" charset="0"/>
-              <a:cs typeface="Verdana" charset="0"/>
-            </a:endParaRPr>
           </a:p>
         </p:txBody>
       </p:sp>
@@ -1881,7 +1887,7 @@
           <p:nvPr userDrawn="1"/>
         </p:nvPicPr>
         <p:blipFill>
-          <a:blip r:embed="rId3">
+          <a:blip r:embed="rId4">
             <a:extLst>
               <a:ext uri="{28A0092B-C50C-407E-A947-70E740481C1C}">
                 <a14:useLocalDpi xmlns:a14="http://schemas.microsoft.com/office/drawing/2010/main" val="0"/>
@@ -1912,13 +1918,6 @@
   <p:clrMapOvr>
     <a:masterClrMapping/>
   </p:clrMapOvr>
-  <p:timing>
-    <p:tnLst>
-      <p:par>
-        <p:cTn id="1" dur="indefinite" restart="never" nodeType="tmRoot"/>
-      </p:par>
-    </p:tnLst>
-  </p:timing>
 </p:sldLayout>
 </file>
 
@@ -2022,7 +2021,7 @@
           <a:p>
             <a:pPr lvl="0"/>
             <a:r>
-              <a:rPr lang="de-DE" dirty="0" smtClean="0"/>
+              <a:rPr lang="de-DE" dirty="0"/>
               <a:t>Schriftgröße 20 für wesentliche Aussagen</a:t>
             </a:r>
           </a:p>
@@ -2043,7 +2042,7 @@
               <a:defRPr/>
             </a:pPr>
             <a:r>
-              <a:rPr lang="de-DE" dirty="0" smtClean="0"/>
+              <a:rPr lang="de-DE" dirty="0"/>
               <a:t>Zweite Ebene</a:t>
             </a:r>
           </a:p>
@@ -2064,21 +2063,21 @@
               <a:defRPr/>
             </a:pPr>
             <a:r>
-              <a:rPr lang="de-DE" dirty="0" smtClean="0"/>
+              <a:rPr lang="de-DE" dirty="0"/>
               <a:t>Minimale Schriftgröße 16 – wenn es eng wird</a:t>
             </a:r>
           </a:p>
           <a:p>
             <a:pPr lvl="3"/>
             <a:r>
-              <a:rPr lang="de-DE" dirty="0" smtClean="0"/>
+              <a:rPr lang="de-DE" dirty="0"/>
               <a:t>Dritte Ebene</a:t>
             </a:r>
           </a:p>
           <a:p>
             <a:pPr lvl="4"/>
             <a:r>
-              <a:rPr lang="de-DE" dirty="0" smtClean="0"/>
+              <a:rPr lang="de-DE" dirty="0"/>
               <a:t>Vierte Ebene</a:t>
             </a:r>
           </a:p>
@@ -2120,10 +2119,9 @@
           <a:p>
             <a:pPr lvl="0"/>
             <a:r>
-              <a:rPr lang="de-DE" dirty="0" smtClean="0"/>
+              <a:rPr lang="de-DE" dirty="0"/>
               <a:t>FOLIENÜBERSCHRIFT</a:t>
             </a:r>
-            <a:endParaRPr lang="de-DE" dirty="0"/>
           </a:p>
         </p:txBody>
       </p:sp>
@@ -2139,7 +2137,7 @@
         </p:nvSpPr>
         <p:spPr>
           <a:xfrm>
-            <a:off x="179512" y="6394450"/>
+            <a:off x="81060" y="6525344"/>
             <a:ext cx="1898652" cy="254000"/>
           </a:xfrm>
         </p:spPr>
@@ -2149,7 +2147,7 @@
           <a:p>
             <a:fld id="{852F18A7-60EF-DD48-8F37-BE93452F0A67}" type="datetime1">
               <a:rPr lang="de-DE" smtClean="0"/>
-              <a:t>24.10.16</a:t>
+              <a:t>24.10.2016</a:t>
             </a:fld>
             <a:endParaRPr lang="de-DE" dirty="0"/>
           </a:p>
@@ -2157,53 +2155,17 @@
       </p:sp>
       <p:sp>
         <p:nvSpPr>
-          <p:cNvPr id="3" name="Fußzeilenplatzhalter 2"/>
-          <p:cNvSpPr>
-            <a:spLocks noGrp="1"/>
-          </p:cNvSpPr>
-          <p:nvPr>
-            <p:ph type="ftr" sz="quarter" idx="21"/>
+          <p:cNvPr id="4" name="Foliennummernplatzhalter 3"/>
+          <p:cNvSpPr>
+            <a:spLocks noGrp="1"/>
+          </p:cNvSpPr>
+          <p:nvPr>
+            <p:ph type="sldNum" sz="quarter" idx="22"/>
           </p:nvPr>
         </p:nvSpPr>
         <p:spPr>
           <a:xfrm>
-            <a:off x="2680585" y="6400799"/>
-            <a:ext cx="3883025" cy="254000"/>
-          </a:xfrm>
-        </p:spPr>
-        <p:txBody>
-          <a:bodyPr/>
-          <a:lstStyle/>
-          <a:p>
-            <a:r>
-              <a:rPr lang="de-DE" dirty="0" err="1" smtClean="0"/>
-              <a:t>agsbs</a:t>
-            </a:r>
-            <a:r>
-              <a:rPr lang="de-DE" dirty="0" smtClean="0"/>
-              <a:t>-atom-</a:t>
-            </a:r>
-            <a:r>
-              <a:rPr lang="de-DE" dirty="0" err="1" smtClean="0"/>
-              <a:t>package</a:t>
-            </a:r>
-            <a:endParaRPr lang="de-DE" dirty="0"/>
-          </a:p>
-        </p:txBody>
-      </p:sp>
-      <p:sp>
-        <p:nvSpPr>
-          <p:cNvPr id="4" name="Foliennummernplatzhalter 3"/>
-          <p:cNvSpPr>
-            <a:spLocks noGrp="1"/>
-          </p:cNvSpPr>
-          <p:nvPr>
-            <p:ph type="sldNum" sz="quarter" idx="22"/>
-          </p:nvPr>
-        </p:nvSpPr>
-        <p:spPr>
-          <a:xfrm>
-            <a:off x="7092280" y="6379633"/>
+            <a:off x="7164288" y="6525344"/>
             <a:ext cx="1908175" cy="254000"/>
           </a:xfrm>
         </p:spPr>
@@ -2212,7 +2174,7 @@
           <a:lstStyle/>
           <a:p>
             <a:r>
-              <a:rPr lang="de-DE" smtClean="0"/>
+              <a:rPr lang="de-DE"/>
               <a:t>Folie </a:t>
             </a:r>
             <a:fld id="{20336FBE-96EF-1B43-9998-83765DDB0397}" type="slidenum">
@@ -2221,7 +2183,7 @@
               <a:t>‹Nr.›</a:t>
             </a:fld>
             <a:r>
-              <a:rPr lang="de-DE" smtClean="0"/>
+              <a:rPr lang="de-DE"/>
               <a:t> von XYZ</a:t>
             </a:r>
             <a:endParaRPr lang="de-DE" dirty="0"/>
@@ -2238,13 +2200,6 @@
   <p:clrMapOvr>
     <a:masterClrMapping/>
   </p:clrMapOvr>
-  <p:timing>
-    <p:tnLst>
-      <p:par>
-        <p:cTn id="1" dur="indefinite" restart="never" nodeType="tmRoot"/>
-      </p:par>
-    </p:tnLst>
-  </p:timing>
 </p:sldLayout>
 </file>
 
@@ -2301,10 +2256,9 @@
           <a:p>
             <a:pPr lvl="0"/>
             <a:r>
-              <a:rPr lang="de-DE" dirty="0" smtClean="0"/>
+              <a:rPr lang="de-DE" dirty="0"/>
               <a:t>FOLIENÜBERSCHRIFT</a:t>
             </a:r>
-            <a:endParaRPr lang="de-DE" dirty="0"/>
           </a:p>
         </p:txBody>
       </p:sp>
@@ -2391,7 +2345,7 @@
           <a:p>
             <a:pPr lvl="0"/>
             <a:r>
-              <a:rPr lang="de-DE" dirty="0" smtClean="0"/>
+              <a:rPr lang="de-DE" dirty="0"/>
               <a:t>Schriftgröße 20 für wesentliche Aussagen</a:t>
             </a:r>
           </a:p>
@@ -2412,7 +2366,7 @@
               <a:defRPr/>
             </a:pPr>
             <a:r>
-              <a:rPr lang="de-DE" dirty="0" smtClean="0"/>
+              <a:rPr lang="de-DE" dirty="0"/>
               <a:t>Zweite Ebene</a:t>
             </a:r>
           </a:p>
@@ -2433,28 +2387,28 @@
               <a:defRPr/>
             </a:pPr>
             <a:r>
-              <a:rPr lang="de-DE" dirty="0" smtClean="0"/>
+              <a:rPr lang="de-DE" dirty="0"/>
               <a:t>Minimale Schriftgröße 16 </a:t>
             </a:r>
             <a:br>
-              <a:rPr lang="de-DE" dirty="0" smtClean="0"/>
+              <a:rPr lang="de-DE" dirty="0"/>
             </a:br>
             <a:r>
-              <a:rPr lang="de-DE" dirty="0" smtClean="0"/>
+              <a:rPr lang="de-DE" dirty="0"/>
               <a:t>wenn es eng wird</a:t>
             </a:r>
           </a:p>
           <a:p>
             <a:pPr lvl="3"/>
             <a:r>
-              <a:rPr lang="de-DE" dirty="0" smtClean="0"/>
+              <a:rPr lang="de-DE" dirty="0"/>
               <a:t>Dritte Ebene</a:t>
             </a:r>
           </a:p>
           <a:p>
             <a:pPr lvl="4"/>
             <a:r>
-              <a:rPr lang="de-DE" dirty="0" smtClean="0"/>
+              <a:rPr lang="de-DE" dirty="0"/>
               <a:t>Vierte Ebene</a:t>
             </a:r>
           </a:p>
@@ -2543,7 +2497,7 @@
           <a:p>
             <a:pPr lvl="0"/>
             <a:r>
-              <a:rPr lang="de-DE" dirty="0" smtClean="0"/>
+              <a:rPr lang="de-DE" dirty="0"/>
               <a:t>Schriftgröße 20 für wesentliche Aussagen</a:t>
             </a:r>
           </a:p>
@@ -2564,7 +2518,7 @@
               <a:defRPr/>
             </a:pPr>
             <a:r>
-              <a:rPr lang="de-DE" dirty="0" smtClean="0"/>
+              <a:rPr lang="de-DE" dirty="0"/>
               <a:t>Zweite Ebene</a:t>
             </a:r>
           </a:p>
@@ -2585,28 +2539,28 @@
               <a:defRPr/>
             </a:pPr>
             <a:r>
-              <a:rPr lang="de-DE" dirty="0" smtClean="0"/>
+              <a:rPr lang="de-DE" dirty="0"/>
               <a:t>Minimale Schriftgröße 16</a:t>
             </a:r>
             <a:br>
-              <a:rPr lang="de-DE" dirty="0" smtClean="0"/>
+              <a:rPr lang="de-DE" dirty="0"/>
             </a:br>
             <a:r>
-              <a:rPr lang="de-DE" dirty="0" smtClean="0"/>
+              <a:rPr lang="de-DE" dirty="0"/>
               <a:t>wenn es eng wird</a:t>
             </a:r>
           </a:p>
           <a:p>
             <a:pPr lvl="3"/>
             <a:r>
-              <a:rPr lang="de-DE" dirty="0" smtClean="0"/>
+              <a:rPr lang="de-DE" dirty="0"/>
               <a:t>Dritte Ebene</a:t>
             </a:r>
           </a:p>
           <a:p>
             <a:pPr lvl="4"/>
             <a:r>
-              <a:rPr lang="de-DE" dirty="0" smtClean="0"/>
+              <a:rPr lang="de-DE" dirty="0"/>
               <a:t>Vierte Ebene</a:t>
             </a:r>
           </a:p>
@@ -2629,7 +2583,7 @@
           <a:p>
             <a:fld id="{914A7847-6905-B242-ACA4-DFC698823CB6}" type="datetime1">
               <a:rPr lang="de-DE" smtClean="0"/>
-              <a:t>24.10.16</a:t>
+              <a:t>24.10.2016</a:t>
             </a:fld>
             <a:endParaRPr lang="de-DE" dirty="0"/>
           </a:p>
@@ -2637,12 +2591,12 @@
       </p:sp>
       <p:sp>
         <p:nvSpPr>
-          <p:cNvPr id="3" name="Fußzeilenplatzhalter 2"/>
-          <p:cNvSpPr>
-            <a:spLocks noGrp="1"/>
-          </p:cNvSpPr>
-          <p:nvPr>
-            <p:ph type="ftr" sz="quarter" idx="22"/>
+          <p:cNvPr id="4" name="Foliennummernplatzhalter 3"/>
+          <p:cNvSpPr>
+            <a:spLocks noGrp="1"/>
+          </p:cNvSpPr>
+          <p:nvPr>
+            <p:ph type="sldNum" sz="quarter" idx="23"/>
           </p:nvPr>
         </p:nvSpPr>
         <p:spPr/>
@@ -2651,30 +2605,7 @@
           <a:lstStyle/>
           <a:p>
             <a:r>
-              <a:rPr lang="de-DE" smtClean="0"/>
-              <a:t>Präsentationstitel bitte im Master in Fusszeile ändern</a:t>
-            </a:r>
-            <a:endParaRPr lang="de-DE" dirty="0"/>
-          </a:p>
-        </p:txBody>
-      </p:sp>
-      <p:sp>
-        <p:nvSpPr>
-          <p:cNvPr id="4" name="Foliennummernplatzhalter 3"/>
-          <p:cNvSpPr>
-            <a:spLocks noGrp="1"/>
-          </p:cNvSpPr>
-          <p:nvPr>
-            <p:ph type="sldNum" sz="quarter" idx="23"/>
-          </p:nvPr>
-        </p:nvSpPr>
-        <p:spPr/>
-        <p:txBody>
-          <a:bodyPr/>
-          <a:lstStyle/>
-          <a:p>
-            <a:r>
-              <a:rPr lang="de-DE" smtClean="0"/>
+              <a:rPr lang="de-DE"/>
               <a:t>Folie </a:t>
             </a:r>
             <a:fld id="{20336FBE-96EF-1B43-9998-83765DDB0397}" type="slidenum">
@@ -2683,7 +2614,7 @@
               <a:t>‹Nr.›</a:t>
             </a:fld>
             <a:r>
-              <a:rPr lang="de-DE" smtClean="0"/>
+              <a:rPr lang="de-DE"/>
               <a:t> von XYZ</a:t>
             </a:r>
             <a:endParaRPr lang="de-DE" dirty="0"/>
@@ -2700,13 +2631,6 @@
   <p:clrMapOvr>
     <a:masterClrMapping/>
   </p:clrMapOvr>
-  <p:timing>
-    <p:tnLst>
-      <p:par>
-        <p:cTn id="1" dur="indefinite" restart="never" nodeType="tmRoot"/>
-      </p:par>
-    </p:tnLst>
-  </p:timing>
 </p:sldLayout>
 </file>
 
@@ -2764,10 +2688,9 @@
           </a:lstStyle>
           <a:p>
             <a:r>
-              <a:rPr lang="de-DE" smtClean="0"/>
+              <a:rPr lang="de-DE"/>
               <a:t>Bild auf Platzhalter ziehen oder durch Klicken auf Symbol hinzufügen</a:t>
             </a:r>
-            <a:endParaRPr lang="de-DE"/>
           </a:p>
         </p:txBody>
       </p:sp>
@@ -2808,10 +2731,9 @@
           </a:lstStyle>
           <a:p>
             <a:r>
-              <a:rPr lang="de-DE" smtClean="0"/>
+              <a:rPr lang="de-DE"/>
               <a:t>Bild auf Platzhalter ziehen oder durch Klicken auf Symbol hinzufügen</a:t>
             </a:r>
-            <a:endParaRPr lang="de-DE"/>
           </a:p>
         </p:txBody>
       </p:sp>
@@ -2852,10 +2774,9 @@
           </a:lstStyle>
           <a:p>
             <a:r>
-              <a:rPr lang="de-DE" smtClean="0"/>
+              <a:rPr lang="de-DE"/>
               <a:t>Bild auf Platzhalter ziehen oder durch Klicken auf Symbol hinzufügen</a:t>
             </a:r>
-            <a:endParaRPr lang="de-DE"/>
           </a:p>
         </p:txBody>
       </p:sp>
@@ -2895,10 +2816,9 @@
           <a:p>
             <a:pPr lvl="0"/>
             <a:r>
-              <a:rPr lang="de-DE" dirty="0" smtClean="0"/>
+              <a:rPr lang="de-DE" dirty="0"/>
               <a:t>FOLIENÜBERSCHRIFT</a:t>
             </a:r>
-            <a:endParaRPr lang="de-DE" dirty="0"/>
           </a:p>
         </p:txBody>
       </p:sp>
@@ -2985,14 +2905,14 @@
           <a:p>
             <a:pPr lvl="0"/>
             <a:r>
-              <a:rPr lang="de-DE" dirty="0" smtClean="0"/>
+              <a:rPr lang="de-DE" dirty="0"/>
               <a:t>Schriftgröße 20</a:t>
             </a:r>
           </a:p>
           <a:p>
             <a:pPr lvl="1"/>
             <a:r>
-              <a:rPr lang="de-DE" dirty="0" smtClean="0"/>
+              <a:rPr lang="de-DE" dirty="0"/>
               <a:t>Zweite Ebene</a:t>
             </a:r>
           </a:p>
@@ -3013,28 +2933,28 @@
               <a:defRPr/>
             </a:pPr>
             <a:r>
-              <a:rPr lang="de-DE" dirty="0" smtClean="0"/>
+              <a:rPr lang="de-DE" dirty="0"/>
               <a:t>Min. Schriftgröße 16 </a:t>
             </a:r>
             <a:br>
-              <a:rPr lang="de-DE" dirty="0" smtClean="0"/>
+              <a:rPr lang="de-DE" dirty="0"/>
             </a:br>
             <a:r>
-              <a:rPr lang="de-DE" dirty="0" smtClean="0"/>
+              <a:rPr lang="de-DE" dirty="0"/>
               <a:t>wenn es eng wird</a:t>
             </a:r>
           </a:p>
           <a:p>
             <a:pPr lvl="3"/>
             <a:r>
-              <a:rPr lang="de-DE" dirty="0" smtClean="0"/>
+              <a:rPr lang="de-DE" dirty="0"/>
               <a:t>Dritte Ebene</a:t>
             </a:r>
           </a:p>
           <a:p>
             <a:pPr lvl="4"/>
             <a:r>
-              <a:rPr lang="de-DE" dirty="0" smtClean="0"/>
+              <a:rPr lang="de-DE" dirty="0"/>
               <a:t>Vierte Ebene</a:t>
             </a:r>
           </a:p>
@@ -3123,14 +3043,14 @@
           <a:p>
             <a:pPr lvl="0"/>
             <a:r>
-              <a:rPr lang="de-DE" dirty="0" smtClean="0"/>
+              <a:rPr lang="de-DE" dirty="0"/>
               <a:t>Schriftgröße 20</a:t>
             </a:r>
           </a:p>
           <a:p>
             <a:pPr lvl="1"/>
             <a:r>
-              <a:rPr lang="de-DE" dirty="0" smtClean="0"/>
+              <a:rPr lang="de-DE" dirty="0"/>
               <a:t>Zweite Ebene</a:t>
             </a:r>
           </a:p>
@@ -3151,28 +3071,28 @@
               <a:defRPr/>
             </a:pPr>
             <a:r>
-              <a:rPr lang="de-DE" dirty="0" smtClean="0"/>
+              <a:rPr lang="de-DE" dirty="0"/>
               <a:t>Min. Schriftgröße 16 </a:t>
             </a:r>
             <a:br>
-              <a:rPr lang="de-DE" dirty="0" smtClean="0"/>
+              <a:rPr lang="de-DE" dirty="0"/>
             </a:br>
             <a:r>
-              <a:rPr lang="de-DE" dirty="0" smtClean="0"/>
+              <a:rPr lang="de-DE" dirty="0"/>
               <a:t>wenn es eng wird</a:t>
             </a:r>
           </a:p>
           <a:p>
             <a:pPr lvl="3"/>
             <a:r>
-              <a:rPr lang="de-DE" dirty="0" smtClean="0"/>
+              <a:rPr lang="de-DE" dirty="0"/>
               <a:t>Dritte Ebene</a:t>
             </a:r>
           </a:p>
           <a:p>
             <a:pPr lvl="4"/>
             <a:r>
-              <a:rPr lang="de-DE" dirty="0" smtClean="0"/>
+              <a:rPr lang="de-DE" dirty="0"/>
               <a:t>Vierte Ebene</a:t>
             </a:r>
           </a:p>
@@ -3261,14 +3181,14 @@
           <a:p>
             <a:pPr lvl="0"/>
             <a:r>
-              <a:rPr lang="de-DE" dirty="0" smtClean="0"/>
+              <a:rPr lang="de-DE" dirty="0"/>
               <a:t>Schriftgröße 20</a:t>
             </a:r>
           </a:p>
           <a:p>
             <a:pPr lvl="1"/>
             <a:r>
-              <a:rPr lang="de-DE" dirty="0" smtClean="0"/>
+              <a:rPr lang="de-DE" dirty="0"/>
               <a:t>Zweite Ebene</a:t>
             </a:r>
           </a:p>
@@ -3289,28 +3209,28 @@
               <a:defRPr/>
             </a:pPr>
             <a:r>
-              <a:rPr lang="de-DE" dirty="0" smtClean="0"/>
+              <a:rPr lang="de-DE" dirty="0"/>
               <a:t>Min. Schriftgröße 16 </a:t>
             </a:r>
             <a:br>
-              <a:rPr lang="de-DE" dirty="0" smtClean="0"/>
+              <a:rPr lang="de-DE" dirty="0"/>
             </a:br>
             <a:r>
-              <a:rPr lang="de-DE" dirty="0" smtClean="0"/>
+              <a:rPr lang="de-DE" dirty="0"/>
               <a:t>wenn es eng wird</a:t>
             </a:r>
           </a:p>
           <a:p>
             <a:pPr lvl="3"/>
             <a:r>
-              <a:rPr lang="de-DE" dirty="0" smtClean="0"/>
+              <a:rPr lang="de-DE" dirty="0"/>
               <a:t>Dritte Ebene</a:t>
             </a:r>
           </a:p>
           <a:p>
             <a:pPr lvl="4"/>
             <a:r>
-              <a:rPr lang="de-DE" dirty="0" smtClean="0"/>
+              <a:rPr lang="de-DE" dirty="0"/>
               <a:t>Vierte Ebene</a:t>
             </a:r>
           </a:p>
@@ -3333,7 +3253,7 @@
           <a:p>
             <a:fld id="{773F783F-9998-A34F-A6AA-7D13D942F7CC}" type="datetime1">
               <a:rPr lang="de-DE" smtClean="0"/>
-              <a:t>24.10.16</a:t>
+              <a:t>24.10.2016</a:t>
             </a:fld>
             <a:endParaRPr lang="de-DE" dirty="0"/>
           </a:p>
@@ -3341,12 +3261,12 @@
       </p:sp>
       <p:sp>
         <p:nvSpPr>
-          <p:cNvPr id="3" name="Fußzeilenplatzhalter 2"/>
-          <p:cNvSpPr>
-            <a:spLocks noGrp="1"/>
-          </p:cNvSpPr>
-          <p:nvPr>
-            <p:ph type="ftr" sz="quarter" idx="26"/>
+          <p:cNvPr id="4" name="Foliennummernplatzhalter 3"/>
+          <p:cNvSpPr>
+            <a:spLocks noGrp="1"/>
+          </p:cNvSpPr>
+          <p:nvPr>
+            <p:ph type="sldNum" sz="quarter" idx="27"/>
           </p:nvPr>
         </p:nvSpPr>
         <p:spPr/>
@@ -3355,30 +3275,7 @@
           <a:lstStyle/>
           <a:p>
             <a:r>
-              <a:rPr lang="de-DE" smtClean="0"/>
-              <a:t>Präsentationstitel bitte im Master in Fusszeile ändern</a:t>
-            </a:r>
-            <a:endParaRPr lang="de-DE" dirty="0"/>
-          </a:p>
-        </p:txBody>
-      </p:sp>
-      <p:sp>
-        <p:nvSpPr>
-          <p:cNvPr id="4" name="Foliennummernplatzhalter 3"/>
-          <p:cNvSpPr>
-            <a:spLocks noGrp="1"/>
-          </p:cNvSpPr>
-          <p:nvPr>
-            <p:ph type="sldNum" sz="quarter" idx="27"/>
-          </p:nvPr>
-        </p:nvSpPr>
-        <p:spPr/>
-        <p:txBody>
-          <a:bodyPr/>
-          <a:lstStyle/>
-          <a:p>
-            <a:r>
-              <a:rPr lang="de-DE" smtClean="0"/>
+              <a:rPr lang="de-DE"/>
               <a:t>Folie </a:t>
             </a:r>
             <a:fld id="{20336FBE-96EF-1B43-9998-83765DDB0397}" type="slidenum">
@@ -3387,7 +3284,7 @@
               <a:t>‹Nr.›</a:t>
             </a:fld>
             <a:r>
-              <a:rPr lang="de-DE" smtClean="0"/>
+              <a:rPr lang="de-DE"/>
               <a:t> von XYZ</a:t>
             </a:r>
             <a:endParaRPr lang="de-DE" dirty="0"/>
@@ -3404,13 +3301,6 @@
   <p:clrMapOvr>
     <a:masterClrMapping/>
   </p:clrMapOvr>
-  <p:timing>
-    <p:tnLst>
-      <p:par>
-        <p:cTn id="1" dur="indefinite" restart="never" nodeType="tmRoot"/>
-      </p:par>
-    </p:tnLst>
-  </p:timing>
 </p:sldLayout>
 </file>
 
@@ -3516,14 +3406,14 @@
           <a:p>
             <a:pPr lvl="0"/>
             <a:r>
-              <a:rPr lang="de-DE" smtClean="0"/>
+              <a:rPr lang="de-DE"/>
               <a:t>Schriftgröße 20</a:t>
             </a:r>
           </a:p>
           <a:p>
             <a:pPr lvl="1"/>
             <a:r>
-              <a:rPr lang="de-DE" dirty="0" smtClean="0"/>
+              <a:rPr lang="de-DE" dirty="0"/>
               <a:t>Zweite Ebene</a:t>
             </a:r>
           </a:p>
@@ -3544,28 +3434,28 @@
               <a:defRPr/>
             </a:pPr>
             <a:r>
-              <a:rPr lang="de-DE" dirty="0" smtClean="0"/>
+              <a:rPr lang="de-DE" dirty="0"/>
               <a:t>Min. Schriftgröße 16 </a:t>
             </a:r>
             <a:br>
-              <a:rPr lang="de-DE" dirty="0" smtClean="0"/>
+              <a:rPr lang="de-DE" dirty="0"/>
             </a:br>
             <a:r>
-              <a:rPr lang="de-DE" dirty="0" smtClean="0"/>
+              <a:rPr lang="de-DE" dirty="0"/>
               <a:t>wenn es eng wird</a:t>
             </a:r>
           </a:p>
           <a:p>
             <a:pPr lvl="3"/>
             <a:r>
-              <a:rPr lang="de-DE" dirty="0" smtClean="0"/>
+              <a:rPr lang="de-DE" dirty="0"/>
               <a:t>Dritte Ebene</a:t>
             </a:r>
           </a:p>
           <a:p>
             <a:pPr lvl="4"/>
             <a:r>
-              <a:rPr lang="de-DE" dirty="0" smtClean="0"/>
+              <a:rPr lang="de-DE" dirty="0"/>
               <a:t>Vierte Ebene</a:t>
             </a:r>
           </a:p>
@@ -3611,10 +3501,9 @@
           <a:p>
             <a:pPr lvl="0"/>
             <a:r>
-              <a:rPr lang="de-DE" dirty="0" smtClean="0"/>
+              <a:rPr lang="de-DE" dirty="0"/>
               <a:t>FOLIENÜBERSCHRIFT</a:t>
             </a:r>
-            <a:endParaRPr lang="de-DE" dirty="0"/>
           </a:p>
         </p:txBody>
       </p:sp>
@@ -3635,7 +3524,7 @@
           <a:p>
             <a:fld id="{1F7C8A0B-D180-C94D-8A26-BC490BCDA509}" type="datetime1">
               <a:rPr lang="de-DE" smtClean="0"/>
-              <a:t>24.10.16</a:t>
+              <a:t>24.10.2016</a:t>
             </a:fld>
             <a:endParaRPr lang="de-DE"/>
           </a:p>
@@ -3651,13 +3540,21 @@
             <p:ph type="ftr" sz="quarter" idx="17"/>
           </p:nvPr>
         </p:nvSpPr>
-        <p:spPr/>
+        <p:spPr>
+          <a:xfrm>
+            <a:off x="2833688" y="6395720"/>
+            <a:ext cx="3883025" cy="254000"/>
+          </a:xfrm>
+          <a:prstGeom prst="rect">
+            <a:avLst/>
+          </a:prstGeom>
+        </p:spPr>
         <p:txBody>
           <a:bodyPr/>
           <a:lstStyle/>
           <a:p>
             <a:r>
-              <a:rPr lang="de-DE" smtClean="0"/>
+              <a:rPr lang="de-DE"/>
               <a:t>Präsentationstitel bitte im Master in Fusszeile ändern</a:t>
             </a:r>
             <a:endParaRPr lang="de-DE" dirty="0"/>
@@ -3680,7 +3577,7 @@
           <a:lstStyle/>
           <a:p>
             <a:r>
-              <a:rPr lang="de-DE" smtClean="0"/>
+              <a:rPr lang="de-DE"/>
               <a:t>Folie </a:t>
             </a:r>
             <a:fld id="{20336FBE-96EF-1B43-9998-83765DDB0397}" type="slidenum">
@@ -3689,7 +3586,7 @@
               <a:t>‹Nr.›</a:t>
             </a:fld>
             <a:r>
-              <a:rPr lang="de-DE" smtClean="0"/>
+              <a:rPr lang="de-DE"/>
               <a:t> von XYZ</a:t>
             </a:r>
             <a:endParaRPr lang="de-DE" dirty="0"/>
@@ -3781,14 +3678,14 @@
           <a:p>
             <a:pPr lvl="0"/>
             <a:r>
-              <a:rPr lang="de-DE" smtClean="0"/>
+              <a:rPr lang="de-DE"/>
               <a:t>Schriftgröße 20</a:t>
             </a:r>
           </a:p>
           <a:p>
             <a:pPr lvl="1"/>
             <a:r>
-              <a:rPr lang="de-DE" dirty="0" smtClean="0"/>
+              <a:rPr lang="de-DE" dirty="0"/>
               <a:t>Zweite Ebene</a:t>
             </a:r>
           </a:p>
@@ -3809,28 +3706,28 @@
               <a:defRPr/>
             </a:pPr>
             <a:r>
-              <a:rPr lang="de-DE" dirty="0" smtClean="0"/>
+              <a:rPr lang="de-DE" dirty="0"/>
               <a:t>Min. Schriftgröße 16 </a:t>
             </a:r>
             <a:br>
-              <a:rPr lang="de-DE" dirty="0" smtClean="0"/>
+              <a:rPr lang="de-DE" dirty="0"/>
             </a:br>
             <a:r>
-              <a:rPr lang="de-DE" dirty="0" smtClean="0"/>
+              <a:rPr lang="de-DE" dirty="0"/>
               <a:t>wenn es eng wird</a:t>
             </a:r>
           </a:p>
           <a:p>
             <a:pPr lvl="3"/>
             <a:r>
-              <a:rPr lang="de-DE" dirty="0" smtClean="0"/>
+              <a:rPr lang="de-DE" dirty="0"/>
               <a:t>Dritte Ebene</a:t>
             </a:r>
           </a:p>
           <a:p>
             <a:pPr lvl="4"/>
             <a:r>
-              <a:rPr lang="de-DE" dirty="0" smtClean="0"/>
+              <a:rPr lang="de-DE" dirty="0"/>
               <a:t>Vierte Ebene</a:t>
             </a:r>
           </a:p>
@@ -3925,14 +3822,14 @@
           <a:p>
             <a:pPr lvl="0"/>
             <a:r>
-              <a:rPr lang="de-DE" smtClean="0"/>
+              <a:rPr lang="de-DE"/>
               <a:t>Schriftgröße 20</a:t>
             </a:r>
           </a:p>
           <a:p>
             <a:pPr lvl="1"/>
             <a:r>
-              <a:rPr lang="de-DE" dirty="0" smtClean="0"/>
+              <a:rPr lang="de-DE" dirty="0"/>
               <a:t>Zweite Ebene</a:t>
             </a:r>
           </a:p>
@@ -3953,28 +3850,28 @@
               <a:defRPr/>
             </a:pPr>
             <a:r>
-              <a:rPr lang="de-DE" dirty="0" smtClean="0"/>
+              <a:rPr lang="de-DE" dirty="0"/>
               <a:t>Min. Schriftgröße 16 </a:t>
             </a:r>
             <a:br>
-              <a:rPr lang="de-DE" dirty="0" smtClean="0"/>
+              <a:rPr lang="de-DE" dirty="0"/>
             </a:br>
             <a:r>
-              <a:rPr lang="de-DE" dirty="0" smtClean="0"/>
+              <a:rPr lang="de-DE" dirty="0"/>
               <a:t>wenn es eng wird</a:t>
             </a:r>
           </a:p>
           <a:p>
             <a:pPr lvl="3"/>
             <a:r>
-              <a:rPr lang="de-DE" dirty="0" smtClean="0"/>
+              <a:rPr lang="de-DE" dirty="0"/>
               <a:t>Dritte Ebene</a:t>
             </a:r>
           </a:p>
           <a:p>
             <a:pPr lvl="4"/>
             <a:r>
-              <a:rPr lang="de-DE" dirty="0" smtClean="0"/>
+              <a:rPr lang="de-DE" dirty="0"/>
               <a:t>Vierte Ebene</a:t>
             </a:r>
           </a:p>
@@ -4069,14 +3966,14 @@
           <a:p>
             <a:pPr lvl="0"/>
             <a:r>
-              <a:rPr lang="de-DE" smtClean="0"/>
+              <a:rPr lang="de-DE"/>
               <a:t>Schriftgröße 20</a:t>
             </a:r>
           </a:p>
           <a:p>
             <a:pPr lvl="1"/>
             <a:r>
-              <a:rPr lang="de-DE" dirty="0" smtClean="0"/>
+              <a:rPr lang="de-DE" dirty="0"/>
               <a:t>Zweite Ebene</a:t>
             </a:r>
           </a:p>
@@ -4097,28 +3994,28 @@
               <a:defRPr/>
             </a:pPr>
             <a:r>
-              <a:rPr lang="de-DE" dirty="0" smtClean="0"/>
+              <a:rPr lang="de-DE" dirty="0"/>
               <a:t>Min. Schriftgröße 16 </a:t>
             </a:r>
             <a:br>
-              <a:rPr lang="de-DE" dirty="0" smtClean="0"/>
+              <a:rPr lang="de-DE" dirty="0"/>
             </a:br>
             <a:r>
-              <a:rPr lang="de-DE" dirty="0" smtClean="0"/>
+              <a:rPr lang="de-DE" dirty="0"/>
               <a:t>wenn es eng wird</a:t>
             </a:r>
           </a:p>
           <a:p>
             <a:pPr lvl="3"/>
             <a:r>
-              <a:rPr lang="de-DE" dirty="0" smtClean="0"/>
+              <a:rPr lang="de-DE" dirty="0"/>
               <a:t>Dritte Ebene</a:t>
             </a:r>
           </a:p>
           <a:p>
             <a:pPr lvl="4"/>
             <a:r>
-              <a:rPr lang="de-DE" dirty="0" smtClean="0"/>
+              <a:rPr lang="de-DE" dirty="0"/>
               <a:t>Vierte Ebene</a:t>
             </a:r>
           </a:p>
@@ -4138,13 +4035,6 @@
   <p:clrMapOvr>
     <a:masterClrMapping/>
   </p:clrMapOvr>
-  <p:timing>
-    <p:tnLst>
-      <p:par>
-        <p:cTn id="1" dur="indefinite" restart="never" nodeType="tmRoot"/>
-      </p:par>
-    </p:tnLst>
-  </p:timing>
 </p:sldLayout>
 </file>
 
@@ -4201,10 +4091,9 @@
           <a:p>
             <a:pPr lvl="0"/>
             <a:r>
-              <a:rPr lang="de-DE" dirty="0" smtClean="0"/>
+              <a:rPr lang="de-DE" dirty="0"/>
               <a:t>FOLIENÜBERSCHRIFT</a:t>
             </a:r>
-            <a:endParaRPr lang="de-DE" dirty="0"/>
           </a:p>
         </p:txBody>
       </p:sp>
@@ -4225,7 +4114,7 @@
           <a:p>
             <a:fld id="{AE07911B-7DE2-8645-9FD8-F88AE04D4E83}" type="datetime1">
               <a:rPr lang="de-DE" smtClean="0"/>
-              <a:t>24.10.16</a:t>
+              <a:t>24.10.2016</a:t>
             </a:fld>
             <a:endParaRPr lang="de-DE"/>
           </a:p>
@@ -4233,12 +4122,12 @@
       </p:sp>
       <p:sp>
         <p:nvSpPr>
-          <p:cNvPr id="8" name="Fußzeilenplatzhalter 7"/>
-          <p:cNvSpPr>
-            <a:spLocks noGrp="1"/>
-          </p:cNvSpPr>
-          <p:nvPr>
-            <p:ph type="ftr" sz="quarter" idx="13"/>
+          <p:cNvPr id="9" name="Foliennummernplatzhalter 8"/>
+          <p:cNvSpPr>
+            <a:spLocks noGrp="1"/>
+          </p:cNvSpPr>
+          <p:nvPr>
+            <p:ph type="sldNum" sz="quarter" idx="14"/>
           </p:nvPr>
         </p:nvSpPr>
         <p:spPr/>
@@ -4247,30 +4136,7 @@
           <a:lstStyle/>
           <a:p>
             <a:r>
-              <a:rPr lang="de-DE" smtClean="0"/>
-              <a:t>Präsentationstitel bitte im Master in Fusszeile ändern</a:t>
-            </a:r>
-            <a:endParaRPr lang="de-DE" dirty="0"/>
-          </a:p>
-        </p:txBody>
-      </p:sp>
-      <p:sp>
-        <p:nvSpPr>
-          <p:cNvPr id="9" name="Foliennummernplatzhalter 8"/>
-          <p:cNvSpPr>
-            <a:spLocks noGrp="1"/>
-          </p:cNvSpPr>
-          <p:nvPr>
-            <p:ph type="sldNum" sz="quarter" idx="14"/>
-          </p:nvPr>
-        </p:nvSpPr>
-        <p:spPr/>
-        <p:txBody>
-          <a:bodyPr/>
-          <a:lstStyle/>
-          <a:p>
-            <a:r>
-              <a:rPr lang="de-DE" smtClean="0"/>
+              <a:rPr lang="de-DE"/>
               <a:t>Folie </a:t>
             </a:r>
             <a:fld id="{20336FBE-96EF-1B43-9998-83765DDB0397}" type="slidenum">
@@ -4279,7 +4145,7 @@
               <a:t>‹Nr.›</a:t>
             </a:fld>
             <a:r>
-              <a:rPr lang="de-DE" smtClean="0"/>
+              <a:rPr lang="de-DE"/>
               <a:t> von XYZ</a:t>
             </a:r>
             <a:endParaRPr lang="de-DE" dirty="0"/>
@@ -4296,13 +4162,6 @@
   <p:clrMapOvr>
     <a:masterClrMapping/>
   </p:clrMapOvr>
-  <p:timing>
-    <p:tnLst>
-      <p:par>
-        <p:cTn id="1" dur="indefinite" restart="never" nodeType="tmRoot"/>
-      </p:par>
-    </p:tnLst>
-  </p:timing>
 </p:sldLayout>
 </file>
 
@@ -4340,7 +4199,7 @@
           <a:p>
             <a:fld id="{53518F0A-BFE1-F04E-AFB7-3E5E45ABF79C}" type="datetime1">
               <a:rPr lang="de-DE" smtClean="0"/>
-              <a:t>24.10.16</a:t>
+              <a:t>24.10.2016</a:t>
             </a:fld>
             <a:endParaRPr lang="de-DE"/>
           </a:p>
@@ -4348,12 +4207,12 @@
       </p:sp>
       <p:sp>
         <p:nvSpPr>
-          <p:cNvPr id="5" name="Fußzeilenplatzhalter 4"/>
-          <p:cNvSpPr>
-            <a:spLocks noGrp="1"/>
-          </p:cNvSpPr>
-          <p:nvPr>
-            <p:ph type="ftr" sz="quarter" idx="11"/>
+          <p:cNvPr id="6" name="Foliennummernplatzhalter 5"/>
+          <p:cNvSpPr>
+            <a:spLocks noGrp="1"/>
+          </p:cNvSpPr>
+          <p:nvPr>
+            <p:ph type="sldNum" sz="quarter" idx="12"/>
           </p:nvPr>
         </p:nvSpPr>
         <p:spPr/>
@@ -4362,30 +4221,7 @@
           <a:lstStyle/>
           <a:p>
             <a:r>
-              <a:rPr lang="de-DE" smtClean="0"/>
-              <a:t>Präsentationstitel bitte im Master in Fusszeile ändern</a:t>
-            </a:r>
-            <a:endParaRPr lang="de-DE" dirty="0"/>
-          </a:p>
-        </p:txBody>
-      </p:sp>
-      <p:sp>
-        <p:nvSpPr>
-          <p:cNvPr id="6" name="Foliennummernplatzhalter 5"/>
-          <p:cNvSpPr>
-            <a:spLocks noGrp="1"/>
-          </p:cNvSpPr>
-          <p:nvPr>
-            <p:ph type="sldNum" sz="quarter" idx="12"/>
-          </p:nvPr>
-        </p:nvSpPr>
-        <p:spPr/>
-        <p:txBody>
-          <a:bodyPr/>
-          <a:lstStyle/>
-          <a:p>
-            <a:r>
-              <a:rPr lang="de-DE" smtClean="0"/>
+              <a:rPr lang="de-DE"/>
               <a:t>Folie </a:t>
             </a:r>
             <a:fld id="{20336FBE-96EF-1B43-9998-83765DDB0397}" type="slidenum">
@@ -4394,7 +4230,7 @@
               <a:t>‹Nr.›</a:t>
             </a:fld>
             <a:r>
-              <a:rPr lang="de-DE" smtClean="0"/>
+              <a:rPr lang="de-DE"/>
               <a:t> von XYZ</a:t>
             </a:r>
             <a:endParaRPr lang="de-DE" dirty="0"/>
@@ -4411,13 +4247,6 @@
   <p:clrMapOvr>
     <a:masterClrMapping/>
   </p:clrMapOvr>
-  <p:timing>
-    <p:tnLst>
-      <p:par>
-        <p:cTn id="1" dur="indefinite" restart="never" nodeType="tmRoot"/>
-      </p:par>
-    </p:tnLst>
-  </p:timing>
 </p:sldLayout>
 </file>
 
@@ -4446,6 +4275,30 @@
           <a:chExt cx="0" cy="0"/>
         </a:xfrm>
       </p:grpSpPr>
+      <p:pic>
+        <p:nvPicPr>
+          <p:cNvPr id="2" name="Grafik 1"/>
+          <p:cNvPicPr>
+            <a:picLocks noChangeAspect="1"/>
+          </p:cNvPicPr>
+          <p:nvPr userDrawn="1"/>
+        </p:nvPicPr>
+        <p:blipFill>
+          <a:blip r:embed="rId10"/>
+          <a:stretch>
+            <a:fillRect/>
+          </a:stretch>
+        </p:blipFill>
+        <p:spPr>
+          <a:xfrm>
+            <a:off x="-2" y="5336438"/>
+            <a:ext cx="9144000" cy="1521562"/>
+          </a:xfrm>
+          <a:prstGeom prst="rect">
+            <a:avLst/>
+          </a:prstGeom>
+        </p:spPr>
+      </p:pic>
       <p:cxnSp>
         <p:nvCxnSpPr>
           <p:cNvPr id="9" name="Gerade Verbindung 8"/>
@@ -4490,7 +4343,7 @@
           <p:nvPr/>
         </p:nvPicPr>
         <p:blipFill>
-          <a:blip r:embed="rId10" cstate="print">
+          <a:blip r:embed="rId11" cstate="print">
             <a:extLst>
               <a:ext uri="{28A0092B-C50C-407E-A947-70E740481C1C}">
                 <a14:useLocalDpi xmlns:a14="http://schemas.microsoft.com/office/drawing/2010/main" val="0"/>
@@ -4503,7 +4356,7 @@
         </p:blipFill>
         <p:spPr>
           <a:xfrm>
-            <a:off x="179512" y="266700"/>
+            <a:off x="86675" y="268650"/>
             <a:ext cx="1214116" cy="360000"/>
           </a:xfrm>
           <a:prstGeom prst="rect">
@@ -4558,7 +4411,7 @@
         </p:nvSpPr>
         <p:spPr>
           <a:xfrm>
-            <a:off x="863600" y="6394450"/>
+            <a:off x="107504" y="6487368"/>
             <a:ext cx="1898652" cy="254000"/>
           </a:xfrm>
           <a:prstGeom prst="rect">
@@ -4571,9 +4424,7 @@
             <a:lvl1pPr algn="l">
               <a:defRPr sz="1200">
                 <a:solidFill>
-                  <a:schemeClr val="tx1">
-                    <a:tint val="75000"/>
-                  </a:schemeClr>
+                  <a:schemeClr val="bg1"/>
                 </a:solidFill>
               </a:defRPr>
             </a:lvl1pPr>
@@ -4581,7 +4432,8 @@
           <a:p>
             <a:fld id="{8B5938FC-41F9-514F-B1BF-C7F60C0AA152}" type="datetime1">
               <a:rPr lang="de-DE" smtClean="0"/>
-              <a:t>24.10.16</a:t>
+              <a:pPr/>
+              <a:t>24.10.2016</a:t>
             </a:fld>
             <a:endParaRPr lang="de-DE" dirty="0"/>
           </a:p>
@@ -4589,66 +4441,17 @@
       </p:sp>
       <p:sp>
         <p:nvSpPr>
-          <p:cNvPr id="10" name="Fußzeilenplatzhalter 9"/>
-          <p:cNvSpPr>
-            <a:spLocks noGrp="1"/>
-          </p:cNvSpPr>
-          <p:nvPr>
-            <p:ph type="ftr" sz="quarter" idx="3"/>
+          <p:cNvPr id="14" name="Foliennummernplatzhalter 13"/>
+          <p:cNvSpPr>
+            <a:spLocks noGrp="1"/>
+          </p:cNvSpPr>
+          <p:nvPr>
+            <p:ph type="sldNum" sz="quarter" idx="4"/>
           </p:nvPr>
         </p:nvSpPr>
         <p:spPr>
           <a:xfrm>
-            <a:off x="2833688" y="6395720"/>
-            <a:ext cx="3883025" cy="254000"/>
-          </a:xfrm>
-          <a:prstGeom prst="rect">
-            <a:avLst/>
-          </a:prstGeom>
-        </p:spPr>
-        <p:txBody>
-          <a:bodyPr vert="horz" lIns="0" tIns="0" rIns="0" bIns="0" rtlCol="0" anchor="b" anchorCtr="0"/>
-          <a:lstStyle>
-            <a:lvl1pPr algn="ctr">
-              <a:defRPr sz="1200">
-                <a:solidFill>
-                  <a:schemeClr val="tx1">
-                    <a:tint val="75000"/>
-                  </a:schemeClr>
-                </a:solidFill>
-              </a:defRPr>
-            </a:lvl1pPr>
-          </a:lstStyle>
-          <a:p>
-            <a:r>
-              <a:rPr lang="de-DE" dirty="0" smtClean="0"/>
-              <a:t>Präsentationstitel bitte im Master in </a:t>
-            </a:r>
-            <a:r>
-              <a:rPr lang="de-DE" dirty="0" err="1" smtClean="0"/>
-              <a:t>Fusszeile</a:t>
-            </a:r>
-            <a:r>
-              <a:rPr lang="de-DE" dirty="0" smtClean="0"/>
-              <a:t> ändern</a:t>
-            </a:r>
-            <a:endParaRPr lang="de-DE" dirty="0"/>
-          </a:p>
-        </p:txBody>
-      </p:sp>
-      <p:sp>
-        <p:nvSpPr>
-          <p:cNvPr id="14" name="Foliennummernplatzhalter 13"/>
-          <p:cNvSpPr>
-            <a:spLocks noGrp="1"/>
-          </p:cNvSpPr>
-          <p:nvPr>
-            <p:ph type="sldNum" sz="quarter" idx="4"/>
-          </p:nvPr>
-        </p:nvSpPr>
-        <p:spPr>
-          <a:xfrm>
-            <a:off x="6788149" y="6394450"/>
+            <a:off x="7128321" y="6487368"/>
             <a:ext cx="1908175" cy="254000"/>
           </a:xfrm>
           <a:prstGeom prst="rect">
@@ -4661,16 +4464,14 @@
             <a:lvl1pPr algn="r">
               <a:defRPr sz="1200">
                 <a:solidFill>
-                  <a:schemeClr val="tx1">
-                    <a:tint val="75000"/>
-                  </a:schemeClr>
+                  <a:schemeClr val="bg1"/>
                 </a:solidFill>
               </a:defRPr>
             </a:lvl1pPr>
           </a:lstStyle>
           <a:p>
             <a:r>
-              <a:rPr lang="de-DE" dirty="0" smtClean="0"/>
+              <a:rPr lang="de-DE" dirty="0"/>
               <a:t>Folie </a:t>
             </a:r>
             <a:fld id="{20336FBE-96EF-1B43-9998-83765DDB0397}" type="slidenum">
@@ -4679,37 +4480,30 @@
               <a:t>‹Nr.›</a:t>
             </a:fld>
             <a:r>
-              <a:rPr lang="de-DE" dirty="0" smtClean="0"/>
+              <a:rPr lang="de-DE" dirty="0"/>
               <a:t> von XYZ</a:t>
             </a:r>
-            <a:endParaRPr lang="de-DE" dirty="0"/>
           </a:p>
         </p:txBody>
       </p:sp>
       <p:pic>
         <p:nvPicPr>
-          <p:cNvPr id="12" name="Bild 11"/>
+          <p:cNvPr id="3" name="Grafik 2"/>
           <p:cNvPicPr>
             <a:picLocks noChangeAspect="1"/>
           </p:cNvPicPr>
           <p:nvPr userDrawn="1"/>
         </p:nvPicPr>
         <p:blipFill>
-          <a:blip r:embed="rId11">
-            <a:extLst>
-              <a:ext uri="{28A0092B-C50C-407E-A947-70E740481C1C}">
-                <a14:useLocalDpi xmlns:a14="http://schemas.microsoft.com/office/drawing/2010/main" val="0"/>
-              </a:ext>
-            </a:extLst>
-          </a:blip>
+          <a:blip r:embed="rId12"/>
           <a:stretch>
             <a:fillRect/>
           </a:stretch>
         </p:blipFill>
         <p:spPr>
           <a:xfrm>
-            <a:off x="7835394" y="327654"/>
-            <a:ext cx="1129094" cy="238092"/>
+            <a:off x="7907402" y="332656"/>
+            <a:ext cx="1129094" cy="236188"/>
           </a:xfrm>
           <a:prstGeom prst="rect">
             <a:avLst/>
@@ -4734,13 +4528,6 @@
     <p:sldLayoutId id="2147483658" r:id="rId7"/>
     <p:sldLayoutId id="2147483655" r:id="rId8"/>
   </p:sldLayoutIdLst>
-  <p:timing>
-    <p:tnLst>
-      <p:par>
-        <p:cTn id="1" dur="indefinite" restart="never" nodeType="tmRoot"/>
-      </p:par>
-    </p:tnLst>
-  </p:timing>
   <p:hf hdr="0"/>
   <p:txStyles>
     <p:titleStyle>
@@ -5218,25 +5005,20 @@
           <a:lstStyle/>
           <a:p>
             <a:r>
-              <a:rPr lang="de-DE" dirty="0" smtClean="0"/>
+              <a:rPr lang="de-DE" dirty="0"/>
               <a:t>Barrierefreie Literaturerstellung mit </a:t>
             </a:r>
             <a:r>
-              <a:rPr lang="de-DE" dirty="0" err="1" smtClean="0"/>
+              <a:rPr lang="de-DE" dirty="0" err="1"/>
               <a:t>Matuc</a:t>
             </a:r>
-            <a:r>
-              <a:rPr lang="de-DE" dirty="0" smtClean="0"/>
-              <a:t/>
-            </a:r>
             <a:br>
-              <a:rPr lang="de-DE" dirty="0" smtClean="0"/>
+              <a:rPr lang="de-DE" dirty="0"/>
             </a:br>
             <a:r>
-              <a:rPr lang="de-DE" dirty="0" smtClean="0"/>
+              <a:rPr lang="de-DE" dirty="0"/>
               <a:t>Entwicklung einer Erweiterung für den Text Editor ATOM</a:t>
             </a:r>
-            <a:endParaRPr lang="de-DE" dirty="0"/>
           </a:p>
         </p:txBody>
       </p:sp>
@@ -5256,10 +5038,9 @@
           <a:lstStyle/>
           <a:p>
             <a:r>
-              <a:rPr lang="de-DE" dirty="0" smtClean="0"/>
+              <a:rPr lang="de-DE" dirty="0"/>
               <a:t>AGSBS-ATOM-PACKAGE</a:t>
             </a:r>
-            <a:endParaRPr lang="de-DE" dirty="0"/>
           </a:p>
         </p:txBody>
       </p:sp>
@@ -5273,13 +5054,6 @@
   <p:clrMapOvr>
     <a:masterClrMapping/>
   </p:clrMapOvr>
-  <p:timing>
-    <p:tnLst>
-      <p:par>
-        <p:cTn id="1" dur="indefinite" restart="never" nodeType="tmRoot"/>
-      </p:par>
-    </p:tnLst>
-  </p:timing>
 </p:sld>
 </file>
 
@@ -5310,7 +5084,12 @@
             <p:ph sz="quarter" idx="11"/>
           </p:nvPr>
         </p:nvSpPr>
-        <p:spPr/>
+        <p:spPr>
+          <a:xfrm>
+            <a:off x="683568" y="1844824"/>
+            <a:ext cx="7832725" cy="4032250"/>
+          </a:xfrm>
+        </p:spPr>
         <p:txBody>
           <a:bodyPr/>
           <a:lstStyle/>
@@ -5320,13 +5099,13 @@
               <a:buAutoNum type="arabicPeriod"/>
             </a:pPr>
             <a:r>
-              <a:rPr lang="de-DE" dirty="0" smtClean="0"/>
+              <a:rPr lang="de-DE" dirty="0"/>
               <a:t>Zielstellung</a:t>
             </a:r>
             <a:br>
-              <a:rPr lang="de-DE" dirty="0" smtClean="0"/>
+              <a:rPr lang="de-DE" dirty="0"/>
             </a:br>
-            <a:endParaRPr lang="de-DE" dirty="0" smtClean="0"/>
+            <a:endParaRPr lang="de-DE" dirty="0"/>
           </a:p>
           <a:p>
             <a:pPr marL="457200" indent="-457200">
@@ -5334,17 +5113,13 @@
               <a:buAutoNum type="arabicPeriod"/>
             </a:pPr>
             <a:r>
-              <a:rPr lang="de-DE" dirty="0" smtClean="0"/>
-              <a:t>Bestehende </a:t>
-            </a:r>
-            <a:r>
-              <a:rPr lang="de-DE" dirty="0" smtClean="0"/>
-              <a:t>Lösungsansätze</a:t>
+              <a:rPr lang="de-DE" dirty="0"/>
+              <a:t>Bestehende Lösungsansätze</a:t>
             </a:r>
             <a:br>
-              <a:rPr lang="de-DE" dirty="0" smtClean="0"/>
+              <a:rPr lang="de-DE" dirty="0"/>
             </a:br>
-            <a:endParaRPr lang="de-DE" dirty="0" smtClean="0"/>
+            <a:endParaRPr lang="de-DE" dirty="0"/>
           </a:p>
           <a:p>
             <a:pPr marL="457200" indent="-457200">
@@ -5352,7 +5127,7 @@
               <a:buAutoNum type="arabicPeriod"/>
             </a:pPr>
             <a:r>
-              <a:rPr lang="de-DE" dirty="0" smtClean="0"/>
+              <a:rPr lang="de-DE" dirty="0"/>
               <a:t>Entwicklung einer neuen Erweiterung für ATOM</a:t>
             </a:r>
           </a:p>
@@ -5362,7 +5137,7 @@
               <a:buChar char="•"/>
             </a:pPr>
             <a:r>
-              <a:rPr lang="de-DE" sz="1600" dirty="0" smtClean="0"/>
+              <a:rPr lang="de-DE" sz="1600" dirty="0"/>
               <a:t>Vorteile des Editors</a:t>
             </a:r>
           </a:p>
@@ -5372,7 +5147,7 @@
               <a:buChar char="•"/>
             </a:pPr>
             <a:r>
-              <a:rPr lang="de-DE" sz="1600" dirty="0" smtClean="0"/>
+              <a:rPr lang="de-DE" sz="1600" dirty="0"/>
               <a:t>Funktionalität der neuen Erweiterung</a:t>
             </a:r>
           </a:p>
@@ -5382,17 +5157,13 @@
               <a:buChar char="•"/>
             </a:pPr>
             <a:r>
-              <a:rPr lang="de-DE" sz="1600" dirty="0" smtClean="0"/>
-              <a:t>Struktur im Code, </a:t>
-            </a:r>
-            <a:r>
-              <a:rPr lang="de-DE" sz="1600" dirty="0" smtClean="0"/>
-              <a:t>Wiederverwendbarkeit</a:t>
+              <a:rPr lang="de-DE" sz="1600" dirty="0"/>
+              <a:t>Struktur im Code, Wiederverwendbarkeit</a:t>
             </a:r>
             <a:br>
-              <a:rPr lang="de-DE" sz="1600" dirty="0" smtClean="0"/>
+              <a:rPr lang="de-DE" sz="1600" dirty="0"/>
             </a:br>
-            <a:endParaRPr lang="de-DE" sz="1600" dirty="0" smtClean="0"/>
+            <a:endParaRPr lang="de-DE" sz="1600" dirty="0"/>
           </a:p>
           <a:p>
             <a:pPr marL="457200" indent="-457200">
@@ -5400,7 +5171,7 @@
               <a:buAutoNum type="arabicPeriod"/>
             </a:pPr>
             <a:r>
-              <a:rPr lang="de-DE" dirty="0" smtClean="0"/>
+              <a:rPr lang="de-DE" dirty="0"/>
               <a:t>Ausblick</a:t>
             </a:r>
           </a:p>
@@ -5422,10 +5193,9 @@
           <a:lstStyle/>
           <a:p>
             <a:r>
-              <a:rPr lang="de-DE" dirty="0" smtClean="0"/>
+              <a:rPr lang="de-DE" dirty="0"/>
               <a:t>ABLAUF</a:t>
             </a:r>
-            <a:endParaRPr lang="de-DE" dirty="0"/>
           </a:p>
         </p:txBody>
       </p:sp>
@@ -5602,10 +5372,9 @@
           <a:p>
             <a:pPr algn="ctr"/>
             <a:r>
-              <a:rPr lang="de-DE" sz="1200" b="0" dirty="0" smtClean="0"/>
+              <a:rPr lang="de-DE" sz="1200" b="0" dirty="0"/>
               <a:t>1. Zielstellung &gt; 2. Bestehende Lösungsansätze &gt; 3. Entwicklung einer neuen Erweiterung für ATOM &gt; 4. Ausblick</a:t>
             </a:r>
-            <a:endParaRPr lang="de-DE" sz="1200" b="0" dirty="0"/>
           </a:p>
         </p:txBody>
       </p:sp>
@@ -5619,13 +5388,6 @@
   <p:clrMapOvr>
     <a:masterClrMapping/>
   </p:clrMapOvr>
-  <p:timing>
-    <p:tnLst>
-      <p:par>
-        <p:cTn id="1" dur="indefinite" restart="never" nodeType="tmRoot"/>
-      </p:par>
-    </p:tnLst>
-  </p:timing>
 </p:sld>
 </file>
 
@@ -5668,10 +5430,9 @@
           <a:p>
             <a:pPr algn="r"/>
             <a:r>
-              <a:rPr lang="de-DE" sz="1800" dirty="0" smtClean="0"/>
+              <a:rPr lang="de-DE" sz="1800" dirty="0"/>
               <a:t>Das Problem und seine Lösung</a:t>
             </a:r>
-            <a:endParaRPr lang="de-DE" sz="1800" dirty="0"/>
           </a:p>
         </p:txBody>
       </p:sp>
@@ -5696,10 +5457,9 @@
           <a:lstStyle/>
           <a:p>
             <a:r>
-              <a:rPr lang="de-DE" sz="2800" dirty="0" smtClean="0"/>
+              <a:rPr lang="de-DE" sz="2800" dirty="0"/>
               <a:t>1. ZIELSTELLUNG</a:t>
             </a:r>
-            <a:endParaRPr lang="de-DE" sz="2800" dirty="0"/>
           </a:p>
         </p:txBody>
       </p:sp>
@@ -5720,7 +5480,7 @@
           <a:p>
             <a:fld id="{852F18A7-60EF-DD48-8F37-BE93452F0A67}" type="datetime1">
               <a:rPr lang="de-DE" smtClean="0"/>
-              <a:t>24.10.16</a:t>
+              <a:t>24.10.2016</a:t>
             </a:fld>
             <a:endParaRPr lang="de-DE" dirty="0"/>
           </a:p>
@@ -5733,16 +5493,24 @@
             <a:spLocks noGrp="1"/>
           </p:cNvSpPr>
           <p:nvPr>
-            <p:ph type="ftr" sz="quarter" idx="21"/>
-          </p:nvPr>
-        </p:nvSpPr>
-        <p:spPr/>
+            <p:ph type="ftr" sz="quarter" idx="4294967295"/>
+          </p:nvPr>
+        </p:nvSpPr>
+        <p:spPr>
+          <a:xfrm>
+            <a:off x="2680585" y="6400799"/>
+            <a:ext cx="3883025" cy="254000"/>
+          </a:xfrm>
+          <a:prstGeom prst="rect">
+            <a:avLst/>
+          </a:prstGeom>
+        </p:spPr>
         <p:txBody>
           <a:bodyPr/>
           <a:lstStyle/>
           <a:p>
             <a:r>
-              <a:rPr lang="de-DE" smtClean="0"/>
+              <a:rPr lang="de-DE"/>
               <a:t>agsbs-atom-package</a:t>
             </a:r>
             <a:endParaRPr lang="de-DE" dirty="0"/>
@@ -5765,7 +5533,7 @@
           <a:lstStyle/>
           <a:p>
             <a:r>
-              <a:rPr lang="de-DE" smtClean="0"/>
+              <a:rPr lang="de-DE"/>
               <a:t>Folie </a:t>
             </a:r>
             <a:fld id="{20336FBE-96EF-1B43-9998-83765DDB0397}" type="slidenum">
@@ -5774,7 +5542,7 @@
               <a:t>3</a:t>
             </a:fld>
             <a:r>
-              <a:rPr lang="de-DE" smtClean="0"/>
+              <a:rPr lang="de-DE"/>
               <a:t> von XYZ</a:t>
             </a:r>
             <a:endParaRPr lang="de-DE" dirty="0"/>
@@ -5791,13 +5559,6 @@
   <p:clrMapOvr>
     <a:masterClrMapping/>
   </p:clrMapOvr>
-  <p:timing>
-    <p:tnLst>
-      <p:par>
-        <p:cTn id="1" dur="indefinite" restart="never" nodeType="tmRoot"/>
-      </p:par>
-    </p:tnLst>
-  </p:timing>
 </p:sld>
 </file>
 
@@ -5843,18 +5604,17 @@
               <a:buChar char="-"/>
             </a:pPr>
             <a:r>
-              <a:rPr lang="de-DE" dirty="0" smtClean="0"/>
+              <a:rPr lang="de-DE" dirty="0"/>
               <a:t>„All-In-</a:t>
             </a:r>
             <a:r>
-              <a:rPr lang="de-DE" dirty="0" err="1" smtClean="0"/>
+              <a:rPr lang="de-DE" dirty="0" err="1"/>
               <a:t>One</a:t>
             </a:r>
             <a:r>
-              <a:rPr lang="de-DE" dirty="0" smtClean="0"/>
+              <a:rPr lang="de-DE" dirty="0"/>
               <a:t> Lösung“ zur barrierefreien Literaturerstellung</a:t>
             </a:r>
-            <a:endParaRPr lang="de-DE" dirty="0"/>
           </a:p>
           <a:p>
             <a:pPr marL="631825" lvl="3" indent="-342900">
@@ -5866,11 +5626,11 @@
               <a:t>GUI zur </a:t>
             </a:r>
             <a:r>
-              <a:rPr lang="de-DE" dirty="0" err="1" smtClean="0"/>
+              <a:rPr lang="de-DE" dirty="0" err="1"/>
               <a:t>Markdown</a:t>
             </a:r>
             <a:r>
-              <a:rPr lang="de-DE" dirty="0" smtClean="0"/>
+              <a:rPr lang="de-DE" dirty="0"/>
               <a:t>-Erstellung</a:t>
             </a:r>
           </a:p>
@@ -5880,7 +5640,7 @@
               <a:buChar char="§"/>
             </a:pPr>
             <a:r>
-              <a:rPr lang="de-DE" dirty="0" smtClean="0"/>
+              <a:rPr lang="de-DE" dirty="0"/>
               <a:t>Live-Vorschau</a:t>
             </a:r>
           </a:p>
@@ -5890,18 +5650,18 @@
               <a:buChar char="§"/>
             </a:pPr>
             <a:r>
-              <a:rPr lang="de-DE" dirty="0" err="1" smtClean="0"/>
+              <a:rPr lang="de-DE" dirty="0" err="1"/>
               <a:t>Markdown</a:t>
             </a:r>
             <a:r>
-              <a:rPr lang="de-DE" dirty="0" smtClean="0"/>
+              <a:rPr lang="de-DE" dirty="0"/>
               <a:t> </a:t>
             </a:r>
             <a:r>
-              <a:rPr lang="de-DE" dirty="0" err="1" smtClean="0"/>
+              <a:rPr lang="de-DE" dirty="0" err="1"/>
               <a:t>Linting</a:t>
             </a:r>
-            <a:endParaRPr lang="de-DE" dirty="0" smtClean="0"/>
+            <a:endParaRPr lang="de-DE" dirty="0"/>
           </a:p>
           <a:p>
             <a:pPr marL="631825" lvl="3" indent="-342900">
@@ -5909,7 +5669,7 @@
               <a:buChar char="§"/>
             </a:pPr>
             <a:r>
-              <a:rPr lang="de-DE" dirty="0" smtClean="0"/>
+              <a:rPr lang="de-DE" dirty="0"/>
               <a:t>Versionskontrolle</a:t>
             </a:r>
           </a:p>
@@ -5919,7 +5679,7 @@
               <a:buChar char="§"/>
             </a:pPr>
             <a:r>
-              <a:rPr lang="de-DE" dirty="0" smtClean="0"/>
+              <a:rPr lang="de-DE" dirty="0"/>
               <a:t>Plattformunabhängig</a:t>
             </a:r>
           </a:p>
@@ -5929,7 +5689,7 @@
               <a:buChar char="-"/>
             </a:pPr>
             <a:r>
-              <a:rPr lang="de-DE" dirty="0" smtClean="0"/>
+              <a:rPr lang="de-DE" dirty="0"/>
               <a:t>Benutzerfreundlicher Editor</a:t>
             </a:r>
           </a:p>
@@ -5939,7 +5699,7 @@
               <a:buChar char="-"/>
             </a:pPr>
             <a:r>
-              <a:rPr lang="de-DE" dirty="0" smtClean="0"/>
+              <a:rPr lang="de-DE" dirty="0"/>
               <a:t>Adaptierbarkeit</a:t>
             </a:r>
           </a:p>
@@ -5974,7 +5734,7 @@
           <a:p>
             <a:pPr algn="ctr"/>
             <a:r>
-              <a:rPr lang="de-DE" sz="1200" b="0" dirty="0" smtClean="0">
+              <a:rPr lang="de-DE" sz="1200" b="0" dirty="0">
                 <a:solidFill>
                   <a:schemeClr val="tx1"/>
                 </a:solidFill>
@@ -5982,10 +5742,9 @@
               <a:t>1. Zielstellung</a:t>
             </a:r>
             <a:r>
-              <a:rPr lang="de-DE" sz="1200" b="0" dirty="0" smtClean="0"/>
+              <a:rPr lang="de-DE" sz="1200" b="0" dirty="0"/>
               <a:t> &gt; 2. Bestehende Lösungsansätze &gt; 3. Entwicklung einer neuen Erweiterung für ATOM &gt; 4. Ausblick</a:t>
             </a:r>
-            <a:endParaRPr lang="de-DE" sz="1200" b="0" dirty="0"/>
           </a:p>
         </p:txBody>
       </p:sp>
@@ -6006,7 +5765,7 @@
           <a:p>
             <a:fld id="{852F18A7-60EF-DD48-8F37-BE93452F0A67}" type="datetime1">
               <a:rPr lang="de-DE" smtClean="0"/>
-              <a:t>24.10.16</a:t>
+              <a:t>24.10.2016</a:t>
             </a:fld>
             <a:endParaRPr lang="de-DE" dirty="0"/>
           </a:p>
@@ -6019,16 +5778,24 @@
             <a:spLocks noGrp="1"/>
           </p:cNvSpPr>
           <p:nvPr>
-            <p:ph type="ftr" sz="quarter" idx="21"/>
-          </p:nvPr>
-        </p:nvSpPr>
-        <p:spPr/>
+            <p:ph type="ftr" sz="quarter" idx="4294967295"/>
+          </p:nvPr>
+        </p:nvSpPr>
+        <p:spPr>
+          <a:xfrm>
+            <a:off x="2680585" y="6400799"/>
+            <a:ext cx="3883025" cy="254000"/>
+          </a:xfrm>
+          <a:prstGeom prst="rect">
+            <a:avLst/>
+          </a:prstGeom>
+        </p:spPr>
         <p:txBody>
           <a:bodyPr/>
           <a:lstStyle/>
           <a:p>
             <a:r>
-              <a:rPr lang="de-DE" smtClean="0"/>
+              <a:rPr lang="de-DE"/>
               <a:t>agsbs-atom-package</a:t>
             </a:r>
             <a:endParaRPr lang="de-DE" dirty="0"/>
@@ -6051,7 +5818,7 @@
           <a:lstStyle/>
           <a:p>
             <a:r>
-              <a:rPr lang="de-DE" smtClean="0"/>
+              <a:rPr lang="de-DE"/>
               <a:t>Folie </a:t>
             </a:r>
             <a:fld id="{20336FBE-96EF-1B43-9998-83765DDB0397}" type="slidenum">
@@ -6060,7 +5827,7 @@
               <a:t>4</a:t>
             </a:fld>
             <a:r>
-              <a:rPr lang="de-DE" smtClean="0"/>
+              <a:rPr lang="de-DE"/>
               <a:t> von XYZ</a:t>
             </a:r>
             <a:endParaRPr lang="de-DE" dirty="0"/>
@@ -6077,13 +5844,6 @@
   <p:clrMapOvr>
     <a:masterClrMapping/>
   </p:clrMapOvr>
-  <p:timing>
-    <p:tnLst>
-      <p:par>
-        <p:cTn id="1" dur="indefinite" restart="never" nodeType="tmRoot"/>
-      </p:par>
-    </p:tnLst>
-  </p:timing>
 </p:sld>
 </file>
 
@@ -6126,10 +5886,9 @@
           <a:p>
             <a:pPr algn="r"/>
             <a:r>
-              <a:rPr lang="de-DE" sz="1800" dirty="0" smtClean="0"/>
+              <a:rPr lang="de-DE" sz="1800" dirty="0"/>
               <a:t>Was können wir besser machen?</a:t>
             </a:r>
-            <a:endParaRPr lang="de-DE" sz="1800" dirty="0"/>
           </a:p>
         </p:txBody>
       </p:sp>
@@ -6154,10 +5913,9 @@
           <a:lstStyle/>
           <a:p>
             <a:r>
-              <a:rPr lang="de-DE" sz="2800" dirty="0" smtClean="0"/>
+              <a:rPr lang="de-DE" sz="2800" dirty="0"/>
               <a:t>2. BESTEHENDE LÖSUNGSANSÄTZE</a:t>
             </a:r>
-            <a:endParaRPr lang="de-DE" sz="2800" dirty="0"/>
           </a:p>
         </p:txBody>
       </p:sp>
@@ -6178,7 +5936,7 @@
           <a:p>
             <a:fld id="{852F18A7-60EF-DD48-8F37-BE93452F0A67}" type="datetime1">
               <a:rPr lang="de-DE" smtClean="0"/>
-              <a:t>24.10.16</a:t>
+              <a:t>24.10.2016</a:t>
             </a:fld>
             <a:endParaRPr lang="de-DE" dirty="0"/>
           </a:p>
@@ -6191,16 +5949,24 @@
             <a:spLocks noGrp="1"/>
           </p:cNvSpPr>
           <p:nvPr>
-            <p:ph type="ftr" sz="quarter" idx="21"/>
-          </p:nvPr>
-        </p:nvSpPr>
-        <p:spPr/>
+            <p:ph type="ftr" sz="quarter" idx="4294967295"/>
+          </p:nvPr>
+        </p:nvSpPr>
+        <p:spPr>
+          <a:xfrm>
+            <a:off x="2680585" y="6400799"/>
+            <a:ext cx="3883025" cy="254000"/>
+          </a:xfrm>
+          <a:prstGeom prst="rect">
+            <a:avLst/>
+          </a:prstGeom>
+        </p:spPr>
         <p:txBody>
           <a:bodyPr/>
           <a:lstStyle/>
           <a:p>
             <a:r>
-              <a:rPr lang="de-DE" smtClean="0"/>
+              <a:rPr lang="de-DE"/>
               <a:t>agsbs-atom-package</a:t>
             </a:r>
             <a:endParaRPr lang="de-DE" dirty="0"/>
@@ -6223,7 +5989,7 @@
           <a:lstStyle/>
           <a:p>
             <a:r>
-              <a:rPr lang="de-DE" smtClean="0"/>
+              <a:rPr lang="de-DE"/>
               <a:t>Folie </a:t>
             </a:r>
             <a:fld id="{20336FBE-96EF-1B43-9998-83765DDB0397}" type="slidenum">
@@ -6232,7 +5998,7 @@
               <a:t>5</a:t>
             </a:fld>
             <a:r>
-              <a:rPr lang="de-DE" smtClean="0"/>
+              <a:rPr lang="de-DE"/>
               <a:t> von XYZ</a:t>
             </a:r>
             <a:endParaRPr lang="de-DE" dirty="0"/>
@@ -6249,13 +6015,6 @@
   <p:clrMapOvr>
     <a:masterClrMapping/>
   </p:clrMapOvr>
-  <p:timing>
-    <p:tnLst>
-      <p:par>
-        <p:cTn id="1" dur="indefinite" restart="never" nodeType="tmRoot"/>
-      </p:par>
-    </p:tnLst>
-  </p:timing>
 </p:sld>
 </file>
 
@@ -6301,18 +6060,17 @@
               <a:buChar char="-"/>
             </a:pPr>
             <a:r>
-              <a:rPr lang="de-DE" dirty="0" smtClean="0"/>
+              <a:rPr lang="de-DE" dirty="0"/>
               <a:t>AGSBS </a:t>
             </a:r>
             <a:r>
-              <a:rPr lang="de-DE" dirty="0" err="1" smtClean="0"/>
+              <a:rPr lang="de-DE" dirty="0" err="1"/>
               <a:t>Markdown</a:t>
             </a:r>
             <a:r>
-              <a:rPr lang="de-DE" dirty="0" smtClean="0"/>
+              <a:rPr lang="de-DE" dirty="0"/>
               <a:t> Helper (Erweiterung für Sublime Text)</a:t>
             </a:r>
-            <a:endParaRPr lang="de-DE" dirty="0"/>
           </a:p>
           <a:p>
             <a:pPr marL="631825" lvl="3" indent="-342900">
@@ -6321,30 +6079,26 @@
             </a:pPr>
             <a:r>
               <a:rPr lang="de-DE" dirty="0"/>
-              <a:t>GUI </a:t>
-            </a:r>
-            <a:r>
-              <a:rPr lang="de-DE" dirty="0" smtClean="0"/>
-              <a:t>für </a:t>
-            </a:r>
-            <a:r>
-              <a:rPr lang="de-DE" dirty="0" err="1" smtClean="0"/>
+              <a:t>GUI für </a:t>
+            </a:r>
+            <a:r>
+              <a:rPr lang="de-DE" dirty="0" err="1"/>
               <a:t>Markdown</a:t>
             </a:r>
             <a:r>
-              <a:rPr lang="de-DE" dirty="0" smtClean="0"/>
+              <a:rPr lang="de-DE" dirty="0"/>
               <a:t>-Syntax</a:t>
             </a:r>
             <a:br>
-              <a:rPr lang="de-DE" dirty="0" smtClean="0"/>
+              <a:rPr lang="de-DE" dirty="0"/>
             </a:br>
             <a:r>
-              <a:rPr lang="de-DE" dirty="0" smtClean="0">
+              <a:rPr lang="de-DE" dirty="0">
                 <a:sym typeface="Wingdings"/>
               </a:rPr>
               <a:t> Texteingabefelder am unteren Bildschirmrand</a:t>
             </a:r>
-            <a:endParaRPr lang="de-DE" dirty="0" smtClean="0"/>
+            <a:endParaRPr lang="de-DE" dirty="0"/>
           </a:p>
           <a:p>
             <a:pPr marL="631825" lvl="3" indent="-342900">
@@ -6352,7 +6106,7 @@
               <a:buChar char="§"/>
             </a:pPr>
             <a:r>
-              <a:rPr lang="de-DE" dirty="0" smtClean="0"/>
+              <a:rPr lang="de-DE" dirty="0"/>
               <a:t>Nutzung einer Versionskontrolle (SVN)</a:t>
             </a:r>
           </a:p>
@@ -6362,7 +6116,7 @@
               <a:buChar char="§"/>
             </a:pPr>
             <a:r>
-              <a:rPr lang="de-DE" dirty="0" smtClean="0"/>
+              <a:rPr lang="de-DE" dirty="0"/>
               <a:t>Vorgegebene Arbeitsschritte</a:t>
             </a:r>
           </a:p>
@@ -6379,11 +6133,11 @@
               <a:buChar char="-"/>
             </a:pPr>
             <a:r>
-              <a:rPr lang="de-DE" dirty="0" err="1" smtClean="0"/>
+              <a:rPr lang="de-DE" dirty="0" err="1"/>
               <a:t>Matuc</a:t>
             </a:r>
             <a:r>
-              <a:rPr lang="de-DE" dirty="0" smtClean="0"/>
+              <a:rPr lang="de-DE" dirty="0"/>
               <a:t> (Kommandozeilen-Programm)</a:t>
             </a:r>
           </a:p>
@@ -6393,7 +6147,7 @@
               <a:buChar char="§"/>
             </a:pPr>
             <a:r>
-              <a:rPr lang="de-DE" dirty="0" smtClean="0"/>
+              <a:rPr lang="de-DE" dirty="0"/>
               <a:t>Verzeichnisstruktur</a:t>
             </a:r>
           </a:p>
@@ -6403,15 +6157,15 @@
               <a:buChar char="§"/>
             </a:pPr>
             <a:r>
-              <a:rPr lang="de-DE" dirty="0" smtClean="0"/>
+              <a:rPr lang="de-DE" dirty="0"/>
               <a:t>Konvertierung von </a:t>
             </a:r>
             <a:r>
-              <a:rPr lang="de-DE" dirty="0" err="1" smtClean="0"/>
+              <a:rPr lang="de-DE" dirty="0" err="1"/>
               <a:t>Markdown</a:t>
             </a:r>
             <a:r>
-              <a:rPr lang="de-DE" dirty="0" smtClean="0"/>
+              <a:rPr lang="de-DE" dirty="0"/>
               <a:t>-Dateien (.md)</a:t>
             </a:r>
           </a:p>
@@ -6421,7 +6175,7 @@
               <a:buChar char="§"/>
             </a:pPr>
             <a:r>
-              <a:rPr lang="de-DE" dirty="0" smtClean="0"/>
+              <a:rPr lang="de-DE" dirty="0"/>
               <a:t>Bildbeschreibungen</a:t>
             </a:r>
           </a:p>
@@ -6431,15 +6185,15 @@
               <a:buChar char="§"/>
             </a:pPr>
             <a:r>
-              <a:rPr lang="de-DE" dirty="0" smtClean="0"/>
+              <a:rPr lang="de-DE" dirty="0"/>
               <a:t>Überprüfung von </a:t>
             </a:r>
             <a:r>
-              <a:rPr lang="de-DE" dirty="0" err="1" smtClean="0"/>
+              <a:rPr lang="de-DE" dirty="0" err="1"/>
               <a:t>Markdown</a:t>
             </a:r>
             <a:r>
-              <a:rPr lang="de-DE" dirty="0" smtClean="0"/>
+              <a:rPr lang="de-DE" dirty="0"/>
               <a:t>-Syntax</a:t>
             </a:r>
           </a:p>
@@ -6467,11 +6221,11 @@
           <a:p>
             <a:pPr algn="ctr"/>
             <a:r>
-              <a:rPr lang="de-DE" sz="1200" b="0" dirty="0" smtClean="0"/>
+              <a:rPr lang="de-DE" sz="1200" b="0" dirty="0"/>
               <a:t>1. Zielstellung &gt; </a:t>
             </a:r>
             <a:r>
-              <a:rPr lang="de-DE" sz="1200" b="0" dirty="0" smtClean="0">
+              <a:rPr lang="de-DE" sz="1200" b="0" dirty="0">
                 <a:solidFill>
                   <a:schemeClr val="tx1"/>
                 </a:solidFill>
@@ -6479,10 +6233,9 @@
               <a:t>2. Bestehende Lösungsansätze</a:t>
             </a:r>
             <a:r>
-              <a:rPr lang="de-DE" sz="1200" b="0" dirty="0" smtClean="0"/>
+              <a:rPr lang="de-DE" sz="1200" b="0" dirty="0"/>
               <a:t> &gt; 3. Entwicklung einer neuen Erweiterung für ATOM &gt; 4. Ausblick</a:t>
             </a:r>
-            <a:endParaRPr lang="de-DE" sz="1200" b="0" dirty="0"/>
           </a:p>
         </p:txBody>
       </p:sp>
@@ -6503,7 +6256,7 @@
           <a:p>
             <a:fld id="{852F18A7-60EF-DD48-8F37-BE93452F0A67}" type="datetime1">
               <a:rPr lang="de-DE" smtClean="0"/>
-              <a:t>24.10.16</a:t>
+              <a:t>24.10.2016</a:t>
             </a:fld>
             <a:endParaRPr lang="de-DE" dirty="0"/>
           </a:p>
@@ -6516,24 +6269,32 @@
             <a:spLocks noGrp="1"/>
           </p:cNvSpPr>
           <p:nvPr>
-            <p:ph type="ftr" sz="quarter" idx="21"/>
-          </p:nvPr>
-        </p:nvSpPr>
-        <p:spPr/>
+            <p:ph type="ftr" sz="quarter" idx="4294967295"/>
+          </p:nvPr>
+        </p:nvSpPr>
+        <p:spPr>
+          <a:xfrm>
+            <a:off x="2680585" y="6400799"/>
+            <a:ext cx="3883025" cy="254000"/>
+          </a:xfrm>
+          <a:prstGeom prst="rect">
+            <a:avLst/>
+          </a:prstGeom>
+        </p:spPr>
         <p:txBody>
           <a:bodyPr/>
           <a:lstStyle/>
           <a:p>
             <a:r>
-              <a:rPr lang="de-DE" dirty="0" err="1" smtClean="0"/>
+              <a:rPr lang="de-DE" dirty="0" err="1"/>
               <a:t>agsbs</a:t>
             </a:r>
             <a:r>
-              <a:rPr lang="de-DE" dirty="0" smtClean="0"/>
+              <a:rPr lang="de-DE" dirty="0"/>
               <a:t>-atom-</a:t>
             </a:r>
             <a:r>
-              <a:rPr lang="de-DE" dirty="0" err="1" smtClean="0"/>
+              <a:rPr lang="de-DE" dirty="0" err="1"/>
               <a:t>package</a:t>
             </a:r>
             <a:endParaRPr lang="de-DE" dirty="0"/>
@@ -6556,7 +6317,7 @@
           <a:lstStyle/>
           <a:p>
             <a:r>
-              <a:rPr lang="de-DE" smtClean="0"/>
+              <a:rPr lang="de-DE"/>
               <a:t>Folie </a:t>
             </a:r>
             <a:fld id="{20336FBE-96EF-1B43-9998-83765DDB0397}" type="slidenum">
@@ -6565,7 +6326,7 @@
               <a:t>6</a:t>
             </a:fld>
             <a:r>
-              <a:rPr lang="de-DE" smtClean="0"/>
+              <a:rPr lang="de-DE"/>
               <a:t> von XYZ</a:t>
             </a:r>
             <a:endParaRPr lang="de-DE" dirty="0"/>
@@ -6582,13 +6343,6 @@
   <p:clrMapOvr>
     <a:masterClrMapping/>
   </p:clrMapOvr>
-  <p:timing>
-    <p:tnLst>
-      <p:par>
-        <p:cTn id="1" dur="indefinite" restart="never" nodeType="tmRoot"/>
-      </p:par>
-    </p:tnLst>
-  </p:timing>
 </p:sld>
 </file>
 

--- a/presentation.pptx
+++ b/presentation.pptx
@@ -5,10 +5,10 @@
     <p:sldMasterId id="2147483648" r:id="rId1"/>
   </p:sldMasterIdLst>
   <p:notesMasterIdLst>
-    <p:notesMasterId r:id="rId8"/>
+    <p:notesMasterId r:id="rId12"/>
   </p:notesMasterIdLst>
   <p:handoutMasterIdLst>
-    <p:handoutMasterId r:id="rId9"/>
+    <p:handoutMasterId r:id="rId13"/>
   </p:handoutMasterIdLst>
   <p:sldIdLst>
     <p:sldId id="259" r:id="rId2"/>
@@ -17,6 +17,10 @@
     <p:sldId id="262" r:id="rId5"/>
     <p:sldId id="263" r:id="rId6"/>
     <p:sldId id="264" r:id="rId7"/>
+    <p:sldId id="265" r:id="rId8"/>
+    <p:sldId id="266" r:id="rId9"/>
+    <p:sldId id="267" r:id="rId10"/>
+    <p:sldId id="268" r:id="rId11"/>
   </p:sldIdLst>
   <p:sldSz cx="9144000" cy="6858000" type="screen4x3"/>
   <p:notesSz cx="6858000" cy="9144000"/>
@@ -380,7 +384,7 @@
           <a:p>
             <a:fld id="{C018CAB8-1F61-49D8-8340-04BCC7D2C15D}" type="datetimeFigureOut">
               <a:rPr lang="de-LU" smtClean="0"/>
-              <a:t>24.10.2016</a:t>
+              <a:t>24.10.16</a:t>
             </a:fld>
             <a:endParaRPr lang="de-LU"/>
           </a:p>
@@ -546,7 +550,7 @@
           <a:p>
             <a:fld id="{8B9FABE9-F223-40F4-B29B-AF42B1456244}" type="datetimeFigureOut">
               <a:rPr lang="de-LU" smtClean="0"/>
-              <a:t>24.10.2016</a:t>
+              <a:t>24.10.16</a:t>
             </a:fld>
             <a:endParaRPr lang="de-LU"/>
           </a:p>
@@ -859,50 +863,7 @@
           <a:bodyPr/>
           <a:lstStyle/>
           <a:p>
-            <a:r>
-              <a:rPr lang="de-DE" dirty="0"/>
-              <a:t>Adaptierbarkeit:</a:t>
-            </a:r>
-          </a:p>
-          <a:p>
-            <a:pPr marL="171450" indent="-171450">
-              <a:buFontTx/>
-              <a:buChar char="-"/>
-            </a:pPr>
-            <a:r>
-              <a:rPr lang="de-DE" dirty="0"/>
-              <a:t>Sprache</a:t>
-            </a:r>
-          </a:p>
-          <a:p>
-            <a:pPr marL="171450" indent="-171450">
-              <a:buFontTx/>
-              <a:buChar char="-"/>
-            </a:pPr>
-            <a:r>
-              <a:rPr lang="de-DE" dirty="0"/>
-              <a:t>Live-Vorschau</a:t>
-            </a:r>
-          </a:p>
-          <a:p>
-            <a:pPr marL="171450" indent="-171450">
-              <a:buFontTx/>
-              <a:buChar char="-"/>
-            </a:pPr>
-            <a:r>
-              <a:rPr lang="de-DE" dirty="0"/>
-              <a:t>CSV-Separator</a:t>
-            </a:r>
-          </a:p>
-          <a:p>
-            <a:pPr marL="171450" indent="-171450">
-              <a:buFontTx/>
-              <a:buChar char="-"/>
-            </a:pPr>
-            <a:r>
-              <a:rPr lang="de-DE" dirty="0"/>
-              <a:t>GIT-Anbindung</a:t>
-            </a:r>
+            <a:endParaRPr lang="de-DE"/>
           </a:p>
         </p:txBody>
       </p:sp>
@@ -923,7 +884,7 @@
           <a:p>
             <a:fld id="{97667336-ABAD-4032-8A72-A57DA0F2B670}" type="slidenum">
               <a:rPr lang="de-LU" smtClean="0"/>
-              <a:t>4</a:t>
+              <a:t>1</a:t>
             </a:fld>
             <a:endParaRPr lang="de-LU"/>
           </a:p>
@@ -932,7 +893,7 @@
     </p:spTree>
     <p:extLst>
       <p:ext uri="{BB962C8B-B14F-4D97-AF65-F5344CB8AC3E}">
-        <p14:creationId xmlns:p14="http://schemas.microsoft.com/office/powerpoint/2010/main" val="1251578950"/>
+        <p14:creationId xmlns:p14="http://schemas.microsoft.com/office/powerpoint/2010/main" val="974414340"/>
       </p:ext>
     </p:extLst>
   </p:cSld>
@@ -986,6 +947,133 @@
           <a:bodyPr/>
           <a:lstStyle/>
           <a:p>
+            <a:r>
+              <a:rPr lang="de-DE" dirty="0"/>
+              <a:t>Adaptierbarkeit:</a:t>
+            </a:r>
+          </a:p>
+          <a:p>
+            <a:pPr marL="171450" indent="-171450">
+              <a:buFontTx/>
+              <a:buChar char="-"/>
+            </a:pPr>
+            <a:r>
+              <a:rPr lang="de-DE" dirty="0"/>
+              <a:t>Sprache</a:t>
+            </a:r>
+          </a:p>
+          <a:p>
+            <a:pPr marL="171450" indent="-171450">
+              <a:buFontTx/>
+              <a:buChar char="-"/>
+            </a:pPr>
+            <a:r>
+              <a:rPr lang="de-DE" dirty="0"/>
+              <a:t>Live-Vorschau</a:t>
+            </a:r>
+          </a:p>
+          <a:p>
+            <a:pPr marL="171450" indent="-171450">
+              <a:buFontTx/>
+              <a:buChar char="-"/>
+            </a:pPr>
+            <a:r>
+              <a:rPr lang="de-DE" dirty="0"/>
+              <a:t>CSV-Separator</a:t>
+            </a:r>
+          </a:p>
+          <a:p>
+            <a:pPr marL="171450" indent="-171450">
+              <a:buFontTx/>
+              <a:buChar char="-"/>
+            </a:pPr>
+            <a:r>
+              <a:rPr lang="de-DE" dirty="0"/>
+              <a:t>GIT-Anbindung</a:t>
+            </a:r>
+          </a:p>
+        </p:txBody>
+      </p:sp>
+      <p:sp>
+        <p:nvSpPr>
+          <p:cNvPr id="4" name="Foliennummernplatzhalter 3"/>
+          <p:cNvSpPr>
+            <a:spLocks noGrp="1"/>
+          </p:cNvSpPr>
+          <p:nvPr>
+            <p:ph type="sldNum" sz="quarter" idx="10"/>
+          </p:nvPr>
+        </p:nvSpPr>
+        <p:spPr/>
+        <p:txBody>
+          <a:bodyPr/>
+          <a:lstStyle/>
+          <a:p>
+            <a:fld id="{97667336-ABAD-4032-8A72-A57DA0F2B670}" type="slidenum">
+              <a:rPr lang="de-LU" smtClean="0"/>
+              <a:t>4</a:t>
+            </a:fld>
+            <a:endParaRPr lang="de-LU"/>
+          </a:p>
+        </p:txBody>
+      </p:sp>
+    </p:spTree>
+    <p:extLst>
+      <p:ext uri="{BB962C8B-B14F-4D97-AF65-F5344CB8AC3E}">
+        <p14:creationId xmlns:p14="http://schemas.microsoft.com/office/powerpoint/2010/main" val="1251578950"/>
+      </p:ext>
+    </p:extLst>
+  </p:cSld>
+  <p:clrMapOvr>
+    <a:masterClrMapping/>
+  </p:clrMapOvr>
+</p:notes>
+</file>
+
+<file path=ppt/notesSlides/notesSlide3.xml><?xml version="1.0" encoding="utf-8"?>
+<p:notes xmlns:a="http://schemas.openxmlformats.org/drawingml/2006/main" xmlns:r="http://schemas.openxmlformats.org/officeDocument/2006/relationships" xmlns:p="http://schemas.openxmlformats.org/presentationml/2006/main">
+  <p:cSld>
+    <p:spTree>
+      <p:nvGrpSpPr>
+        <p:cNvPr id="1" name=""/>
+        <p:cNvGrpSpPr/>
+        <p:nvPr/>
+      </p:nvGrpSpPr>
+      <p:grpSpPr>
+        <a:xfrm>
+          <a:off x="0" y="0"/>
+          <a:ext cx="0" cy="0"/>
+          <a:chOff x="0" y="0"/>
+          <a:chExt cx="0" cy="0"/>
+        </a:xfrm>
+      </p:grpSpPr>
+      <p:sp>
+        <p:nvSpPr>
+          <p:cNvPr id="2" name="Folienbildplatzhalter 1"/>
+          <p:cNvSpPr>
+            <a:spLocks noGrp="1" noRot="1" noChangeAspect="1"/>
+          </p:cNvSpPr>
+          <p:nvPr>
+            <p:ph type="sldImg"/>
+          </p:nvPr>
+        </p:nvSpPr>
+        <p:spPr/>
+      </p:sp>
+      <p:sp>
+        <p:nvSpPr>
+          <p:cNvPr id="3" name="Notizenplatzhalter 2"/>
+          <p:cNvSpPr>
+            <a:spLocks noGrp="1"/>
+          </p:cNvSpPr>
+          <p:nvPr>
+            <p:ph type="body" idx="1"/>
+          </p:nvPr>
+        </p:nvSpPr>
+        <p:spPr/>
+        <p:txBody>
+          <a:bodyPr/>
+          <a:lstStyle/>
+          <a:p>
             <a:pPr marL="342900" indent="-342900">
               <a:buFont typeface=".AppleSystemUIFont" charset="-120"/>
               <a:buChar char="-"/>
@@ -1175,6 +1263,972 @@
     <p:extLst>
       <p:ext uri="{BB962C8B-B14F-4D97-AF65-F5344CB8AC3E}">
         <p14:creationId xmlns:p14="http://schemas.microsoft.com/office/powerpoint/2010/main" val="978973637"/>
+      </p:ext>
+    </p:extLst>
+  </p:cSld>
+  <p:clrMapOvr>
+    <a:masterClrMapping/>
+  </p:clrMapOvr>
+</p:notes>
+</file>
+
+<file path=ppt/notesSlides/notesSlide4.xml><?xml version="1.0" encoding="utf-8"?>
+<p:notes xmlns:a="http://schemas.openxmlformats.org/drawingml/2006/main" xmlns:r="http://schemas.openxmlformats.org/officeDocument/2006/relationships" xmlns:p="http://schemas.openxmlformats.org/presentationml/2006/main">
+  <p:cSld>
+    <p:spTree>
+      <p:nvGrpSpPr>
+        <p:cNvPr id="1" name=""/>
+        <p:cNvGrpSpPr/>
+        <p:nvPr/>
+      </p:nvGrpSpPr>
+      <p:grpSpPr>
+        <a:xfrm>
+          <a:off x="0" y="0"/>
+          <a:ext cx="0" cy="0"/>
+          <a:chOff x="0" y="0"/>
+          <a:chExt cx="0" cy="0"/>
+        </a:xfrm>
+      </p:grpSpPr>
+      <p:sp>
+        <p:nvSpPr>
+          <p:cNvPr id="2" name="Folienbildplatzhalter 1"/>
+          <p:cNvSpPr>
+            <a:spLocks noGrp="1" noRot="1" noChangeAspect="1"/>
+          </p:cNvSpPr>
+          <p:nvPr>
+            <p:ph type="sldImg"/>
+          </p:nvPr>
+        </p:nvSpPr>
+        <p:spPr/>
+      </p:sp>
+      <p:sp>
+        <p:nvSpPr>
+          <p:cNvPr id="3" name="Notizenplatzhalter 2"/>
+          <p:cNvSpPr>
+            <a:spLocks noGrp="1"/>
+          </p:cNvSpPr>
+          <p:nvPr>
+            <p:ph type="body" idx="1"/>
+          </p:nvPr>
+        </p:nvSpPr>
+        <p:spPr/>
+        <p:txBody>
+          <a:bodyPr/>
+          <a:lstStyle/>
+          <a:p>
+            <a:pPr marL="342900" indent="-342900">
+              <a:buFont typeface=".AppleSystemUIFont" charset="-120"/>
+              <a:buChar char="-"/>
+            </a:pPr>
+            <a:r>
+              <a:rPr lang="de-DE" dirty="0"/>
+              <a:t>AGSBS </a:t>
+            </a:r>
+            <a:r>
+              <a:rPr lang="de-DE" dirty="0" err="1"/>
+              <a:t>Markdown</a:t>
+            </a:r>
+            <a:r>
+              <a:rPr lang="de-DE" dirty="0"/>
+              <a:t> Helper (Erweiterung für Sublime Text)</a:t>
+            </a:r>
+          </a:p>
+          <a:p>
+            <a:pPr marL="631825" lvl="3" indent="-342900">
+              <a:buFont typeface="Wingdings" charset="2"/>
+              <a:buChar char="§"/>
+            </a:pPr>
+            <a:r>
+              <a:rPr lang="de-DE" dirty="0"/>
+              <a:t>GUI konnte nicht vollständig angepasst werden</a:t>
+            </a:r>
+            <a:br>
+              <a:rPr lang="de-DE" dirty="0"/>
+            </a:br>
+            <a:r>
+              <a:rPr lang="de-DE" dirty="0">
+                <a:sym typeface="Wingdings"/>
+              </a:rPr>
+              <a:t> Texteingabefelder nur am unteren Bildschirmrand möglich</a:t>
+            </a:r>
+            <a:endParaRPr lang="de-DE" dirty="0"/>
+          </a:p>
+          <a:p>
+            <a:pPr marL="631825" lvl="3" indent="-342900">
+              <a:buFont typeface="Wingdings" charset="2"/>
+              <a:buChar char="§"/>
+            </a:pPr>
+            <a:r>
+              <a:rPr lang="de-DE" dirty="0"/>
+              <a:t>Keine Live-Vorschau</a:t>
+            </a:r>
+          </a:p>
+          <a:p>
+            <a:pPr marL="631825" lvl="3" indent="-342900">
+              <a:buFont typeface="Wingdings" charset="2"/>
+              <a:buChar char="§"/>
+            </a:pPr>
+            <a:r>
+              <a:rPr lang="de-DE" dirty="0"/>
+              <a:t>Versionskontrolle (SVN) nicht in Sublime Text integriert</a:t>
+            </a:r>
+          </a:p>
+          <a:p>
+            <a:pPr marL="631825" lvl="3" indent="-342900">
+              <a:buFont typeface="Wingdings" charset="2"/>
+              <a:buChar char="§"/>
+            </a:pPr>
+            <a:r>
+              <a:rPr lang="de-DE" dirty="0"/>
+              <a:t>Nutzer muss alle Arbeitsschritte kennen und die Reihenfolge genau einhalten</a:t>
+            </a:r>
+          </a:p>
+          <a:p>
+            <a:pPr marL="631825" lvl="3" indent="-342900">
+              <a:buFont typeface="Wingdings" charset="2"/>
+              <a:buChar char="§"/>
+            </a:pPr>
+            <a:endParaRPr lang="de-DE" dirty="0"/>
+          </a:p>
+          <a:p>
+            <a:pPr marL="342900" lvl="2" indent="-342900">
+              <a:buFont typeface=".AppleSystemUIFont" charset="-120"/>
+              <a:buChar char="-"/>
+            </a:pPr>
+            <a:r>
+              <a:rPr lang="de-DE" dirty="0" err="1"/>
+              <a:t>Matuc</a:t>
+            </a:r>
+            <a:r>
+              <a:rPr lang="de-DE" dirty="0"/>
+              <a:t> (Kommandozeilen-Programm)</a:t>
+            </a:r>
+          </a:p>
+          <a:p>
+            <a:pPr marL="631825" lvl="3" indent="-342900">
+              <a:buFont typeface="Wingdings" charset="2"/>
+              <a:buChar char="§"/>
+            </a:pPr>
+            <a:r>
+              <a:rPr lang="de-DE" dirty="0"/>
+              <a:t>Generiert Verzeichnisstruktur für aufbereitete Lehrmaterialien</a:t>
+            </a:r>
+          </a:p>
+          <a:p>
+            <a:pPr marL="631825" lvl="3" indent="-342900">
+              <a:buFont typeface="Wingdings" charset="2"/>
+              <a:buChar char="§"/>
+            </a:pPr>
+            <a:r>
+              <a:rPr lang="de-DE" dirty="0"/>
+              <a:t>Konvertiert </a:t>
+            </a:r>
+            <a:r>
+              <a:rPr lang="de-DE" dirty="0" err="1"/>
+              <a:t>Markdown</a:t>
+            </a:r>
+            <a:r>
+              <a:rPr lang="de-DE" dirty="0"/>
+              <a:t>-Dateien (.md) mittels </a:t>
+            </a:r>
+            <a:r>
+              <a:rPr lang="de-DE" dirty="0" err="1"/>
+              <a:t>pandoc</a:t>
+            </a:r>
+            <a:endParaRPr lang="de-DE" dirty="0"/>
+          </a:p>
+          <a:p>
+            <a:pPr marL="631825" lvl="3" indent="-342900">
+              <a:buFont typeface="Wingdings" charset="2"/>
+              <a:buChar char="§"/>
+            </a:pPr>
+            <a:r>
+              <a:rPr lang="de-DE" dirty="0"/>
+              <a:t>Unterstützt bei der Erstellung von Bildbeschreibungen und lagert diese ggf. aus</a:t>
+            </a:r>
+          </a:p>
+          <a:p>
+            <a:pPr marL="631825" lvl="3" indent="-342900">
+              <a:buFont typeface="Wingdings" charset="2"/>
+              <a:buChar char="§"/>
+            </a:pPr>
+            <a:r>
+              <a:rPr lang="de-DE" dirty="0"/>
+              <a:t>Enthält </a:t>
+            </a:r>
+            <a:r>
+              <a:rPr lang="de-DE" dirty="0" err="1"/>
+              <a:t>mistkerl</a:t>
+            </a:r>
+            <a:r>
+              <a:rPr lang="de-DE" dirty="0"/>
+              <a:t> zur Überprüfung der Struktur und </a:t>
+            </a:r>
+            <a:r>
+              <a:rPr lang="de-DE" dirty="0" err="1"/>
+              <a:t>Markdown</a:t>
+            </a:r>
+            <a:r>
+              <a:rPr lang="de-DE" dirty="0"/>
+              <a:t>-Syntax</a:t>
+            </a:r>
+          </a:p>
+          <a:p>
+            <a:endParaRPr lang="de-DE" dirty="0"/>
+          </a:p>
+        </p:txBody>
+      </p:sp>
+      <p:sp>
+        <p:nvSpPr>
+          <p:cNvPr id="4" name="Foliennummernplatzhalter 3"/>
+          <p:cNvSpPr>
+            <a:spLocks noGrp="1"/>
+          </p:cNvSpPr>
+          <p:nvPr>
+            <p:ph type="sldNum" sz="quarter" idx="10"/>
+          </p:nvPr>
+        </p:nvSpPr>
+        <p:spPr/>
+        <p:txBody>
+          <a:bodyPr/>
+          <a:lstStyle/>
+          <a:p>
+            <a:fld id="{97667336-ABAD-4032-8A72-A57DA0F2B670}" type="slidenum">
+              <a:rPr lang="de-LU" smtClean="0"/>
+              <a:t>7</a:t>
+            </a:fld>
+            <a:endParaRPr lang="de-LU"/>
+          </a:p>
+        </p:txBody>
+      </p:sp>
+    </p:spTree>
+    <p:extLst>
+      <p:ext uri="{BB962C8B-B14F-4D97-AF65-F5344CB8AC3E}">
+        <p14:creationId xmlns:p14="http://schemas.microsoft.com/office/powerpoint/2010/main" val="1912797218"/>
+      </p:ext>
+    </p:extLst>
+  </p:cSld>
+  <p:clrMapOvr>
+    <a:masterClrMapping/>
+  </p:clrMapOvr>
+</p:notes>
+</file>
+
+<file path=ppt/notesSlides/notesSlide5.xml><?xml version="1.0" encoding="utf-8"?>
+<p:notes xmlns:a="http://schemas.openxmlformats.org/drawingml/2006/main" xmlns:r="http://schemas.openxmlformats.org/officeDocument/2006/relationships" xmlns:p="http://schemas.openxmlformats.org/presentationml/2006/main">
+  <p:cSld>
+    <p:spTree>
+      <p:nvGrpSpPr>
+        <p:cNvPr id="1" name=""/>
+        <p:cNvGrpSpPr/>
+        <p:nvPr/>
+      </p:nvGrpSpPr>
+      <p:grpSpPr>
+        <a:xfrm>
+          <a:off x="0" y="0"/>
+          <a:ext cx="0" cy="0"/>
+          <a:chOff x="0" y="0"/>
+          <a:chExt cx="0" cy="0"/>
+        </a:xfrm>
+      </p:grpSpPr>
+      <p:sp>
+        <p:nvSpPr>
+          <p:cNvPr id="2" name="Folienbildplatzhalter 1"/>
+          <p:cNvSpPr>
+            <a:spLocks noGrp="1" noRot="1" noChangeAspect="1"/>
+          </p:cNvSpPr>
+          <p:nvPr>
+            <p:ph type="sldImg"/>
+          </p:nvPr>
+        </p:nvSpPr>
+        <p:spPr/>
+      </p:sp>
+      <p:sp>
+        <p:nvSpPr>
+          <p:cNvPr id="3" name="Notizenplatzhalter 2"/>
+          <p:cNvSpPr>
+            <a:spLocks noGrp="1"/>
+          </p:cNvSpPr>
+          <p:nvPr>
+            <p:ph type="body" idx="1"/>
+          </p:nvPr>
+        </p:nvSpPr>
+        <p:spPr/>
+        <p:txBody>
+          <a:bodyPr/>
+          <a:lstStyle/>
+          <a:p>
+            <a:pPr marL="342900" indent="-342900">
+              <a:buFont typeface=".AppleSystemUIFont" charset="-120"/>
+              <a:buChar char="-"/>
+            </a:pPr>
+            <a:r>
+              <a:rPr lang="de-DE" dirty="0"/>
+              <a:t>AGSBS </a:t>
+            </a:r>
+            <a:r>
+              <a:rPr lang="de-DE" dirty="0" err="1"/>
+              <a:t>Markdown</a:t>
+            </a:r>
+            <a:r>
+              <a:rPr lang="de-DE" dirty="0"/>
+              <a:t> Helper (Erweiterung für Sublime Text)</a:t>
+            </a:r>
+          </a:p>
+          <a:p>
+            <a:pPr marL="631825" lvl="3" indent="-342900">
+              <a:buFont typeface="Wingdings" charset="2"/>
+              <a:buChar char="§"/>
+            </a:pPr>
+            <a:r>
+              <a:rPr lang="de-DE" dirty="0"/>
+              <a:t>GUI konnte nicht vollständig angepasst werden</a:t>
+            </a:r>
+            <a:br>
+              <a:rPr lang="de-DE" dirty="0"/>
+            </a:br>
+            <a:r>
+              <a:rPr lang="de-DE" dirty="0">
+                <a:sym typeface="Wingdings"/>
+              </a:rPr>
+              <a:t> Texteingabefelder nur am unteren Bildschirmrand möglich</a:t>
+            </a:r>
+            <a:endParaRPr lang="de-DE" dirty="0"/>
+          </a:p>
+          <a:p>
+            <a:pPr marL="631825" lvl="3" indent="-342900">
+              <a:buFont typeface="Wingdings" charset="2"/>
+              <a:buChar char="§"/>
+            </a:pPr>
+            <a:r>
+              <a:rPr lang="de-DE" dirty="0"/>
+              <a:t>Keine Live-Vorschau</a:t>
+            </a:r>
+          </a:p>
+          <a:p>
+            <a:pPr marL="631825" lvl="3" indent="-342900">
+              <a:buFont typeface="Wingdings" charset="2"/>
+              <a:buChar char="§"/>
+            </a:pPr>
+            <a:r>
+              <a:rPr lang="de-DE" dirty="0"/>
+              <a:t>Versionskontrolle (SVN) nicht in Sublime Text integriert</a:t>
+            </a:r>
+          </a:p>
+          <a:p>
+            <a:pPr marL="631825" lvl="3" indent="-342900">
+              <a:buFont typeface="Wingdings" charset="2"/>
+              <a:buChar char="§"/>
+            </a:pPr>
+            <a:r>
+              <a:rPr lang="de-DE" dirty="0"/>
+              <a:t>Nutzer muss alle Arbeitsschritte kennen und die Reihenfolge genau einhalten</a:t>
+            </a:r>
+          </a:p>
+          <a:p>
+            <a:pPr marL="631825" lvl="3" indent="-342900">
+              <a:buFont typeface="Wingdings" charset="2"/>
+              <a:buChar char="§"/>
+            </a:pPr>
+            <a:endParaRPr lang="de-DE" dirty="0"/>
+          </a:p>
+          <a:p>
+            <a:pPr marL="342900" lvl="2" indent="-342900">
+              <a:buFont typeface=".AppleSystemUIFont" charset="-120"/>
+              <a:buChar char="-"/>
+            </a:pPr>
+            <a:r>
+              <a:rPr lang="de-DE" dirty="0" err="1"/>
+              <a:t>Matuc</a:t>
+            </a:r>
+            <a:r>
+              <a:rPr lang="de-DE" dirty="0"/>
+              <a:t> (Kommandozeilen-Programm)</a:t>
+            </a:r>
+          </a:p>
+          <a:p>
+            <a:pPr marL="631825" lvl="3" indent="-342900">
+              <a:buFont typeface="Wingdings" charset="2"/>
+              <a:buChar char="§"/>
+            </a:pPr>
+            <a:r>
+              <a:rPr lang="de-DE" dirty="0"/>
+              <a:t>Generiert Verzeichnisstruktur für aufbereitete Lehrmaterialien</a:t>
+            </a:r>
+          </a:p>
+          <a:p>
+            <a:pPr marL="631825" lvl="3" indent="-342900">
+              <a:buFont typeface="Wingdings" charset="2"/>
+              <a:buChar char="§"/>
+            </a:pPr>
+            <a:r>
+              <a:rPr lang="de-DE" dirty="0"/>
+              <a:t>Konvertiert </a:t>
+            </a:r>
+            <a:r>
+              <a:rPr lang="de-DE" dirty="0" err="1"/>
+              <a:t>Markdown</a:t>
+            </a:r>
+            <a:r>
+              <a:rPr lang="de-DE" dirty="0"/>
+              <a:t>-Dateien (.md) mittels </a:t>
+            </a:r>
+            <a:r>
+              <a:rPr lang="de-DE" dirty="0" err="1"/>
+              <a:t>pandoc</a:t>
+            </a:r>
+            <a:endParaRPr lang="de-DE" dirty="0"/>
+          </a:p>
+          <a:p>
+            <a:pPr marL="631825" lvl="3" indent="-342900">
+              <a:buFont typeface="Wingdings" charset="2"/>
+              <a:buChar char="§"/>
+            </a:pPr>
+            <a:r>
+              <a:rPr lang="de-DE" dirty="0"/>
+              <a:t>Unterstützt bei der Erstellung von Bildbeschreibungen und lagert diese ggf. aus</a:t>
+            </a:r>
+          </a:p>
+          <a:p>
+            <a:pPr marL="631825" lvl="3" indent="-342900">
+              <a:buFont typeface="Wingdings" charset="2"/>
+              <a:buChar char="§"/>
+            </a:pPr>
+            <a:r>
+              <a:rPr lang="de-DE" dirty="0"/>
+              <a:t>Enthält </a:t>
+            </a:r>
+            <a:r>
+              <a:rPr lang="de-DE" dirty="0" err="1"/>
+              <a:t>mistkerl</a:t>
+            </a:r>
+            <a:r>
+              <a:rPr lang="de-DE" dirty="0"/>
+              <a:t> zur Überprüfung der Struktur und </a:t>
+            </a:r>
+            <a:r>
+              <a:rPr lang="de-DE" dirty="0" err="1"/>
+              <a:t>Markdown</a:t>
+            </a:r>
+            <a:r>
+              <a:rPr lang="de-DE" dirty="0"/>
+              <a:t>-Syntax</a:t>
+            </a:r>
+          </a:p>
+          <a:p>
+            <a:endParaRPr lang="de-DE" dirty="0"/>
+          </a:p>
+        </p:txBody>
+      </p:sp>
+      <p:sp>
+        <p:nvSpPr>
+          <p:cNvPr id="4" name="Foliennummernplatzhalter 3"/>
+          <p:cNvSpPr>
+            <a:spLocks noGrp="1"/>
+          </p:cNvSpPr>
+          <p:nvPr>
+            <p:ph type="sldNum" sz="quarter" idx="10"/>
+          </p:nvPr>
+        </p:nvSpPr>
+        <p:spPr/>
+        <p:txBody>
+          <a:bodyPr/>
+          <a:lstStyle/>
+          <a:p>
+            <a:fld id="{97667336-ABAD-4032-8A72-A57DA0F2B670}" type="slidenum">
+              <a:rPr lang="de-LU" smtClean="0"/>
+              <a:t>8</a:t>
+            </a:fld>
+            <a:endParaRPr lang="de-LU"/>
+          </a:p>
+        </p:txBody>
+      </p:sp>
+    </p:spTree>
+    <p:extLst>
+      <p:ext uri="{BB962C8B-B14F-4D97-AF65-F5344CB8AC3E}">
+        <p14:creationId xmlns:p14="http://schemas.microsoft.com/office/powerpoint/2010/main" val="1590563140"/>
+      </p:ext>
+    </p:extLst>
+  </p:cSld>
+  <p:clrMapOvr>
+    <a:masterClrMapping/>
+  </p:clrMapOvr>
+</p:notes>
+</file>
+
+<file path=ppt/notesSlides/notesSlide6.xml><?xml version="1.0" encoding="utf-8"?>
+<p:notes xmlns:a="http://schemas.openxmlformats.org/drawingml/2006/main" xmlns:r="http://schemas.openxmlformats.org/officeDocument/2006/relationships" xmlns:p="http://schemas.openxmlformats.org/presentationml/2006/main">
+  <p:cSld>
+    <p:spTree>
+      <p:nvGrpSpPr>
+        <p:cNvPr id="1" name=""/>
+        <p:cNvGrpSpPr/>
+        <p:nvPr/>
+      </p:nvGrpSpPr>
+      <p:grpSpPr>
+        <a:xfrm>
+          <a:off x="0" y="0"/>
+          <a:ext cx="0" cy="0"/>
+          <a:chOff x="0" y="0"/>
+          <a:chExt cx="0" cy="0"/>
+        </a:xfrm>
+      </p:grpSpPr>
+      <p:sp>
+        <p:nvSpPr>
+          <p:cNvPr id="2" name="Folienbildplatzhalter 1"/>
+          <p:cNvSpPr>
+            <a:spLocks noGrp="1" noRot="1" noChangeAspect="1"/>
+          </p:cNvSpPr>
+          <p:nvPr>
+            <p:ph type="sldImg"/>
+          </p:nvPr>
+        </p:nvSpPr>
+        <p:spPr/>
+      </p:sp>
+      <p:sp>
+        <p:nvSpPr>
+          <p:cNvPr id="3" name="Notizenplatzhalter 2"/>
+          <p:cNvSpPr>
+            <a:spLocks noGrp="1"/>
+          </p:cNvSpPr>
+          <p:nvPr>
+            <p:ph type="body" idx="1"/>
+          </p:nvPr>
+        </p:nvSpPr>
+        <p:spPr/>
+        <p:txBody>
+          <a:bodyPr/>
+          <a:lstStyle/>
+          <a:p>
+            <a:r>
+              <a:rPr lang="de-DE" dirty="0" smtClean="0"/>
+              <a:t>Plattformübergreifend:</a:t>
+            </a:r>
+          </a:p>
+          <a:p>
+            <a:pPr marL="171450" indent="-171450">
+              <a:buFontTx/>
+              <a:buChar char="-"/>
+            </a:pPr>
+            <a:r>
+              <a:rPr lang="de-DE" baseline="0" dirty="0" err="1" smtClean="0"/>
+              <a:t>Läut</a:t>
+            </a:r>
+            <a:r>
+              <a:rPr lang="de-DE" baseline="0" dirty="0" smtClean="0"/>
+              <a:t> auf allen OS</a:t>
+            </a:r>
+          </a:p>
+          <a:p>
+            <a:pPr marL="171450" indent="-171450">
+              <a:buFontTx/>
+              <a:buChar char="-"/>
+            </a:pPr>
+            <a:endParaRPr lang="de-DE" baseline="0" dirty="0" smtClean="0"/>
+          </a:p>
+          <a:p>
+            <a:pPr marL="0" indent="0">
+              <a:buFontTx/>
+              <a:buNone/>
+            </a:pPr>
+            <a:r>
+              <a:rPr lang="de-DE" baseline="0" dirty="0" err="1" smtClean="0"/>
+              <a:t>Git</a:t>
+            </a:r>
+            <a:r>
+              <a:rPr lang="de-DE" baseline="0" dirty="0" smtClean="0"/>
+              <a:t>-Integration:</a:t>
+            </a:r>
+          </a:p>
+          <a:p>
+            <a:pPr marL="171450" indent="-171450">
+              <a:buFontTx/>
+              <a:buChar char="-"/>
+            </a:pPr>
+            <a:r>
+              <a:rPr lang="de-DE" baseline="0" dirty="0" smtClean="0"/>
+              <a:t>Von Anfang an am Start</a:t>
+            </a:r>
+          </a:p>
+          <a:p>
+            <a:pPr marL="171450" indent="-171450">
+              <a:buFontTx/>
+              <a:buChar char="-"/>
+            </a:pPr>
+            <a:r>
+              <a:rPr lang="de-DE" baseline="0" dirty="0" smtClean="0"/>
+              <a:t>Kostenlos, für Sublime nur proprietär</a:t>
+            </a:r>
+          </a:p>
+          <a:p>
+            <a:pPr marL="171450" indent="-171450">
+              <a:buFontTx/>
+              <a:buChar char="-"/>
+            </a:pPr>
+            <a:endParaRPr lang="de-DE" baseline="0" dirty="0" smtClean="0"/>
+          </a:p>
+          <a:p>
+            <a:pPr marL="0" indent="0">
+              <a:buFontTx/>
+              <a:buNone/>
+            </a:pPr>
+            <a:r>
+              <a:rPr lang="de-DE" baseline="0" dirty="0" err="1" smtClean="0"/>
+              <a:t>Electron</a:t>
+            </a:r>
+            <a:r>
+              <a:rPr lang="de-DE" baseline="0" dirty="0" smtClean="0"/>
+              <a:t>-Engine:</a:t>
+            </a:r>
+          </a:p>
+          <a:p>
+            <a:pPr marL="171450" indent="-171450">
+              <a:buFont typeface="Arial" charset="0"/>
+              <a:buChar char="•"/>
+            </a:pPr>
+            <a:r>
+              <a:rPr lang="de-DE" sz="1200" kern="1200" dirty="0" smtClean="0">
+                <a:solidFill>
+                  <a:schemeClr val="tx1"/>
+                </a:solidFill>
+                <a:latin typeface="+mn-lt"/>
+                <a:ea typeface="+mn-ea"/>
+                <a:cs typeface="+mn-cs"/>
+              </a:rPr>
+              <a:t>Atom </a:t>
+            </a:r>
+            <a:r>
+              <a:rPr lang="de-DE" sz="1200" kern="1200" dirty="0" err="1" smtClean="0">
+                <a:solidFill>
+                  <a:schemeClr val="tx1"/>
+                </a:solidFill>
+                <a:latin typeface="+mn-lt"/>
+                <a:ea typeface="+mn-ea"/>
+                <a:cs typeface="+mn-cs"/>
+              </a:rPr>
+              <a:t>is</a:t>
+            </a:r>
+            <a:r>
+              <a:rPr lang="de-DE" sz="1200" kern="1200" dirty="0" smtClean="0">
+                <a:solidFill>
+                  <a:schemeClr val="tx1"/>
+                </a:solidFill>
+                <a:latin typeface="+mn-lt"/>
+                <a:ea typeface="+mn-ea"/>
+                <a:cs typeface="+mn-cs"/>
+              </a:rPr>
+              <a:t> a </a:t>
+            </a:r>
+            <a:r>
+              <a:rPr lang="de-DE" sz="1200" kern="1200" dirty="0" err="1" smtClean="0">
+                <a:solidFill>
+                  <a:schemeClr val="tx1"/>
+                </a:solidFill>
+                <a:latin typeface="+mn-lt"/>
+                <a:ea typeface="+mn-ea"/>
+                <a:cs typeface="+mn-cs"/>
+              </a:rPr>
+              <a:t>desktop</a:t>
+            </a:r>
+            <a:r>
+              <a:rPr lang="de-DE" sz="1200" kern="1200" dirty="0" smtClean="0">
+                <a:solidFill>
+                  <a:schemeClr val="tx1"/>
+                </a:solidFill>
+                <a:latin typeface="+mn-lt"/>
+                <a:ea typeface="+mn-ea"/>
+                <a:cs typeface="+mn-cs"/>
+              </a:rPr>
+              <a:t> </a:t>
+            </a:r>
+            <a:r>
+              <a:rPr lang="de-DE" sz="1200" kern="1200" dirty="0" err="1" smtClean="0">
+                <a:solidFill>
+                  <a:schemeClr val="tx1"/>
+                </a:solidFill>
+                <a:latin typeface="+mn-lt"/>
+                <a:ea typeface="+mn-ea"/>
+                <a:cs typeface="+mn-cs"/>
+              </a:rPr>
+              <a:t>application</a:t>
+            </a:r>
+            <a:r>
+              <a:rPr lang="de-DE" sz="1200" kern="1200" dirty="0" smtClean="0">
+                <a:solidFill>
+                  <a:schemeClr val="tx1"/>
+                </a:solidFill>
+                <a:latin typeface="+mn-lt"/>
+                <a:ea typeface="+mn-ea"/>
+                <a:cs typeface="+mn-cs"/>
+              </a:rPr>
+              <a:t> </a:t>
+            </a:r>
+            <a:r>
+              <a:rPr lang="de-DE" sz="1200" kern="1200" dirty="0" err="1" smtClean="0">
+                <a:solidFill>
+                  <a:schemeClr val="tx1"/>
+                </a:solidFill>
+                <a:latin typeface="+mn-lt"/>
+                <a:ea typeface="+mn-ea"/>
+                <a:cs typeface="+mn-cs"/>
+              </a:rPr>
+              <a:t>built</a:t>
+            </a:r>
+            <a:r>
+              <a:rPr lang="de-DE" sz="1200" kern="1200" dirty="0" smtClean="0">
+                <a:solidFill>
+                  <a:schemeClr val="tx1"/>
+                </a:solidFill>
+                <a:latin typeface="+mn-lt"/>
+                <a:ea typeface="+mn-ea"/>
+                <a:cs typeface="+mn-cs"/>
+              </a:rPr>
+              <a:t> </a:t>
+            </a:r>
+            <a:r>
+              <a:rPr lang="de-DE" sz="1200" kern="1200" dirty="0" err="1" smtClean="0">
+                <a:solidFill>
+                  <a:schemeClr val="tx1"/>
+                </a:solidFill>
+                <a:latin typeface="+mn-lt"/>
+                <a:ea typeface="+mn-ea"/>
+                <a:cs typeface="+mn-cs"/>
+              </a:rPr>
+              <a:t>with</a:t>
+            </a:r>
+            <a:r>
+              <a:rPr lang="de-DE" sz="1200" kern="1200" dirty="0" smtClean="0">
+                <a:solidFill>
+                  <a:schemeClr val="tx1"/>
+                </a:solidFill>
+                <a:latin typeface="+mn-lt"/>
+                <a:ea typeface="+mn-ea"/>
+                <a:cs typeface="+mn-cs"/>
+              </a:rPr>
+              <a:t> HTML, JavaScript, CSS, </a:t>
+            </a:r>
+            <a:r>
+              <a:rPr lang="de-DE" sz="1200" kern="1200" dirty="0" err="1" smtClean="0">
+                <a:solidFill>
+                  <a:schemeClr val="tx1"/>
+                </a:solidFill>
+                <a:latin typeface="+mn-lt"/>
+                <a:ea typeface="+mn-ea"/>
+                <a:cs typeface="+mn-cs"/>
+              </a:rPr>
+              <a:t>and</a:t>
+            </a:r>
+            <a:r>
+              <a:rPr lang="de-DE" sz="1200" kern="1200" dirty="0" smtClean="0">
+                <a:solidFill>
+                  <a:schemeClr val="tx1"/>
+                </a:solidFill>
+                <a:latin typeface="+mn-lt"/>
+                <a:ea typeface="+mn-ea"/>
+                <a:cs typeface="+mn-cs"/>
+              </a:rPr>
+              <a:t> </a:t>
+            </a:r>
+            <a:r>
+              <a:rPr lang="de-DE" sz="1200" kern="1200" dirty="0" err="1" smtClean="0">
+                <a:solidFill>
+                  <a:schemeClr val="tx1"/>
+                </a:solidFill>
+                <a:latin typeface="+mn-lt"/>
+                <a:ea typeface="+mn-ea"/>
+                <a:cs typeface="+mn-cs"/>
+              </a:rPr>
+              <a:t>Node.js</a:t>
+            </a:r>
+            <a:r>
+              <a:rPr lang="de-DE" sz="1200" kern="1200" dirty="0" smtClean="0">
+                <a:solidFill>
+                  <a:schemeClr val="tx1"/>
+                </a:solidFill>
+                <a:latin typeface="+mn-lt"/>
+                <a:ea typeface="+mn-ea"/>
+                <a:cs typeface="+mn-cs"/>
+              </a:rPr>
+              <a:t> Integration</a:t>
+            </a:r>
+          </a:p>
+          <a:p>
+            <a:pPr marL="171450" indent="-171450">
+              <a:buFont typeface="Arial" charset="0"/>
+              <a:buChar char="•"/>
+            </a:pPr>
+            <a:endParaRPr lang="de-DE" baseline="0" dirty="0" smtClean="0"/>
+          </a:p>
+          <a:p>
+            <a:pPr marL="0" indent="0">
+              <a:buFont typeface="Arial" charset="0"/>
+              <a:buNone/>
+            </a:pPr>
+            <a:r>
+              <a:rPr lang="de-DE" baseline="0" dirty="0" smtClean="0"/>
+              <a:t>Paketmanager:</a:t>
+            </a:r>
+          </a:p>
+          <a:p>
+            <a:pPr marL="171450" indent="-171450">
+              <a:buFontTx/>
+              <a:buChar char="-"/>
+            </a:pPr>
+            <a:r>
+              <a:rPr lang="de-DE" baseline="0" dirty="0" smtClean="0"/>
+              <a:t>Einfach</a:t>
+            </a:r>
+          </a:p>
+          <a:p>
+            <a:pPr marL="171450" indent="-171450">
+              <a:buFontTx/>
+              <a:buChar char="-"/>
+            </a:pPr>
+            <a:r>
+              <a:rPr lang="de-DE" baseline="0" dirty="0" smtClean="0"/>
+              <a:t>Cool</a:t>
+            </a:r>
+          </a:p>
+          <a:p>
+            <a:pPr marL="171450" indent="-171450">
+              <a:buFontTx/>
+              <a:buChar char="-"/>
+            </a:pPr>
+            <a:r>
+              <a:rPr lang="de-DE" baseline="0" dirty="0" err="1" smtClean="0"/>
+              <a:t>Node.js</a:t>
+            </a:r>
+            <a:r>
+              <a:rPr lang="de-DE" baseline="0" dirty="0" smtClean="0"/>
+              <a:t> </a:t>
+            </a:r>
+            <a:r>
+              <a:rPr lang="de-DE" baseline="0" dirty="0" err="1" smtClean="0"/>
+              <a:t>packages</a:t>
+            </a:r>
+            <a:r>
+              <a:rPr lang="de-DE" baseline="0" dirty="0" smtClean="0"/>
+              <a:t> und </a:t>
+            </a:r>
+            <a:r>
+              <a:rPr lang="de-DE" baseline="0" dirty="0" err="1" smtClean="0"/>
+              <a:t>atom</a:t>
+            </a:r>
+            <a:r>
+              <a:rPr lang="de-DE" baseline="0" dirty="0" smtClean="0"/>
+              <a:t> </a:t>
+            </a:r>
+            <a:r>
+              <a:rPr lang="de-DE" baseline="0" dirty="0" err="1" smtClean="0"/>
+              <a:t>packages</a:t>
+            </a:r>
+            <a:endParaRPr lang="de-DE" baseline="0" dirty="0" smtClean="0"/>
+          </a:p>
+          <a:p>
+            <a:pPr marL="171450" indent="-171450">
+              <a:buFontTx/>
+              <a:buChar char="-"/>
+            </a:pPr>
+            <a:endParaRPr lang="de-DE" baseline="0" dirty="0" smtClean="0"/>
+          </a:p>
+          <a:p>
+            <a:pPr marL="0" indent="0">
+              <a:buFontTx/>
+              <a:buNone/>
+            </a:pPr>
+            <a:r>
+              <a:rPr lang="de-DE" baseline="0" dirty="0" smtClean="0"/>
+              <a:t>Package-Einstellungen:</a:t>
+            </a:r>
+          </a:p>
+          <a:p>
+            <a:pPr marL="171450" indent="-171450">
+              <a:buFont typeface="Arial" charset="0"/>
+              <a:buChar char="•"/>
+            </a:pPr>
+            <a:r>
+              <a:rPr lang="de-DE" baseline="0" dirty="0" smtClean="0"/>
+              <a:t>Adaptierbarkeit</a:t>
+            </a:r>
+          </a:p>
+          <a:p>
+            <a:pPr marL="171450" indent="-171450">
+              <a:buFont typeface="Arial" charset="0"/>
+              <a:buChar char="•"/>
+            </a:pPr>
+            <a:r>
+              <a:rPr lang="de-DE" baseline="0" dirty="0" smtClean="0"/>
+              <a:t>Sublime: </a:t>
+            </a:r>
+            <a:r>
+              <a:rPr lang="de-DE" baseline="0" dirty="0" err="1" smtClean="0"/>
+              <a:t>json</a:t>
+            </a:r>
+            <a:r>
+              <a:rPr lang="de-DE" baseline="0" dirty="0" smtClean="0"/>
+              <a:t> und </a:t>
+            </a:r>
+            <a:r>
+              <a:rPr lang="de-DE" baseline="0" dirty="0" err="1" smtClean="0"/>
+              <a:t>python</a:t>
+            </a:r>
+            <a:r>
+              <a:rPr lang="de-DE" baseline="0" dirty="0" smtClean="0"/>
+              <a:t> </a:t>
+            </a:r>
+            <a:r>
+              <a:rPr lang="de-DE" baseline="0" dirty="0" err="1" smtClean="0"/>
+              <a:t>mist</a:t>
+            </a:r>
+            <a:endParaRPr lang="de-DE" baseline="0" dirty="0" smtClean="0"/>
+          </a:p>
+          <a:p>
+            <a:pPr marL="171450" indent="-171450">
+              <a:buFont typeface="Arial" charset="0"/>
+              <a:buChar char="•"/>
+            </a:pPr>
+            <a:r>
+              <a:rPr lang="de-DE" baseline="0" smtClean="0"/>
+              <a:t>Atom: GUI</a:t>
+            </a:r>
+            <a:endParaRPr lang="de-DE" baseline="0" dirty="0" smtClean="0"/>
+          </a:p>
+          <a:p>
+            <a:pPr marL="0" indent="0">
+              <a:buFontTx/>
+              <a:buNone/>
+            </a:pPr>
+            <a:endParaRPr lang="de-DE" baseline="0" dirty="0" smtClean="0"/>
+          </a:p>
+        </p:txBody>
+      </p:sp>
+      <p:sp>
+        <p:nvSpPr>
+          <p:cNvPr id="4" name="Foliennummernplatzhalter 3"/>
+          <p:cNvSpPr>
+            <a:spLocks noGrp="1"/>
+          </p:cNvSpPr>
+          <p:nvPr>
+            <p:ph type="sldNum" sz="quarter" idx="10"/>
+          </p:nvPr>
+        </p:nvSpPr>
+        <p:spPr/>
+        <p:txBody>
+          <a:bodyPr/>
+          <a:lstStyle/>
+          <a:p>
+            <a:fld id="{97667336-ABAD-4032-8A72-A57DA0F2B670}" type="slidenum">
+              <a:rPr lang="de-LU" smtClean="0"/>
+              <a:t>10</a:t>
+            </a:fld>
+            <a:endParaRPr lang="de-LU"/>
+          </a:p>
+        </p:txBody>
+      </p:sp>
+    </p:spTree>
+    <p:extLst>
+      <p:ext uri="{BB962C8B-B14F-4D97-AF65-F5344CB8AC3E}">
+        <p14:creationId xmlns:p14="http://schemas.microsoft.com/office/powerpoint/2010/main" val="195767865"/>
       </p:ext>
     </p:extLst>
   </p:cSld>
@@ -1466,7 +2520,7 @@
           <p:nvPr userDrawn="1"/>
         </p:nvPicPr>
         <p:blipFill>
-          <a:blip r:embed="rId2" cstate="print">
+          <a:blip r:embed="rId3" cstate="print">
             <a:extLst>
               <a:ext uri="{28A0092B-C50C-407E-A947-70E740481C1C}">
                 <a14:useLocalDpi xmlns:a14="http://schemas.microsoft.com/office/drawing/2010/main" val="0"/>
@@ -1496,7 +2550,7 @@
           <p:nvPr userDrawn="1"/>
         </p:nvPicPr>
         <p:blipFill>
-          <a:blip r:embed="rId3">
+          <a:blip r:embed="rId4">
             <a:extLst>
               <a:ext uri="{28A0092B-C50C-407E-A947-70E740481C1C}">
                 <a14:useLocalDpi xmlns:a14="http://schemas.microsoft.com/office/drawing/2010/main" val="0"/>
@@ -1527,6 +2581,14 @@
   <p:clrMapOvr>
     <a:masterClrMapping/>
   </p:clrMapOvr>
+  <p:transition spd="slow">
+    <p:push dir="u"/>
+    <p:sndAc>
+      <p:stSnd>
+        <p:snd r:embed="rId1" name="Chimes"/>
+      </p:stSnd>
+    </p:sndAc>
+  </p:transition>
 </p:sldLayout>
 </file>
 
@@ -1602,7 +2664,7 @@
           <p:nvPr userDrawn="1"/>
         </p:nvPicPr>
         <p:blipFill>
-          <a:blip r:embed="rId2"/>
+          <a:blip r:embed="rId3"/>
           <a:stretch>
             <a:fillRect/>
           </a:stretch>
@@ -1779,114 +2841,6 @@
           <p:nvPr userDrawn="1"/>
         </p:nvPicPr>
         <p:blipFill>
-          <a:blip r:embed="rId3">
-            <a:extLst>
-              <a:ext uri="{28A0092B-C50C-407E-A947-70E740481C1C}">
-                <a14:useLocalDpi xmlns:a14="http://schemas.microsoft.com/office/drawing/2010/main" val="0"/>
-              </a:ext>
-            </a:extLst>
-          </a:blip>
-          <a:stretch>
-            <a:fillRect/>
-          </a:stretch>
-        </p:blipFill>
-        <p:spPr>
-          <a:xfrm>
-            <a:off x="179512" y="260350"/>
-            <a:ext cx="1263997" cy="370312"/>
-          </a:xfrm>
-          <a:prstGeom prst="rect">
-            <a:avLst/>
-          </a:prstGeom>
-        </p:spPr>
-      </p:pic>
-      <p:sp>
-        <p:nvSpPr>
-          <p:cNvPr id="7" name="Textfeld 6"/>
-          <p:cNvSpPr txBox="1"/>
-          <p:nvPr userDrawn="1"/>
-        </p:nvSpPr>
-        <p:spPr>
-          <a:xfrm>
-            <a:off x="863599" y="4448725"/>
-            <a:ext cx="7832725" cy="492443"/>
-          </a:xfrm>
-          <a:prstGeom prst="rect">
-            <a:avLst/>
-          </a:prstGeom>
-          <a:noFill/>
-        </p:spPr>
-        <p:txBody>
-          <a:bodyPr wrap="square" lIns="0" tIns="0" rIns="0" bIns="0" rtlCol="0" anchor="b" anchorCtr="0">
-            <a:spAutoFit/>
-          </a:bodyPr>
-          <a:lstStyle/>
-          <a:p>
-            <a:pPr algn="r"/>
-            <a:r>
-              <a:rPr lang="de-DE" sz="1600" b="0" i="0" dirty="0">
-                <a:solidFill>
-                  <a:schemeClr val="bg1">
-                    <a:alpha val="80000"/>
-                  </a:schemeClr>
-                </a:solidFill>
-                <a:latin typeface="Verdana" charset="0"/>
-                <a:ea typeface="Verdana" charset="0"/>
-                <a:cs typeface="Verdana" charset="0"/>
-              </a:rPr>
-              <a:t>Leroy Buchholz und Niklas </a:t>
-            </a:r>
-            <a:r>
-              <a:rPr lang="de-DE" sz="1600" b="0" i="0" dirty="0" err="1">
-                <a:solidFill>
-                  <a:schemeClr val="bg1">
-                    <a:alpha val="80000"/>
-                  </a:schemeClr>
-                </a:solidFill>
-                <a:latin typeface="Verdana" charset="0"/>
-                <a:ea typeface="Verdana" charset="0"/>
-                <a:cs typeface="Verdana" charset="0"/>
-              </a:rPr>
-              <a:t>Fallik</a:t>
-            </a:r>
-            <a:endParaRPr lang="de-DE" sz="1600" b="0" i="0" dirty="0">
-              <a:solidFill>
-                <a:schemeClr val="bg1">
-                  <a:alpha val="80000"/>
-                </a:schemeClr>
-              </a:solidFill>
-              <a:latin typeface="Verdana" charset="0"/>
-              <a:ea typeface="Verdana" charset="0"/>
-              <a:cs typeface="Verdana" charset="0"/>
-            </a:endParaRPr>
-          </a:p>
-          <a:p>
-            <a:pPr algn="r"/>
-            <a:r>
-              <a:rPr lang="de-DE" sz="1600" b="0" i="0" dirty="0">
-                <a:solidFill>
-                  <a:schemeClr val="bg1">
-                    <a:alpha val="80000"/>
-                  </a:schemeClr>
-                </a:solidFill>
-                <a:latin typeface="Verdana" charset="0"/>
-                <a:ea typeface="Verdana" charset="0"/>
-                <a:cs typeface="Verdana" charset="0"/>
-              </a:rPr>
-              <a:t>Dresden, 27.10.2016</a:t>
-            </a:r>
-          </a:p>
-        </p:txBody>
-      </p:sp>
-      <p:pic>
-        <p:nvPicPr>
-          <p:cNvPr id="6" name="Bild 5"/>
-          <p:cNvPicPr>
-            <a:picLocks noChangeAspect="1"/>
-          </p:cNvPicPr>
-          <p:nvPr userDrawn="1"/>
-        </p:nvPicPr>
-        <p:blipFill>
           <a:blip r:embed="rId4">
             <a:extLst>
               <a:ext uri="{28A0092B-C50C-407E-A947-70E740481C1C}">
@@ -1900,7 +2854,115 @@
         </p:blipFill>
         <p:spPr>
           <a:xfrm>
-            <a:off x="7823581" y="325215"/>
+            <a:off x="107504" y="260350"/>
+            <a:ext cx="1263997" cy="370312"/>
+          </a:xfrm>
+          <a:prstGeom prst="rect">
+            <a:avLst/>
+          </a:prstGeom>
+        </p:spPr>
+      </p:pic>
+      <p:sp>
+        <p:nvSpPr>
+          <p:cNvPr id="7" name="Textfeld 6"/>
+          <p:cNvSpPr txBox="1"/>
+          <p:nvPr userDrawn="1"/>
+        </p:nvSpPr>
+        <p:spPr>
+          <a:xfrm>
+            <a:off x="863599" y="4448725"/>
+            <a:ext cx="7832725" cy="492443"/>
+          </a:xfrm>
+          <a:prstGeom prst="rect">
+            <a:avLst/>
+          </a:prstGeom>
+          <a:noFill/>
+        </p:spPr>
+        <p:txBody>
+          <a:bodyPr wrap="square" lIns="0" tIns="0" rIns="0" bIns="0" rtlCol="0" anchor="b" anchorCtr="0">
+            <a:spAutoFit/>
+          </a:bodyPr>
+          <a:lstStyle/>
+          <a:p>
+            <a:pPr algn="r"/>
+            <a:r>
+              <a:rPr lang="de-DE" sz="1600" b="0" i="0" dirty="0">
+                <a:solidFill>
+                  <a:schemeClr val="bg1">
+                    <a:alpha val="80000"/>
+                  </a:schemeClr>
+                </a:solidFill>
+                <a:latin typeface="Verdana" charset="0"/>
+                <a:ea typeface="Verdana" charset="0"/>
+                <a:cs typeface="Verdana" charset="0"/>
+              </a:rPr>
+              <a:t>Leroy Buchholz und Niklas </a:t>
+            </a:r>
+            <a:r>
+              <a:rPr lang="de-DE" sz="1600" b="0" i="0" dirty="0" err="1">
+                <a:solidFill>
+                  <a:schemeClr val="bg1">
+                    <a:alpha val="80000"/>
+                  </a:schemeClr>
+                </a:solidFill>
+                <a:latin typeface="Verdana" charset="0"/>
+                <a:ea typeface="Verdana" charset="0"/>
+                <a:cs typeface="Verdana" charset="0"/>
+              </a:rPr>
+              <a:t>Fallik</a:t>
+            </a:r>
+            <a:endParaRPr lang="de-DE" sz="1600" b="0" i="0" dirty="0">
+              <a:solidFill>
+                <a:schemeClr val="bg1">
+                  <a:alpha val="80000"/>
+                </a:schemeClr>
+              </a:solidFill>
+              <a:latin typeface="Verdana" charset="0"/>
+              <a:ea typeface="Verdana" charset="0"/>
+              <a:cs typeface="Verdana" charset="0"/>
+            </a:endParaRPr>
+          </a:p>
+          <a:p>
+            <a:pPr algn="r"/>
+            <a:r>
+              <a:rPr lang="de-DE" sz="1600" b="0" i="0" dirty="0">
+                <a:solidFill>
+                  <a:schemeClr val="bg1">
+                    <a:alpha val="80000"/>
+                  </a:schemeClr>
+                </a:solidFill>
+                <a:latin typeface="Verdana" charset="0"/>
+                <a:ea typeface="Verdana" charset="0"/>
+                <a:cs typeface="Verdana" charset="0"/>
+              </a:rPr>
+              <a:t>Dresden, 27.10.2016</a:t>
+            </a:r>
+          </a:p>
+        </p:txBody>
+      </p:sp>
+      <p:pic>
+        <p:nvPicPr>
+          <p:cNvPr id="6" name="Bild 5"/>
+          <p:cNvPicPr>
+            <a:picLocks noChangeAspect="1"/>
+          </p:cNvPicPr>
+          <p:nvPr userDrawn="1"/>
+        </p:nvPicPr>
+        <p:blipFill>
+          <a:blip r:embed="rId5">
+            <a:extLst>
+              <a:ext uri="{28A0092B-C50C-407E-A947-70E740481C1C}">
+                <a14:useLocalDpi xmlns:a14="http://schemas.microsoft.com/office/drawing/2010/main" val="0"/>
+              </a:ext>
+            </a:extLst>
+          </a:blip>
+          <a:stretch>
+            <a:fillRect/>
+          </a:stretch>
+        </p:blipFill>
+        <p:spPr>
+          <a:xfrm>
+            <a:off x="7884368" y="325215"/>
             <a:ext cx="1140907" cy="240582"/>
           </a:xfrm>
           <a:prstGeom prst="rect">
@@ -1908,6 +2970,37 @@
           </a:prstGeom>
         </p:spPr>
       </p:pic>
+      <p:sp>
+        <p:nvSpPr>
+          <p:cNvPr id="8" name="Titel 7"/>
+          <p:cNvSpPr>
+            <a:spLocks noGrp="1"/>
+          </p:cNvSpPr>
+          <p:nvPr>
+            <p:ph type="title"/>
+          </p:nvPr>
+        </p:nvSpPr>
+        <p:spPr>
+          <a:xfrm>
+            <a:off x="628650" y="365125"/>
+            <a:ext cx="7886700" cy="1325563"/>
+          </a:xfrm>
+          <a:prstGeom prst="rect">
+            <a:avLst/>
+          </a:prstGeom>
+        </p:spPr>
+        <p:txBody>
+          <a:bodyPr/>
+          <a:lstStyle/>
+          <a:p>
+            <a:r>
+              <a:rPr lang="de-DE" smtClean="0"/>
+              <a:t>Mastertitelformat bearbeiten</a:t>
+            </a:r>
+            <a:endParaRPr lang="de-DE"/>
+          </a:p>
+        </p:txBody>
+      </p:sp>
     </p:spTree>
     <p:extLst>
       <p:ext uri="{BB962C8B-B14F-4D97-AF65-F5344CB8AC3E}">
@@ -1918,6 +3011,21 @@
   <p:clrMapOvr>
     <a:masterClrMapping/>
   </p:clrMapOvr>
+  <p:transition spd="slow">
+    <p:push dir="u"/>
+    <p:sndAc>
+      <p:stSnd>
+        <p:snd r:embed="rId1" name="Chimes"/>
+      </p:stSnd>
+    </p:sndAc>
+  </p:transition>
+  <p:timing>
+    <p:tnLst>
+      <p:par>
+        <p:cTn id="1" dur="indefinite" restart="never" nodeType="tmRoot"/>
+      </p:par>
+    </p:tnLst>
+  </p:timing>
 </p:sldLayout>
 </file>
 
@@ -2147,7 +3255,7 @@
           <a:p>
             <a:fld id="{852F18A7-60EF-DD48-8F37-BE93452F0A67}" type="datetime1">
               <a:rPr lang="de-DE" smtClean="0"/>
-              <a:t>24.10.2016</a:t>
+              <a:t>24.10.16</a:t>
             </a:fld>
             <a:endParaRPr lang="de-DE" dirty="0"/>
           </a:p>
@@ -2200,6 +3308,16 @@
   <p:clrMapOvr>
     <a:masterClrMapping/>
   </p:clrMapOvr>
+  <p:transition spd="slow">
+    <p:push dir="u"/>
+  </p:transition>
+  <p:timing>
+    <p:tnLst>
+      <p:par>
+        <p:cTn id="1" dur="indefinite" restart="never" nodeType="tmRoot"/>
+      </p:par>
+    </p:tnLst>
+  </p:timing>
 </p:sldLayout>
 </file>
 
@@ -2576,14 +3694,19 @@
             <p:ph type="dt" sz="half" idx="21"/>
           </p:nvPr>
         </p:nvSpPr>
-        <p:spPr/>
+        <p:spPr>
+          <a:xfrm>
+            <a:off x="81060" y="6525344"/>
+            <a:ext cx="1898652" cy="254000"/>
+          </a:xfrm>
+        </p:spPr>
         <p:txBody>
           <a:bodyPr/>
           <a:lstStyle/>
           <a:p>
             <a:fld id="{914A7847-6905-B242-ACA4-DFC698823CB6}" type="datetime1">
               <a:rPr lang="de-DE" smtClean="0"/>
-              <a:t>24.10.2016</a:t>
+              <a:t>24.10.16</a:t>
             </a:fld>
             <a:endParaRPr lang="de-DE" dirty="0"/>
           </a:p>
@@ -2631,6 +3754,14 @@
   <p:clrMapOvr>
     <a:masterClrMapping/>
   </p:clrMapOvr>
+  <p:transition spd="slow">
+    <p:push dir="u"/>
+    <p:sndAc>
+      <p:stSnd>
+        <p:snd r:embed="rId1" name="Chimes"/>
+      </p:stSnd>
+    </p:sndAc>
+  </p:transition>
 </p:sldLayout>
 </file>
 
@@ -3253,7 +4384,7 @@
           <a:p>
             <a:fld id="{773F783F-9998-A34F-A6AA-7D13D942F7CC}" type="datetime1">
               <a:rPr lang="de-DE" smtClean="0"/>
-              <a:t>24.10.2016</a:t>
+              <a:t>24.10.16</a:t>
             </a:fld>
             <a:endParaRPr lang="de-DE" dirty="0"/>
           </a:p>
@@ -3301,6 +4432,14 @@
   <p:clrMapOvr>
     <a:masterClrMapping/>
   </p:clrMapOvr>
+  <p:transition spd="slow">
+    <p:push dir="u"/>
+    <p:sndAc>
+      <p:stSnd>
+        <p:snd r:embed="rId1" name="Chimes"/>
+      </p:stSnd>
+    </p:sndAc>
+  </p:transition>
 </p:sldLayout>
 </file>
 
@@ -3524,40 +4663,9 @@
           <a:p>
             <a:fld id="{1F7C8A0B-D180-C94D-8A26-BC490BCDA509}" type="datetime1">
               <a:rPr lang="de-DE" smtClean="0"/>
-              <a:t>24.10.2016</a:t>
+              <a:t>24.10.16</a:t>
             </a:fld>
             <a:endParaRPr lang="de-DE"/>
-          </a:p>
-        </p:txBody>
-      </p:sp>
-      <p:sp>
-        <p:nvSpPr>
-          <p:cNvPr id="29" name="Fußzeilenplatzhalter 28"/>
-          <p:cNvSpPr>
-            <a:spLocks noGrp="1"/>
-          </p:cNvSpPr>
-          <p:nvPr>
-            <p:ph type="ftr" sz="quarter" idx="17"/>
-          </p:nvPr>
-        </p:nvSpPr>
-        <p:spPr>
-          <a:xfrm>
-            <a:off x="2833688" y="6395720"/>
-            <a:ext cx="3883025" cy="254000"/>
-          </a:xfrm>
-          <a:prstGeom prst="rect">
-            <a:avLst/>
-          </a:prstGeom>
-        </p:spPr>
-        <p:txBody>
-          <a:bodyPr/>
-          <a:lstStyle/>
-          <a:p>
-            <a:r>
-              <a:rPr lang="de-DE"/>
-              <a:t>Präsentationstitel bitte im Master in Fusszeile ändern</a:t>
-            </a:r>
-            <a:endParaRPr lang="de-DE" dirty="0"/>
           </a:p>
         </p:txBody>
       </p:sp>
@@ -4035,6 +5143,14 @@
   <p:clrMapOvr>
     <a:masterClrMapping/>
   </p:clrMapOvr>
+  <p:transition spd="slow">
+    <p:push dir="u"/>
+    <p:sndAc>
+      <p:stSnd>
+        <p:snd r:embed="rId1" name="Chimes"/>
+      </p:stSnd>
+    </p:sndAc>
+  </p:transition>
 </p:sldLayout>
 </file>
 
@@ -4114,7 +5230,7 @@
           <a:p>
             <a:fld id="{AE07911B-7DE2-8645-9FD8-F88AE04D4E83}" type="datetime1">
               <a:rPr lang="de-DE" smtClean="0"/>
-              <a:t>24.10.2016</a:t>
+              <a:t>24.10.16</a:t>
             </a:fld>
             <a:endParaRPr lang="de-DE"/>
           </a:p>
@@ -4162,6 +5278,14 @@
   <p:clrMapOvr>
     <a:masterClrMapping/>
   </p:clrMapOvr>
+  <p:transition spd="slow">
+    <p:push dir="u"/>
+    <p:sndAc>
+      <p:stSnd>
+        <p:snd r:embed="rId1" name="Chimes"/>
+      </p:stSnd>
+    </p:sndAc>
+  </p:transition>
 </p:sldLayout>
 </file>
 
@@ -4199,7 +5323,7 @@
           <a:p>
             <a:fld id="{53518F0A-BFE1-F04E-AFB7-3E5E45ABF79C}" type="datetime1">
               <a:rPr lang="de-DE" smtClean="0"/>
-              <a:t>24.10.2016</a:t>
+              <a:t>24.10.16</a:t>
             </a:fld>
             <a:endParaRPr lang="de-DE"/>
           </a:p>
@@ -4247,6 +5371,14 @@
   <p:clrMapOvr>
     <a:masterClrMapping/>
   </p:clrMapOvr>
+  <p:transition spd="slow">
+    <p:push dir="u"/>
+    <p:sndAc>
+      <p:stSnd>
+        <p:snd r:embed="rId1" name="Chimes"/>
+      </p:stSnd>
+    </p:sndAc>
+  </p:transition>
 </p:sldLayout>
 </file>
 
@@ -4284,7 +5416,7 @@
           <p:nvPr userDrawn="1"/>
         </p:nvPicPr>
         <p:blipFill>
-          <a:blip r:embed="rId10"/>
+          <a:blip r:embed="rId11"/>
           <a:stretch>
             <a:fillRect/>
           </a:stretch>
@@ -4343,7 +5475,7 @@
           <p:nvPr/>
         </p:nvPicPr>
         <p:blipFill>
-          <a:blip r:embed="rId11" cstate="print">
+          <a:blip r:embed="rId12" cstate="print">
             <a:extLst>
               <a:ext uri="{28A0092B-C50C-407E-A947-70E740481C1C}">
                 <a14:useLocalDpi xmlns:a14="http://schemas.microsoft.com/office/drawing/2010/main" val="0"/>
@@ -4411,7 +5543,7 @@
         </p:nvSpPr>
         <p:spPr>
           <a:xfrm>
-            <a:off x="107504" y="6487368"/>
+            <a:off x="81060" y="6525344"/>
             <a:ext cx="1898652" cy="254000"/>
           </a:xfrm>
           <a:prstGeom prst="rect">
@@ -4433,7 +5565,7 @@
             <a:fld id="{8B5938FC-41F9-514F-B1BF-C7F60C0AA152}" type="datetime1">
               <a:rPr lang="de-DE" smtClean="0"/>
               <a:pPr/>
-              <a:t>24.10.2016</a:t>
+              <a:t>24.10.16</a:t>
             </a:fld>
             <a:endParaRPr lang="de-DE" dirty="0"/>
           </a:p>
@@ -4451,7 +5583,7 @@
         </p:nvSpPr>
         <p:spPr>
           <a:xfrm>
-            <a:off x="7128321" y="6487368"/>
+            <a:off x="7164288" y="6525344"/>
             <a:ext cx="1908175" cy="254000"/>
           </a:xfrm>
           <a:prstGeom prst="rect">
@@ -4495,7 +5627,7 @@
           <p:nvPr userDrawn="1"/>
         </p:nvPicPr>
         <p:blipFill>
-          <a:blip r:embed="rId12"/>
+          <a:blip r:embed="rId13"/>
           <a:stretch>
             <a:fillRect/>
           </a:stretch>
@@ -4528,6 +5660,21 @@
     <p:sldLayoutId id="2147483658" r:id="rId7"/>
     <p:sldLayoutId id="2147483655" r:id="rId8"/>
   </p:sldLayoutIdLst>
+  <p:transition spd="slow">
+    <p:push dir="u"/>
+    <p:sndAc>
+      <p:stSnd>
+        <p:snd r:embed="rId10" name="Chimes"/>
+      </p:stSnd>
+    </p:sndAc>
+  </p:transition>
+  <p:timing>
+    <p:tnLst>
+      <p:par>
+        <p:cTn id="1" dur="indefinite" restart="never" nodeType="tmRoot"/>
+      </p:par>
+    </p:tnLst>
+  </p:timing>
   <p:hf hdr="0"/>
   <p:txStyles>
     <p:titleStyle>
@@ -5012,6 +6159,10 @@
               <a:rPr lang="de-DE" dirty="0" err="1"/>
               <a:t>Matuc</a:t>
             </a:r>
+            <a:r>
+              <a:rPr lang="de-DE" dirty="0"/>
+              <a:t/>
+            </a:r>
             <a:br>
               <a:rPr lang="de-DE" dirty="0"/>
             </a:br>
@@ -5054,6 +6205,356 @@
   <p:clrMapOvr>
     <a:masterClrMapping/>
   </p:clrMapOvr>
+  <p:transition spd="slow">
+    <p:push dir="u"/>
+    <p:sndAc>
+      <p:stSnd>
+        <p:snd r:embed="rId3" name="Chimes"/>
+      </p:stSnd>
+    </p:sndAc>
+  </p:transition>
+  <p:timing>
+    <p:tnLst>
+      <p:par>
+        <p:cTn id="1" dur="indefinite" restart="never" nodeType="tmRoot"/>
+      </p:par>
+    </p:tnLst>
+  </p:timing>
+</p:sld>
+</file>
+
+<file path=ppt/slides/slide10.xml><?xml version="1.0" encoding="utf-8"?>
+<p:sld xmlns:a="http://schemas.openxmlformats.org/drawingml/2006/main" xmlns:r="http://schemas.openxmlformats.org/officeDocument/2006/relationships" xmlns:p="http://schemas.openxmlformats.org/presentationml/2006/main">
+  <p:cSld>
+    <p:spTree>
+      <p:nvGrpSpPr>
+        <p:cNvPr id="1" name=""/>
+        <p:cNvGrpSpPr/>
+        <p:nvPr/>
+      </p:nvGrpSpPr>
+      <p:grpSpPr>
+        <a:xfrm>
+          <a:off x="0" y="0"/>
+          <a:ext cx="0" cy="0"/>
+          <a:chOff x="0" y="0"/>
+          <a:chExt cx="0" cy="0"/>
+        </a:xfrm>
+      </p:grpSpPr>
+      <p:sp>
+        <p:nvSpPr>
+          <p:cNvPr id="3" name="Inhaltsplatzhalter 2"/>
+          <p:cNvSpPr>
+            <a:spLocks noGrp="1"/>
+          </p:cNvSpPr>
+          <p:nvPr>
+            <p:ph sz="quarter" idx="19"/>
+          </p:nvPr>
+        </p:nvSpPr>
+        <p:spPr>
+          <a:xfrm>
+            <a:off x="0" y="836712"/>
+            <a:ext cx="9144000" cy="288032"/>
+          </a:xfrm>
+        </p:spPr>
+        <p:txBody>
+          <a:bodyPr anchor="ctr"/>
+          <a:lstStyle/>
+          <a:p>
+            <a:pPr algn="ctr"/>
+            <a:r>
+              <a:rPr lang="de-DE" sz="1200" b="0" dirty="0"/>
+              <a:t>1. Zielstellung &gt; 2. Bestehende Lösungsansätze &gt; </a:t>
+            </a:r>
+            <a:r>
+              <a:rPr lang="de-DE" sz="1200" b="0" dirty="0">
+                <a:solidFill>
+                  <a:schemeClr val="tx1"/>
+                </a:solidFill>
+              </a:rPr>
+              <a:t>3. Entwicklung einer neuen Erweiterung für ATOM</a:t>
+            </a:r>
+            <a:r>
+              <a:rPr lang="de-DE" sz="1200" b="0" dirty="0"/>
+              <a:t> &gt; 4. Ausblick</a:t>
+            </a:r>
+          </a:p>
+        </p:txBody>
+      </p:sp>
+      <p:sp>
+        <p:nvSpPr>
+          <p:cNvPr id="4" name="Datumsplatzhalter 3"/>
+          <p:cNvSpPr>
+            <a:spLocks noGrp="1"/>
+          </p:cNvSpPr>
+          <p:nvPr>
+            <p:ph type="dt" sz="half" idx="20"/>
+          </p:nvPr>
+        </p:nvSpPr>
+        <p:spPr/>
+        <p:txBody>
+          <a:bodyPr/>
+          <a:lstStyle/>
+          <a:p>
+            <a:fld id="{852F18A7-60EF-DD48-8F37-BE93452F0A67}" type="datetime1">
+              <a:rPr lang="de-DE" smtClean="0"/>
+              <a:t>24.10.16</a:t>
+            </a:fld>
+            <a:endParaRPr lang="de-DE" dirty="0"/>
+          </a:p>
+        </p:txBody>
+      </p:sp>
+      <p:sp>
+        <p:nvSpPr>
+          <p:cNvPr id="6" name="Foliennummernplatzhalter 5"/>
+          <p:cNvSpPr>
+            <a:spLocks noGrp="1"/>
+          </p:cNvSpPr>
+          <p:nvPr>
+            <p:ph type="sldNum" sz="quarter" idx="22"/>
+          </p:nvPr>
+        </p:nvSpPr>
+        <p:spPr/>
+        <p:txBody>
+          <a:bodyPr/>
+          <a:lstStyle/>
+          <a:p>
+            <a:r>
+              <a:rPr lang="de-DE"/>
+              <a:t>Folie </a:t>
+            </a:r>
+            <a:fld id="{20336FBE-96EF-1B43-9998-83765DDB0397}" type="slidenum">
+              <a:rPr lang="de-DE" smtClean="0"/>
+              <a:pPr/>
+              <a:t>10</a:t>
+            </a:fld>
+            <a:r>
+              <a:rPr lang="de-DE"/>
+              <a:t> von XYZ</a:t>
+            </a:r>
+            <a:endParaRPr lang="de-DE" dirty="0"/>
+          </a:p>
+        </p:txBody>
+      </p:sp>
+      <p:pic>
+        <p:nvPicPr>
+          <p:cNvPr id="5" name="Bild 4"/>
+          <p:cNvPicPr>
+            <a:picLocks noChangeAspect="1"/>
+          </p:cNvPicPr>
+          <p:nvPr/>
+        </p:nvPicPr>
+        <p:blipFill>
+          <a:blip r:embed="rId3">
+            <a:extLst>
+              <a:ext uri="{28A0092B-C50C-407E-A947-70E740481C1C}">
+                <a14:useLocalDpi xmlns:a14="http://schemas.microsoft.com/office/drawing/2010/main" val="0"/>
+              </a:ext>
+            </a:extLst>
+          </a:blip>
+          <a:stretch>
+            <a:fillRect/>
+          </a:stretch>
+        </p:blipFill>
+        <p:spPr>
+          <a:xfrm>
+            <a:off x="2682240" y="1844824"/>
+            <a:ext cx="3779520" cy="3444240"/>
+          </a:xfrm>
+          <a:prstGeom prst="rect">
+            <a:avLst/>
+          </a:prstGeom>
+        </p:spPr>
+      </p:pic>
+      <p:sp>
+        <p:nvSpPr>
+          <p:cNvPr id="8" name="Textfeld 7"/>
+          <p:cNvSpPr txBox="1"/>
+          <p:nvPr/>
+        </p:nvSpPr>
+        <p:spPr>
+          <a:xfrm>
+            <a:off x="399820" y="3197612"/>
+            <a:ext cx="2282420" cy="369332"/>
+          </a:xfrm>
+          <a:prstGeom prst="rect">
+            <a:avLst/>
+          </a:prstGeom>
+          <a:noFill/>
+        </p:spPr>
+        <p:txBody>
+          <a:bodyPr wrap="none" rtlCol="0">
+            <a:spAutoFit/>
+          </a:bodyPr>
+          <a:lstStyle/>
+          <a:p>
+            <a:r>
+              <a:rPr lang="de-DE" dirty="0" smtClean="0"/>
+              <a:t>Plattformübergreifend</a:t>
+            </a:r>
+            <a:endParaRPr lang="de-DE" dirty="0"/>
+          </a:p>
+        </p:txBody>
+      </p:sp>
+      <p:sp>
+        <p:nvSpPr>
+          <p:cNvPr id="9" name="Textfeld 8"/>
+          <p:cNvSpPr txBox="1"/>
+          <p:nvPr/>
+        </p:nvSpPr>
+        <p:spPr>
+          <a:xfrm>
+            <a:off x="2123728" y="1691516"/>
+            <a:ext cx="1510542" cy="369332"/>
+          </a:xfrm>
+          <a:prstGeom prst="rect">
+            <a:avLst/>
+          </a:prstGeom>
+          <a:noFill/>
+        </p:spPr>
+        <p:txBody>
+          <a:bodyPr wrap="none" rtlCol="0">
+            <a:spAutoFit/>
+          </a:bodyPr>
+          <a:lstStyle/>
+          <a:p>
+            <a:r>
+              <a:rPr lang="de-DE" dirty="0" err="1" smtClean="0"/>
+              <a:t>git</a:t>
+            </a:r>
+            <a:r>
+              <a:rPr lang="de-DE" dirty="0"/>
+              <a:t>-</a:t>
+            </a:r>
+            <a:r>
+              <a:rPr lang="de-DE" dirty="0" smtClean="0"/>
+              <a:t>Integration</a:t>
+            </a:r>
+            <a:endParaRPr lang="de-DE" dirty="0"/>
+          </a:p>
+        </p:txBody>
+      </p:sp>
+      <p:sp>
+        <p:nvSpPr>
+          <p:cNvPr id="10" name="Textfeld 9"/>
+          <p:cNvSpPr txBox="1"/>
+          <p:nvPr/>
+        </p:nvSpPr>
+        <p:spPr>
+          <a:xfrm>
+            <a:off x="5638714" y="1691516"/>
+            <a:ext cx="1646092" cy="369332"/>
+          </a:xfrm>
+          <a:prstGeom prst="rect">
+            <a:avLst/>
+          </a:prstGeom>
+          <a:noFill/>
+        </p:spPr>
+        <p:txBody>
+          <a:bodyPr wrap="none" rtlCol="0">
+            <a:spAutoFit/>
+          </a:bodyPr>
+          <a:lstStyle/>
+          <a:p>
+            <a:r>
+              <a:rPr lang="de-DE" dirty="0" err="1" smtClean="0"/>
+              <a:t>Electron</a:t>
+            </a:r>
+            <a:r>
+              <a:rPr lang="de-DE" dirty="0" smtClean="0"/>
+              <a:t> Engine</a:t>
+            </a:r>
+            <a:endParaRPr lang="de-DE" dirty="0"/>
+          </a:p>
+        </p:txBody>
+      </p:sp>
+      <p:sp>
+        <p:nvSpPr>
+          <p:cNvPr id="11" name="Textfeld 10"/>
+          <p:cNvSpPr txBox="1"/>
+          <p:nvPr/>
+        </p:nvSpPr>
+        <p:spPr>
+          <a:xfrm>
+            <a:off x="6461760" y="3197612"/>
+            <a:ext cx="2282420" cy="369332"/>
+          </a:xfrm>
+          <a:prstGeom prst="rect">
+            <a:avLst/>
+          </a:prstGeom>
+          <a:noFill/>
+        </p:spPr>
+        <p:txBody>
+          <a:bodyPr wrap="square" rtlCol="0">
+            <a:spAutoFit/>
+          </a:bodyPr>
+          <a:lstStyle/>
+          <a:p>
+            <a:r>
+              <a:rPr lang="de-DE" dirty="0" smtClean="0"/>
+              <a:t>Paketmanager (</a:t>
+            </a:r>
+            <a:r>
+              <a:rPr lang="de-DE" dirty="0" err="1" smtClean="0"/>
+              <a:t>apm</a:t>
+            </a:r>
+            <a:r>
+              <a:rPr lang="de-DE" dirty="0" smtClean="0"/>
+              <a:t>)</a:t>
+            </a:r>
+            <a:endParaRPr lang="de-DE" dirty="0"/>
+          </a:p>
+        </p:txBody>
+      </p:sp>
+      <p:sp>
+        <p:nvSpPr>
+          <p:cNvPr id="12" name="Textfeld 11"/>
+          <p:cNvSpPr txBox="1"/>
+          <p:nvPr/>
+        </p:nvSpPr>
+        <p:spPr>
+          <a:xfrm>
+            <a:off x="3634270" y="5517232"/>
+            <a:ext cx="2268826" cy="369332"/>
+          </a:xfrm>
+          <a:prstGeom prst="rect">
+            <a:avLst/>
+          </a:prstGeom>
+          <a:noFill/>
+        </p:spPr>
+        <p:txBody>
+          <a:bodyPr wrap="none" rtlCol="0">
+            <a:spAutoFit/>
+          </a:bodyPr>
+          <a:lstStyle/>
+          <a:p>
+            <a:r>
+              <a:rPr lang="de-DE" dirty="0" smtClean="0"/>
+              <a:t>Package-Einstellungen</a:t>
+            </a:r>
+            <a:endParaRPr lang="de-DE" dirty="0"/>
+          </a:p>
+        </p:txBody>
+      </p:sp>
+    </p:spTree>
+    <p:extLst>
+      <p:ext uri="{BB962C8B-B14F-4D97-AF65-F5344CB8AC3E}">
+        <p14:creationId xmlns:p14="http://schemas.microsoft.com/office/powerpoint/2010/main" val="986676057"/>
+      </p:ext>
+    </p:extLst>
+  </p:cSld>
+  <p:clrMapOvr>
+    <a:masterClrMapping/>
+  </p:clrMapOvr>
+  <p:transition spd="slow">
+    <p:push dir="u"/>
+  </p:transition>
+  <p:timing>
+    <p:tnLst>
+      <p:par>
+        <p:cTn id="1" dur="indefinite" restart="never" nodeType="tmRoot"/>
+      </p:par>
+    </p:tnLst>
+  </p:timing>
 </p:sld>
 </file>
 
@@ -5378,6 +6879,70 @@
           </a:p>
         </p:txBody>
       </p:sp>
+      <p:sp>
+        <p:nvSpPr>
+          <p:cNvPr id="7" name="Datumsplatzhalter 3"/>
+          <p:cNvSpPr>
+            <a:spLocks noGrp="1"/>
+          </p:cNvSpPr>
+          <p:nvPr>
+            <p:ph type="dt" sz="half" idx="20"/>
+          </p:nvPr>
+        </p:nvSpPr>
+        <p:spPr>
+          <a:xfrm>
+            <a:off x="81060" y="6525344"/>
+            <a:ext cx="1898652" cy="254000"/>
+          </a:xfrm>
+        </p:spPr>
+        <p:txBody>
+          <a:bodyPr/>
+          <a:lstStyle/>
+          <a:p>
+            <a:fld id="{852F18A7-60EF-DD48-8F37-BE93452F0A67}" type="datetime1">
+              <a:rPr lang="de-DE" smtClean="0"/>
+              <a:t>24.10.16</a:t>
+            </a:fld>
+            <a:endParaRPr lang="de-DE" dirty="0"/>
+          </a:p>
+        </p:txBody>
+      </p:sp>
+      <p:sp>
+        <p:nvSpPr>
+          <p:cNvPr id="8" name="Foliennummernplatzhalter 5"/>
+          <p:cNvSpPr>
+            <a:spLocks noGrp="1"/>
+          </p:cNvSpPr>
+          <p:nvPr>
+            <p:ph type="sldNum" sz="quarter" idx="22"/>
+          </p:nvPr>
+        </p:nvSpPr>
+        <p:spPr>
+          <a:xfrm>
+            <a:off x="7164288" y="6525344"/>
+            <a:ext cx="1908175" cy="254000"/>
+          </a:xfrm>
+        </p:spPr>
+        <p:txBody>
+          <a:bodyPr/>
+          <a:lstStyle/>
+          <a:p>
+            <a:r>
+              <a:rPr lang="de-DE"/>
+              <a:t>Folie </a:t>
+            </a:r>
+            <a:fld id="{20336FBE-96EF-1B43-9998-83765DDB0397}" type="slidenum">
+              <a:rPr lang="de-DE" smtClean="0"/>
+              <a:pPr/>
+              <a:t>3</a:t>
+            </a:fld>
+            <a:r>
+              <a:rPr lang="de-DE" dirty="0"/>
+              <a:t> von XYZ</a:t>
+            </a:r>
+          </a:p>
+        </p:txBody>
+      </p:sp>
     </p:spTree>
     <p:extLst>
       <p:ext uri="{BB962C8B-B14F-4D97-AF65-F5344CB8AC3E}">
@@ -5388,6 +6953,16 @@
   <p:clrMapOvr>
     <a:masterClrMapping/>
   </p:clrMapOvr>
+  <p:transition spd="slow">
+    <p:push dir="u"/>
+  </p:transition>
+  <p:timing>
+    <p:tnLst>
+      <p:par>
+        <p:cTn id="1" dur="indefinite" restart="never" nodeType="tmRoot"/>
+      </p:par>
+    </p:tnLst>
+  </p:timing>
 </p:sld>
 </file>
 
@@ -5458,8 +7033,13 @@
           <a:p>
             <a:r>
               <a:rPr lang="de-DE" sz="2800" dirty="0"/>
-              <a:t>1. ZIELSTELLUNG</a:t>
-            </a:r>
+              <a:t>1. </a:t>
+            </a:r>
+            <a:r>
+              <a:rPr lang="de-DE" sz="2800" dirty="0" smtClean="0"/>
+              <a:t>	ZIELSTELLUNG</a:t>
+            </a:r>
+            <a:endParaRPr lang="de-DE" sz="2800" dirty="0"/>
           </a:p>
         </p:txBody>
       </p:sp>
@@ -5480,39 +7060,8 @@
           <a:p>
             <a:fld id="{852F18A7-60EF-DD48-8F37-BE93452F0A67}" type="datetime1">
               <a:rPr lang="de-DE" smtClean="0"/>
-              <a:t>24.10.2016</a:t>
+              <a:t>24.10.16</a:t>
             </a:fld>
-            <a:endParaRPr lang="de-DE" dirty="0"/>
-          </a:p>
-        </p:txBody>
-      </p:sp>
-      <p:sp>
-        <p:nvSpPr>
-          <p:cNvPr id="5" name="Fußzeilenplatzhalter 4"/>
-          <p:cNvSpPr>
-            <a:spLocks noGrp="1"/>
-          </p:cNvSpPr>
-          <p:nvPr>
-            <p:ph type="ftr" sz="quarter" idx="4294967295"/>
-          </p:nvPr>
-        </p:nvSpPr>
-        <p:spPr>
-          <a:xfrm>
-            <a:off x="2680585" y="6400799"/>
-            <a:ext cx="3883025" cy="254000"/>
-          </a:xfrm>
-          <a:prstGeom prst="rect">
-            <a:avLst/>
-          </a:prstGeom>
-        </p:spPr>
-        <p:txBody>
-          <a:bodyPr/>
-          <a:lstStyle/>
-          <a:p>
-            <a:r>
-              <a:rPr lang="de-DE"/>
-              <a:t>agsbs-atom-package</a:t>
-            </a:r>
             <a:endParaRPr lang="de-DE" dirty="0"/>
           </a:p>
         </p:txBody>
@@ -5542,10 +7091,9 @@
               <a:t>3</a:t>
             </a:fld>
             <a:r>
-              <a:rPr lang="de-DE"/>
+              <a:rPr lang="de-DE" dirty="0"/>
               <a:t> von XYZ</a:t>
             </a:r>
-            <a:endParaRPr lang="de-DE" dirty="0"/>
           </a:p>
         </p:txBody>
       </p:sp>
@@ -5559,6 +7107,16 @@
   <p:clrMapOvr>
     <a:masterClrMapping/>
   </p:clrMapOvr>
+  <p:transition spd="slow">
+    <p:push dir="u"/>
+  </p:transition>
+  <p:timing>
+    <p:tnLst>
+      <p:par>
+        <p:cTn id="1" dur="indefinite" restart="never" nodeType="tmRoot"/>
+      </p:par>
+    </p:tnLst>
+  </p:timing>
 </p:sld>
 </file>
 
@@ -5765,39 +7323,8 @@
           <a:p>
             <a:fld id="{852F18A7-60EF-DD48-8F37-BE93452F0A67}" type="datetime1">
               <a:rPr lang="de-DE" smtClean="0"/>
-              <a:t>24.10.2016</a:t>
+              <a:t>24.10.16</a:t>
             </a:fld>
-            <a:endParaRPr lang="de-DE" dirty="0"/>
-          </a:p>
-        </p:txBody>
-      </p:sp>
-      <p:sp>
-        <p:nvSpPr>
-          <p:cNvPr id="5" name="Fußzeilenplatzhalter 4"/>
-          <p:cNvSpPr>
-            <a:spLocks noGrp="1"/>
-          </p:cNvSpPr>
-          <p:nvPr>
-            <p:ph type="ftr" sz="quarter" idx="4294967295"/>
-          </p:nvPr>
-        </p:nvSpPr>
-        <p:spPr>
-          <a:xfrm>
-            <a:off x="2680585" y="6400799"/>
-            <a:ext cx="3883025" cy="254000"/>
-          </a:xfrm>
-          <a:prstGeom prst="rect">
-            <a:avLst/>
-          </a:prstGeom>
-        </p:spPr>
-        <p:txBody>
-          <a:bodyPr/>
-          <a:lstStyle/>
-          <a:p>
-            <a:r>
-              <a:rPr lang="de-DE"/>
-              <a:t>agsbs-atom-package</a:t>
-            </a:r>
             <a:endParaRPr lang="de-DE" dirty="0"/>
           </a:p>
         </p:txBody>
@@ -5844,6 +7371,16 @@
   <p:clrMapOvr>
     <a:masterClrMapping/>
   </p:clrMapOvr>
+  <p:transition spd="slow">
+    <p:push dir="u"/>
+  </p:transition>
+  <p:timing>
+    <p:tnLst>
+      <p:par>
+        <p:cTn id="1" dur="indefinite" restart="never" nodeType="tmRoot"/>
+      </p:par>
+    </p:tnLst>
+  </p:timing>
 </p:sld>
 </file>
 
@@ -5914,7 +7451,15 @@
           <a:p>
             <a:r>
               <a:rPr lang="de-DE" sz="2800" dirty="0"/>
-              <a:t>2. BESTEHENDE LÖSUNGSANSÄTZE</a:t>
+              <a:t>2. </a:t>
+            </a:r>
+            <a:r>
+              <a:rPr lang="de-DE" sz="2800" dirty="0" smtClean="0"/>
+              <a:t>	BESTEHENDE </a:t>
+            </a:r>
+            <a:r>
+              <a:rPr lang="de-DE" sz="2800" dirty="0"/>
+              <a:t>LÖSUNGSANSÄTZE</a:t>
             </a:r>
           </a:p>
         </p:txBody>
@@ -5936,39 +7481,8 @@
           <a:p>
             <a:fld id="{852F18A7-60EF-DD48-8F37-BE93452F0A67}" type="datetime1">
               <a:rPr lang="de-DE" smtClean="0"/>
-              <a:t>24.10.2016</a:t>
+              <a:t>24.10.16</a:t>
             </a:fld>
-            <a:endParaRPr lang="de-DE" dirty="0"/>
-          </a:p>
-        </p:txBody>
-      </p:sp>
-      <p:sp>
-        <p:nvSpPr>
-          <p:cNvPr id="5" name="Fußzeilenplatzhalter 4"/>
-          <p:cNvSpPr>
-            <a:spLocks noGrp="1"/>
-          </p:cNvSpPr>
-          <p:nvPr>
-            <p:ph type="ftr" sz="quarter" idx="4294967295"/>
-          </p:nvPr>
-        </p:nvSpPr>
-        <p:spPr>
-          <a:xfrm>
-            <a:off x="2680585" y="6400799"/>
-            <a:ext cx="3883025" cy="254000"/>
-          </a:xfrm>
-          <a:prstGeom prst="rect">
-            <a:avLst/>
-          </a:prstGeom>
-        </p:spPr>
-        <p:txBody>
-          <a:bodyPr/>
-          <a:lstStyle/>
-          <a:p>
-            <a:r>
-              <a:rPr lang="de-DE"/>
-              <a:t>agsbs-atom-package</a:t>
-            </a:r>
             <a:endParaRPr lang="de-DE" dirty="0"/>
           </a:p>
         </p:txBody>
@@ -6015,6 +7529,16 @@
   <p:clrMapOvr>
     <a:masterClrMapping/>
   </p:clrMapOvr>
+  <p:transition spd="slow">
+    <p:push dir="u"/>
+  </p:transition>
+  <p:timing>
+    <p:tnLst>
+      <p:par>
+        <p:cTn id="1" dur="indefinite" restart="never" nodeType="tmRoot"/>
+      </p:par>
+    </p:tnLst>
+  </p:timing>
 </p:sld>
 </file>
 
@@ -6133,11 +7657,11 @@
               <a:buChar char="-"/>
             </a:pPr>
             <a:r>
-              <a:rPr lang="de-DE" dirty="0" err="1"/>
+              <a:rPr lang="de-DE" sz="2000" dirty="0" err="1"/>
               <a:t>Matuc</a:t>
             </a:r>
             <a:r>
-              <a:rPr lang="de-DE" dirty="0"/>
+              <a:rPr lang="de-DE" sz="2000" dirty="0"/>
               <a:t> (Kommandozeilen-Programm)</a:t>
             </a:r>
           </a:p>
@@ -6256,47 +7780,8 @@
           <a:p>
             <a:fld id="{852F18A7-60EF-DD48-8F37-BE93452F0A67}" type="datetime1">
               <a:rPr lang="de-DE" smtClean="0"/>
-              <a:t>24.10.2016</a:t>
+              <a:t>24.10.16</a:t>
             </a:fld>
-            <a:endParaRPr lang="de-DE" dirty="0"/>
-          </a:p>
-        </p:txBody>
-      </p:sp>
-      <p:sp>
-        <p:nvSpPr>
-          <p:cNvPr id="5" name="Fußzeilenplatzhalter 4"/>
-          <p:cNvSpPr>
-            <a:spLocks noGrp="1"/>
-          </p:cNvSpPr>
-          <p:nvPr>
-            <p:ph type="ftr" sz="quarter" idx="4294967295"/>
-          </p:nvPr>
-        </p:nvSpPr>
-        <p:spPr>
-          <a:xfrm>
-            <a:off x="2680585" y="6400799"/>
-            <a:ext cx="3883025" cy="254000"/>
-          </a:xfrm>
-          <a:prstGeom prst="rect">
-            <a:avLst/>
-          </a:prstGeom>
-        </p:spPr>
-        <p:txBody>
-          <a:bodyPr/>
-          <a:lstStyle/>
-          <a:p>
-            <a:r>
-              <a:rPr lang="de-DE" dirty="0" err="1"/>
-              <a:t>agsbs</a:t>
-            </a:r>
-            <a:r>
-              <a:rPr lang="de-DE" dirty="0"/>
-              <a:t>-atom-</a:t>
-            </a:r>
-            <a:r>
-              <a:rPr lang="de-DE" dirty="0" err="1"/>
-              <a:t>package</a:t>
-            </a:r>
             <a:endParaRPr lang="de-DE" dirty="0"/>
           </a:p>
         </p:txBody>
@@ -6343,6 +7828,785 @@
   <p:clrMapOvr>
     <a:masterClrMapping/>
   </p:clrMapOvr>
+  <p:transition spd="slow">
+    <p:push dir="u"/>
+  </p:transition>
+  <p:timing>
+    <p:tnLst>
+      <p:par>
+        <p:cTn id="1" dur="indefinite" restart="never" nodeType="tmRoot"/>
+      </p:par>
+    </p:tnLst>
+  </p:timing>
+</p:sld>
+</file>
+
+<file path=ppt/slides/slide7.xml><?xml version="1.0" encoding="utf-8"?>
+<p:sld xmlns:a="http://schemas.openxmlformats.org/drawingml/2006/main" xmlns:r="http://schemas.openxmlformats.org/officeDocument/2006/relationships" xmlns:p="http://schemas.openxmlformats.org/presentationml/2006/main">
+  <p:cSld>
+    <p:spTree>
+      <p:nvGrpSpPr>
+        <p:cNvPr id="1" name=""/>
+        <p:cNvGrpSpPr/>
+        <p:nvPr/>
+      </p:nvGrpSpPr>
+      <p:grpSpPr>
+        <a:xfrm>
+          <a:off x="0" y="0"/>
+          <a:ext cx="0" cy="0"/>
+          <a:chOff x="0" y="0"/>
+          <a:chExt cx="0" cy="0"/>
+        </a:xfrm>
+      </p:grpSpPr>
+      <p:sp>
+        <p:nvSpPr>
+          <p:cNvPr id="2" name="Inhaltsplatzhalter 1"/>
+          <p:cNvSpPr>
+            <a:spLocks noGrp="1"/>
+          </p:cNvSpPr>
+          <p:nvPr>
+            <p:ph sz="quarter" idx="11"/>
+          </p:nvPr>
+        </p:nvSpPr>
+        <p:spPr>
+          <a:xfrm>
+            <a:off x="655637" y="1556793"/>
+            <a:ext cx="7832725" cy="1368152"/>
+          </a:xfrm>
+        </p:spPr>
+        <p:txBody>
+          <a:bodyPr/>
+          <a:lstStyle/>
+          <a:p>
+            <a:pPr marL="342900" indent="-342900">
+              <a:buFont typeface=".AppleSystemUIFont" charset="-120"/>
+              <a:buChar char="-"/>
+            </a:pPr>
+            <a:r>
+              <a:rPr lang="de-DE" dirty="0" err="1" smtClean="0"/>
+              <a:t>Matuc</a:t>
+            </a:r>
+            <a:r>
+              <a:rPr lang="de-DE" dirty="0" smtClean="0"/>
+              <a:t> JSON-API</a:t>
+            </a:r>
+            <a:endParaRPr lang="de-DE" dirty="0"/>
+          </a:p>
+          <a:p>
+            <a:pPr marL="631825" lvl="3" indent="-342900">
+              <a:buFont typeface="Wingdings" charset="2"/>
+              <a:buChar char="§"/>
+            </a:pPr>
+            <a:r>
+              <a:rPr lang="de-DE" dirty="0" err="1" smtClean="0"/>
+              <a:t>Mpletter</a:t>
+            </a:r>
+            <a:r>
+              <a:rPr lang="de-DE" dirty="0" smtClean="0"/>
+              <a:t> Funktionsumfang von </a:t>
+            </a:r>
+            <a:r>
+              <a:rPr lang="de-DE" dirty="0" err="1" smtClean="0"/>
+              <a:t>Matuc</a:t>
+            </a:r>
+            <a:endParaRPr lang="de-DE" dirty="0"/>
+          </a:p>
+          <a:p>
+            <a:pPr marL="631825" lvl="3" indent="-342900">
+              <a:buFont typeface="Wingdings" charset="2"/>
+              <a:buChar char="§"/>
+            </a:pPr>
+            <a:r>
+              <a:rPr lang="de-DE" dirty="0" smtClean="0"/>
+              <a:t>Liefert JSON-Objekte zurück</a:t>
+            </a:r>
+          </a:p>
+          <a:p>
+            <a:pPr marL="631825" lvl="3" indent="-342900">
+              <a:buFont typeface="Wingdings" charset="2"/>
+              <a:buChar char="§"/>
+            </a:pPr>
+            <a:r>
+              <a:rPr lang="de-DE" dirty="0" smtClean="0"/>
+              <a:t>Beispielbefehl: 	</a:t>
+            </a:r>
+            <a:r>
+              <a:rPr lang="de-DE" dirty="0" err="1" smtClean="0">
+                <a:latin typeface="Courier" charset="0"/>
+                <a:ea typeface="Courier" charset="0"/>
+                <a:cs typeface="Courier" charset="0"/>
+              </a:rPr>
+              <a:t>matuc</a:t>
+            </a:r>
+            <a:r>
+              <a:rPr lang="de-DE" dirty="0" smtClean="0">
+                <a:latin typeface="Courier" charset="0"/>
+                <a:ea typeface="Courier" charset="0"/>
+                <a:cs typeface="Courier" charset="0"/>
+              </a:rPr>
+              <a:t> </a:t>
+            </a:r>
+            <a:r>
+              <a:rPr lang="de-DE" dirty="0" err="1" smtClean="0">
+                <a:latin typeface="Courier" charset="0"/>
+                <a:ea typeface="Courier" charset="0"/>
+                <a:cs typeface="Courier" charset="0"/>
+              </a:rPr>
+              <a:t>conf</a:t>
+            </a:r>
+            <a:r>
+              <a:rPr lang="de-DE" dirty="0" smtClean="0">
+                <a:latin typeface="Courier" charset="0"/>
+                <a:ea typeface="Courier" charset="0"/>
+                <a:cs typeface="Courier" charset="0"/>
+              </a:rPr>
+              <a:t> </a:t>
+            </a:r>
+            <a:r>
+              <a:rPr lang="de-DE" dirty="0" err="1" smtClean="0">
+                <a:latin typeface="Courier" charset="0"/>
+                <a:ea typeface="Courier" charset="0"/>
+                <a:cs typeface="Courier" charset="0"/>
+              </a:rPr>
+              <a:t>show</a:t>
+            </a:r>
+            <a:endParaRPr lang="de-DE" dirty="0" smtClean="0">
+              <a:latin typeface="Courier" charset="0"/>
+              <a:ea typeface="Courier" charset="0"/>
+              <a:cs typeface="Courier" charset="0"/>
+            </a:endParaRPr>
+          </a:p>
+        </p:txBody>
+      </p:sp>
+      <p:sp>
+        <p:nvSpPr>
+          <p:cNvPr id="3" name="Inhaltsplatzhalter 2"/>
+          <p:cNvSpPr>
+            <a:spLocks noGrp="1"/>
+          </p:cNvSpPr>
+          <p:nvPr>
+            <p:ph sz="quarter" idx="19"/>
+          </p:nvPr>
+        </p:nvSpPr>
+        <p:spPr>
+          <a:xfrm>
+            <a:off x="0" y="836712"/>
+            <a:ext cx="9144000" cy="288032"/>
+          </a:xfrm>
+        </p:spPr>
+        <p:txBody>
+          <a:bodyPr anchor="ctr"/>
+          <a:lstStyle/>
+          <a:p>
+            <a:pPr algn="ctr"/>
+            <a:r>
+              <a:rPr lang="de-DE" sz="1200" b="0" dirty="0"/>
+              <a:t>1. Zielstellung &gt; </a:t>
+            </a:r>
+            <a:r>
+              <a:rPr lang="de-DE" sz="1200" b="0" dirty="0">
+                <a:solidFill>
+                  <a:schemeClr val="tx1"/>
+                </a:solidFill>
+              </a:rPr>
+              <a:t>2. Bestehende Lösungsansätze</a:t>
+            </a:r>
+            <a:r>
+              <a:rPr lang="de-DE" sz="1200" b="0" dirty="0"/>
+              <a:t> &gt; 3. Entwicklung einer neuen Erweiterung für ATOM &gt; 4. Ausblick</a:t>
+            </a:r>
+          </a:p>
+        </p:txBody>
+      </p:sp>
+      <p:sp>
+        <p:nvSpPr>
+          <p:cNvPr id="4" name="Datumsplatzhalter 3"/>
+          <p:cNvSpPr>
+            <a:spLocks noGrp="1"/>
+          </p:cNvSpPr>
+          <p:nvPr>
+            <p:ph type="dt" sz="half" idx="20"/>
+          </p:nvPr>
+        </p:nvSpPr>
+        <p:spPr/>
+        <p:txBody>
+          <a:bodyPr/>
+          <a:lstStyle/>
+          <a:p>
+            <a:fld id="{852F18A7-60EF-DD48-8F37-BE93452F0A67}" type="datetime1">
+              <a:rPr lang="de-DE" smtClean="0"/>
+              <a:t>24.10.16</a:t>
+            </a:fld>
+            <a:endParaRPr lang="de-DE" dirty="0"/>
+          </a:p>
+        </p:txBody>
+      </p:sp>
+      <p:sp>
+        <p:nvSpPr>
+          <p:cNvPr id="6" name="Foliennummernplatzhalter 5"/>
+          <p:cNvSpPr>
+            <a:spLocks noGrp="1"/>
+          </p:cNvSpPr>
+          <p:nvPr>
+            <p:ph type="sldNum" sz="quarter" idx="22"/>
+          </p:nvPr>
+        </p:nvSpPr>
+        <p:spPr/>
+        <p:txBody>
+          <a:bodyPr/>
+          <a:lstStyle/>
+          <a:p>
+            <a:r>
+              <a:rPr lang="de-DE"/>
+              <a:t>Folie </a:t>
+            </a:r>
+            <a:fld id="{20336FBE-96EF-1B43-9998-83765DDB0397}" type="slidenum">
+              <a:rPr lang="de-DE" smtClean="0"/>
+              <a:pPr/>
+              <a:t>7</a:t>
+            </a:fld>
+            <a:r>
+              <a:rPr lang="de-DE"/>
+              <a:t> von XYZ</a:t>
+            </a:r>
+            <a:endParaRPr lang="de-DE" dirty="0"/>
+          </a:p>
+        </p:txBody>
+      </p:sp>
+      <p:pic>
+        <p:nvPicPr>
+          <p:cNvPr id="5" name="Bild 4"/>
+          <p:cNvPicPr>
+            <a:picLocks noChangeAspect="1"/>
+          </p:cNvPicPr>
+          <p:nvPr/>
+        </p:nvPicPr>
+        <p:blipFill>
+          <a:blip r:embed="rId3">
+            <a:extLst>
+              <a:ext uri="{28A0092B-C50C-407E-A947-70E740481C1C}">
+                <a14:useLocalDpi xmlns:a14="http://schemas.microsoft.com/office/drawing/2010/main" val="0"/>
+              </a:ext>
+            </a:extLst>
+          </a:blip>
+          <a:stretch>
+            <a:fillRect/>
+          </a:stretch>
+        </p:blipFill>
+        <p:spPr>
+          <a:xfrm>
+            <a:off x="2843808" y="2924945"/>
+            <a:ext cx="3395847" cy="2664295"/>
+          </a:xfrm>
+          <a:prstGeom prst="rect">
+            <a:avLst/>
+          </a:prstGeom>
+        </p:spPr>
+      </p:pic>
+    </p:spTree>
+    <p:extLst>
+      <p:ext uri="{BB962C8B-B14F-4D97-AF65-F5344CB8AC3E}">
+        <p14:creationId xmlns:p14="http://schemas.microsoft.com/office/powerpoint/2010/main" val="448725405"/>
+      </p:ext>
+    </p:extLst>
+  </p:cSld>
+  <p:clrMapOvr>
+    <a:masterClrMapping/>
+  </p:clrMapOvr>
+  <p:transition spd="slow">
+    <p:push dir="u"/>
+  </p:transition>
+  <p:timing>
+    <p:tnLst>
+      <p:par>
+        <p:cTn id="1" dur="indefinite" restart="never" nodeType="tmRoot"/>
+      </p:par>
+    </p:tnLst>
+  </p:timing>
+</p:sld>
+</file>
+
+<file path=ppt/slides/slide8.xml><?xml version="1.0" encoding="utf-8"?>
+<p:sld xmlns:a="http://schemas.openxmlformats.org/drawingml/2006/main" xmlns:r="http://schemas.openxmlformats.org/officeDocument/2006/relationships" xmlns:p="http://schemas.openxmlformats.org/presentationml/2006/main">
+  <p:cSld>
+    <p:spTree>
+      <p:nvGrpSpPr>
+        <p:cNvPr id="1" name=""/>
+        <p:cNvGrpSpPr/>
+        <p:nvPr/>
+      </p:nvGrpSpPr>
+      <p:grpSpPr>
+        <a:xfrm>
+          <a:off x="0" y="0"/>
+          <a:ext cx="0" cy="0"/>
+          <a:chOff x="0" y="0"/>
+          <a:chExt cx="0" cy="0"/>
+        </a:xfrm>
+      </p:grpSpPr>
+      <p:sp>
+        <p:nvSpPr>
+          <p:cNvPr id="2" name="Inhaltsplatzhalter 1"/>
+          <p:cNvSpPr>
+            <a:spLocks noGrp="1"/>
+          </p:cNvSpPr>
+          <p:nvPr>
+            <p:ph sz="quarter" idx="11"/>
+          </p:nvPr>
+        </p:nvSpPr>
+        <p:spPr>
+          <a:xfrm>
+            <a:off x="655637" y="1556793"/>
+            <a:ext cx="7832725" cy="1368152"/>
+          </a:xfrm>
+        </p:spPr>
+        <p:txBody>
+          <a:bodyPr/>
+          <a:lstStyle/>
+          <a:p>
+            <a:pPr marL="342900" indent="-342900">
+              <a:buFont typeface=".AppleSystemUIFont" charset="-120"/>
+              <a:buChar char="-"/>
+            </a:pPr>
+            <a:r>
+              <a:rPr lang="de-DE" dirty="0" err="1" smtClean="0"/>
+              <a:t>Matuc</a:t>
+            </a:r>
+            <a:r>
+              <a:rPr lang="de-DE" dirty="0" smtClean="0"/>
+              <a:t> JSON-API</a:t>
+            </a:r>
+            <a:endParaRPr lang="de-DE" dirty="0"/>
+          </a:p>
+          <a:p>
+            <a:pPr marL="631825" lvl="3" indent="-342900">
+              <a:buFont typeface="Wingdings" charset="2"/>
+              <a:buChar char="§"/>
+            </a:pPr>
+            <a:r>
+              <a:rPr lang="de-DE" dirty="0" err="1" smtClean="0"/>
+              <a:t>Mpletter</a:t>
+            </a:r>
+            <a:r>
+              <a:rPr lang="de-DE" dirty="0" smtClean="0"/>
+              <a:t> Funktionsumfang von </a:t>
+            </a:r>
+            <a:r>
+              <a:rPr lang="de-DE" dirty="0" err="1" smtClean="0"/>
+              <a:t>Matuc</a:t>
+            </a:r>
+            <a:endParaRPr lang="de-DE" dirty="0"/>
+          </a:p>
+          <a:p>
+            <a:pPr marL="631825" lvl="3" indent="-342900">
+              <a:buFont typeface="Wingdings" charset="2"/>
+              <a:buChar char="§"/>
+            </a:pPr>
+            <a:r>
+              <a:rPr lang="de-DE" dirty="0" smtClean="0"/>
+              <a:t>Liefert JSON-Objekte zurück</a:t>
+            </a:r>
+          </a:p>
+          <a:p>
+            <a:pPr marL="631825" lvl="3" indent="-342900">
+              <a:buFont typeface="Wingdings" charset="2"/>
+              <a:buChar char="§"/>
+            </a:pPr>
+            <a:r>
+              <a:rPr lang="de-DE" dirty="0" smtClean="0"/>
+              <a:t>Beispielbefehl: 	</a:t>
+            </a:r>
+            <a:r>
+              <a:rPr lang="de-DE" dirty="0" err="1" smtClean="0">
+                <a:latin typeface="Courier" charset="0"/>
+                <a:ea typeface="Courier" charset="0"/>
+                <a:cs typeface="Courier" charset="0"/>
+              </a:rPr>
+              <a:t>matuc</a:t>
+            </a:r>
+            <a:r>
+              <a:rPr lang="de-DE" dirty="0" smtClean="0">
+                <a:latin typeface="Courier" charset="0"/>
+                <a:ea typeface="Courier" charset="0"/>
+                <a:cs typeface="Courier" charset="0"/>
+              </a:rPr>
+              <a:t> </a:t>
+            </a:r>
+            <a:r>
+              <a:rPr lang="de-DE" dirty="0" err="1" smtClean="0">
+                <a:latin typeface="Courier" charset="0"/>
+                <a:ea typeface="Courier" charset="0"/>
+                <a:cs typeface="Courier" charset="0"/>
+              </a:rPr>
+              <a:t>conf</a:t>
+            </a:r>
+            <a:r>
+              <a:rPr lang="de-DE" dirty="0" smtClean="0">
+                <a:latin typeface="Courier" charset="0"/>
+                <a:ea typeface="Courier" charset="0"/>
+                <a:cs typeface="Courier" charset="0"/>
+              </a:rPr>
+              <a:t> </a:t>
+            </a:r>
+            <a:r>
+              <a:rPr lang="de-DE" dirty="0" err="1" smtClean="0">
+                <a:latin typeface="Courier" charset="0"/>
+                <a:ea typeface="Courier" charset="0"/>
+                <a:cs typeface="Courier" charset="0"/>
+              </a:rPr>
+              <a:t>show</a:t>
+            </a:r>
+            <a:endParaRPr lang="de-DE" dirty="0" smtClean="0">
+              <a:latin typeface="Courier" charset="0"/>
+              <a:ea typeface="Courier" charset="0"/>
+              <a:cs typeface="Courier" charset="0"/>
+            </a:endParaRPr>
+          </a:p>
+        </p:txBody>
+      </p:sp>
+      <p:sp>
+        <p:nvSpPr>
+          <p:cNvPr id="3" name="Inhaltsplatzhalter 2"/>
+          <p:cNvSpPr>
+            <a:spLocks noGrp="1"/>
+          </p:cNvSpPr>
+          <p:nvPr>
+            <p:ph sz="quarter" idx="19"/>
+          </p:nvPr>
+        </p:nvSpPr>
+        <p:spPr>
+          <a:xfrm>
+            <a:off x="0" y="836712"/>
+            <a:ext cx="9144000" cy="288032"/>
+          </a:xfrm>
+        </p:spPr>
+        <p:txBody>
+          <a:bodyPr anchor="ctr"/>
+          <a:lstStyle/>
+          <a:p>
+            <a:pPr algn="ctr"/>
+            <a:r>
+              <a:rPr lang="de-DE" sz="1200" b="0" dirty="0"/>
+              <a:t>1. Zielstellung &gt; </a:t>
+            </a:r>
+            <a:r>
+              <a:rPr lang="de-DE" sz="1200" b="0" dirty="0">
+                <a:solidFill>
+                  <a:schemeClr val="tx1"/>
+                </a:solidFill>
+              </a:rPr>
+              <a:t>2. Bestehende Lösungsansätze</a:t>
+            </a:r>
+            <a:r>
+              <a:rPr lang="de-DE" sz="1200" b="0" dirty="0"/>
+              <a:t> &gt; 3. Entwicklung einer neuen Erweiterung für ATOM &gt; 4. Ausblick</a:t>
+            </a:r>
+          </a:p>
+        </p:txBody>
+      </p:sp>
+      <p:sp>
+        <p:nvSpPr>
+          <p:cNvPr id="4" name="Datumsplatzhalter 3"/>
+          <p:cNvSpPr>
+            <a:spLocks noGrp="1"/>
+          </p:cNvSpPr>
+          <p:nvPr>
+            <p:ph type="dt" sz="half" idx="20"/>
+          </p:nvPr>
+        </p:nvSpPr>
+        <p:spPr/>
+        <p:txBody>
+          <a:bodyPr/>
+          <a:lstStyle/>
+          <a:p>
+            <a:fld id="{852F18A7-60EF-DD48-8F37-BE93452F0A67}" type="datetime1">
+              <a:rPr lang="de-DE" smtClean="0"/>
+              <a:t>24.10.16</a:t>
+            </a:fld>
+            <a:endParaRPr lang="de-DE" dirty="0"/>
+          </a:p>
+        </p:txBody>
+      </p:sp>
+      <p:sp>
+        <p:nvSpPr>
+          <p:cNvPr id="6" name="Foliennummernplatzhalter 5"/>
+          <p:cNvSpPr>
+            <a:spLocks noGrp="1"/>
+          </p:cNvSpPr>
+          <p:nvPr>
+            <p:ph type="sldNum" sz="quarter" idx="22"/>
+          </p:nvPr>
+        </p:nvSpPr>
+        <p:spPr/>
+        <p:txBody>
+          <a:bodyPr/>
+          <a:lstStyle/>
+          <a:p>
+            <a:r>
+              <a:rPr lang="de-DE"/>
+              <a:t>Folie </a:t>
+            </a:r>
+            <a:fld id="{20336FBE-96EF-1B43-9998-83765DDB0397}" type="slidenum">
+              <a:rPr lang="de-DE" smtClean="0"/>
+              <a:pPr/>
+              <a:t>8</a:t>
+            </a:fld>
+            <a:r>
+              <a:rPr lang="de-DE"/>
+              <a:t> von XYZ</a:t>
+            </a:r>
+            <a:endParaRPr lang="de-DE" dirty="0"/>
+          </a:p>
+        </p:txBody>
+      </p:sp>
+      <p:pic>
+        <p:nvPicPr>
+          <p:cNvPr id="5" name="Bild 4"/>
+          <p:cNvPicPr>
+            <a:picLocks noChangeAspect="1"/>
+          </p:cNvPicPr>
+          <p:nvPr/>
+        </p:nvPicPr>
+        <p:blipFill>
+          <a:blip r:embed="rId3">
+            <a:extLst>
+              <a:ext uri="{28A0092B-C50C-407E-A947-70E740481C1C}">
+                <a14:useLocalDpi xmlns:a14="http://schemas.microsoft.com/office/drawing/2010/main" val="0"/>
+              </a:ext>
+            </a:extLst>
+          </a:blip>
+          <a:stretch>
+            <a:fillRect/>
+          </a:stretch>
+        </p:blipFill>
+        <p:spPr>
+          <a:xfrm>
+            <a:off x="2843808" y="2924945"/>
+            <a:ext cx="3395847" cy="2664295"/>
+          </a:xfrm>
+          <a:prstGeom prst="rect">
+            <a:avLst/>
+          </a:prstGeom>
+        </p:spPr>
+      </p:pic>
+      <p:pic>
+        <p:nvPicPr>
+          <p:cNvPr id="8" name="Bild 7"/>
+          <p:cNvPicPr>
+            <a:picLocks noChangeAspect="1"/>
+          </p:cNvPicPr>
+          <p:nvPr/>
+        </p:nvPicPr>
+        <p:blipFill>
+          <a:blip r:embed="rId4">
+            <a:extLst>
+              <a:ext uri="{28A0092B-C50C-407E-A947-70E740481C1C}">
+                <a14:useLocalDpi xmlns:a14="http://schemas.microsoft.com/office/drawing/2010/main" val="0"/>
+              </a:ext>
+            </a:extLst>
+          </a:blip>
+          <a:stretch>
+            <a:fillRect/>
+          </a:stretch>
+        </p:blipFill>
+        <p:spPr>
+          <a:xfrm>
+            <a:off x="2843807" y="2924945"/>
+            <a:ext cx="3395847" cy="3015512"/>
+          </a:xfrm>
+          <a:prstGeom prst="rect">
+            <a:avLst/>
+          </a:prstGeom>
+        </p:spPr>
+      </p:pic>
+    </p:spTree>
+    <p:extLst>
+      <p:ext uri="{BB962C8B-B14F-4D97-AF65-F5344CB8AC3E}">
+        <p14:creationId xmlns:p14="http://schemas.microsoft.com/office/powerpoint/2010/main" val="1277570778"/>
+      </p:ext>
+    </p:extLst>
+  </p:cSld>
+  <p:clrMapOvr>
+    <a:masterClrMapping/>
+  </p:clrMapOvr>
+  <mc:AlternateContent xmlns:mc="http://schemas.openxmlformats.org/markup-compatibility/2006">
+    <mc:Choice xmlns:p14="http://schemas.microsoft.com/office/powerpoint/2010/main" Requires="p14">
+      <p:transition p14:dur="0"/>
+    </mc:Choice>
+    <mc:Fallback>
+      <p:transition/>
+    </mc:Fallback>
+  </mc:AlternateContent>
+  <p:timing>
+    <p:tnLst>
+      <p:par>
+        <p:cTn id="1" dur="indefinite" restart="never" nodeType="tmRoot"/>
+      </p:par>
+    </p:tnLst>
+  </p:timing>
+</p:sld>
+</file>
+
+<file path=ppt/slides/slide9.xml><?xml version="1.0" encoding="utf-8"?>
+<p:sld xmlns:a="http://schemas.openxmlformats.org/drawingml/2006/main" xmlns:r="http://schemas.openxmlformats.org/officeDocument/2006/relationships" xmlns:p="http://schemas.openxmlformats.org/presentationml/2006/main">
+  <p:cSld>
+    <p:spTree>
+      <p:nvGrpSpPr>
+        <p:cNvPr id="1" name=""/>
+        <p:cNvGrpSpPr/>
+        <p:nvPr/>
+      </p:nvGrpSpPr>
+      <p:grpSpPr>
+        <a:xfrm>
+          <a:off x="0" y="0"/>
+          <a:ext cx="0" cy="0"/>
+          <a:chOff x="0" y="0"/>
+          <a:chExt cx="0" cy="0"/>
+        </a:xfrm>
+      </p:grpSpPr>
+      <p:sp>
+        <p:nvSpPr>
+          <p:cNvPr id="2" name="Inhaltsplatzhalter 1"/>
+          <p:cNvSpPr>
+            <a:spLocks noGrp="1"/>
+          </p:cNvSpPr>
+          <p:nvPr>
+            <p:ph sz="quarter" idx="11"/>
+          </p:nvPr>
+        </p:nvSpPr>
+        <p:spPr>
+          <a:xfrm>
+            <a:off x="859632" y="4277677"/>
+            <a:ext cx="7832725" cy="360313"/>
+          </a:xfrm>
+        </p:spPr>
+        <p:txBody>
+          <a:bodyPr/>
+          <a:lstStyle/>
+          <a:p>
+            <a:pPr algn="r"/>
+            <a:r>
+              <a:rPr lang="de-DE" sz="1800" dirty="0" smtClean="0"/>
+              <a:t>Das </a:t>
+            </a:r>
+            <a:r>
+              <a:rPr lang="de-DE" sz="1800" dirty="0" err="1" smtClean="0"/>
+              <a:t>agsbs</a:t>
+            </a:r>
+            <a:r>
+              <a:rPr lang="de-DE" sz="1800" dirty="0" smtClean="0"/>
+              <a:t>-atom-</a:t>
+            </a:r>
+            <a:r>
+              <a:rPr lang="de-DE" sz="1800" dirty="0" err="1" smtClean="0"/>
+              <a:t>package</a:t>
+            </a:r>
+            <a:endParaRPr lang="de-DE" sz="1800" dirty="0"/>
+          </a:p>
+        </p:txBody>
+      </p:sp>
+      <p:sp>
+        <p:nvSpPr>
+          <p:cNvPr id="3" name="Inhaltsplatzhalter 2"/>
+          <p:cNvSpPr>
+            <a:spLocks noGrp="1"/>
+          </p:cNvSpPr>
+          <p:nvPr>
+            <p:ph sz="quarter" idx="19"/>
+          </p:nvPr>
+        </p:nvSpPr>
+        <p:spPr>
+          <a:xfrm>
+            <a:off x="858043" y="2324000"/>
+            <a:ext cx="7834314" cy="558801"/>
+          </a:xfrm>
+        </p:spPr>
+        <p:txBody>
+          <a:bodyPr/>
+          <a:lstStyle/>
+          <a:p>
+            <a:r>
+              <a:rPr lang="de-DE" sz="2800" dirty="0" smtClean="0"/>
+              <a:t>3. 	Entwicklung einer neuen 	Erweiterung für ATOM</a:t>
+            </a:r>
+            <a:endParaRPr lang="de-DE" sz="2800" dirty="0"/>
+          </a:p>
+        </p:txBody>
+      </p:sp>
+      <p:sp>
+        <p:nvSpPr>
+          <p:cNvPr id="4" name="Datumsplatzhalter 3"/>
+          <p:cNvSpPr>
+            <a:spLocks noGrp="1"/>
+          </p:cNvSpPr>
+          <p:nvPr>
+            <p:ph type="dt" sz="half" idx="20"/>
+          </p:nvPr>
+        </p:nvSpPr>
+        <p:spPr/>
+        <p:txBody>
+          <a:bodyPr/>
+          <a:lstStyle/>
+          <a:p>
+            <a:fld id="{852F18A7-60EF-DD48-8F37-BE93452F0A67}" type="datetime1">
+              <a:rPr lang="de-DE" smtClean="0"/>
+              <a:t>24.10.16</a:t>
+            </a:fld>
+            <a:endParaRPr lang="de-DE" dirty="0"/>
+          </a:p>
+        </p:txBody>
+      </p:sp>
+      <p:sp>
+        <p:nvSpPr>
+          <p:cNvPr id="6" name="Foliennummernplatzhalter 5"/>
+          <p:cNvSpPr>
+            <a:spLocks noGrp="1"/>
+          </p:cNvSpPr>
+          <p:nvPr>
+            <p:ph type="sldNum" sz="quarter" idx="22"/>
+          </p:nvPr>
+        </p:nvSpPr>
+        <p:spPr/>
+        <p:txBody>
+          <a:bodyPr/>
+          <a:lstStyle/>
+          <a:p>
+            <a:r>
+              <a:rPr lang="de-DE"/>
+              <a:t>Folie </a:t>
+            </a:r>
+            <a:fld id="{20336FBE-96EF-1B43-9998-83765DDB0397}" type="slidenum">
+              <a:rPr lang="de-DE" smtClean="0"/>
+              <a:pPr/>
+              <a:t>9</a:t>
+            </a:fld>
+            <a:r>
+              <a:rPr lang="de-DE"/>
+              <a:t> von XYZ</a:t>
+            </a:r>
+            <a:endParaRPr lang="de-DE" dirty="0"/>
+          </a:p>
+        </p:txBody>
+      </p:sp>
+    </p:spTree>
+    <p:extLst>
+      <p:ext uri="{BB962C8B-B14F-4D97-AF65-F5344CB8AC3E}">
+        <p14:creationId xmlns:p14="http://schemas.microsoft.com/office/powerpoint/2010/main" val="570899850"/>
+      </p:ext>
+    </p:extLst>
+  </p:cSld>
+  <p:clrMapOvr>
+    <a:masterClrMapping/>
+  </p:clrMapOvr>
+  <p:transition spd="slow">
+    <p:push dir="u"/>
+  </p:transition>
+  <p:timing>
+    <p:tnLst>
+      <p:par>
+        <p:cTn id="1" dur="indefinite" restart="never" nodeType="tmRoot"/>
+      </p:par>
+    </p:tnLst>
+  </p:timing>
 </p:sld>
 </file>
 

--- a/presentation.pptx
+++ b/presentation.pptx
@@ -5,10 +5,10 @@
     <p:sldMasterId id="2147483648" r:id="rId1"/>
   </p:sldMasterIdLst>
   <p:notesMasterIdLst>
-    <p:notesMasterId r:id="rId12"/>
+    <p:notesMasterId r:id="rId13"/>
   </p:notesMasterIdLst>
   <p:handoutMasterIdLst>
-    <p:handoutMasterId r:id="rId13"/>
+    <p:handoutMasterId r:id="rId14"/>
   </p:handoutMasterIdLst>
   <p:sldIdLst>
     <p:sldId id="259" r:id="rId2"/>
@@ -21,6 +21,7 @@
     <p:sldId id="266" r:id="rId9"/>
     <p:sldId id="267" r:id="rId10"/>
     <p:sldId id="268" r:id="rId11"/>
+    <p:sldId id="269" r:id="rId12"/>
   </p:sldIdLst>
   <p:sldSz cx="9144000" cy="6858000" type="screen4x3"/>
   <p:notesSz cx="6858000" cy="9144000"/>
@@ -2188,10 +2189,9 @@
               <a:buChar char="•"/>
             </a:pPr>
             <a:r>
-              <a:rPr lang="de-DE" baseline="0" smtClean="0"/>
+              <a:rPr lang="de-DE" baseline="0" dirty="0" smtClean="0"/>
               <a:t>Atom: GUI</a:t>
             </a:r>
-            <a:endParaRPr lang="de-DE" baseline="0" dirty="0" smtClean="0"/>
           </a:p>
           <a:p>
             <a:pPr marL="0" indent="0">
@@ -2229,6 +2229,306 @@
     <p:extLst>
       <p:ext uri="{BB962C8B-B14F-4D97-AF65-F5344CB8AC3E}">
         <p14:creationId xmlns:p14="http://schemas.microsoft.com/office/powerpoint/2010/main" val="195767865"/>
+      </p:ext>
+    </p:extLst>
+  </p:cSld>
+  <p:clrMapOvr>
+    <a:masterClrMapping/>
+  </p:clrMapOvr>
+</p:notes>
+</file>
+
+<file path=ppt/notesSlides/notesSlide7.xml><?xml version="1.0" encoding="utf-8"?>
+<p:notes xmlns:a="http://schemas.openxmlformats.org/drawingml/2006/main" xmlns:r="http://schemas.openxmlformats.org/officeDocument/2006/relationships" xmlns:p="http://schemas.openxmlformats.org/presentationml/2006/main">
+  <p:cSld>
+    <p:spTree>
+      <p:nvGrpSpPr>
+        <p:cNvPr id="1" name=""/>
+        <p:cNvGrpSpPr/>
+        <p:nvPr/>
+      </p:nvGrpSpPr>
+      <p:grpSpPr>
+        <a:xfrm>
+          <a:off x="0" y="0"/>
+          <a:ext cx="0" cy="0"/>
+          <a:chOff x="0" y="0"/>
+          <a:chExt cx="0" cy="0"/>
+        </a:xfrm>
+      </p:grpSpPr>
+      <p:sp>
+        <p:nvSpPr>
+          <p:cNvPr id="2" name="Folienbildplatzhalter 1"/>
+          <p:cNvSpPr>
+            <a:spLocks noGrp="1" noRot="1" noChangeAspect="1"/>
+          </p:cNvSpPr>
+          <p:nvPr>
+            <p:ph type="sldImg"/>
+          </p:nvPr>
+        </p:nvSpPr>
+        <p:spPr/>
+      </p:sp>
+      <p:sp>
+        <p:nvSpPr>
+          <p:cNvPr id="3" name="Notizenplatzhalter 2"/>
+          <p:cNvSpPr>
+            <a:spLocks noGrp="1"/>
+          </p:cNvSpPr>
+          <p:nvPr>
+            <p:ph type="body" idx="1"/>
+          </p:nvPr>
+        </p:nvSpPr>
+        <p:spPr/>
+        <p:txBody>
+          <a:bodyPr/>
+          <a:lstStyle/>
+          <a:p>
+            <a:r>
+              <a:rPr lang="de-DE" dirty="0" smtClean="0"/>
+              <a:t>GUIs:</a:t>
+            </a:r>
+            <a:endParaRPr lang="de-DE" dirty="0"/>
+          </a:p>
+          <a:p>
+            <a:pPr marL="171450" indent="-171450">
+              <a:buFontTx/>
+              <a:buChar char="-"/>
+            </a:pPr>
+            <a:r>
+              <a:rPr lang="de-DE" baseline="0" dirty="0" smtClean="0"/>
+              <a:t>Dialoge mit Textfeldern und eindeutigen Hinweisen</a:t>
+            </a:r>
+          </a:p>
+          <a:p>
+            <a:pPr marL="171450" indent="-171450">
+              <a:buFontTx/>
+              <a:buChar char="-"/>
+            </a:pPr>
+            <a:r>
+              <a:rPr lang="de-DE" dirty="0" smtClean="0"/>
+              <a:t>Bilder:</a:t>
+            </a:r>
+            <a:r>
+              <a:rPr lang="de-DE" baseline="0" dirty="0" smtClean="0"/>
+              <a:t> </a:t>
+            </a:r>
+            <a:r>
+              <a:rPr lang="de-DE" baseline="0" dirty="0" err="1" smtClean="0"/>
+              <a:t>matuc</a:t>
+            </a:r>
+            <a:r>
+              <a:rPr lang="de-DE" baseline="0" dirty="0" smtClean="0"/>
+              <a:t> </a:t>
+            </a:r>
+            <a:r>
+              <a:rPr lang="de-DE" baseline="0" dirty="0" err="1" smtClean="0"/>
+              <a:t>imgdsc</a:t>
+            </a:r>
+            <a:r>
+              <a:rPr lang="de-DE" baseline="0" dirty="0" smtClean="0"/>
+              <a:t> wird aufgerufen, es wird programmatisch entschieden, ob Bildbeschreibungen ausgelagert werden</a:t>
+            </a:r>
+          </a:p>
+          <a:p>
+            <a:pPr marL="171450" indent="-171450">
+              <a:buFontTx/>
+              <a:buChar char="-"/>
+            </a:pPr>
+            <a:r>
+              <a:rPr lang="de-DE" baseline="0" dirty="0" smtClean="0"/>
+              <a:t>Tabellen: verschiedene </a:t>
+            </a:r>
+            <a:r>
+              <a:rPr lang="de-DE" baseline="0" dirty="0" err="1" smtClean="0"/>
+              <a:t>Markdown</a:t>
+            </a:r>
+            <a:r>
+              <a:rPr lang="de-DE" baseline="0" dirty="0" smtClean="0"/>
+              <a:t> Tabellentypen werden angeboten, nicht alle von Live-Preview unterstützt (siehe Ausblick)</a:t>
+            </a:r>
+          </a:p>
+          <a:p>
+            <a:pPr marL="171450" indent="-171450">
+              <a:buFontTx/>
+              <a:buChar char="-"/>
+            </a:pPr>
+            <a:r>
+              <a:rPr lang="de-DE" baseline="0" dirty="0" smtClean="0"/>
+              <a:t>CSV Import von Tabellen möglich</a:t>
+            </a:r>
+          </a:p>
+          <a:p>
+            <a:pPr marL="171450" indent="-171450">
+              <a:buFontTx/>
+              <a:buChar char="-"/>
+            </a:pPr>
+            <a:endParaRPr lang="de-DE" baseline="0" dirty="0" smtClean="0"/>
+          </a:p>
+          <a:p>
+            <a:pPr marL="0" indent="0">
+              <a:buFontTx/>
+              <a:buNone/>
+            </a:pPr>
+            <a:r>
+              <a:rPr lang="de-DE" baseline="0" dirty="0" smtClean="0"/>
+              <a:t>GIT</a:t>
+            </a:r>
+          </a:p>
+          <a:p>
+            <a:pPr marL="171450" indent="-171450">
+              <a:buFontTx/>
+              <a:buChar char="-"/>
+            </a:pPr>
+            <a:r>
+              <a:rPr lang="de-DE" baseline="0" dirty="0" smtClean="0"/>
+              <a:t>In Einstellungen des </a:t>
+            </a:r>
+            <a:r>
+              <a:rPr lang="de-DE" baseline="0" dirty="0" err="1" smtClean="0"/>
+              <a:t>Plugins</a:t>
+            </a:r>
+            <a:r>
+              <a:rPr lang="de-DE" baseline="0" dirty="0" smtClean="0"/>
+              <a:t> kann die Integration deaktiviert werden, ansonsten:</a:t>
+            </a:r>
+          </a:p>
+          <a:p>
+            <a:pPr marL="171450" indent="-171450">
+              <a:buFontTx/>
+              <a:buChar char="-"/>
+            </a:pPr>
+            <a:r>
+              <a:rPr lang="de-DE" baseline="0" dirty="0" smtClean="0"/>
+              <a:t>Beim Speichern wird an das Committen erinnert</a:t>
+            </a:r>
+          </a:p>
+          <a:p>
+            <a:pPr marL="171450" indent="-171450">
+              <a:buFontTx/>
+              <a:buChar char="-"/>
+            </a:pPr>
+            <a:endParaRPr lang="de-DE" baseline="0" dirty="0" smtClean="0"/>
+          </a:p>
+          <a:p>
+            <a:pPr marL="0" indent="0">
+              <a:buFontTx/>
+              <a:buNone/>
+            </a:pPr>
+            <a:r>
+              <a:rPr lang="de-DE" baseline="0" dirty="0" smtClean="0"/>
+              <a:t>Live-Vorschau:</a:t>
+            </a:r>
+          </a:p>
+          <a:p>
+            <a:pPr marL="171450" indent="-171450">
+              <a:buFontTx/>
+              <a:buChar char="-"/>
+            </a:pPr>
+            <a:r>
+              <a:rPr lang="de-DE" baseline="0" dirty="0" smtClean="0"/>
+              <a:t>Man kann sofort sehen was passiert</a:t>
+            </a:r>
+          </a:p>
+          <a:p>
+            <a:pPr marL="171450" indent="-171450">
+              <a:buFontTx/>
+              <a:buChar char="-"/>
+            </a:pPr>
+            <a:r>
+              <a:rPr lang="de-DE" baseline="0" dirty="0" smtClean="0"/>
+              <a:t>Latex </a:t>
+            </a:r>
+            <a:r>
+              <a:rPr lang="de-DE" baseline="0" dirty="0" err="1" smtClean="0"/>
+              <a:t>Formeluntersützung</a:t>
+            </a:r>
+            <a:endParaRPr lang="de-DE" baseline="0" dirty="0" smtClean="0"/>
+          </a:p>
+          <a:p>
+            <a:pPr marL="171450" indent="-171450">
+              <a:buFontTx/>
+              <a:buChar char="-"/>
+            </a:pPr>
+            <a:endParaRPr lang="de-DE" baseline="0" dirty="0" smtClean="0"/>
+          </a:p>
+          <a:p>
+            <a:pPr marL="0" indent="0">
+              <a:buFontTx/>
+              <a:buNone/>
+            </a:pPr>
+            <a:r>
+              <a:rPr lang="de-DE" baseline="0" dirty="0" smtClean="0"/>
+              <a:t>Unterstützung in der Ausführung einzelner Arbeitsschritte</a:t>
+            </a:r>
+          </a:p>
+          <a:p>
+            <a:pPr marL="171450" indent="-171450">
+              <a:buFontTx/>
+              <a:buChar char="-"/>
+            </a:pPr>
+            <a:r>
+              <a:rPr lang="de-DE" baseline="0" dirty="0" smtClean="0"/>
+              <a:t>Commit Abfrage beim Speichern</a:t>
+            </a:r>
+          </a:p>
+          <a:p>
+            <a:pPr marL="171450" indent="-171450">
+              <a:buFontTx/>
+              <a:buChar char="-"/>
+            </a:pPr>
+            <a:r>
+              <a:rPr lang="de-DE" baseline="0" dirty="0" smtClean="0"/>
+              <a:t>beim Speichern wird überprüft mit </a:t>
+            </a:r>
+            <a:r>
+              <a:rPr lang="de-DE" baseline="0" dirty="0" err="1" smtClean="0"/>
+              <a:t>mistkerl</a:t>
+            </a:r>
+            <a:endParaRPr lang="de-DE" baseline="0" dirty="0" smtClean="0"/>
+          </a:p>
+          <a:p>
+            <a:pPr marL="171450" indent="-171450">
+              <a:buFontTx/>
+              <a:buChar char="-"/>
+            </a:pPr>
+            <a:r>
+              <a:rPr lang="de-DE" baseline="0" dirty="0" smtClean="0"/>
+              <a:t>An bestimmten Stellen wird im Hintergrund gespeichert, bevor </a:t>
+            </a:r>
+            <a:r>
+              <a:rPr lang="de-DE" baseline="0" smtClean="0"/>
+              <a:t>die gewünschte Funktion ausgeführt wird</a:t>
+            </a:r>
+            <a:endParaRPr lang="de-DE" baseline="0" dirty="0" smtClean="0"/>
+          </a:p>
+        </p:txBody>
+      </p:sp>
+      <p:sp>
+        <p:nvSpPr>
+          <p:cNvPr id="4" name="Foliennummernplatzhalter 3"/>
+          <p:cNvSpPr>
+            <a:spLocks noGrp="1"/>
+          </p:cNvSpPr>
+          <p:nvPr>
+            <p:ph type="sldNum" sz="quarter" idx="10"/>
+          </p:nvPr>
+        </p:nvSpPr>
+        <p:spPr/>
+        <p:txBody>
+          <a:bodyPr/>
+          <a:lstStyle/>
+          <a:p>
+            <a:fld id="{97667336-ABAD-4032-8A72-A57DA0F2B670}" type="slidenum">
+              <a:rPr lang="de-LU" smtClean="0"/>
+              <a:t>11</a:t>
+            </a:fld>
+            <a:endParaRPr lang="de-LU"/>
+          </a:p>
+        </p:txBody>
+      </p:sp>
+    </p:spTree>
+    <p:extLst>
+      <p:ext uri="{BB962C8B-B14F-4D97-AF65-F5344CB8AC3E}">
+        <p14:creationId xmlns:p14="http://schemas.microsoft.com/office/powerpoint/2010/main" val="1837253011"/>
       </p:ext>
     </p:extLst>
   </p:cSld>
@@ -2589,6 +2889,13 @@
       </p:stSnd>
     </p:sndAc>
   </p:transition>
+  <p:timing>
+    <p:tnLst>
+      <p:par>
+        <p:cTn id="1" dur="indefinite" restart="never" nodeType="tmRoot"/>
+      </p:par>
+    </p:tnLst>
+  </p:timing>
 </p:sldLayout>
 </file>
 
@@ -5439,7 +5746,7 @@
         </p:nvCxnSpPr>
         <p:spPr>
           <a:xfrm>
-            <a:off x="-1" y="838200"/>
+            <a:off x="-1" y="764704"/>
             <a:ext cx="9144000" cy="0"/>
           </a:xfrm>
           <a:prstGeom prst="line">
@@ -5504,7 +5811,7 @@
         </p:nvCxnSpPr>
         <p:spPr>
           <a:xfrm>
-            <a:off x="-2" y="1124744"/>
+            <a:off x="-2" y="1052736"/>
             <a:ext cx="9144001" cy="0"/>
           </a:xfrm>
           <a:prstGeom prst="line">
@@ -6252,7 +6559,7 @@
         </p:nvSpPr>
         <p:spPr>
           <a:xfrm>
-            <a:off x="0" y="836712"/>
+            <a:off x="0" y="764704"/>
             <a:ext cx="9144000" cy="288032"/>
           </a:xfrm>
         </p:spPr>
@@ -6535,10 +6842,583 @@
           </a:p>
         </p:txBody>
       </p:sp>
+      <p:sp>
+        <p:nvSpPr>
+          <p:cNvPr id="14" name="Textfeld 13"/>
+          <p:cNvSpPr txBox="1"/>
+          <p:nvPr/>
+        </p:nvSpPr>
+        <p:spPr>
+          <a:xfrm>
+            <a:off x="399820" y="2564904"/>
+            <a:ext cx="1999137" cy="369332"/>
+          </a:xfrm>
+          <a:prstGeom prst="rect">
+            <a:avLst/>
+          </a:prstGeom>
+          <a:noFill/>
+        </p:spPr>
+        <p:txBody>
+          <a:bodyPr wrap="none" rtlCol="0">
+            <a:spAutoFit/>
+          </a:bodyPr>
+          <a:lstStyle/>
+          <a:p>
+            <a:r>
+              <a:rPr lang="de-DE" dirty="0" smtClean="0"/>
+              <a:t>Vorteile des Editors</a:t>
+            </a:r>
+            <a:endParaRPr lang="de-DE" dirty="0"/>
+          </a:p>
+        </p:txBody>
+      </p:sp>
+      <p:sp>
+        <p:nvSpPr>
+          <p:cNvPr id="16" name="Textfeld 15"/>
+          <p:cNvSpPr txBox="1"/>
+          <p:nvPr/>
+        </p:nvSpPr>
+        <p:spPr>
+          <a:xfrm>
+            <a:off x="76971" y="1106160"/>
+            <a:ext cx="2032351" cy="369332"/>
+          </a:xfrm>
+          <a:prstGeom prst="rect">
+            <a:avLst/>
+          </a:prstGeom>
+          <a:noFill/>
+        </p:spPr>
+        <p:txBody>
+          <a:bodyPr wrap="none" rtlCol="0">
+            <a:spAutoFit/>
+          </a:bodyPr>
+          <a:lstStyle/>
+          <a:p>
+            <a:r>
+              <a:rPr lang="de-DE" b="1" dirty="0" smtClean="0"/>
+              <a:t>Vorteile des Editors</a:t>
+            </a:r>
+            <a:endParaRPr lang="de-DE" b="1" dirty="0"/>
+          </a:p>
+        </p:txBody>
+      </p:sp>
     </p:spTree>
     <p:extLst>
       <p:ext uri="{BB962C8B-B14F-4D97-AF65-F5344CB8AC3E}">
         <p14:creationId xmlns:p14="http://schemas.microsoft.com/office/powerpoint/2010/main" val="986676057"/>
+      </p:ext>
+    </p:extLst>
+  </p:cSld>
+  <p:clrMapOvr>
+    <a:masterClrMapping/>
+  </p:clrMapOvr>
+  <p:transition spd="slow">
+    <p:push dir="u"/>
+  </p:transition>
+  <p:timing>
+    <p:tnLst>
+      <p:par>
+        <p:cTn id="1" dur="indefinite" restart="never" nodeType="tmRoot"/>
+      </p:par>
+    </p:tnLst>
+  </p:timing>
+</p:sld>
+</file>
+
+<file path=ppt/slides/slide11.xml><?xml version="1.0" encoding="utf-8"?>
+<p:sld xmlns:a="http://schemas.openxmlformats.org/drawingml/2006/main" xmlns:r="http://schemas.openxmlformats.org/officeDocument/2006/relationships" xmlns:p="http://schemas.openxmlformats.org/presentationml/2006/main">
+  <p:cSld>
+    <p:spTree>
+      <p:nvGrpSpPr>
+        <p:cNvPr id="1" name=""/>
+        <p:cNvGrpSpPr/>
+        <p:nvPr/>
+      </p:nvGrpSpPr>
+      <p:grpSpPr>
+        <a:xfrm>
+          <a:off x="0" y="0"/>
+          <a:ext cx="0" cy="0"/>
+          <a:chOff x="0" y="0"/>
+          <a:chExt cx="0" cy="0"/>
+        </a:xfrm>
+      </p:grpSpPr>
+      <p:sp>
+        <p:nvSpPr>
+          <p:cNvPr id="3" name="Inhaltsplatzhalter 2"/>
+          <p:cNvSpPr>
+            <a:spLocks noGrp="1"/>
+          </p:cNvSpPr>
+          <p:nvPr>
+            <p:ph sz="quarter" idx="19"/>
+          </p:nvPr>
+        </p:nvSpPr>
+        <p:spPr>
+          <a:xfrm>
+            <a:off x="0" y="764704"/>
+            <a:ext cx="9144000" cy="288032"/>
+          </a:xfrm>
+        </p:spPr>
+        <p:txBody>
+          <a:bodyPr anchor="ctr"/>
+          <a:lstStyle/>
+          <a:p>
+            <a:pPr algn="ctr"/>
+            <a:r>
+              <a:rPr lang="de-DE" sz="1200" b="0" dirty="0"/>
+              <a:t>1. Zielstellung &gt; 2. Bestehende Lösungsansätze &gt; </a:t>
+            </a:r>
+            <a:r>
+              <a:rPr lang="de-DE" sz="1200" b="0" dirty="0">
+                <a:solidFill>
+                  <a:schemeClr val="tx1"/>
+                </a:solidFill>
+              </a:rPr>
+              <a:t>3. Entwicklung einer neuen Erweiterung für ATOM</a:t>
+            </a:r>
+            <a:r>
+              <a:rPr lang="de-DE" sz="1200" b="0" dirty="0"/>
+              <a:t> &gt; 4. Ausblick</a:t>
+            </a:r>
+          </a:p>
+        </p:txBody>
+      </p:sp>
+      <p:sp>
+        <p:nvSpPr>
+          <p:cNvPr id="4" name="Datumsplatzhalter 3"/>
+          <p:cNvSpPr>
+            <a:spLocks noGrp="1"/>
+          </p:cNvSpPr>
+          <p:nvPr>
+            <p:ph type="dt" sz="half" idx="20"/>
+          </p:nvPr>
+        </p:nvSpPr>
+        <p:spPr/>
+        <p:txBody>
+          <a:bodyPr/>
+          <a:lstStyle/>
+          <a:p>
+            <a:fld id="{852F18A7-60EF-DD48-8F37-BE93452F0A67}" type="datetime1">
+              <a:rPr lang="de-DE" smtClean="0"/>
+              <a:t>24.10.16</a:t>
+            </a:fld>
+            <a:endParaRPr lang="de-DE" dirty="0"/>
+          </a:p>
+        </p:txBody>
+      </p:sp>
+      <p:sp>
+        <p:nvSpPr>
+          <p:cNvPr id="6" name="Foliennummernplatzhalter 5"/>
+          <p:cNvSpPr>
+            <a:spLocks noGrp="1"/>
+          </p:cNvSpPr>
+          <p:nvPr>
+            <p:ph type="sldNum" sz="quarter" idx="22"/>
+          </p:nvPr>
+        </p:nvSpPr>
+        <p:spPr/>
+        <p:txBody>
+          <a:bodyPr/>
+          <a:lstStyle/>
+          <a:p>
+            <a:r>
+              <a:rPr lang="de-DE"/>
+              <a:t>Folie </a:t>
+            </a:r>
+            <a:fld id="{20336FBE-96EF-1B43-9998-83765DDB0397}" type="slidenum">
+              <a:rPr lang="de-DE" smtClean="0"/>
+              <a:pPr/>
+              <a:t>11</a:t>
+            </a:fld>
+            <a:r>
+              <a:rPr lang="de-DE"/>
+              <a:t> von XYZ</a:t>
+            </a:r>
+            <a:endParaRPr lang="de-DE" dirty="0"/>
+          </a:p>
+        </p:txBody>
+      </p:sp>
+      <p:sp>
+        <p:nvSpPr>
+          <p:cNvPr id="7" name="Textfeld 6"/>
+          <p:cNvSpPr txBox="1"/>
+          <p:nvPr/>
+        </p:nvSpPr>
+        <p:spPr>
+          <a:xfrm>
+            <a:off x="76971" y="1106160"/>
+            <a:ext cx="3773597" cy="369332"/>
+          </a:xfrm>
+          <a:prstGeom prst="rect">
+            <a:avLst/>
+          </a:prstGeom>
+          <a:noFill/>
+        </p:spPr>
+        <p:txBody>
+          <a:bodyPr wrap="none" rtlCol="0">
+            <a:spAutoFit/>
+          </a:bodyPr>
+          <a:lstStyle/>
+          <a:p>
+            <a:r>
+              <a:rPr lang="de-DE" b="1" dirty="0" smtClean="0"/>
+              <a:t>Funktionalität der neuen Erweiterung</a:t>
+            </a:r>
+            <a:endParaRPr lang="de-DE" b="1" dirty="0"/>
+          </a:p>
+        </p:txBody>
+      </p:sp>
+      <p:sp>
+        <p:nvSpPr>
+          <p:cNvPr id="8" name="Inhaltsplatzhalter 1"/>
+          <p:cNvSpPr txBox="1">
+            <a:spLocks/>
+          </p:cNvSpPr>
+          <p:nvPr/>
+        </p:nvSpPr>
+        <p:spPr>
+          <a:xfrm>
+            <a:off x="655637" y="1556792"/>
+            <a:ext cx="7832725" cy="4608041"/>
+          </a:xfrm>
+          <a:prstGeom prst="rect">
+            <a:avLst/>
+          </a:prstGeom>
+        </p:spPr>
+        <p:txBody>
+          <a:bodyPr lIns="0" tIns="0" rIns="0" bIns="0"/>
+          <a:lstStyle>
+            <a:lvl1pPr marL="0" marR="0" indent="0" algn="l" defTabSz="914368" rtl="0" eaLnBrk="1" fontAlgn="t" latinLnBrk="0" hangingPunct="1">
+              <a:lnSpc>
+                <a:spcPct val="100000"/>
+              </a:lnSpc>
+              <a:spcBef>
+                <a:spcPts val="0"/>
+              </a:spcBef>
+              <a:spcAft>
+                <a:spcPts val="600"/>
+              </a:spcAft>
+              <a:buClrTx/>
+              <a:buSzTx/>
+              <a:buFontTx/>
+              <a:buNone/>
+              <a:tabLst/>
+              <a:defRPr sz="2000" kern="1200" baseline="0">
+                <a:solidFill>
+                  <a:srgbClr val="0B2A51"/>
+                </a:solidFill>
+                <a:latin typeface="Verdana" pitchFamily="34" charset="0"/>
+                <a:ea typeface="+mn-ea"/>
+                <a:cs typeface="+mn-cs"/>
+              </a:defRPr>
+            </a:lvl1pPr>
+            <a:lvl2pPr marL="161925" indent="-161925" algn="l" defTabSz="914368" rtl="0" eaLnBrk="1" fontAlgn="t" latinLnBrk="0" hangingPunct="1">
+              <a:spcBef>
+                <a:spcPts val="300"/>
+              </a:spcBef>
+              <a:spcAft>
+                <a:spcPts val="600"/>
+              </a:spcAft>
+              <a:buClr>
+                <a:schemeClr val="tx1"/>
+              </a:buClr>
+              <a:buSzPct val="120000"/>
+              <a:buFont typeface="LucidaGrande" charset="0"/>
+              <a:buChar char="_"/>
+              <a:tabLst/>
+              <a:defRPr sz="2000" kern="1200" baseline="0">
+                <a:solidFill>
+                  <a:srgbClr val="0B2A51"/>
+                </a:solidFill>
+                <a:latin typeface="Verdana" pitchFamily="34" charset="0"/>
+                <a:ea typeface="+mn-ea"/>
+                <a:cs typeface="+mn-cs"/>
+              </a:defRPr>
+            </a:lvl2pPr>
+            <a:lvl3pPr marL="0" indent="0" algn="l" defTabSz="914368" rtl="0" eaLnBrk="1" fontAlgn="t" latinLnBrk="0" hangingPunct="1">
+              <a:spcBef>
+                <a:spcPts val="0"/>
+              </a:spcBef>
+              <a:spcAft>
+                <a:spcPts val="600"/>
+              </a:spcAft>
+              <a:buSzPct val="100000"/>
+              <a:buFont typeface="Symbol" charset="2"/>
+              <a:buNone/>
+              <a:tabLst/>
+              <a:defRPr sz="1600" kern="1200" baseline="0">
+                <a:solidFill>
+                  <a:srgbClr val="0B2A51"/>
+                </a:solidFill>
+                <a:latin typeface="Verdana" pitchFamily="34" charset="0"/>
+                <a:ea typeface="+mn-ea"/>
+                <a:cs typeface="+mn-cs"/>
+              </a:defRPr>
+            </a:lvl3pPr>
+            <a:lvl4pPr marL="288925" indent="-127000" algn="l" defTabSz="914368" rtl="0" eaLnBrk="1" latinLnBrk="0" hangingPunct="1">
+              <a:spcBef>
+                <a:spcPts val="0"/>
+              </a:spcBef>
+              <a:spcAft>
+                <a:spcPts val="600"/>
+              </a:spcAft>
+              <a:buClr>
+                <a:schemeClr val="tx1"/>
+              </a:buClr>
+              <a:buSzPct val="100000"/>
+              <a:buFont typeface="LucidaGrande" charset="0"/>
+              <a:buChar char="_"/>
+              <a:tabLst/>
+              <a:defRPr sz="1600" kern="1200" baseline="0">
+                <a:solidFill>
+                  <a:srgbClr val="0B2A51"/>
+                </a:solidFill>
+                <a:latin typeface="Verdana" pitchFamily="34" charset="0"/>
+                <a:ea typeface="+mn-ea"/>
+                <a:cs typeface="+mn-cs"/>
+              </a:defRPr>
+            </a:lvl4pPr>
+            <a:lvl5pPr marL="415925" indent="-127000" algn="l" defTabSz="914368" rtl="0" eaLnBrk="1" latinLnBrk="0" hangingPunct="1">
+              <a:spcBef>
+                <a:spcPts val="0"/>
+              </a:spcBef>
+              <a:spcAft>
+                <a:spcPts val="600"/>
+              </a:spcAft>
+              <a:buSzPct val="170000"/>
+              <a:buFont typeface="AppleSymbols" charset="0"/>
+              <a:buChar char="⌞"/>
+              <a:tabLst/>
+              <a:defRPr sz="1600" kern="1200" baseline="0">
+                <a:solidFill>
+                  <a:srgbClr val="0B2A51"/>
+                </a:solidFill>
+                <a:latin typeface="Verdana" pitchFamily="34" charset="0"/>
+                <a:ea typeface="+mn-ea"/>
+                <a:cs typeface="+mn-cs"/>
+              </a:defRPr>
+            </a:lvl5pPr>
+            <a:lvl6pPr marL="2514512" indent="-228592" algn="l" defTabSz="914368" rtl="0" eaLnBrk="1" latinLnBrk="0" hangingPunct="1">
+              <a:spcBef>
+                <a:spcPct val="20000"/>
+              </a:spcBef>
+              <a:buFont typeface="Arial" pitchFamily="34" charset="0"/>
+              <a:buChar char="•"/>
+              <a:defRPr sz="2000" kern="1200">
+                <a:solidFill>
+                  <a:schemeClr val="tx1"/>
+                </a:solidFill>
+                <a:latin typeface="+mn-lt"/>
+                <a:ea typeface="+mn-ea"/>
+                <a:cs typeface="+mn-cs"/>
+              </a:defRPr>
+            </a:lvl6pPr>
+            <a:lvl7pPr marL="2971696" indent="-228592" algn="l" defTabSz="914368" rtl="0" eaLnBrk="1" latinLnBrk="0" hangingPunct="1">
+              <a:spcBef>
+                <a:spcPct val="20000"/>
+              </a:spcBef>
+              <a:buFont typeface="Arial" pitchFamily="34" charset="0"/>
+              <a:buChar char="•"/>
+              <a:defRPr sz="2000" kern="1200">
+                <a:solidFill>
+                  <a:schemeClr val="tx1"/>
+                </a:solidFill>
+                <a:latin typeface="+mn-lt"/>
+                <a:ea typeface="+mn-ea"/>
+                <a:cs typeface="+mn-cs"/>
+              </a:defRPr>
+            </a:lvl7pPr>
+            <a:lvl8pPr marL="3428880" indent="-228592" algn="l" defTabSz="914368" rtl="0" eaLnBrk="1" latinLnBrk="0" hangingPunct="1">
+              <a:spcBef>
+                <a:spcPct val="20000"/>
+              </a:spcBef>
+              <a:buFont typeface="Arial" pitchFamily="34" charset="0"/>
+              <a:buChar char="•"/>
+              <a:defRPr sz="2000" kern="1200">
+                <a:solidFill>
+                  <a:schemeClr val="tx1"/>
+                </a:solidFill>
+                <a:latin typeface="+mn-lt"/>
+                <a:ea typeface="+mn-ea"/>
+                <a:cs typeface="+mn-cs"/>
+              </a:defRPr>
+            </a:lvl8pPr>
+            <a:lvl9pPr marL="3886064" indent="-228592" algn="l" defTabSz="914368" rtl="0" eaLnBrk="1" latinLnBrk="0" hangingPunct="1">
+              <a:spcBef>
+                <a:spcPct val="20000"/>
+              </a:spcBef>
+              <a:buFont typeface="Arial" pitchFamily="34" charset="0"/>
+              <a:buChar char="•"/>
+              <a:defRPr sz="2000" kern="1200">
+                <a:solidFill>
+                  <a:schemeClr val="tx1"/>
+                </a:solidFill>
+                <a:latin typeface="+mn-lt"/>
+                <a:ea typeface="+mn-ea"/>
+                <a:cs typeface="+mn-cs"/>
+              </a:defRPr>
+            </a:lvl9pPr>
+          </a:lstStyle>
+          <a:p>
+            <a:pPr marL="342900" indent="-342900">
+              <a:buFont typeface=".AppleSystemUIFont" charset="-120"/>
+              <a:buChar char="-"/>
+            </a:pPr>
+            <a:r>
+              <a:rPr lang="de-DE" dirty="0"/>
+              <a:t>Live-Vorschau mit </a:t>
+            </a:r>
+            <a:r>
+              <a:rPr lang="de-DE" dirty="0" err="1" smtClean="0"/>
+              <a:t>LaTeX</a:t>
+            </a:r>
+            <a:r>
+              <a:rPr lang="de-DE" dirty="0" smtClean="0"/>
+              <a:t>-Umsetzung</a:t>
+            </a:r>
+          </a:p>
+          <a:p>
+            <a:pPr marL="342900" indent="-342900">
+              <a:buFont typeface=".AppleSystemUIFont" charset="-120"/>
+              <a:buChar char="-"/>
+            </a:pPr>
+            <a:r>
+              <a:rPr lang="de-DE" dirty="0" smtClean="0"/>
+              <a:t>GUIs </a:t>
+            </a:r>
+            <a:r>
+              <a:rPr lang="de-DE" dirty="0"/>
+              <a:t>für</a:t>
+            </a:r>
+          </a:p>
+          <a:p>
+            <a:pPr marL="631825" lvl="3" indent="-342900">
+              <a:buFont typeface="Wingdings" charset="2"/>
+              <a:buChar char="§"/>
+            </a:pPr>
+            <a:r>
+              <a:rPr lang="de-DE" dirty="0" err="1"/>
+              <a:t>Markdown</a:t>
+            </a:r>
+            <a:r>
+              <a:rPr lang="de-DE" dirty="0"/>
+              <a:t>-Syntax</a:t>
+            </a:r>
+          </a:p>
+          <a:p>
+            <a:pPr marL="631825" lvl="3" indent="-342900">
+              <a:buFont typeface="Wingdings" charset="2"/>
+              <a:buChar char="§"/>
+            </a:pPr>
+            <a:r>
+              <a:rPr lang="de-DE" dirty="0"/>
+              <a:t>Anlegen eines neuen </a:t>
+            </a:r>
+            <a:r>
+              <a:rPr lang="de-DE" dirty="0" smtClean="0"/>
+              <a:t>Projekts</a:t>
+            </a:r>
+          </a:p>
+          <a:p>
+            <a:pPr marL="631825" lvl="3" indent="-342900">
+              <a:buFont typeface="Wingdings" charset="2"/>
+              <a:buChar char="§"/>
+            </a:pPr>
+            <a:r>
+              <a:rPr lang="de-DE" dirty="0" smtClean="0"/>
+              <a:t>Bearbeiten der Metadaten</a:t>
+            </a:r>
+            <a:endParaRPr lang="de-DE" dirty="0"/>
+          </a:p>
+          <a:p>
+            <a:pPr marL="631825" lvl="3" indent="-342900">
+              <a:buFont typeface="Wingdings" charset="2"/>
+              <a:buChar char="§"/>
+            </a:pPr>
+            <a:r>
+              <a:rPr lang="de-DE" dirty="0"/>
+              <a:t>Einfügen von Links</a:t>
+            </a:r>
+          </a:p>
+          <a:p>
+            <a:pPr marL="631825" lvl="3" indent="-342900">
+              <a:buFont typeface="Wingdings" charset="2"/>
+              <a:buChar char="§"/>
+            </a:pPr>
+            <a:r>
+              <a:rPr lang="de-DE" dirty="0"/>
+              <a:t>Einfügen von Bildern</a:t>
+            </a:r>
+          </a:p>
+          <a:p>
+            <a:pPr marL="631825" lvl="3" indent="-342900">
+              <a:buFont typeface="Wingdings" charset="2"/>
+              <a:buChar char="§"/>
+            </a:pPr>
+            <a:r>
+              <a:rPr lang="de-DE" dirty="0"/>
+              <a:t>Einfügen von Tabellen</a:t>
+            </a:r>
+          </a:p>
+          <a:p>
+            <a:pPr marL="631825" lvl="3" indent="-342900">
+              <a:buFont typeface="Wingdings" charset="2"/>
+              <a:buChar char="§"/>
+            </a:pPr>
+            <a:r>
+              <a:rPr lang="de-DE" dirty="0" err="1"/>
+              <a:t>git</a:t>
+            </a:r>
+            <a:r>
+              <a:rPr lang="de-DE" dirty="0"/>
+              <a:t> </a:t>
+            </a:r>
+            <a:r>
+              <a:rPr lang="de-DE" dirty="0" err="1"/>
+              <a:t>commit</a:t>
+            </a:r>
+            <a:r>
+              <a:rPr lang="de-DE" dirty="0"/>
+              <a:t> </a:t>
+            </a:r>
+            <a:r>
+              <a:rPr lang="de-DE" dirty="0" smtClean="0"/>
+              <a:t>Nachrichten</a:t>
+            </a:r>
+          </a:p>
+          <a:p>
+            <a:pPr marL="342900" lvl="2" indent="-342900">
+              <a:buFont typeface=".AppleSystemUIFont" charset="-120"/>
+              <a:buChar char="-"/>
+            </a:pPr>
+            <a:r>
+              <a:rPr lang="de-DE" sz="2000" dirty="0" err="1"/>
+              <a:t>g</a:t>
+            </a:r>
+            <a:r>
+              <a:rPr lang="de-DE" sz="2000" dirty="0" err="1" smtClean="0"/>
+              <a:t>it</a:t>
+            </a:r>
+            <a:r>
+              <a:rPr lang="de-DE" sz="2000" dirty="0" smtClean="0"/>
+              <a:t>-Integration</a:t>
+            </a:r>
+          </a:p>
+          <a:p>
+            <a:pPr marL="342900" indent="-342900">
+              <a:buFont typeface=".AppleSystemUIFont" charset="-120"/>
+              <a:buChar char="-"/>
+            </a:pPr>
+            <a:r>
+              <a:rPr lang="de-DE" dirty="0" smtClean="0"/>
+              <a:t>Unterstützung in der Ausführung einzelner Arbeitsschritte</a:t>
+            </a:r>
+          </a:p>
+        </p:txBody>
+      </p:sp>
+    </p:spTree>
+    <p:extLst>
+      <p:ext uri="{BB962C8B-B14F-4D97-AF65-F5344CB8AC3E}">
+        <p14:creationId xmlns:p14="http://schemas.microsoft.com/office/powerpoint/2010/main" val="1782800565"/>
       </p:ext>
     </p:extLst>
   </p:cSld>
@@ -6710,7 +7590,7 @@
         </p:nvSpPr>
         <p:spPr>
           <a:xfrm>
-            <a:off x="0" y="836712"/>
+            <a:off x="0" y="764704"/>
             <a:ext cx="9144000" cy="288032"/>
           </a:xfrm>
           <a:prstGeom prst="rect">
@@ -7282,7 +8162,7 @@
         </p:nvSpPr>
         <p:spPr>
           <a:xfrm>
-            <a:off x="0" y="836712"/>
+            <a:off x="0" y="764704"/>
             <a:ext cx="9144000" cy="288032"/>
           </a:xfrm>
         </p:spPr>
@@ -7735,7 +8615,7 @@
         </p:nvSpPr>
         <p:spPr>
           <a:xfrm>
-            <a:off x="0" y="836712"/>
+            <a:off x="0" y="764704"/>
             <a:ext cx="9144000" cy="288032"/>
           </a:xfrm>
         </p:spPr>
@@ -7990,7 +8870,7 @@
         </p:nvSpPr>
         <p:spPr>
           <a:xfrm>
-            <a:off x="0" y="836712"/>
+            <a:off x="0" y="764704"/>
             <a:ext cx="9144000" cy="288032"/>
           </a:xfrm>
         </p:spPr>
@@ -8275,7 +9155,7 @@
         </p:nvSpPr>
         <p:spPr>
           <a:xfrm>
-            <a:off x="0" y="836712"/>
+            <a:off x="0" y="764704"/>
             <a:ext cx="9144000" cy="288032"/>
           </a:xfrm>
         </p:spPr>

--- a/presentation.pptx
+++ b/presentation.pptx
@@ -5,10 +5,10 @@
     <p:sldMasterId id="2147483648" r:id="rId1"/>
   </p:sldMasterIdLst>
   <p:notesMasterIdLst>
-    <p:notesMasterId r:id="rId13"/>
+    <p:notesMasterId r:id="rId17"/>
   </p:notesMasterIdLst>
   <p:handoutMasterIdLst>
-    <p:handoutMasterId r:id="rId14"/>
+    <p:handoutMasterId r:id="rId18"/>
   </p:handoutMasterIdLst>
   <p:sldIdLst>
     <p:sldId id="259" r:id="rId2"/>
@@ -22,6 +22,10 @@
     <p:sldId id="267" r:id="rId10"/>
     <p:sldId id="268" r:id="rId11"/>
     <p:sldId id="269" r:id="rId12"/>
+    <p:sldId id="270" r:id="rId13"/>
+    <p:sldId id="271" r:id="rId14"/>
+    <p:sldId id="272" r:id="rId15"/>
+    <p:sldId id="273" r:id="rId16"/>
   </p:sldIdLst>
   <p:sldSz cx="9144000" cy="6858000" type="screen4x3"/>
   <p:notesSz cx="6858000" cy="9144000"/>
@@ -904,6 +908,224 @@
 </p:notes>
 </file>
 
+<file path=ppt/notesSlides/notesSlide10.xml><?xml version="1.0" encoding="utf-8"?>
+<p:notes xmlns:a="http://schemas.openxmlformats.org/drawingml/2006/main" xmlns:r="http://schemas.openxmlformats.org/officeDocument/2006/relationships" xmlns:p="http://schemas.openxmlformats.org/presentationml/2006/main">
+  <p:cSld>
+    <p:spTree>
+      <p:nvGrpSpPr>
+        <p:cNvPr id="1" name=""/>
+        <p:cNvGrpSpPr/>
+        <p:nvPr/>
+      </p:nvGrpSpPr>
+      <p:grpSpPr>
+        <a:xfrm>
+          <a:off x="0" y="0"/>
+          <a:ext cx="0" cy="0"/>
+          <a:chOff x="0" y="0"/>
+          <a:chExt cx="0" cy="0"/>
+        </a:xfrm>
+      </p:grpSpPr>
+      <p:sp>
+        <p:nvSpPr>
+          <p:cNvPr id="2" name="Folienbildplatzhalter 1"/>
+          <p:cNvSpPr>
+            <a:spLocks noGrp="1" noRot="1" noChangeAspect="1"/>
+          </p:cNvSpPr>
+          <p:nvPr>
+            <p:ph type="sldImg"/>
+          </p:nvPr>
+        </p:nvSpPr>
+        <p:spPr/>
+      </p:sp>
+      <p:sp>
+        <p:nvSpPr>
+          <p:cNvPr id="3" name="Notizenplatzhalter 2"/>
+          <p:cNvSpPr>
+            <a:spLocks noGrp="1"/>
+          </p:cNvSpPr>
+          <p:nvPr>
+            <p:ph type="body" idx="1"/>
+          </p:nvPr>
+        </p:nvSpPr>
+        <p:spPr/>
+        <p:txBody>
+          <a:bodyPr/>
+          <a:lstStyle/>
+          <a:p>
+            <a:endParaRPr lang="de-DE" baseline="0" dirty="0" smtClean="0"/>
+          </a:p>
+        </p:txBody>
+      </p:sp>
+      <p:sp>
+        <p:nvSpPr>
+          <p:cNvPr id="4" name="Foliennummernplatzhalter 3"/>
+          <p:cNvSpPr>
+            <a:spLocks noGrp="1"/>
+          </p:cNvSpPr>
+          <p:nvPr>
+            <p:ph type="sldNum" sz="quarter" idx="10"/>
+          </p:nvPr>
+        </p:nvSpPr>
+        <p:spPr/>
+        <p:txBody>
+          <a:bodyPr/>
+          <a:lstStyle/>
+          <a:p>
+            <a:fld id="{97667336-ABAD-4032-8A72-A57DA0F2B670}" type="slidenum">
+              <a:rPr lang="de-LU" smtClean="0"/>
+              <a:t>14</a:t>
+            </a:fld>
+            <a:endParaRPr lang="de-LU"/>
+          </a:p>
+        </p:txBody>
+      </p:sp>
+    </p:spTree>
+    <p:extLst>
+      <p:ext uri="{BB962C8B-B14F-4D97-AF65-F5344CB8AC3E}">
+        <p14:creationId xmlns:p14="http://schemas.microsoft.com/office/powerpoint/2010/main" val="1169706215"/>
+      </p:ext>
+    </p:extLst>
+  </p:cSld>
+  <p:clrMapOvr>
+    <a:masterClrMapping/>
+  </p:clrMapOvr>
+</p:notes>
+</file>
+
+<file path=ppt/notesSlides/notesSlide11.xml><?xml version="1.0" encoding="utf-8"?>
+<p:notes xmlns:a="http://schemas.openxmlformats.org/drawingml/2006/main" xmlns:r="http://schemas.openxmlformats.org/officeDocument/2006/relationships" xmlns:p="http://schemas.openxmlformats.org/presentationml/2006/main">
+  <p:cSld>
+    <p:spTree>
+      <p:nvGrpSpPr>
+        <p:cNvPr id="1" name=""/>
+        <p:cNvGrpSpPr/>
+        <p:nvPr/>
+      </p:nvGrpSpPr>
+      <p:grpSpPr>
+        <a:xfrm>
+          <a:off x="0" y="0"/>
+          <a:ext cx="0" cy="0"/>
+          <a:chOff x="0" y="0"/>
+          <a:chExt cx="0" cy="0"/>
+        </a:xfrm>
+      </p:grpSpPr>
+      <p:sp>
+        <p:nvSpPr>
+          <p:cNvPr id="2" name="Folienbildplatzhalter 1"/>
+          <p:cNvSpPr>
+            <a:spLocks noGrp="1" noRot="1" noChangeAspect="1"/>
+          </p:cNvSpPr>
+          <p:nvPr>
+            <p:ph type="sldImg"/>
+          </p:nvPr>
+        </p:nvSpPr>
+        <p:spPr/>
+      </p:sp>
+      <p:sp>
+        <p:nvSpPr>
+          <p:cNvPr id="3" name="Notizenplatzhalter 2"/>
+          <p:cNvSpPr>
+            <a:spLocks noGrp="1"/>
+          </p:cNvSpPr>
+          <p:nvPr>
+            <p:ph type="body" idx="1"/>
+          </p:nvPr>
+        </p:nvSpPr>
+        <p:spPr/>
+        <p:txBody>
+          <a:bodyPr/>
+          <a:lstStyle/>
+          <a:p>
+            <a:r>
+              <a:rPr lang="de-DE" dirty="0" err="1" smtClean="0"/>
+              <a:t>DialogView</a:t>
+            </a:r>
+            <a:r>
+              <a:rPr lang="de-DE" dirty="0" smtClean="0"/>
+              <a:t>: Wrapper für neue Dialoge</a:t>
+            </a:r>
+            <a:endParaRPr lang="de-DE" baseline="0" dirty="0" smtClean="0"/>
+          </a:p>
+          <a:p>
+            <a:r>
+              <a:rPr lang="de-DE" baseline="0" dirty="0" smtClean="0"/>
+              <a:t>Oberflächenelemente können mit einfachen Funktionen aus </a:t>
+            </a:r>
+            <a:r>
+              <a:rPr lang="de-DE" baseline="0" dirty="0" err="1" smtClean="0"/>
+              <a:t>ViewManager</a:t>
+            </a:r>
+            <a:r>
+              <a:rPr lang="de-DE" baseline="0" dirty="0" smtClean="0"/>
+              <a:t> eingefügt und angepasst werden</a:t>
+            </a:r>
+          </a:p>
+          <a:p>
+            <a:r>
+              <a:rPr lang="de-DE" baseline="0" dirty="0" smtClean="0"/>
+              <a:t>Sprachunterstützung: Bisher Deutsch und Englisch</a:t>
+            </a:r>
+          </a:p>
+          <a:p>
+            <a:r>
+              <a:rPr lang="de-DE" baseline="0" dirty="0" smtClean="0"/>
+              <a:t>Keine Textelemente wurden „</a:t>
+            </a:r>
+            <a:r>
+              <a:rPr lang="de-DE" baseline="0" dirty="0" err="1" smtClean="0"/>
+              <a:t>hardgecoded</a:t>
+            </a:r>
+            <a:r>
+              <a:rPr lang="de-DE" baseline="0" dirty="0" smtClean="0"/>
+              <a:t>“, d.h. es handelt sich um Variablen in </a:t>
+            </a:r>
+            <a:r>
+              <a:rPr lang="de-DE" baseline="0" smtClean="0"/>
+              <a:t>den Dialogen und Hinweisen, </a:t>
+            </a:r>
+            <a:r>
+              <a:rPr lang="de-DE" baseline="0" dirty="0" smtClean="0"/>
+              <a:t>nicht um feste Strings</a:t>
+            </a:r>
+          </a:p>
+        </p:txBody>
+      </p:sp>
+      <p:sp>
+        <p:nvSpPr>
+          <p:cNvPr id="4" name="Foliennummernplatzhalter 3"/>
+          <p:cNvSpPr>
+            <a:spLocks noGrp="1"/>
+          </p:cNvSpPr>
+          <p:nvPr>
+            <p:ph type="sldNum" sz="quarter" idx="10"/>
+          </p:nvPr>
+        </p:nvSpPr>
+        <p:spPr/>
+        <p:txBody>
+          <a:bodyPr/>
+          <a:lstStyle/>
+          <a:p>
+            <a:fld id="{97667336-ABAD-4032-8A72-A57DA0F2B670}" type="slidenum">
+              <a:rPr lang="de-LU" smtClean="0"/>
+              <a:t>15</a:t>
+            </a:fld>
+            <a:endParaRPr lang="de-LU"/>
+          </a:p>
+        </p:txBody>
+      </p:sp>
+    </p:spTree>
+    <p:extLst>
+      <p:ext uri="{BB962C8B-B14F-4D97-AF65-F5344CB8AC3E}">
+        <p14:creationId xmlns:p14="http://schemas.microsoft.com/office/powerpoint/2010/main" val="1031904754"/>
+      </p:ext>
+    </p:extLst>
+  </p:cSld>
+  <p:clrMapOvr>
+    <a:masterClrMapping/>
+  </p:clrMapOvr>
+</p:notes>
+</file>
+
 <file path=ppt/notesSlides/notesSlide2.xml><?xml version="1.0" encoding="utf-8"?>
 <p:notes xmlns:a="http://schemas.openxmlformats.org/drawingml/2006/main" xmlns:r="http://schemas.openxmlformats.org/officeDocument/2006/relationships" xmlns:p="http://schemas.openxmlformats.org/presentationml/2006/main">
   <p:cSld>
@@ -2200,6 +2422,40 @@
             </a:pPr>
             <a:endParaRPr lang="de-DE" baseline="0" dirty="0" smtClean="0"/>
           </a:p>
+          <a:p>
+            <a:pPr marL="0" indent="0">
+              <a:buFontTx/>
+              <a:buNone/>
+            </a:pPr>
+            <a:r>
+              <a:rPr lang="de-DE" baseline="0" dirty="0" smtClean="0"/>
+              <a:t>Fantastischer Support:</a:t>
+            </a:r>
+          </a:p>
+          <a:p>
+            <a:pPr marL="171450" indent="-171450">
+              <a:buFontTx/>
+              <a:buChar char="-"/>
+            </a:pPr>
+            <a:r>
+              <a:rPr lang="de-DE" baseline="0" dirty="0" smtClean="0"/>
+              <a:t>Geile Community</a:t>
+            </a:r>
+          </a:p>
+          <a:p>
+            <a:pPr marL="171450" indent="-171450">
+              <a:buFontTx/>
+              <a:buChar char="-"/>
+            </a:pPr>
+            <a:r>
+              <a:rPr lang="de-DE" baseline="0" dirty="0" err="1" smtClean="0"/>
+              <a:t>Rüsch</a:t>
+            </a:r>
+            <a:r>
+              <a:rPr lang="de-DE" baseline="0" dirty="0" smtClean="0"/>
+              <a:t> gute Doku</a:t>
+            </a:r>
+          </a:p>
         </p:txBody>
       </p:sp>
       <p:sp>
@@ -2492,13 +2748,8 @@
             </a:pPr>
             <a:r>
               <a:rPr lang="de-DE" baseline="0" dirty="0" smtClean="0"/>
-              <a:t>An bestimmten Stellen wird im Hintergrund gespeichert, bevor </a:t>
-            </a:r>
-            <a:r>
-              <a:rPr lang="de-DE" baseline="0" smtClean="0"/>
-              <a:t>die gewünschte Funktion ausgeführt wird</a:t>
-            </a:r>
-            <a:endParaRPr lang="de-DE" baseline="0" dirty="0" smtClean="0"/>
+              <a:t>An bestimmten Stellen wird im Hintergrund gespeichert, bevor die gewünschte Funktion ausgeführt wird</a:t>
+            </a:r>
           </a:p>
         </p:txBody>
       </p:sp>
@@ -2529,6 +2780,409 @@
     <p:extLst>
       <p:ext uri="{BB962C8B-B14F-4D97-AF65-F5344CB8AC3E}">
         <p14:creationId xmlns:p14="http://schemas.microsoft.com/office/powerpoint/2010/main" val="1837253011"/>
+      </p:ext>
+    </p:extLst>
+  </p:cSld>
+  <p:clrMapOvr>
+    <a:masterClrMapping/>
+  </p:clrMapOvr>
+</p:notes>
+</file>
+
+<file path=ppt/notesSlides/notesSlide8.xml><?xml version="1.0" encoding="utf-8"?>
+<p:notes xmlns:a="http://schemas.openxmlformats.org/drawingml/2006/main" xmlns:r="http://schemas.openxmlformats.org/officeDocument/2006/relationships" xmlns:p="http://schemas.openxmlformats.org/presentationml/2006/main">
+  <p:cSld>
+    <p:spTree>
+      <p:nvGrpSpPr>
+        <p:cNvPr id="1" name=""/>
+        <p:cNvGrpSpPr/>
+        <p:nvPr/>
+      </p:nvGrpSpPr>
+      <p:grpSpPr>
+        <a:xfrm>
+          <a:off x="0" y="0"/>
+          <a:ext cx="0" cy="0"/>
+          <a:chOff x="0" y="0"/>
+          <a:chExt cx="0" cy="0"/>
+        </a:xfrm>
+      </p:grpSpPr>
+      <p:sp>
+        <p:nvSpPr>
+          <p:cNvPr id="2" name="Folienbildplatzhalter 1"/>
+          <p:cNvSpPr>
+            <a:spLocks noGrp="1" noRot="1" noChangeAspect="1"/>
+          </p:cNvSpPr>
+          <p:nvPr>
+            <p:ph type="sldImg"/>
+          </p:nvPr>
+        </p:nvSpPr>
+        <p:spPr/>
+      </p:sp>
+      <p:sp>
+        <p:nvSpPr>
+          <p:cNvPr id="3" name="Notizenplatzhalter 2"/>
+          <p:cNvSpPr>
+            <a:spLocks noGrp="1"/>
+          </p:cNvSpPr>
+          <p:nvPr>
+            <p:ph type="body" idx="1"/>
+          </p:nvPr>
+        </p:nvSpPr>
+        <p:spPr/>
+        <p:txBody>
+          <a:bodyPr/>
+          <a:lstStyle/>
+          <a:p>
+            <a:pPr marL="0" indent="0">
+              <a:buFontTx/>
+              <a:buNone/>
+            </a:pPr>
+            <a:r>
+              <a:rPr lang="de-DE" baseline="0" dirty="0" smtClean="0"/>
+              <a:t>GIT</a:t>
+            </a:r>
+          </a:p>
+          <a:p>
+            <a:pPr marL="171450" indent="-171450">
+              <a:buFontTx/>
+              <a:buChar char="-"/>
+            </a:pPr>
+            <a:r>
+              <a:rPr lang="de-DE" baseline="0" dirty="0" smtClean="0"/>
+              <a:t>In Einstellungen des </a:t>
+            </a:r>
+            <a:r>
+              <a:rPr lang="de-DE" baseline="0" dirty="0" err="1" smtClean="0"/>
+              <a:t>Plugins</a:t>
+            </a:r>
+            <a:r>
+              <a:rPr lang="de-DE" baseline="0" dirty="0" smtClean="0"/>
+              <a:t> kann die Integration deaktiviert werden, ansonsten:</a:t>
+            </a:r>
+          </a:p>
+          <a:p>
+            <a:pPr marL="171450" indent="-171450">
+              <a:buFontTx/>
+              <a:buChar char="-"/>
+            </a:pPr>
+            <a:r>
+              <a:rPr lang="de-DE" baseline="0" dirty="0" smtClean="0"/>
+              <a:t>Beim Speichern wird an das Committen erinnert</a:t>
+            </a:r>
+          </a:p>
+          <a:p>
+            <a:pPr marL="171450" indent="-171450">
+              <a:buFontTx/>
+              <a:buChar char="-"/>
+            </a:pPr>
+            <a:endParaRPr lang="de-DE" baseline="0" dirty="0" smtClean="0"/>
+          </a:p>
+          <a:p>
+            <a:pPr marL="0" indent="0">
+              <a:buFontTx/>
+              <a:buNone/>
+            </a:pPr>
+            <a:r>
+              <a:rPr lang="de-DE" baseline="0" dirty="0" smtClean="0"/>
+              <a:t>Live-Vorschau:</a:t>
+            </a:r>
+          </a:p>
+          <a:p>
+            <a:pPr marL="171450" indent="-171450">
+              <a:buFontTx/>
+              <a:buChar char="-"/>
+            </a:pPr>
+            <a:r>
+              <a:rPr lang="de-DE" baseline="0" dirty="0" smtClean="0"/>
+              <a:t>Man kann sofort sehen was passiert</a:t>
+            </a:r>
+          </a:p>
+          <a:p>
+            <a:pPr marL="171450" indent="-171450">
+              <a:buFontTx/>
+              <a:buChar char="-"/>
+            </a:pPr>
+            <a:r>
+              <a:rPr lang="de-DE" baseline="0" dirty="0" smtClean="0"/>
+              <a:t>Latex </a:t>
+            </a:r>
+            <a:r>
+              <a:rPr lang="de-DE" baseline="0" dirty="0" err="1" smtClean="0"/>
+              <a:t>Formeluntersützung</a:t>
+            </a:r>
+            <a:endParaRPr lang="de-DE" baseline="0" dirty="0" smtClean="0"/>
+          </a:p>
+          <a:p>
+            <a:pPr marL="171450" indent="-171450">
+              <a:buFontTx/>
+              <a:buChar char="-"/>
+            </a:pPr>
+            <a:endParaRPr lang="de-DE" baseline="0" dirty="0" smtClean="0"/>
+          </a:p>
+          <a:p>
+            <a:pPr marL="171450" indent="-171450">
+              <a:buFontTx/>
+              <a:buChar char="-"/>
+            </a:pPr>
+            <a:endParaRPr lang="de-DE" baseline="0" dirty="0" smtClean="0"/>
+          </a:p>
+          <a:p>
+            <a:pPr marL="0" indent="0">
+              <a:buFontTx/>
+              <a:buNone/>
+            </a:pPr>
+            <a:r>
+              <a:rPr lang="de-DE" baseline="0" dirty="0" smtClean="0"/>
+              <a:t>Shortcuts für erfahrene Benutzer</a:t>
+            </a:r>
+          </a:p>
+          <a:p>
+            <a:pPr marL="171450" indent="-171450">
+              <a:buFontTx/>
+              <a:buChar char="-"/>
+            </a:pPr>
+            <a:r>
+              <a:rPr lang="de-DE" baseline="0" dirty="0" smtClean="0"/>
+              <a:t>Jede Funktion kann über einen Tastaturkurzbefehl aufgerufen werden</a:t>
+            </a:r>
+          </a:p>
+          <a:p>
+            <a:pPr marL="171450" indent="-171450">
+              <a:buFontTx/>
+              <a:buChar char="-"/>
+            </a:pPr>
+            <a:endParaRPr lang="de-DE" baseline="0" dirty="0" smtClean="0"/>
+          </a:p>
+          <a:p>
+            <a:pPr marL="0" indent="0">
+              <a:buFontTx/>
+              <a:buNone/>
+            </a:pPr>
+            <a:r>
+              <a:rPr lang="de-DE" baseline="0" dirty="0" smtClean="0"/>
+              <a:t>Unterstützung in der Ausführung einzelner Arbeitsschritte</a:t>
+            </a:r>
+          </a:p>
+          <a:p>
+            <a:pPr marL="171450" indent="-171450">
+              <a:buFontTx/>
+              <a:buChar char="-"/>
+            </a:pPr>
+            <a:r>
+              <a:rPr lang="de-DE" baseline="0" dirty="0" smtClean="0"/>
+              <a:t>Commit Abfrage beim Speichern</a:t>
+            </a:r>
+          </a:p>
+          <a:p>
+            <a:pPr marL="171450" indent="-171450">
+              <a:buFontTx/>
+              <a:buChar char="-"/>
+            </a:pPr>
+            <a:r>
+              <a:rPr lang="de-DE" baseline="0" dirty="0" smtClean="0"/>
+              <a:t>beim Speichern wird überprüft mit </a:t>
+            </a:r>
+            <a:r>
+              <a:rPr lang="de-DE" baseline="0" dirty="0" err="1" smtClean="0"/>
+              <a:t>mistkerl</a:t>
+            </a:r>
+            <a:endParaRPr lang="de-DE" baseline="0" dirty="0" smtClean="0"/>
+          </a:p>
+          <a:p>
+            <a:pPr marL="171450" indent="-171450">
+              <a:buFontTx/>
+              <a:buChar char="-"/>
+            </a:pPr>
+            <a:r>
+              <a:rPr lang="de-DE" baseline="0" dirty="0" smtClean="0"/>
+              <a:t>An bestimmten Stellen wird im Hintergrund gespeichert, bevor die gewünschte Funktion ausgeführt wird</a:t>
+            </a:r>
+          </a:p>
+        </p:txBody>
+      </p:sp>
+      <p:sp>
+        <p:nvSpPr>
+          <p:cNvPr id="4" name="Foliennummernplatzhalter 3"/>
+          <p:cNvSpPr>
+            <a:spLocks noGrp="1"/>
+          </p:cNvSpPr>
+          <p:nvPr>
+            <p:ph type="sldNum" sz="quarter" idx="10"/>
+          </p:nvPr>
+        </p:nvSpPr>
+        <p:spPr/>
+        <p:txBody>
+          <a:bodyPr/>
+          <a:lstStyle/>
+          <a:p>
+            <a:fld id="{97667336-ABAD-4032-8A72-A57DA0F2B670}" type="slidenum">
+              <a:rPr lang="de-LU" smtClean="0"/>
+              <a:t>12</a:t>
+            </a:fld>
+            <a:endParaRPr lang="de-LU"/>
+          </a:p>
+        </p:txBody>
+      </p:sp>
+    </p:spTree>
+    <p:extLst>
+      <p:ext uri="{BB962C8B-B14F-4D97-AF65-F5344CB8AC3E}">
+        <p14:creationId xmlns:p14="http://schemas.microsoft.com/office/powerpoint/2010/main" val="1772520538"/>
+      </p:ext>
+    </p:extLst>
+  </p:cSld>
+  <p:clrMapOvr>
+    <a:masterClrMapping/>
+  </p:clrMapOvr>
+</p:notes>
+</file>
+
+<file path=ppt/notesSlides/notesSlide9.xml><?xml version="1.0" encoding="utf-8"?>
+<p:notes xmlns:a="http://schemas.openxmlformats.org/drawingml/2006/main" xmlns:r="http://schemas.openxmlformats.org/officeDocument/2006/relationships" xmlns:p="http://schemas.openxmlformats.org/presentationml/2006/main">
+  <p:cSld>
+    <p:spTree>
+      <p:nvGrpSpPr>
+        <p:cNvPr id="1" name=""/>
+        <p:cNvGrpSpPr/>
+        <p:nvPr/>
+      </p:nvGrpSpPr>
+      <p:grpSpPr>
+        <a:xfrm>
+          <a:off x="0" y="0"/>
+          <a:ext cx="0" cy="0"/>
+          <a:chOff x="0" y="0"/>
+          <a:chExt cx="0" cy="0"/>
+        </a:xfrm>
+      </p:grpSpPr>
+      <p:sp>
+        <p:nvSpPr>
+          <p:cNvPr id="2" name="Folienbildplatzhalter 1"/>
+          <p:cNvSpPr>
+            <a:spLocks noGrp="1" noRot="1" noChangeAspect="1"/>
+          </p:cNvSpPr>
+          <p:nvPr>
+            <p:ph type="sldImg"/>
+          </p:nvPr>
+        </p:nvSpPr>
+        <p:spPr/>
+      </p:sp>
+      <p:sp>
+        <p:nvSpPr>
+          <p:cNvPr id="3" name="Notizenplatzhalter 2"/>
+          <p:cNvSpPr>
+            <a:spLocks noGrp="1"/>
+          </p:cNvSpPr>
+          <p:nvPr>
+            <p:ph type="body" idx="1"/>
+          </p:nvPr>
+        </p:nvSpPr>
+        <p:spPr/>
+        <p:txBody>
+          <a:bodyPr/>
+          <a:lstStyle/>
+          <a:p>
+            <a:r>
+              <a:rPr lang="de-DE" dirty="0" smtClean="0"/>
+              <a:t>GUIs:</a:t>
+            </a:r>
+            <a:endParaRPr lang="de-DE" dirty="0"/>
+          </a:p>
+          <a:p>
+            <a:pPr marL="171450" indent="-171450">
+              <a:buFontTx/>
+              <a:buChar char="-"/>
+            </a:pPr>
+            <a:r>
+              <a:rPr lang="de-DE" baseline="0" dirty="0" smtClean="0"/>
+              <a:t>Dialoge mit Textfeldern und eindeutigen Hinweisen</a:t>
+            </a:r>
+          </a:p>
+          <a:p>
+            <a:pPr marL="171450" indent="-171450">
+              <a:buFontTx/>
+              <a:buChar char="-"/>
+            </a:pPr>
+            <a:r>
+              <a:rPr lang="de-DE" dirty="0" smtClean="0"/>
+              <a:t>Bilder:</a:t>
+            </a:r>
+            <a:r>
+              <a:rPr lang="de-DE" baseline="0" dirty="0" smtClean="0"/>
+              <a:t> </a:t>
+            </a:r>
+            <a:r>
+              <a:rPr lang="de-DE" baseline="0" dirty="0" err="1" smtClean="0"/>
+              <a:t>matuc</a:t>
+            </a:r>
+            <a:r>
+              <a:rPr lang="de-DE" baseline="0" dirty="0" smtClean="0"/>
+              <a:t> </a:t>
+            </a:r>
+            <a:r>
+              <a:rPr lang="de-DE" baseline="0" dirty="0" err="1" smtClean="0"/>
+              <a:t>imgdsc</a:t>
+            </a:r>
+            <a:r>
+              <a:rPr lang="de-DE" baseline="0" dirty="0" smtClean="0"/>
+              <a:t> wird aufgerufen, es wird programmatisch entschieden, ob Bildbeschreibungen ausgelagert werden</a:t>
+            </a:r>
+          </a:p>
+          <a:p>
+            <a:pPr marL="171450" indent="-171450">
+              <a:buFontTx/>
+              <a:buChar char="-"/>
+            </a:pPr>
+            <a:r>
+              <a:rPr lang="de-DE" baseline="0" dirty="0" smtClean="0"/>
+              <a:t>Tabellen: verschiedene </a:t>
+            </a:r>
+            <a:r>
+              <a:rPr lang="de-DE" baseline="0" dirty="0" err="1" smtClean="0"/>
+              <a:t>Markdown</a:t>
+            </a:r>
+            <a:r>
+              <a:rPr lang="de-DE" baseline="0" dirty="0" smtClean="0"/>
+              <a:t> Tabellentypen werden angeboten, nicht alle von Live-Preview unterstützt (siehe Ausblick)</a:t>
+            </a:r>
+          </a:p>
+          <a:p>
+            <a:pPr marL="171450" indent="-171450">
+              <a:buFontTx/>
+              <a:buChar char="-"/>
+            </a:pPr>
+            <a:r>
+              <a:rPr lang="de-DE" baseline="0" dirty="0" smtClean="0"/>
+              <a:t>CSV Import von Tabellen möglich</a:t>
+            </a:r>
+          </a:p>
+        </p:txBody>
+      </p:sp>
+      <p:sp>
+        <p:nvSpPr>
+          <p:cNvPr id="4" name="Foliennummernplatzhalter 3"/>
+          <p:cNvSpPr>
+            <a:spLocks noGrp="1"/>
+          </p:cNvSpPr>
+          <p:nvPr>
+            <p:ph type="sldNum" sz="quarter" idx="10"/>
+          </p:nvPr>
+        </p:nvSpPr>
+        <p:spPr/>
+        <p:txBody>
+          <a:bodyPr/>
+          <a:lstStyle/>
+          <a:p>
+            <a:fld id="{97667336-ABAD-4032-8A72-A57DA0F2B670}" type="slidenum">
+              <a:rPr lang="de-LU" smtClean="0"/>
+              <a:t>13</a:t>
+            </a:fld>
+            <a:endParaRPr lang="de-LU"/>
+          </a:p>
+        </p:txBody>
+      </p:sp>
+    </p:spTree>
+    <p:extLst>
+      <p:ext uri="{BB962C8B-B14F-4D97-AF65-F5344CB8AC3E}">
+        <p14:creationId xmlns:p14="http://schemas.microsoft.com/office/powerpoint/2010/main" val="518083529"/>
       </p:ext>
     </p:extLst>
   </p:cSld>
@@ -6710,7 +7364,7 @@
         </p:nvSpPr>
         <p:spPr>
           <a:xfrm>
-            <a:off x="2123728" y="1691516"/>
+            <a:off x="2051720" y="1691516"/>
             <a:ext cx="1510542" cy="369332"/>
           </a:xfrm>
           <a:prstGeom prst="rect">
@@ -6820,7 +7474,7 @@
         </p:nvSpPr>
         <p:spPr>
           <a:xfrm>
-            <a:off x="3634270" y="5517232"/>
+            <a:off x="5344418" y="5257706"/>
             <a:ext cx="2268826" cy="369332"/>
           </a:xfrm>
           <a:prstGeom prst="rect">
@@ -6837,36 +7491,6 @@
             <a:r>
               <a:rPr lang="de-DE" dirty="0" smtClean="0"/>
               <a:t>Package-Einstellungen</a:t>
-            </a:r>
-            <a:endParaRPr lang="de-DE" dirty="0"/>
-          </a:p>
-        </p:txBody>
-      </p:sp>
-      <p:sp>
-        <p:nvSpPr>
-          <p:cNvPr id="14" name="Textfeld 13"/>
-          <p:cNvSpPr txBox="1"/>
-          <p:nvPr/>
-        </p:nvSpPr>
-        <p:spPr>
-          <a:xfrm>
-            <a:off x="399820" y="2564904"/>
-            <a:ext cx="1999137" cy="369332"/>
-          </a:xfrm>
-          <a:prstGeom prst="rect">
-            <a:avLst/>
-          </a:prstGeom>
-          <a:noFill/>
-        </p:spPr>
-        <p:txBody>
-          <a:bodyPr wrap="none" rtlCol="0">
-            <a:spAutoFit/>
-          </a:bodyPr>
-          <a:lstStyle/>
-          <a:p>
-            <a:r>
-              <a:rPr lang="de-DE" dirty="0" smtClean="0"/>
-              <a:t>Vorteile des Editors</a:t>
             </a:r>
             <a:endParaRPr lang="de-DE" dirty="0"/>
           </a:p>
@@ -6899,6 +7523,36 @@
               <a:t>Vorteile des Editors</a:t>
             </a:r>
             <a:endParaRPr lang="de-DE" b="1" dirty="0"/>
+          </a:p>
+        </p:txBody>
+      </p:sp>
+      <p:sp>
+        <p:nvSpPr>
+          <p:cNvPr id="17" name="Textfeld 16"/>
+          <p:cNvSpPr txBox="1"/>
+          <p:nvPr/>
+        </p:nvSpPr>
+        <p:spPr>
+          <a:xfrm>
+            <a:off x="2629017" y="5257706"/>
+            <a:ext cx="934871" cy="369332"/>
+          </a:xfrm>
+          <a:prstGeom prst="rect">
+            <a:avLst/>
+          </a:prstGeom>
+          <a:noFill/>
+        </p:spPr>
+        <p:txBody>
+          <a:bodyPr wrap="none" rtlCol="0">
+            <a:spAutoFit/>
+          </a:bodyPr>
+          <a:lstStyle/>
+          <a:p>
+            <a:r>
+              <a:rPr lang="de-DE" smtClean="0"/>
+              <a:t>Support</a:t>
+            </a:r>
+            <a:endParaRPr lang="de-DE"/>
           </a:p>
         </p:txBody>
       </p:sp>
@@ -6999,7 +7653,7 @@
           <a:p>
             <a:fld id="{852F18A7-60EF-DD48-8F37-BE93452F0A67}" type="datetime1">
               <a:rPr lang="de-DE" smtClean="0"/>
-              <a:t>24.10.16</a:t>
+              <a:t>25.10.16</a:t>
             </a:fld>
             <a:endParaRPr lang="de-DE" dirty="0"/>
           </a:p>
@@ -7046,7 +7700,7 @@
         <p:spPr>
           <a:xfrm>
             <a:off x="76971" y="1106160"/>
-            <a:ext cx="3773597" cy="369332"/>
+            <a:ext cx="4271682" cy="369332"/>
           </a:xfrm>
           <a:prstGeom prst="rect">
             <a:avLst/>
@@ -7061,7 +7715,7 @@
           <a:p>
             <a:r>
               <a:rPr lang="de-DE" b="1" dirty="0" smtClean="0"/>
-              <a:t>Funktionalität der neuen Erweiterung</a:t>
+              <a:t>Eingesetzte Werkzeuge für die Entwicklung</a:t>
             </a:r>
             <a:endParaRPr lang="de-DE" b="1" dirty="0"/>
           </a:p>
@@ -7260,20 +7914,107 @@
           </a:lstStyle>
           <a:p>
             <a:pPr marL="342900" indent="-342900">
+              <a:lnSpc>
+                <a:spcPts val="2600"/>
+              </a:lnSpc>
               <a:buFont typeface=".AppleSystemUIFont" charset="-120"/>
               <a:buChar char="-"/>
             </a:pPr>
             <a:r>
-              <a:rPr lang="de-DE" dirty="0"/>
-              <a:t>Live-Vorschau mit </a:t>
+              <a:rPr lang="de-DE" dirty="0" smtClean="0"/>
+              <a:t>Entwicklung des Atom-Packages in Atom</a:t>
+            </a:r>
+          </a:p>
+          <a:p>
+            <a:pPr marL="342900" indent="-342900">
+              <a:lnSpc>
+                <a:spcPts val="2600"/>
+              </a:lnSpc>
+              <a:buFont typeface=".AppleSystemUIFont" charset="-120"/>
+              <a:buChar char="-"/>
+            </a:pPr>
+            <a:r>
+              <a:rPr lang="de-DE" dirty="0" err="1"/>
+              <a:t>g</a:t>
             </a:r>
             <a:r>
               <a:rPr lang="de-DE" dirty="0" err="1" smtClean="0"/>
-              <a:t>LaTeX</a:t>
+              <a:t>it</a:t>
             </a:r>
             <a:r>
               <a:rPr lang="de-DE" dirty="0" smtClean="0"/>
-              <a:t>-Umsetzung</a:t>
+              <a:t> als Versionskontrolle</a:t>
+            </a:r>
+            <a:br>
+              <a:rPr lang="de-DE" dirty="0" smtClean="0"/>
+            </a:br>
+            <a:r>
+              <a:rPr lang="de-DE" dirty="0" smtClean="0">
+                <a:sym typeface="Wingdings"/>
+              </a:rPr>
+              <a:t> </a:t>
+            </a:r>
+            <a:r>
+              <a:rPr lang="de-DE" dirty="0" err="1" smtClean="0">
+                <a:sym typeface="Wingdings"/>
+              </a:rPr>
+              <a:t>GitHub</a:t>
+            </a:r>
+            <a:r>
+              <a:rPr lang="de-DE" dirty="0" smtClean="0">
+                <a:sym typeface="Wingdings"/>
+              </a:rPr>
+              <a:t> als Ticketsystem</a:t>
+            </a:r>
+          </a:p>
+          <a:p>
+            <a:pPr marL="342900" indent="-342900">
+              <a:lnSpc>
+                <a:spcPts val="2600"/>
+              </a:lnSpc>
+              <a:buFont typeface=".AppleSystemUIFont" charset="-120"/>
+              <a:buChar char="-"/>
+            </a:pPr>
+            <a:r>
+              <a:rPr lang="de-DE" dirty="0" smtClean="0">
+                <a:sym typeface="Wingdings"/>
+              </a:rPr>
+              <a:t>Programmiersprachen:</a:t>
+            </a:r>
+          </a:p>
+          <a:p>
+            <a:pPr marL="631825" lvl="3" indent="-342900">
+              <a:lnSpc>
+                <a:spcPts val="2600"/>
+              </a:lnSpc>
+              <a:buFont typeface="Wingdings" charset="2"/>
+              <a:buChar char="§"/>
+            </a:pPr>
+            <a:r>
+              <a:rPr lang="de-DE" dirty="0" smtClean="0"/>
+              <a:t>JavaScript		5474 Zeilen Code</a:t>
+            </a:r>
+            <a:endParaRPr lang="de-DE" dirty="0"/>
+          </a:p>
+          <a:p>
+            <a:pPr marL="631825" lvl="3" indent="-342900">
+              <a:lnSpc>
+                <a:spcPts val="2600"/>
+              </a:lnSpc>
+              <a:buFont typeface="Wingdings" charset="2"/>
+              <a:buChar char="§"/>
+            </a:pPr>
+            <a:r>
+              <a:rPr lang="de-DE" dirty="0" err="1"/>
+              <a:t>l</a:t>
+            </a:r>
+            <a:r>
+              <a:rPr lang="de-DE" dirty="0" err="1" smtClean="0"/>
+              <a:t>ess</a:t>
+            </a:r>
+            <a:r>
+              <a:rPr lang="de-DE" dirty="0" smtClean="0"/>
+              <a:t>		1662 Zeilen Code</a:t>
             </a:r>
           </a:p>
           <a:p>
@@ -7281,137 +8022,14 @@
               <a:buFont typeface=".AppleSystemUIFont" charset="-120"/>
               <a:buChar char="-"/>
             </a:pPr>
-            <a:r>
-              <a:rPr lang="de-DE" dirty="0" smtClean="0"/>
-              <a:t>GUIs </a:t>
-            </a:r>
-            <a:r>
-              <a:rPr lang="de-DE" dirty="0"/>
-              <a:t>für</a:t>
-            </a:r>
+            <a:endParaRPr lang="de-DE" dirty="0" smtClean="0"/>
           </a:p>
           <a:p>
             <a:pPr marL="631825" lvl="3" indent="-342900">
               <a:buFont typeface="Wingdings" charset="2"/>
               <a:buChar char="§"/>
             </a:pPr>
-            <a:r>
-              <a:rPr lang="de-DE" dirty="0" err="1"/>
-              <a:t>Markdown</a:t>
-            </a:r>
-            <a:r>
-              <a:rPr lang="de-DE" dirty="0"/>
-              <a:t>-Syntax</a:t>
-            </a:r>
-          </a:p>
-          <a:p>
-            <a:pPr marL="631825" lvl="3" indent="-342900">
-              <a:buFont typeface="Wingdings" charset="2"/>
-              <a:buChar char="§"/>
-            </a:pPr>
-            <a:r>
-              <a:rPr lang="de-DE" dirty="0"/>
-              <a:t>Anlegen eines neuen </a:t>
-            </a:r>
-            <a:r>
-              <a:rPr lang="de-DE" dirty="0" smtClean="0"/>
-              <a:t>Projekts</a:t>
-            </a:r>
-          </a:p>
-          <a:p>
-            <a:pPr marL="631825" lvl="3" indent="-342900">
-              <a:buFont typeface="Wingdings" charset="2"/>
-              <a:buChar char="§"/>
-            </a:pPr>
-            <a:r>
-              <a:rPr lang="de-DE" dirty="0" smtClean="0"/>
-              <a:t>Bearbeiten der Metadaten</a:t>
-            </a:r>
             <a:endParaRPr lang="de-DE" dirty="0"/>
-          </a:p>
-          <a:p>
-            <a:pPr marL="631825" lvl="3" indent="-342900">
-              <a:buFont typeface="Wingdings" charset="2"/>
-              <a:buChar char="§"/>
-            </a:pPr>
-            <a:r>
-              <a:rPr lang="de-DE" dirty="0"/>
-              <a:t>Einfügen von Links</a:t>
-            </a:r>
-          </a:p>
-          <a:p>
-            <a:pPr marL="631825" lvl="3" indent="-342900">
-              <a:buFont typeface="Wingdings" charset="2"/>
-              <a:buChar char="§"/>
-            </a:pPr>
-            <a:r>
-              <a:rPr lang="de-DE" dirty="0"/>
-              <a:t>Einfügen von Bildern</a:t>
-            </a:r>
-          </a:p>
-          <a:p>
-            <a:pPr marL="631825" lvl="3" indent="-342900">
-              <a:buFont typeface="Wingdings" charset="2"/>
-              <a:buChar char="§"/>
-            </a:pPr>
-            <a:r>
-              <a:rPr lang="de-DE" dirty="0"/>
-              <a:t>Einfügen von Tabellen</a:t>
-            </a:r>
-          </a:p>
-          <a:p>
-            <a:pPr marL="631825" lvl="3" indent="-342900">
-              <a:buFont typeface="Wingdings" charset="2"/>
-              <a:buChar char="§"/>
-            </a:pPr>
-            <a:r>
-              <a:rPr lang="de-DE" dirty="0" err="1"/>
-              <a:t>git</a:t>
-            </a:r>
-            <a:r>
-              <a:rPr lang="de-DE" dirty="0"/>
-              <a:t> </a:t>
-            </a:r>
-            <a:r>
-              <a:rPr lang="de-DE" dirty="0" err="1"/>
-              <a:t>commit</a:t>
-            </a:r>
-            <a:r>
-              <a:rPr lang="de-DE" dirty="0"/>
-              <a:t> </a:t>
-            </a:r>
-            <a:r>
-              <a:rPr lang="de-DE" dirty="0" smtClean="0"/>
-              <a:t>Nachrichten</a:t>
-            </a:r>
-          </a:p>
-          <a:p>
-            <a:pPr marL="342900" lvl="2" indent="-342900">
-              <a:buFont typeface=".AppleSystemUIFont" charset="-120"/>
-              <a:buChar char="-"/>
-            </a:pPr>
-            <a:r>
-              <a:rPr lang="de-DE" sz="2000" dirty="0" err="1"/>
-              <a:t>g</a:t>
-            </a:r>
-            <a:r>
-              <a:rPr lang="de-DE" sz="2000" dirty="0" err="1" smtClean="0"/>
-              <a:t>it</a:t>
-            </a:r>
-            <a:r>
-              <a:rPr lang="de-DE" sz="2000" dirty="0" smtClean="0"/>
-              <a:t>-Integration</a:t>
-            </a:r>
-          </a:p>
-          <a:p>
-            <a:pPr marL="342900" indent="-342900">
-              <a:buFont typeface=".AppleSystemUIFont" charset="-120"/>
-              <a:buChar char="-"/>
-            </a:pPr>
-            <a:r>
-              <a:rPr lang="de-DE" dirty="0" smtClean="0"/>
-              <a:t>Unterstützung in der Ausführung einzelner Arbeitsschritte</a:t>
-            </a:r>
           </a:p>
         </p:txBody>
       </p:sp>
@@ -7419,6 +8037,2110 @@
     <p:extLst>
       <p:ext uri="{BB962C8B-B14F-4D97-AF65-F5344CB8AC3E}">
         <p14:creationId xmlns:p14="http://schemas.microsoft.com/office/powerpoint/2010/main" val="1782800565"/>
+      </p:ext>
+    </p:extLst>
+  </p:cSld>
+  <p:clrMapOvr>
+    <a:masterClrMapping/>
+  </p:clrMapOvr>
+  <p:transition spd="slow">
+    <p:push dir="u"/>
+  </p:transition>
+  <p:timing>
+    <p:tnLst>
+      <p:par>
+        <p:cTn id="1" dur="indefinite" restart="never" nodeType="tmRoot"/>
+      </p:par>
+    </p:tnLst>
+  </p:timing>
+</p:sld>
+</file>
+
+<file path=ppt/slides/slide12.xml><?xml version="1.0" encoding="utf-8"?>
+<p:sld xmlns:a="http://schemas.openxmlformats.org/drawingml/2006/main" xmlns:r="http://schemas.openxmlformats.org/officeDocument/2006/relationships" xmlns:p="http://schemas.openxmlformats.org/presentationml/2006/main">
+  <p:cSld>
+    <p:spTree>
+      <p:nvGrpSpPr>
+        <p:cNvPr id="1" name=""/>
+        <p:cNvGrpSpPr/>
+        <p:nvPr/>
+      </p:nvGrpSpPr>
+      <p:grpSpPr>
+        <a:xfrm>
+          <a:off x="0" y="0"/>
+          <a:ext cx="0" cy="0"/>
+          <a:chOff x="0" y="0"/>
+          <a:chExt cx="0" cy="0"/>
+        </a:xfrm>
+      </p:grpSpPr>
+      <p:sp>
+        <p:nvSpPr>
+          <p:cNvPr id="3" name="Inhaltsplatzhalter 2"/>
+          <p:cNvSpPr>
+            <a:spLocks noGrp="1"/>
+          </p:cNvSpPr>
+          <p:nvPr>
+            <p:ph sz="quarter" idx="19"/>
+          </p:nvPr>
+        </p:nvSpPr>
+        <p:spPr>
+          <a:xfrm>
+            <a:off x="0" y="764704"/>
+            <a:ext cx="9144000" cy="288032"/>
+          </a:xfrm>
+        </p:spPr>
+        <p:txBody>
+          <a:bodyPr anchor="ctr"/>
+          <a:lstStyle/>
+          <a:p>
+            <a:pPr algn="ctr"/>
+            <a:r>
+              <a:rPr lang="de-DE" sz="1200" b="0" dirty="0"/>
+              <a:t>1. Zielstellung &gt; 2. Bestehende Lösungsansätze &gt; </a:t>
+            </a:r>
+            <a:r>
+              <a:rPr lang="de-DE" sz="1200" b="0" dirty="0">
+                <a:solidFill>
+                  <a:schemeClr val="tx1"/>
+                </a:solidFill>
+              </a:rPr>
+              <a:t>3. Entwicklung einer neuen Erweiterung für ATOM</a:t>
+            </a:r>
+            <a:r>
+              <a:rPr lang="de-DE" sz="1200" b="0" dirty="0"/>
+              <a:t> &gt; 4. Ausblick</a:t>
+            </a:r>
+          </a:p>
+        </p:txBody>
+      </p:sp>
+      <p:sp>
+        <p:nvSpPr>
+          <p:cNvPr id="4" name="Datumsplatzhalter 3"/>
+          <p:cNvSpPr>
+            <a:spLocks noGrp="1"/>
+          </p:cNvSpPr>
+          <p:nvPr>
+            <p:ph type="dt" sz="half" idx="20"/>
+          </p:nvPr>
+        </p:nvSpPr>
+        <p:spPr/>
+        <p:txBody>
+          <a:bodyPr/>
+          <a:lstStyle/>
+          <a:p>
+            <a:fld id="{852F18A7-60EF-DD48-8F37-BE93452F0A67}" type="datetime1">
+              <a:rPr lang="de-DE" smtClean="0"/>
+              <a:t>25.10.16</a:t>
+            </a:fld>
+            <a:endParaRPr lang="de-DE" dirty="0"/>
+          </a:p>
+        </p:txBody>
+      </p:sp>
+      <p:sp>
+        <p:nvSpPr>
+          <p:cNvPr id="6" name="Foliennummernplatzhalter 5"/>
+          <p:cNvSpPr>
+            <a:spLocks noGrp="1"/>
+          </p:cNvSpPr>
+          <p:nvPr>
+            <p:ph type="sldNum" sz="quarter" idx="22"/>
+          </p:nvPr>
+        </p:nvSpPr>
+        <p:spPr/>
+        <p:txBody>
+          <a:bodyPr/>
+          <a:lstStyle/>
+          <a:p>
+            <a:r>
+              <a:rPr lang="de-DE"/>
+              <a:t>Folie </a:t>
+            </a:r>
+            <a:fld id="{20336FBE-96EF-1B43-9998-83765DDB0397}" type="slidenum">
+              <a:rPr lang="de-DE" smtClean="0"/>
+              <a:pPr/>
+              <a:t>12</a:t>
+            </a:fld>
+            <a:r>
+              <a:rPr lang="de-DE"/>
+              <a:t> von XYZ</a:t>
+            </a:r>
+            <a:endParaRPr lang="de-DE" dirty="0"/>
+          </a:p>
+        </p:txBody>
+      </p:sp>
+      <p:sp>
+        <p:nvSpPr>
+          <p:cNvPr id="7" name="Textfeld 6"/>
+          <p:cNvSpPr txBox="1"/>
+          <p:nvPr/>
+        </p:nvSpPr>
+        <p:spPr>
+          <a:xfrm>
+            <a:off x="76971" y="1106160"/>
+            <a:ext cx="3773597" cy="369332"/>
+          </a:xfrm>
+          <a:prstGeom prst="rect">
+            <a:avLst/>
+          </a:prstGeom>
+          <a:noFill/>
+        </p:spPr>
+        <p:txBody>
+          <a:bodyPr wrap="none" rtlCol="0">
+            <a:spAutoFit/>
+          </a:bodyPr>
+          <a:lstStyle/>
+          <a:p>
+            <a:r>
+              <a:rPr lang="de-DE" b="1" dirty="0" smtClean="0"/>
+              <a:t>Funktionalität der neuen Erweiterung</a:t>
+            </a:r>
+            <a:endParaRPr lang="de-DE" b="1" dirty="0"/>
+          </a:p>
+        </p:txBody>
+      </p:sp>
+      <p:sp>
+        <p:nvSpPr>
+          <p:cNvPr id="8" name="Inhaltsplatzhalter 1"/>
+          <p:cNvSpPr txBox="1">
+            <a:spLocks/>
+          </p:cNvSpPr>
+          <p:nvPr/>
+        </p:nvSpPr>
+        <p:spPr>
+          <a:xfrm>
+            <a:off x="655637" y="1556792"/>
+            <a:ext cx="7832725" cy="4608041"/>
+          </a:xfrm>
+          <a:prstGeom prst="rect">
+            <a:avLst/>
+          </a:prstGeom>
+        </p:spPr>
+        <p:txBody>
+          <a:bodyPr lIns="0" tIns="0" rIns="0" bIns="0"/>
+          <a:lstStyle>
+            <a:lvl1pPr marL="0" marR="0" indent="0" algn="l" defTabSz="914368" rtl="0" eaLnBrk="1" fontAlgn="t" latinLnBrk="0" hangingPunct="1">
+              <a:lnSpc>
+                <a:spcPct val="100000"/>
+              </a:lnSpc>
+              <a:spcBef>
+                <a:spcPts val="0"/>
+              </a:spcBef>
+              <a:spcAft>
+                <a:spcPts val="600"/>
+              </a:spcAft>
+              <a:buClrTx/>
+              <a:buSzTx/>
+              <a:buFontTx/>
+              <a:buNone/>
+              <a:tabLst/>
+              <a:defRPr sz="2000" kern="1200" baseline="0">
+                <a:solidFill>
+                  <a:srgbClr val="0B2A51"/>
+                </a:solidFill>
+                <a:latin typeface="Verdana" pitchFamily="34" charset="0"/>
+                <a:ea typeface="+mn-ea"/>
+                <a:cs typeface="+mn-cs"/>
+              </a:defRPr>
+            </a:lvl1pPr>
+            <a:lvl2pPr marL="161925" indent="-161925" algn="l" defTabSz="914368" rtl="0" eaLnBrk="1" fontAlgn="t" latinLnBrk="0" hangingPunct="1">
+              <a:spcBef>
+                <a:spcPts val="300"/>
+              </a:spcBef>
+              <a:spcAft>
+                <a:spcPts val="600"/>
+              </a:spcAft>
+              <a:buClr>
+                <a:schemeClr val="tx1"/>
+              </a:buClr>
+              <a:buSzPct val="120000"/>
+              <a:buFont typeface="LucidaGrande" charset="0"/>
+              <a:buChar char="_"/>
+              <a:tabLst/>
+              <a:defRPr sz="2000" kern="1200" baseline="0">
+                <a:solidFill>
+                  <a:srgbClr val="0B2A51"/>
+                </a:solidFill>
+                <a:latin typeface="Verdana" pitchFamily="34" charset="0"/>
+                <a:ea typeface="+mn-ea"/>
+                <a:cs typeface="+mn-cs"/>
+              </a:defRPr>
+            </a:lvl2pPr>
+            <a:lvl3pPr marL="0" indent="0" algn="l" defTabSz="914368" rtl="0" eaLnBrk="1" fontAlgn="t" latinLnBrk="0" hangingPunct="1">
+              <a:spcBef>
+                <a:spcPts val="0"/>
+              </a:spcBef>
+              <a:spcAft>
+                <a:spcPts val="600"/>
+              </a:spcAft>
+              <a:buSzPct val="100000"/>
+              <a:buFont typeface="Symbol" charset="2"/>
+              <a:buNone/>
+              <a:tabLst/>
+              <a:defRPr sz="1600" kern="1200" baseline="0">
+                <a:solidFill>
+                  <a:srgbClr val="0B2A51"/>
+                </a:solidFill>
+                <a:latin typeface="Verdana" pitchFamily="34" charset="0"/>
+                <a:ea typeface="+mn-ea"/>
+                <a:cs typeface="+mn-cs"/>
+              </a:defRPr>
+            </a:lvl3pPr>
+            <a:lvl4pPr marL="288925" indent="-127000" algn="l" defTabSz="914368" rtl="0" eaLnBrk="1" latinLnBrk="0" hangingPunct="1">
+              <a:spcBef>
+                <a:spcPts val="0"/>
+              </a:spcBef>
+              <a:spcAft>
+                <a:spcPts val="600"/>
+              </a:spcAft>
+              <a:buClr>
+                <a:schemeClr val="tx1"/>
+              </a:buClr>
+              <a:buSzPct val="100000"/>
+              <a:buFont typeface="LucidaGrande" charset="0"/>
+              <a:buChar char="_"/>
+              <a:tabLst/>
+              <a:defRPr sz="1600" kern="1200" baseline="0">
+                <a:solidFill>
+                  <a:srgbClr val="0B2A51"/>
+                </a:solidFill>
+                <a:latin typeface="Verdana" pitchFamily="34" charset="0"/>
+                <a:ea typeface="+mn-ea"/>
+                <a:cs typeface="+mn-cs"/>
+              </a:defRPr>
+            </a:lvl4pPr>
+            <a:lvl5pPr marL="415925" indent="-127000" algn="l" defTabSz="914368" rtl="0" eaLnBrk="1" latinLnBrk="0" hangingPunct="1">
+              <a:spcBef>
+                <a:spcPts val="0"/>
+              </a:spcBef>
+              <a:spcAft>
+                <a:spcPts val="600"/>
+              </a:spcAft>
+              <a:buSzPct val="170000"/>
+              <a:buFont typeface="AppleSymbols" charset="0"/>
+              <a:buChar char="⌞"/>
+              <a:tabLst/>
+              <a:defRPr sz="1600" kern="1200" baseline="0">
+                <a:solidFill>
+                  <a:srgbClr val="0B2A51"/>
+                </a:solidFill>
+                <a:latin typeface="Verdana" pitchFamily="34" charset="0"/>
+                <a:ea typeface="+mn-ea"/>
+                <a:cs typeface="+mn-cs"/>
+              </a:defRPr>
+            </a:lvl5pPr>
+            <a:lvl6pPr marL="2514512" indent="-228592" algn="l" defTabSz="914368" rtl="0" eaLnBrk="1" latinLnBrk="0" hangingPunct="1">
+              <a:spcBef>
+                <a:spcPct val="20000"/>
+              </a:spcBef>
+              <a:buFont typeface="Arial" pitchFamily="34" charset="0"/>
+              <a:buChar char="•"/>
+              <a:defRPr sz="2000" kern="1200">
+                <a:solidFill>
+                  <a:schemeClr val="tx1"/>
+                </a:solidFill>
+                <a:latin typeface="+mn-lt"/>
+                <a:ea typeface="+mn-ea"/>
+                <a:cs typeface="+mn-cs"/>
+              </a:defRPr>
+            </a:lvl6pPr>
+            <a:lvl7pPr marL="2971696" indent="-228592" algn="l" defTabSz="914368" rtl="0" eaLnBrk="1" latinLnBrk="0" hangingPunct="1">
+              <a:spcBef>
+                <a:spcPct val="20000"/>
+              </a:spcBef>
+              <a:buFont typeface="Arial" pitchFamily="34" charset="0"/>
+              <a:buChar char="•"/>
+              <a:defRPr sz="2000" kern="1200">
+                <a:solidFill>
+                  <a:schemeClr val="tx1"/>
+                </a:solidFill>
+                <a:latin typeface="+mn-lt"/>
+                <a:ea typeface="+mn-ea"/>
+                <a:cs typeface="+mn-cs"/>
+              </a:defRPr>
+            </a:lvl7pPr>
+            <a:lvl8pPr marL="3428880" indent="-228592" algn="l" defTabSz="914368" rtl="0" eaLnBrk="1" latinLnBrk="0" hangingPunct="1">
+              <a:spcBef>
+                <a:spcPct val="20000"/>
+              </a:spcBef>
+              <a:buFont typeface="Arial" pitchFamily="34" charset="0"/>
+              <a:buChar char="•"/>
+              <a:defRPr sz="2000" kern="1200">
+                <a:solidFill>
+                  <a:schemeClr val="tx1"/>
+                </a:solidFill>
+                <a:latin typeface="+mn-lt"/>
+                <a:ea typeface="+mn-ea"/>
+                <a:cs typeface="+mn-cs"/>
+              </a:defRPr>
+            </a:lvl8pPr>
+            <a:lvl9pPr marL="3886064" indent="-228592" algn="l" defTabSz="914368" rtl="0" eaLnBrk="1" latinLnBrk="0" hangingPunct="1">
+              <a:spcBef>
+                <a:spcPct val="20000"/>
+              </a:spcBef>
+              <a:buFont typeface="Arial" pitchFamily="34" charset="0"/>
+              <a:buChar char="•"/>
+              <a:defRPr sz="2000" kern="1200">
+                <a:solidFill>
+                  <a:schemeClr val="tx1"/>
+                </a:solidFill>
+                <a:latin typeface="+mn-lt"/>
+                <a:ea typeface="+mn-ea"/>
+                <a:cs typeface="+mn-cs"/>
+              </a:defRPr>
+            </a:lvl9pPr>
+          </a:lstStyle>
+          <a:p>
+            <a:pPr marL="342900" indent="-342900">
+              <a:buFont typeface=".AppleSystemUIFont" charset="-120"/>
+              <a:buChar char="-"/>
+            </a:pPr>
+            <a:r>
+              <a:rPr lang="de-DE" dirty="0"/>
+              <a:t>Live-Vorschau mit </a:t>
+            </a:r>
+            <a:r>
+              <a:rPr lang="de-DE" dirty="0" err="1" smtClean="0"/>
+              <a:t>LaTeX</a:t>
+            </a:r>
+            <a:r>
+              <a:rPr lang="de-DE" dirty="0" smtClean="0"/>
+              <a:t>-Umsetzung</a:t>
+            </a:r>
+          </a:p>
+          <a:p>
+            <a:pPr marL="342900" lvl="2" indent="-342900">
+              <a:buFont typeface=".AppleSystemUIFont" charset="-120"/>
+              <a:buChar char="-"/>
+            </a:pPr>
+            <a:r>
+              <a:rPr lang="de-DE" sz="2000" dirty="0" err="1" smtClean="0"/>
+              <a:t>git</a:t>
+            </a:r>
+            <a:r>
+              <a:rPr lang="de-DE" sz="2000" dirty="0" smtClean="0"/>
+              <a:t>-Integration</a:t>
+            </a:r>
+          </a:p>
+          <a:p>
+            <a:pPr marL="342900" lvl="2" indent="-342900">
+              <a:buFont typeface=".AppleSystemUIFont" charset="-120"/>
+              <a:buChar char="-"/>
+            </a:pPr>
+            <a:r>
+              <a:rPr lang="de-DE" sz="2000" dirty="0" smtClean="0"/>
+              <a:t>Shortcuts für erfahrene Benutzer</a:t>
+            </a:r>
+          </a:p>
+          <a:p>
+            <a:pPr marL="342900" indent="-342900">
+              <a:buFont typeface=".AppleSystemUIFont" charset="-120"/>
+              <a:buChar char="-"/>
+            </a:pPr>
+            <a:r>
+              <a:rPr lang="de-DE" dirty="0" smtClean="0"/>
+              <a:t>Unterstützung in der Ausführung einzelner Arbeitsschritte</a:t>
+            </a:r>
+          </a:p>
+        </p:txBody>
+      </p:sp>
+    </p:spTree>
+    <p:extLst>
+      <p:ext uri="{BB962C8B-B14F-4D97-AF65-F5344CB8AC3E}">
+        <p14:creationId xmlns:p14="http://schemas.microsoft.com/office/powerpoint/2010/main" val="1044140025"/>
+      </p:ext>
+    </p:extLst>
+  </p:cSld>
+  <p:clrMapOvr>
+    <a:masterClrMapping/>
+  </p:clrMapOvr>
+  <p:transition spd="slow">
+    <p:push dir="u"/>
+  </p:transition>
+  <p:timing>
+    <p:tnLst>
+      <p:par>
+        <p:cTn id="1" dur="indefinite" restart="never" nodeType="tmRoot"/>
+      </p:par>
+    </p:tnLst>
+  </p:timing>
+</p:sld>
+</file>
+
+<file path=ppt/slides/slide13.xml><?xml version="1.0" encoding="utf-8"?>
+<p:sld xmlns:a="http://schemas.openxmlformats.org/drawingml/2006/main" xmlns:r="http://schemas.openxmlformats.org/officeDocument/2006/relationships" xmlns:p="http://schemas.openxmlformats.org/presentationml/2006/main">
+  <p:cSld>
+    <p:spTree>
+      <p:nvGrpSpPr>
+        <p:cNvPr id="1" name=""/>
+        <p:cNvGrpSpPr/>
+        <p:nvPr/>
+      </p:nvGrpSpPr>
+      <p:grpSpPr>
+        <a:xfrm>
+          <a:off x="0" y="0"/>
+          <a:ext cx="0" cy="0"/>
+          <a:chOff x="0" y="0"/>
+          <a:chExt cx="0" cy="0"/>
+        </a:xfrm>
+      </p:grpSpPr>
+      <p:sp>
+        <p:nvSpPr>
+          <p:cNvPr id="3" name="Inhaltsplatzhalter 2"/>
+          <p:cNvSpPr>
+            <a:spLocks noGrp="1"/>
+          </p:cNvSpPr>
+          <p:nvPr>
+            <p:ph sz="quarter" idx="19"/>
+          </p:nvPr>
+        </p:nvSpPr>
+        <p:spPr>
+          <a:xfrm>
+            <a:off x="0" y="764704"/>
+            <a:ext cx="9144000" cy="288032"/>
+          </a:xfrm>
+        </p:spPr>
+        <p:txBody>
+          <a:bodyPr anchor="ctr"/>
+          <a:lstStyle/>
+          <a:p>
+            <a:pPr algn="ctr"/>
+            <a:r>
+              <a:rPr lang="de-DE" sz="1200" b="0" dirty="0"/>
+              <a:t>1. Zielstellung &gt; 2. Bestehende Lösungsansätze &gt; </a:t>
+            </a:r>
+            <a:r>
+              <a:rPr lang="de-DE" sz="1200" b="0" dirty="0">
+                <a:solidFill>
+                  <a:schemeClr val="tx1"/>
+                </a:solidFill>
+              </a:rPr>
+              <a:t>3. Entwicklung einer neuen Erweiterung für ATOM</a:t>
+            </a:r>
+            <a:r>
+              <a:rPr lang="de-DE" sz="1200" b="0" dirty="0"/>
+              <a:t> &gt; 4. Ausblick</a:t>
+            </a:r>
+          </a:p>
+        </p:txBody>
+      </p:sp>
+      <p:sp>
+        <p:nvSpPr>
+          <p:cNvPr id="4" name="Datumsplatzhalter 3"/>
+          <p:cNvSpPr>
+            <a:spLocks noGrp="1"/>
+          </p:cNvSpPr>
+          <p:nvPr>
+            <p:ph type="dt" sz="half" idx="20"/>
+          </p:nvPr>
+        </p:nvSpPr>
+        <p:spPr/>
+        <p:txBody>
+          <a:bodyPr/>
+          <a:lstStyle/>
+          <a:p>
+            <a:fld id="{852F18A7-60EF-DD48-8F37-BE93452F0A67}" type="datetime1">
+              <a:rPr lang="de-DE" smtClean="0"/>
+              <a:t>25.10.16</a:t>
+            </a:fld>
+            <a:endParaRPr lang="de-DE" dirty="0"/>
+          </a:p>
+        </p:txBody>
+      </p:sp>
+      <p:sp>
+        <p:nvSpPr>
+          <p:cNvPr id="6" name="Foliennummernplatzhalter 5"/>
+          <p:cNvSpPr>
+            <a:spLocks noGrp="1"/>
+          </p:cNvSpPr>
+          <p:nvPr>
+            <p:ph type="sldNum" sz="quarter" idx="22"/>
+          </p:nvPr>
+        </p:nvSpPr>
+        <p:spPr/>
+        <p:txBody>
+          <a:bodyPr/>
+          <a:lstStyle/>
+          <a:p>
+            <a:r>
+              <a:rPr lang="de-DE"/>
+              <a:t>Folie </a:t>
+            </a:r>
+            <a:fld id="{20336FBE-96EF-1B43-9998-83765DDB0397}" type="slidenum">
+              <a:rPr lang="de-DE" smtClean="0"/>
+              <a:pPr/>
+              <a:t>13</a:t>
+            </a:fld>
+            <a:r>
+              <a:rPr lang="de-DE"/>
+              <a:t> von XYZ</a:t>
+            </a:r>
+            <a:endParaRPr lang="de-DE" dirty="0"/>
+          </a:p>
+        </p:txBody>
+      </p:sp>
+      <p:sp>
+        <p:nvSpPr>
+          <p:cNvPr id="7" name="Textfeld 6"/>
+          <p:cNvSpPr txBox="1"/>
+          <p:nvPr/>
+        </p:nvSpPr>
+        <p:spPr>
+          <a:xfrm>
+            <a:off x="76971" y="1106160"/>
+            <a:ext cx="3773597" cy="369332"/>
+          </a:xfrm>
+          <a:prstGeom prst="rect">
+            <a:avLst/>
+          </a:prstGeom>
+          <a:noFill/>
+        </p:spPr>
+        <p:txBody>
+          <a:bodyPr wrap="none" rtlCol="0">
+            <a:spAutoFit/>
+          </a:bodyPr>
+          <a:lstStyle/>
+          <a:p>
+            <a:r>
+              <a:rPr lang="de-DE" b="1" dirty="0" smtClean="0"/>
+              <a:t>Funktionalität der neuen Erweiterung</a:t>
+            </a:r>
+            <a:endParaRPr lang="de-DE" b="1" dirty="0"/>
+          </a:p>
+        </p:txBody>
+      </p:sp>
+      <p:sp>
+        <p:nvSpPr>
+          <p:cNvPr id="8" name="Inhaltsplatzhalter 1"/>
+          <p:cNvSpPr txBox="1">
+            <a:spLocks/>
+          </p:cNvSpPr>
+          <p:nvPr/>
+        </p:nvSpPr>
+        <p:spPr>
+          <a:xfrm>
+            <a:off x="655637" y="1556792"/>
+            <a:ext cx="7832725" cy="4608041"/>
+          </a:xfrm>
+          <a:prstGeom prst="rect">
+            <a:avLst/>
+          </a:prstGeom>
+        </p:spPr>
+        <p:txBody>
+          <a:bodyPr lIns="0" tIns="0" rIns="0" bIns="0"/>
+          <a:lstStyle>
+            <a:lvl1pPr marL="0" marR="0" indent="0" algn="l" defTabSz="914368" rtl="0" eaLnBrk="1" fontAlgn="t" latinLnBrk="0" hangingPunct="1">
+              <a:lnSpc>
+                <a:spcPct val="100000"/>
+              </a:lnSpc>
+              <a:spcBef>
+                <a:spcPts val="0"/>
+              </a:spcBef>
+              <a:spcAft>
+                <a:spcPts val="600"/>
+              </a:spcAft>
+              <a:buClrTx/>
+              <a:buSzTx/>
+              <a:buFontTx/>
+              <a:buNone/>
+              <a:tabLst/>
+              <a:defRPr sz="2000" kern="1200" baseline="0">
+                <a:solidFill>
+                  <a:srgbClr val="0B2A51"/>
+                </a:solidFill>
+                <a:latin typeface="Verdana" pitchFamily="34" charset="0"/>
+                <a:ea typeface="+mn-ea"/>
+                <a:cs typeface="+mn-cs"/>
+              </a:defRPr>
+            </a:lvl1pPr>
+            <a:lvl2pPr marL="161925" indent="-161925" algn="l" defTabSz="914368" rtl="0" eaLnBrk="1" fontAlgn="t" latinLnBrk="0" hangingPunct="1">
+              <a:spcBef>
+                <a:spcPts val="300"/>
+              </a:spcBef>
+              <a:spcAft>
+                <a:spcPts val="600"/>
+              </a:spcAft>
+              <a:buClr>
+                <a:schemeClr val="tx1"/>
+              </a:buClr>
+              <a:buSzPct val="120000"/>
+              <a:buFont typeface="LucidaGrande" charset="0"/>
+              <a:buChar char="_"/>
+              <a:tabLst/>
+              <a:defRPr sz="2000" kern="1200" baseline="0">
+                <a:solidFill>
+                  <a:srgbClr val="0B2A51"/>
+                </a:solidFill>
+                <a:latin typeface="Verdana" pitchFamily="34" charset="0"/>
+                <a:ea typeface="+mn-ea"/>
+                <a:cs typeface="+mn-cs"/>
+              </a:defRPr>
+            </a:lvl2pPr>
+            <a:lvl3pPr marL="0" indent="0" algn="l" defTabSz="914368" rtl="0" eaLnBrk="1" fontAlgn="t" latinLnBrk="0" hangingPunct="1">
+              <a:spcBef>
+                <a:spcPts val="0"/>
+              </a:spcBef>
+              <a:spcAft>
+                <a:spcPts val="600"/>
+              </a:spcAft>
+              <a:buSzPct val="100000"/>
+              <a:buFont typeface="Symbol" charset="2"/>
+              <a:buNone/>
+              <a:tabLst/>
+              <a:defRPr sz="1600" kern="1200" baseline="0">
+                <a:solidFill>
+                  <a:srgbClr val="0B2A51"/>
+                </a:solidFill>
+                <a:latin typeface="Verdana" pitchFamily="34" charset="0"/>
+                <a:ea typeface="+mn-ea"/>
+                <a:cs typeface="+mn-cs"/>
+              </a:defRPr>
+            </a:lvl3pPr>
+            <a:lvl4pPr marL="288925" indent="-127000" algn="l" defTabSz="914368" rtl="0" eaLnBrk="1" latinLnBrk="0" hangingPunct="1">
+              <a:spcBef>
+                <a:spcPts val="0"/>
+              </a:spcBef>
+              <a:spcAft>
+                <a:spcPts val="600"/>
+              </a:spcAft>
+              <a:buClr>
+                <a:schemeClr val="tx1"/>
+              </a:buClr>
+              <a:buSzPct val="100000"/>
+              <a:buFont typeface="LucidaGrande" charset="0"/>
+              <a:buChar char="_"/>
+              <a:tabLst/>
+              <a:defRPr sz="1600" kern="1200" baseline="0">
+                <a:solidFill>
+                  <a:srgbClr val="0B2A51"/>
+                </a:solidFill>
+                <a:latin typeface="Verdana" pitchFamily="34" charset="0"/>
+                <a:ea typeface="+mn-ea"/>
+                <a:cs typeface="+mn-cs"/>
+              </a:defRPr>
+            </a:lvl4pPr>
+            <a:lvl5pPr marL="415925" indent="-127000" algn="l" defTabSz="914368" rtl="0" eaLnBrk="1" latinLnBrk="0" hangingPunct="1">
+              <a:spcBef>
+                <a:spcPts val="0"/>
+              </a:spcBef>
+              <a:spcAft>
+                <a:spcPts val="600"/>
+              </a:spcAft>
+              <a:buSzPct val="170000"/>
+              <a:buFont typeface="AppleSymbols" charset="0"/>
+              <a:buChar char="⌞"/>
+              <a:tabLst/>
+              <a:defRPr sz="1600" kern="1200" baseline="0">
+                <a:solidFill>
+                  <a:srgbClr val="0B2A51"/>
+                </a:solidFill>
+                <a:latin typeface="Verdana" pitchFamily="34" charset="0"/>
+                <a:ea typeface="+mn-ea"/>
+                <a:cs typeface="+mn-cs"/>
+              </a:defRPr>
+            </a:lvl5pPr>
+            <a:lvl6pPr marL="2514512" indent="-228592" algn="l" defTabSz="914368" rtl="0" eaLnBrk="1" latinLnBrk="0" hangingPunct="1">
+              <a:spcBef>
+                <a:spcPct val="20000"/>
+              </a:spcBef>
+              <a:buFont typeface="Arial" pitchFamily="34" charset="0"/>
+              <a:buChar char="•"/>
+              <a:defRPr sz="2000" kern="1200">
+                <a:solidFill>
+                  <a:schemeClr val="tx1"/>
+                </a:solidFill>
+                <a:latin typeface="+mn-lt"/>
+                <a:ea typeface="+mn-ea"/>
+                <a:cs typeface="+mn-cs"/>
+              </a:defRPr>
+            </a:lvl6pPr>
+            <a:lvl7pPr marL="2971696" indent="-228592" algn="l" defTabSz="914368" rtl="0" eaLnBrk="1" latinLnBrk="0" hangingPunct="1">
+              <a:spcBef>
+                <a:spcPct val="20000"/>
+              </a:spcBef>
+              <a:buFont typeface="Arial" pitchFamily="34" charset="0"/>
+              <a:buChar char="•"/>
+              <a:defRPr sz="2000" kern="1200">
+                <a:solidFill>
+                  <a:schemeClr val="tx1"/>
+                </a:solidFill>
+                <a:latin typeface="+mn-lt"/>
+                <a:ea typeface="+mn-ea"/>
+                <a:cs typeface="+mn-cs"/>
+              </a:defRPr>
+            </a:lvl7pPr>
+            <a:lvl8pPr marL="3428880" indent="-228592" algn="l" defTabSz="914368" rtl="0" eaLnBrk="1" latinLnBrk="0" hangingPunct="1">
+              <a:spcBef>
+                <a:spcPct val="20000"/>
+              </a:spcBef>
+              <a:buFont typeface="Arial" pitchFamily="34" charset="0"/>
+              <a:buChar char="•"/>
+              <a:defRPr sz="2000" kern="1200">
+                <a:solidFill>
+                  <a:schemeClr val="tx1"/>
+                </a:solidFill>
+                <a:latin typeface="+mn-lt"/>
+                <a:ea typeface="+mn-ea"/>
+                <a:cs typeface="+mn-cs"/>
+              </a:defRPr>
+            </a:lvl8pPr>
+            <a:lvl9pPr marL="3886064" indent="-228592" algn="l" defTabSz="914368" rtl="0" eaLnBrk="1" latinLnBrk="0" hangingPunct="1">
+              <a:spcBef>
+                <a:spcPct val="20000"/>
+              </a:spcBef>
+              <a:buFont typeface="Arial" pitchFamily="34" charset="0"/>
+              <a:buChar char="•"/>
+              <a:defRPr sz="2000" kern="1200">
+                <a:solidFill>
+                  <a:schemeClr val="tx1"/>
+                </a:solidFill>
+                <a:latin typeface="+mn-lt"/>
+                <a:ea typeface="+mn-ea"/>
+                <a:cs typeface="+mn-cs"/>
+              </a:defRPr>
+            </a:lvl9pPr>
+          </a:lstStyle>
+          <a:p>
+            <a:pPr marL="342900" indent="-342900">
+              <a:buFont typeface=".AppleSystemUIFont" charset="-120"/>
+              <a:buChar char="-"/>
+            </a:pPr>
+            <a:r>
+              <a:rPr lang="de-DE" dirty="0" smtClean="0"/>
+              <a:t>Graphische Benutzeroberflächen </a:t>
+            </a:r>
+            <a:r>
+              <a:rPr lang="de-DE" dirty="0"/>
+              <a:t>für</a:t>
+            </a:r>
+          </a:p>
+          <a:p>
+            <a:pPr marL="631825" lvl="3" indent="-342900">
+              <a:buFont typeface="Wingdings" charset="2"/>
+              <a:buChar char="§"/>
+            </a:pPr>
+            <a:r>
+              <a:rPr lang="de-DE" dirty="0" err="1"/>
+              <a:t>Markdown</a:t>
+            </a:r>
+            <a:r>
+              <a:rPr lang="de-DE" dirty="0"/>
+              <a:t>-Syntax</a:t>
+            </a:r>
+          </a:p>
+          <a:p>
+            <a:pPr marL="631825" lvl="3" indent="-342900">
+              <a:buFont typeface="Wingdings" charset="2"/>
+              <a:buChar char="§"/>
+            </a:pPr>
+            <a:r>
+              <a:rPr lang="de-DE" dirty="0"/>
+              <a:t>Anlegen eines neuen </a:t>
+            </a:r>
+            <a:r>
+              <a:rPr lang="de-DE" dirty="0" smtClean="0"/>
+              <a:t>Projekts</a:t>
+            </a:r>
+          </a:p>
+          <a:p>
+            <a:pPr marL="631825" lvl="3" indent="-342900">
+              <a:buFont typeface="Wingdings" charset="2"/>
+              <a:buChar char="§"/>
+            </a:pPr>
+            <a:r>
+              <a:rPr lang="de-DE" dirty="0" smtClean="0"/>
+              <a:t>Bearbeiten der Metadaten</a:t>
+            </a:r>
+            <a:endParaRPr lang="de-DE" dirty="0"/>
+          </a:p>
+          <a:p>
+            <a:pPr marL="631825" lvl="3" indent="-342900">
+              <a:buFont typeface="Wingdings" charset="2"/>
+              <a:buChar char="§"/>
+            </a:pPr>
+            <a:r>
+              <a:rPr lang="de-DE" dirty="0"/>
+              <a:t>Einfügen von Links</a:t>
+            </a:r>
+          </a:p>
+          <a:p>
+            <a:pPr marL="631825" lvl="3" indent="-342900">
+              <a:buFont typeface="Wingdings" charset="2"/>
+              <a:buChar char="§"/>
+            </a:pPr>
+            <a:r>
+              <a:rPr lang="de-DE" dirty="0"/>
+              <a:t>Einfügen von Bildern</a:t>
+            </a:r>
+          </a:p>
+          <a:p>
+            <a:pPr marL="631825" lvl="3" indent="-342900">
+              <a:buFont typeface="Wingdings" charset="2"/>
+              <a:buChar char="§"/>
+            </a:pPr>
+            <a:r>
+              <a:rPr lang="de-DE" dirty="0"/>
+              <a:t>Einfügen von Tabellen</a:t>
+            </a:r>
+          </a:p>
+          <a:p>
+            <a:pPr marL="631825" lvl="3" indent="-342900">
+              <a:buFont typeface="Wingdings" charset="2"/>
+              <a:buChar char="§"/>
+            </a:pPr>
+            <a:r>
+              <a:rPr lang="de-DE" dirty="0" err="1"/>
+              <a:t>git</a:t>
+            </a:r>
+            <a:r>
+              <a:rPr lang="de-DE" dirty="0"/>
+              <a:t> </a:t>
+            </a:r>
+            <a:r>
+              <a:rPr lang="de-DE" dirty="0" err="1"/>
+              <a:t>commit</a:t>
+            </a:r>
+            <a:r>
+              <a:rPr lang="de-DE" dirty="0"/>
+              <a:t> </a:t>
+            </a:r>
+            <a:r>
+              <a:rPr lang="de-DE" dirty="0" smtClean="0"/>
+              <a:t>Nachrichten</a:t>
+            </a:r>
+          </a:p>
+        </p:txBody>
+      </p:sp>
+    </p:spTree>
+    <p:extLst>
+      <p:ext uri="{BB962C8B-B14F-4D97-AF65-F5344CB8AC3E}">
+        <p14:creationId xmlns:p14="http://schemas.microsoft.com/office/powerpoint/2010/main" val="1615594771"/>
+      </p:ext>
+    </p:extLst>
+  </p:cSld>
+  <p:clrMapOvr>
+    <a:masterClrMapping/>
+  </p:clrMapOvr>
+  <p:transition spd="slow">
+    <p:push dir="u"/>
+  </p:transition>
+  <p:timing>
+    <p:tnLst>
+      <p:par>
+        <p:cTn id="1" dur="indefinite" restart="never" nodeType="tmRoot"/>
+      </p:par>
+    </p:tnLst>
+  </p:timing>
+</p:sld>
+</file>
+
+<file path=ppt/slides/slide14.xml><?xml version="1.0" encoding="utf-8"?>
+<p:sld xmlns:a="http://schemas.openxmlformats.org/drawingml/2006/main" xmlns:r="http://schemas.openxmlformats.org/officeDocument/2006/relationships" xmlns:p="http://schemas.openxmlformats.org/presentationml/2006/main">
+  <p:cSld>
+    <p:spTree>
+      <p:nvGrpSpPr>
+        <p:cNvPr id="1" name=""/>
+        <p:cNvGrpSpPr/>
+        <p:nvPr/>
+      </p:nvGrpSpPr>
+      <p:grpSpPr>
+        <a:xfrm>
+          <a:off x="0" y="0"/>
+          <a:ext cx="0" cy="0"/>
+          <a:chOff x="0" y="0"/>
+          <a:chExt cx="0" cy="0"/>
+        </a:xfrm>
+      </p:grpSpPr>
+      <p:sp>
+        <p:nvSpPr>
+          <p:cNvPr id="3" name="Inhaltsplatzhalter 2"/>
+          <p:cNvSpPr>
+            <a:spLocks noGrp="1"/>
+          </p:cNvSpPr>
+          <p:nvPr>
+            <p:ph sz="quarter" idx="19"/>
+          </p:nvPr>
+        </p:nvSpPr>
+        <p:spPr>
+          <a:xfrm>
+            <a:off x="0" y="764704"/>
+            <a:ext cx="9144000" cy="288032"/>
+          </a:xfrm>
+        </p:spPr>
+        <p:txBody>
+          <a:bodyPr anchor="ctr"/>
+          <a:lstStyle/>
+          <a:p>
+            <a:pPr algn="ctr"/>
+            <a:r>
+              <a:rPr lang="de-DE" sz="1200" b="0" dirty="0"/>
+              <a:t>1. Zielstellung &gt; 2. Bestehende Lösungsansätze &gt; </a:t>
+            </a:r>
+            <a:r>
+              <a:rPr lang="de-DE" sz="1200" b="0" dirty="0">
+                <a:solidFill>
+                  <a:schemeClr val="tx1"/>
+                </a:solidFill>
+              </a:rPr>
+              <a:t>3. Entwicklung einer neuen Erweiterung für ATOM</a:t>
+            </a:r>
+            <a:r>
+              <a:rPr lang="de-DE" sz="1200" b="0" dirty="0"/>
+              <a:t> &gt; 4. Ausblick</a:t>
+            </a:r>
+          </a:p>
+        </p:txBody>
+      </p:sp>
+      <p:sp>
+        <p:nvSpPr>
+          <p:cNvPr id="4" name="Datumsplatzhalter 3"/>
+          <p:cNvSpPr>
+            <a:spLocks noGrp="1"/>
+          </p:cNvSpPr>
+          <p:nvPr>
+            <p:ph type="dt" sz="half" idx="20"/>
+          </p:nvPr>
+        </p:nvSpPr>
+        <p:spPr/>
+        <p:txBody>
+          <a:bodyPr/>
+          <a:lstStyle/>
+          <a:p>
+            <a:fld id="{852F18A7-60EF-DD48-8F37-BE93452F0A67}" type="datetime1">
+              <a:rPr lang="de-DE" smtClean="0"/>
+              <a:t>25.10.16</a:t>
+            </a:fld>
+            <a:endParaRPr lang="de-DE" dirty="0"/>
+          </a:p>
+        </p:txBody>
+      </p:sp>
+      <p:sp>
+        <p:nvSpPr>
+          <p:cNvPr id="6" name="Foliennummernplatzhalter 5"/>
+          <p:cNvSpPr>
+            <a:spLocks noGrp="1"/>
+          </p:cNvSpPr>
+          <p:nvPr>
+            <p:ph type="sldNum" sz="quarter" idx="22"/>
+          </p:nvPr>
+        </p:nvSpPr>
+        <p:spPr/>
+        <p:txBody>
+          <a:bodyPr/>
+          <a:lstStyle/>
+          <a:p>
+            <a:r>
+              <a:rPr lang="de-DE"/>
+              <a:t>Folie </a:t>
+            </a:r>
+            <a:fld id="{20336FBE-96EF-1B43-9998-83765DDB0397}" type="slidenum">
+              <a:rPr lang="de-DE" smtClean="0"/>
+              <a:pPr/>
+              <a:t>14</a:t>
+            </a:fld>
+            <a:r>
+              <a:rPr lang="de-DE"/>
+              <a:t> von XYZ</a:t>
+            </a:r>
+            <a:endParaRPr lang="de-DE" dirty="0"/>
+          </a:p>
+        </p:txBody>
+      </p:sp>
+      <p:sp>
+        <p:nvSpPr>
+          <p:cNvPr id="7" name="Textfeld 6"/>
+          <p:cNvSpPr txBox="1"/>
+          <p:nvPr/>
+        </p:nvSpPr>
+        <p:spPr>
+          <a:xfrm>
+            <a:off x="76971" y="1106160"/>
+            <a:ext cx="4500206" cy="369332"/>
+          </a:xfrm>
+          <a:prstGeom prst="rect">
+            <a:avLst/>
+          </a:prstGeom>
+          <a:noFill/>
+        </p:spPr>
+        <p:txBody>
+          <a:bodyPr wrap="none" rtlCol="0">
+            <a:spAutoFit/>
+          </a:bodyPr>
+          <a:lstStyle/>
+          <a:p>
+            <a:r>
+              <a:rPr lang="de-DE" b="1" dirty="0" smtClean="0"/>
+              <a:t>Struktur im Code und Wiederverwendbarkeit</a:t>
+            </a:r>
+            <a:endParaRPr lang="de-DE" b="1" dirty="0"/>
+          </a:p>
+        </p:txBody>
+      </p:sp>
+      <p:sp>
+        <p:nvSpPr>
+          <p:cNvPr id="8" name="Inhaltsplatzhalter 1"/>
+          <p:cNvSpPr txBox="1">
+            <a:spLocks/>
+          </p:cNvSpPr>
+          <p:nvPr/>
+        </p:nvSpPr>
+        <p:spPr>
+          <a:xfrm>
+            <a:off x="655638" y="1556792"/>
+            <a:ext cx="3921540" cy="4608041"/>
+          </a:xfrm>
+          <a:prstGeom prst="rect">
+            <a:avLst/>
+          </a:prstGeom>
+        </p:spPr>
+        <p:txBody>
+          <a:bodyPr lIns="0" tIns="0" rIns="0" bIns="0"/>
+          <a:lstStyle>
+            <a:lvl1pPr marL="0" marR="0" indent="0" algn="l" defTabSz="914368" rtl="0" eaLnBrk="1" fontAlgn="t" latinLnBrk="0" hangingPunct="1">
+              <a:lnSpc>
+                <a:spcPct val="100000"/>
+              </a:lnSpc>
+              <a:spcBef>
+                <a:spcPts val="0"/>
+              </a:spcBef>
+              <a:spcAft>
+                <a:spcPts val="600"/>
+              </a:spcAft>
+              <a:buClrTx/>
+              <a:buSzTx/>
+              <a:buFontTx/>
+              <a:buNone/>
+              <a:tabLst/>
+              <a:defRPr sz="2000" kern="1200" baseline="0">
+                <a:solidFill>
+                  <a:srgbClr val="0B2A51"/>
+                </a:solidFill>
+                <a:latin typeface="Verdana" pitchFamily="34" charset="0"/>
+                <a:ea typeface="+mn-ea"/>
+                <a:cs typeface="+mn-cs"/>
+              </a:defRPr>
+            </a:lvl1pPr>
+            <a:lvl2pPr marL="161925" indent="-161925" algn="l" defTabSz="914368" rtl="0" eaLnBrk="1" fontAlgn="t" latinLnBrk="0" hangingPunct="1">
+              <a:spcBef>
+                <a:spcPts val="300"/>
+              </a:spcBef>
+              <a:spcAft>
+                <a:spcPts val="600"/>
+              </a:spcAft>
+              <a:buClr>
+                <a:schemeClr val="tx1"/>
+              </a:buClr>
+              <a:buSzPct val="120000"/>
+              <a:buFont typeface="LucidaGrande" charset="0"/>
+              <a:buChar char="_"/>
+              <a:tabLst/>
+              <a:defRPr sz="2000" kern="1200" baseline="0">
+                <a:solidFill>
+                  <a:srgbClr val="0B2A51"/>
+                </a:solidFill>
+                <a:latin typeface="Verdana" pitchFamily="34" charset="0"/>
+                <a:ea typeface="+mn-ea"/>
+                <a:cs typeface="+mn-cs"/>
+              </a:defRPr>
+            </a:lvl2pPr>
+            <a:lvl3pPr marL="0" indent="0" algn="l" defTabSz="914368" rtl="0" eaLnBrk="1" fontAlgn="t" latinLnBrk="0" hangingPunct="1">
+              <a:spcBef>
+                <a:spcPts val="0"/>
+              </a:spcBef>
+              <a:spcAft>
+                <a:spcPts val="600"/>
+              </a:spcAft>
+              <a:buSzPct val="100000"/>
+              <a:buFont typeface="Symbol" charset="2"/>
+              <a:buNone/>
+              <a:tabLst/>
+              <a:defRPr sz="1600" kern="1200" baseline="0">
+                <a:solidFill>
+                  <a:srgbClr val="0B2A51"/>
+                </a:solidFill>
+                <a:latin typeface="Verdana" pitchFamily="34" charset="0"/>
+                <a:ea typeface="+mn-ea"/>
+                <a:cs typeface="+mn-cs"/>
+              </a:defRPr>
+            </a:lvl3pPr>
+            <a:lvl4pPr marL="288925" indent="-127000" algn="l" defTabSz="914368" rtl="0" eaLnBrk="1" latinLnBrk="0" hangingPunct="1">
+              <a:spcBef>
+                <a:spcPts val="0"/>
+              </a:spcBef>
+              <a:spcAft>
+                <a:spcPts val="600"/>
+              </a:spcAft>
+              <a:buClr>
+                <a:schemeClr val="tx1"/>
+              </a:buClr>
+              <a:buSzPct val="100000"/>
+              <a:buFont typeface="LucidaGrande" charset="0"/>
+              <a:buChar char="_"/>
+              <a:tabLst/>
+              <a:defRPr sz="1600" kern="1200" baseline="0">
+                <a:solidFill>
+                  <a:srgbClr val="0B2A51"/>
+                </a:solidFill>
+                <a:latin typeface="Verdana" pitchFamily="34" charset="0"/>
+                <a:ea typeface="+mn-ea"/>
+                <a:cs typeface="+mn-cs"/>
+              </a:defRPr>
+            </a:lvl4pPr>
+            <a:lvl5pPr marL="415925" indent="-127000" algn="l" defTabSz="914368" rtl="0" eaLnBrk="1" latinLnBrk="0" hangingPunct="1">
+              <a:spcBef>
+                <a:spcPts val="0"/>
+              </a:spcBef>
+              <a:spcAft>
+                <a:spcPts val="600"/>
+              </a:spcAft>
+              <a:buSzPct val="170000"/>
+              <a:buFont typeface="AppleSymbols" charset="0"/>
+              <a:buChar char="⌞"/>
+              <a:tabLst/>
+              <a:defRPr sz="1600" kern="1200" baseline="0">
+                <a:solidFill>
+                  <a:srgbClr val="0B2A51"/>
+                </a:solidFill>
+                <a:latin typeface="Verdana" pitchFamily="34" charset="0"/>
+                <a:ea typeface="+mn-ea"/>
+                <a:cs typeface="+mn-cs"/>
+              </a:defRPr>
+            </a:lvl5pPr>
+            <a:lvl6pPr marL="2514512" indent="-228592" algn="l" defTabSz="914368" rtl="0" eaLnBrk="1" latinLnBrk="0" hangingPunct="1">
+              <a:spcBef>
+                <a:spcPct val="20000"/>
+              </a:spcBef>
+              <a:buFont typeface="Arial" pitchFamily="34" charset="0"/>
+              <a:buChar char="•"/>
+              <a:defRPr sz="2000" kern="1200">
+                <a:solidFill>
+                  <a:schemeClr val="tx1"/>
+                </a:solidFill>
+                <a:latin typeface="+mn-lt"/>
+                <a:ea typeface="+mn-ea"/>
+                <a:cs typeface="+mn-cs"/>
+              </a:defRPr>
+            </a:lvl6pPr>
+            <a:lvl7pPr marL="2971696" indent="-228592" algn="l" defTabSz="914368" rtl="0" eaLnBrk="1" latinLnBrk="0" hangingPunct="1">
+              <a:spcBef>
+                <a:spcPct val="20000"/>
+              </a:spcBef>
+              <a:buFont typeface="Arial" pitchFamily="34" charset="0"/>
+              <a:buChar char="•"/>
+              <a:defRPr sz="2000" kern="1200">
+                <a:solidFill>
+                  <a:schemeClr val="tx1"/>
+                </a:solidFill>
+                <a:latin typeface="+mn-lt"/>
+                <a:ea typeface="+mn-ea"/>
+                <a:cs typeface="+mn-cs"/>
+              </a:defRPr>
+            </a:lvl7pPr>
+            <a:lvl8pPr marL="3428880" indent="-228592" algn="l" defTabSz="914368" rtl="0" eaLnBrk="1" latinLnBrk="0" hangingPunct="1">
+              <a:spcBef>
+                <a:spcPct val="20000"/>
+              </a:spcBef>
+              <a:buFont typeface="Arial" pitchFamily="34" charset="0"/>
+              <a:buChar char="•"/>
+              <a:defRPr sz="2000" kern="1200">
+                <a:solidFill>
+                  <a:schemeClr val="tx1"/>
+                </a:solidFill>
+                <a:latin typeface="+mn-lt"/>
+                <a:ea typeface="+mn-ea"/>
+                <a:cs typeface="+mn-cs"/>
+              </a:defRPr>
+            </a:lvl8pPr>
+            <a:lvl9pPr marL="3886064" indent="-228592" algn="l" defTabSz="914368" rtl="0" eaLnBrk="1" latinLnBrk="0" hangingPunct="1">
+              <a:spcBef>
+                <a:spcPct val="20000"/>
+              </a:spcBef>
+              <a:buFont typeface="Arial" pitchFamily="34" charset="0"/>
+              <a:buChar char="•"/>
+              <a:defRPr sz="2000" kern="1200">
+                <a:solidFill>
+                  <a:schemeClr val="tx1"/>
+                </a:solidFill>
+                <a:latin typeface="+mn-lt"/>
+                <a:ea typeface="+mn-ea"/>
+                <a:cs typeface="+mn-cs"/>
+              </a:defRPr>
+            </a:lvl9pPr>
+          </a:lstStyle>
+          <a:p>
+            <a:pPr marL="342900" indent="-342900">
+              <a:buFont typeface=".AppleSystemUIFont" charset="-120"/>
+              <a:buChar char="-"/>
+            </a:pPr>
+            <a:r>
+              <a:rPr lang="de-DE" dirty="0" smtClean="0"/>
+              <a:t>Klassen des Packages</a:t>
+            </a:r>
+            <a:endParaRPr lang="de-DE" dirty="0"/>
+          </a:p>
+          <a:p>
+            <a:pPr marL="631825" lvl="3" indent="-342900">
+              <a:buFont typeface="Wingdings" charset="2"/>
+              <a:buChar char="§"/>
+            </a:pPr>
+            <a:r>
+              <a:rPr lang="de-DE" dirty="0" smtClean="0"/>
+              <a:t>Views</a:t>
+            </a:r>
+          </a:p>
+          <a:p>
+            <a:pPr marL="758825" lvl="4" indent="-342900">
+              <a:buFont typeface="Wingdings" charset="2"/>
+              <a:buChar char="§"/>
+            </a:pPr>
+            <a:r>
+              <a:rPr lang="de-DE" dirty="0" err="1" smtClean="0"/>
+              <a:t>MainNavigationView</a:t>
+            </a:r>
+            <a:endParaRPr lang="de-DE" dirty="0" smtClean="0"/>
+          </a:p>
+          <a:p>
+            <a:pPr marL="758825" lvl="4" indent="-342900">
+              <a:buFont typeface="Wingdings" charset="2"/>
+              <a:buChar char="§"/>
+            </a:pPr>
+            <a:r>
+              <a:rPr lang="de-DE" dirty="0" err="1" smtClean="0"/>
+              <a:t>FooterPanelView</a:t>
+            </a:r>
+            <a:endParaRPr lang="de-DE" dirty="0" smtClean="0"/>
+          </a:p>
+          <a:p>
+            <a:pPr marL="631825" lvl="3" indent="-342900">
+              <a:buFont typeface="Wingdings" charset="2"/>
+              <a:buChar char="§"/>
+            </a:pPr>
+            <a:r>
+              <a:rPr lang="de-DE" dirty="0" smtClean="0"/>
+              <a:t>Funktionalität</a:t>
+            </a:r>
+          </a:p>
+          <a:p>
+            <a:pPr marL="758825" lvl="4" indent="-342900">
+              <a:buFont typeface="Wingdings" charset="2"/>
+              <a:buChar char="§"/>
+            </a:pPr>
+            <a:r>
+              <a:rPr lang="de-DE" dirty="0" smtClean="0"/>
+              <a:t>Editor</a:t>
+            </a:r>
+          </a:p>
+          <a:p>
+            <a:pPr marL="758825" lvl="4" indent="-342900">
+              <a:buFont typeface="Wingdings" charset="2"/>
+              <a:buChar char="§"/>
+            </a:pPr>
+            <a:r>
+              <a:rPr lang="de-DE" dirty="0" err="1" smtClean="0"/>
+              <a:t>Matuc</a:t>
+            </a:r>
+            <a:endParaRPr lang="de-DE" dirty="0" smtClean="0"/>
+          </a:p>
+          <a:p>
+            <a:pPr marL="758825" lvl="4" indent="-342900">
+              <a:buFont typeface="Wingdings" charset="2"/>
+              <a:buChar char="§"/>
+            </a:pPr>
+            <a:r>
+              <a:rPr lang="de-DE" dirty="0" err="1" smtClean="0"/>
+              <a:t>Git</a:t>
+            </a:r>
+            <a:endParaRPr lang="de-DE" dirty="0" smtClean="0"/>
+          </a:p>
+          <a:p>
+            <a:pPr marL="631825" lvl="3" indent="-342900">
+              <a:buFont typeface="Wingdings" charset="2"/>
+              <a:buChar char="§"/>
+            </a:pPr>
+            <a:r>
+              <a:rPr lang="de-DE" dirty="0" smtClean="0"/>
+              <a:t>Helfer</a:t>
+            </a:r>
+          </a:p>
+          <a:p>
+            <a:pPr marL="758825" lvl="4" indent="-342900">
+              <a:buFont typeface="Wingdings" charset="2"/>
+              <a:buChar char="§"/>
+            </a:pPr>
+            <a:r>
+              <a:rPr lang="de-DE" dirty="0" err="1" smtClean="0"/>
+              <a:t>ErrorMessageFormatter</a:t>
+            </a:r>
+            <a:endParaRPr lang="de-DE" dirty="0" smtClean="0"/>
+          </a:p>
+          <a:p>
+            <a:pPr marL="758825" lvl="4" indent="-342900">
+              <a:buFont typeface="Wingdings" charset="2"/>
+              <a:buChar char="§"/>
+            </a:pPr>
+            <a:r>
+              <a:rPr lang="de-DE" dirty="0" err="1" smtClean="0"/>
+              <a:t>ShortcutManager</a:t>
+            </a:r>
+            <a:endParaRPr lang="de-DE" dirty="0" smtClean="0"/>
+          </a:p>
+          <a:p>
+            <a:pPr marL="758825" lvl="4" indent="-342900">
+              <a:buFont typeface="Wingdings" charset="2"/>
+              <a:buChar char="§"/>
+            </a:pPr>
+            <a:r>
+              <a:rPr lang="de-DE" dirty="0" err="1" smtClean="0"/>
+              <a:t>ViewManager</a:t>
+            </a:r>
+            <a:endParaRPr lang="de-DE" dirty="0" smtClean="0"/>
+          </a:p>
+          <a:p>
+            <a:pPr marL="758825" lvl="4" indent="-342900">
+              <a:buFont typeface="Wingdings" charset="2"/>
+              <a:buChar char="§"/>
+            </a:pPr>
+            <a:endParaRPr lang="de-DE" dirty="0" smtClean="0"/>
+          </a:p>
+          <a:p>
+            <a:pPr marL="758825" lvl="4" indent="-342900">
+              <a:buFont typeface="Wingdings" charset="2"/>
+              <a:buChar char="§"/>
+            </a:pPr>
+            <a:endParaRPr lang="de-DE" dirty="0" smtClean="0"/>
+          </a:p>
+        </p:txBody>
+      </p:sp>
+      <p:sp>
+        <p:nvSpPr>
+          <p:cNvPr id="9" name="Inhaltsplatzhalter 1"/>
+          <p:cNvSpPr txBox="1">
+            <a:spLocks/>
+          </p:cNvSpPr>
+          <p:nvPr/>
+        </p:nvSpPr>
+        <p:spPr>
+          <a:xfrm>
+            <a:off x="4572000" y="1555036"/>
+            <a:ext cx="3921540" cy="4608041"/>
+          </a:xfrm>
+          <a:prstGeom prst="rect">
+            <a:avLst/>
+          </a:prstGeom>
+        </p:spPr>
+        <p:txBody>
+          <a:bodyPr lIns="0" tIns="0" rIns="0" bIns="0"/>
+          <a:lstStyle>
+            <a:lvl1pPr marL="0" marR="0" indent="0" algn="l" defTabSz="914368" rtl="0" eaLnBrk="1" fontAlgn="t" latinLnBrk="0" hangingPunct="1">
+              <a:lnSpc>
+                <a:spcPct val="100000"/>
+              </a:lnSpc>
+              <a:spcBef>
+                <a:spcPts val="0"/>
+              </a:spcBef>
+              <a:spcAft>
+                <a:spcPts val="600"/>
+              </a:spcAft>
+              <a:buClrTx/>
+              <a:buSzTx/>
+              <a:buFontTx/>
+              <a:buNone/>
+              <a:tabLst/>
+              <a:defRPr sz="2000" kern="1200" baseline="0">
+                <a:solidFill>
+                  <a:srgbClr val="0B2A51"/>
+                </a:solidFill>
+                <a:latin typeface="Verdana" pitchFamily="34" charset="0"/>
+                <a:ea typeface="+mn-ea"/>
+                <a:cs typeface="+mn-cs"/>
+              </a:defRPr>
+            </a:lvl1pPr>
+            <a:lvl2pPr marL="161925" indent="-161925" algn="l" defTabSz="914368" rtl="0" eaLnBrk="1" fontAlgn="t" latinLnBrk="0" hangingPunct="1">
+              <a:spcBef>
+                <a:spcPts val="300"/>
+              </a:spcBef>
+              <a:spcAft>
+                <a:spcPts val="600"/>
+              </a:spcAft>
+              <a:buClr>
+                <a:schemeClr val="tx1"/>
+              </a:buClr>
+              <a:buSzPct val="120000"/>
+              <a:buFont typeface="LucidaGrande" charset="0"/>
+              <a:buChar char="_"/>
+              <a:tabLst/>
+              <a:defRPr sz="2000" kern="1200" baseline="0">
+                <a:solidFill>
+                  <a:srgbClr val="0B2A51"/>
+                </a:solidFill>
+                <a:latin typeface="Verdana" pitchFamily="34" charset="0"/>
+                <a:ea typeface="+mn-ea"/>
+                <a:cs typeface="+mn-cs"/>
+              </a:defRPr>
+            </a:lvl2pPr>
+            <a:lvl3pPr marL="0" indent="0" algn="l" defTabSz="914368" rtl="0" eaLnBrk="1" fontAlgn="t" latinLnBrk="0" hangingPunct="1">
+              <a:spcBef>
+                <a:spcPts val="0"/>
+              </a:spcBef>
+              <a:spcAft>
+                <a:spcPts val="600"/>
+              </a:spcAft>
+              <a:buSzPct val="100000"/>
+              <a:buFont typeface="Symbol" charset="2"/>
+              <a:buNone/>
+              <a:tabLst/>
+              <a:defRPr sz="1600" kern="1200" baseline="0">
+                <a:solidFill>
+                  <a:srgbClr val="0B2A51"/>
+                </a:solidFill>
+                <a:latin typeface="Verdana" pitchFamily="34" charset="0"/>
+                <a:ea typeface="+mn-ea"/>
+                <a:cs typeface="+mn-cs"/>
+              </a:defRPr>
+            </a:lvl3pPr>
+            <a:lvl4pPr marL="288925" indent="-127000" algn="l" defTabSz="914368" rtl="0" eaLnBrk="1" latinLnBrk="0" hangingPunct="1">
+              <a:spcBef>
+                <a:spcPts val="0"/>
+              </a:spcBef>
+              <a:spcAft>
+                <a:spcPts val="600"/>
+              </a:spcAft>
+              <a:buClr>
+                <a:schemeClr val="tx1"/>
+              </a:buClr>
+              <a:buSzPct val="100000"/>
+              <a:buFont typeface="LucidaGrande" charset="0"/>
+              <a:buChar char="_"/>
+              <a:tabLst/>
+              <a:defRPr sz="1600" kern="1200" baseline="0">
+                <a:solidFill>
+                  <a:srgbClr val="0B2A51"/>
+                </a:solidFill>
+                <a:latin typeface="Verdana" pitchFamily="34" charset="0"/>
+                <a:ea typeface="+mn-ea"/>
+                <a:cs typeface="+mn-cs"/>
+              </a:defRPr>
+            </a:lvl4pPr>
+            <a:lvl5pPr marL="415925" indent="-127000" algn="l" defTabSz="914368" rtl="0" eaLnBrk="1" latinLnBrk="0" hangingPunct="1">
+              <a:spcBef>
+                <a:spcPts val="0"/>
+              </a:spcBef>
+              <a:spcAft>
+                <a:spcPts val="600"/>
+              </a:spcAft>
+              <a:buSzPct val="170000"/>
+              <a:buFont typeface="AppleSymbols" charset="0"/>
+              <a:buChar char="⌞"/>
+              <a:tabLst/>
+              <a:defRPr sz="1600" kern="1200" baseline="0">
+                <a:solidFill>
+                  <a:srgbClr val="0B2A51"/>
+                </a:solidFill>
+                <a:latin typeface="Verdana" pitchFamily="34" charset="0"/>
+                <a:ea typeface="+mn-ea"/>
+                <a:cs typeface="+mn-cs"/>
+              </a:defRPr>
+            </a:lvl5pPr>
+            <a:lvl6pPr marL="2514512" indent="-228592" algn="l" defTabSz="914368" rtl="0" eaLnBrk="1" latinLnBrk="0" hangingPunct="1">
+              <a:spcBef>
+                <a:spcPct val="20000"/>
+              </a:spcBef>
+              <a:buFont typeface="Arial" pitchFamily="34" charset="0"/>
+              <a:buChar char="•"/>
+              <a:defRPr sz="2000" kern="1200">
+                <a:solidFill>
+                  <a:schemeClr val="tx1"/>
+                </a:solidFill>
+                <a:latin typeface="+mn-lt"/>
+                <a:ea typeface="+mn-ea"/>
+                <a:cs typeface="+mn-cs"/>
+              </a:defRPr>
+            </a:lvl6pPr>
+            <a:lvl7pPr marL="2971696" indent="-228592" algn="l" defTabSz="914368" rtl="0" eaLnBrk="1" latinLnBrk="0" hangingPunct="1">
+              <a:spcBef>
+                <a:spcPct val="20000"/>
+              </a:spcBef>
+              <a:buFont typeface="Arial" pitchFamily="34" charset="0"/>
+              <a:buChar char="•"/>
+              <a:defRPr sz="2000" kern="1200">
+                <a:solidFill>
+                  <a:schemeClr val="tx1"/>
+                </a:solidFill>
+                <a:latin typeface="+mn-lt"/>
+                <a:ea typeface="+mn-ea"/>
+                <a:cs typeface="+mn-cs"/>
+              </a:defRPr>
+            </a:lvl7pPr>
+            <a:lvl8pPr marL="3428880" indent="-228592" algn="l" defTabSz="914368" rtl="0" eaLnBrk="1" latinLnBrk="0" hangingPunct="1">
+              <a:spcBef>
+                <a:spcPct val="20000"/>
+              </a:spcBef>
+              <a:buFont typeface="Arial" pitchFamily="34" charset="0"/>
+              <a:buChar char="•"/>
+              <a:defRPr sz="2000" kern="1200">
+                <a:solidFill>
+                  <a:schemeClr val="tx1"/>
+                </a:solidFill>
+                <a:latin typeface="+mn-lt"/>
+                <a:ea typeface="+mn-ea"/>
+                <a:cs typeface="+mn-cs"/>
+              </a:defRPr>
+            </a:lvl8pPr>
+            <a:lvl9pPr marL="3886064" indent="-228592" algn="l" defTabSz="914368" rtl="0" eaLnBrk="1" latinLnBrk="0" hangingPunct="1">
+              <a:spcBef>
+                <a:spcPct val="20000"/>
+              </a:spcBef>
+              <a:buFont typeface="Arial" pitchFamily="34" charset="0"/>
+              <a:buChar char="•"/>
+              <a:defRPr sz="2000" kern="1200">
+                <a:solidFill>
+                  <a:schemeClr val="tx1"/>
+                </a:solidFill>
+                <a:latin typeface="+mn-lt"/>
+                <a:ea typeface="+mn-ea"/>
+                <a:cs typeface="+mn-cs"/>
+              </a:defRPr>
+            </a:lvl9pPr>
+          </a:lstStyle>
+          <a:p>
+            <a:pPr marL="342900" indent="-342900">
+              <a:buFont typeface=".AppleSystemUIFont" charset="-120"/>
+              <a:buChar char="-"/>
+            </a:pPr>
+            <a:endParaRPr lang="de-DE" dirty="0" smtClean="0"/>
+          </a:p>
+          <a:p>
+            <a:pPr marL="631825" lvl="3" indent="-342900">
+              <a:buFont typeface="Wingdings" charset="2"/>
+              <a:buChar char="§"/>
+            </a:pPr>
+            <a:r>
+              <a:rPr lang="de-DE" dirty="0" smtClean="0"/>
+              <a:t>Dialoge</a:t>
+            </a:r>
+          </a:p>
+          <a:p>
+            <a:pPr marL="758825" lvl="4" indent="-342900">
+              <a:buFont typeface="Wingdings" charset="2"/>
+              <a:buChar char="§"/>
+            </a:pPr>
+            <a:r>
+              <a:rPr lang="de-DE" dirty="0" err="1" smtClean="0"/>
+              <a:t>NewProjectDialog</a:t>
+            </a:r>
+            <a:endParaRPr lang="de-DE" dirty="0" smtClean="0"/>
+          </a:p>
+          <a:p>
+            <a:pPr marL="758825" lvl="4" indent="-342900">
+              <a:buFont typeface="Wingdings" charset="2"/>
+              <a:buChar char="§"/>
+            </a:pPr>
+            <a:r>
+              <a:rPr lang="de-DE" dirty="0" err="1" smtClean="0"/>
+              <a:t>EditProjectDialog</a:t>
+            </a:r>
+            <a:endParaRPr lang="de-DE" dirty="0" smtClean="0"/>
+          </a:p>
+          <a:p>
+            <a:pPr marL="758825" lvl="4" indent="-342900">
+              <a:buFont typeface="Wingdings" charset="2"/>
+              <a:buChar char="§"/>
+            </a:pPr>
+            <a:r>
+              <a:rPr lang="de-DE" dirty="0" err="1" smtClean="0"/>
+              <a:t>ImportTableCsvDialog</a:t>
+            </a:r>
+            <a:endParaRPr lang="de-DE" dirty="0" smtClean="0"/>
+          </a:p>
+          <a:p>
+            <a:pPr marL="758825" lvl="4" indent="-342900">
+              <a:buFont typeface="Wingdings" charset="2"/>
+              <a:buChar char="§"/>
+            </a:pPr>
+            <a:r>
+              <a:rPr lang="de-DE" dirty="0" err="1" smtClean="0"/>
+              <a:t>InsertFootnoteDialog</a:t>
+            </a:r>
+            <a:endParaRPr lang="de-DE" dirty="0" smtClean="0"/>
+          </a:p>
+          <a:p>
+            <a:pPr marL="758825" lvl="4" indent="-342900">
+              <a:buFont typeface="Wingdings" charset="2"/>
+              <a:buChar char="§"/>
+            </a:pPr>
+            <a:r>
+              <a:rPr lang="de-DE" dirty="0" err="1" smtClean="0"/>
+              <a:t>InsertGraphicDialog</a:t>
+            </a:r>
+            <a:endParaRPr lang="de-DE" dirty="0" smtClean="0"/>
+          </a:p>
+          <a:p>
+            <a:pPr marL="758825" lvl="4" indent="-342900">
+              <a:buFont typeface="Wingdings" charset="2"/>
+              <a:buChar char="§"/>
+            </a:pPr>
+            <a:r>
+              <a:rPr lang="de-DE" dirty="0" err="1" smtClean="0"/>
+              <a:t>InsertLinkDialog</a:t>
+            </a:r>
+            <a:endParaRPr lang="de-DE" dirty="0" smtClean="0"/>
+          </a:p>
+          <a:p>
+            <a:pPr marL="758825" lvl="4" indent="-342900">
+              <a:buFont typeface="Wingdings" charset="2"/>
+              <a:buChar char="§"/>
+            </a:pPr>
+            <a:r>
+              <a:rPr lang="de-DE" dirty="0" err="1" smtClean="0"/>
+              <a:t>InsertTableDialog</a:t>
+            </a:r>
+            <a:endParaRPr lang="de-DE" dirty="0" smtClean="0"/>
+          </a:p>
+          <a:p>
+            <a:pPr marL="758825" lvl="4" indent="-342900">
+              <a:buFont typeface="Wingdings" charset="2"/>
+              <a:buChar char="§"/>
+            </a:pPr>
+            <a:r>
+              <a:rPr lang="de-DE" dirty="0" err="1" smtClean="0"/>
+              <a:t>SaveDialog</a:t>
+            </a:r>
+            <a:endParaRPr lang="de-DE" dirty="0" smtClean="0"/>
+          </a:p>
+          <a:p>
+            <a:pPr marL="758825" lvl="4" indent="-342900">
+              <a:buFont typeface="Wingdings" charset="2"/>
+              <a:buChar char="§"/>
+            </a:pPr>
+            <a:r>
+              <a:rPr lang="de-DE" dirty="0" err="1" smtClean="0"/>
+              <a:t>CommitChangesDialog</a:t>
+            </a:r>
+            <a:endParaRPr lang="de-DE" dirty="0" smtClean="0"/>
+          </a:p>
+        </p:txBody>
+      </p:sp>
+    </p:spTree>
+    <p:extLst>
+      <p:ext uri="{BB962C8B-B14F-4D97-AF65-F5344CB8AC3E}">
+        <p14:creationId xmlns:p14="http://schemas.microsoft.com/office/powerpoint/2010/main" val="624497072"/>
+      </p:ext>
+    </p:extLst>
+  </p:cSld>
+  <p:clrMapOvr>
+    <a:masterClrMapping/>
+  </p:clrMapOvr>
+  <p:transition spd="slow">
+    <p:push dir="u"/>
+  </p:transition>
+  <p:timing>
+    <p:tnLst>
+      <p:par>
+        <p:cTn id="1" dur="indefinite" restart="never" nodeType="tmRoot"/>
+      </p:par>
+    </p:tnLst>
+  </p:timing>
+</p:sld>
+</file>
+
+<file path=ppt/slides/slide15.xml><?xml version="1.0" encoding="utf-8"?>
+<p:sld xmlns:a="http://schemas.openxmlformats.org/drawingml/2006/main" xmlns:r="http://schemas.openxmlformats.org/officeDocument/2006/relationships" xmlns:p="http://schemas.openxmlformats.org/presentationml/2006/main">
+  <p:cSld>
+    <p:spTree>
+      <p:nvGrpSpPr>
+        <p:cNvPr id="1" name=""/>
+        <p:cNvGrpSpPr/>
+        <p:nvPr/>
+      </p:nvGrpSpPr>
+      <p:grpSpPr>
+        <a:xfrm>
+          <a:off x="0" y="0"/>
+          <a:ext cx="0" cy="0"/>
+          <a:chOff x="0" y="0"/>
+          <a:chExt cx="0" cy="0"/>
+        </a:xfrm>
+      </p:grpSpPr>
+      <p:sp>
+        <p:nvSpPr>
+          <p:cNvPr id="3" name="Inhaltsplatzhalter 2"/>
+          <p:cNvSpPr>
+            <a:spLocks noGrp="1"/>
+          </p:cNvSpPr>
+          <p:nvPr>
+            <p:ph sz="quarter" idx="19"/>
+          </p:nvPr>
+        </p:nvSpPr>
+        <p:spPr>
+          <a:xfrm>
+            <a:off x="0" y="764704"/>
+            <a:ext cx="9144000" cy="288032"/>
+          </a:xfrm>
+        </p:spPr>
+        <p:txBody>
+          <a:bodyPr anchor="ctr"/>
+          <a:lstStyle/>
+          <a:p>
+            <a:pPr algn="ctr"/>
+            <a:r>
+              <a:rPr lang="de-DE" sz="1200" b="0" dirty="0"/>
+              <a:t>1. Zielstellung &gt; 2. Bestehende Lösungsansätze &gt; </a:t>
+            </a:r>
+            <a:r>
+              <a:rPr lang="de-DE" sz="1200" b="0" dirty="0">
+                <a:solidFill>
+                  <a:schemeClr val="tx1"/>
+                </a:solidFill>
+              </a:rPr>
+              <a:t>3. Entwicklung einer neuen Erweiterung für ATOM</a:t>
+            </a:r>
+            <a:r>
+              <a:rPr lang="de-DE" sz="1200" b="0" dirty="0"/>
+              <a:t> &gt; 4. Ausblick</a:t>
+            </a:r>
+          </a:p>
+        </p:txBody>
+      </p:sp>
+      <p:sp>
+        <p:nvSpPr>
+          <p:cNvPr id="4" name="Datumsplatzhalter 3"/>
+          <p:cNvSpPr>
+            <a:spLocks noGrp="1"/>
+          </p:cNvSpPr>
+          <p:nvPr>
+            <p:ph type="dt" sz="half" idx="20"/>
+          </p:nvPr>
+        </p:nvSpPr>
+        <p:spPr/>
+        <p:txBody>
+          <a:bodyPr/>
+          <a:lstStyle/>
+          <a:p>
+            <a:fld id="{852F18A7-60EF-DD48-8F37-BE93452F0A67}" type="datetime1">
+              <a:rPr lang="de-DE" smtClean="0"/>
+              <a:t>25.10.16</a:t>
+            </a:fld>
+            <a:endParaRPr lang="de-DE" dirty="0"/>
+          </a:p>
+        </p:txBody>
+      </p:sp>
+      <p:sp>
+        <p:nvSpPr>
+          <p:cNvPr id="6" name="Foliennummernplatzhalter 5"/>
+          <p:cNvSpPr>
+            <a:spLocks noGrp="1"/>
+          </p:cNvSpPr>
+          <p:nvPr>
+            <p:ph type="sldNum" sz="quarter" idx="22"/>
+          </p:nvPr>
+        </p:nvSpPr>
+        <p:spPr/>
+        <p:txBody>
+          <a:bodyPr/>
+          <a:lstStyle/>
+          <a:p>
+            <a:r>
+              <a:rPr lang="de-DE"/>
+              <a:t>Folie </a:t>
+            </a:r>
+            <a:fld id="{20336FBE-96EF-1B43-9998-83765DDB0397}" type="slidenum">
+              <a:rPr lang="de-DE" smtClean="0"/>
+              <a:pPr/>
+              <a:t>15</a:t>
+            </a:fld>
+            <a:r>
+              <a:rPr lang="de-DE"/>
+              <a:t> von XYZ</a:t>
+            </a:r>
+            <a:endParaRPr lang="de-DE" dirty="0"/>
+          </a:p>
+        </p:txBody>
+      </p:sp>
+      <p:sp>
+        <p:nvSpPr>
+          <p:cNvPr id="7" name="Textfeld 6"/>
+          <p:cNvSpPr txBox="1"/>
+          <p:nvPr/>
+        </p:nvSpPr>
+        <p:spPr>
+          <a:xfrm>
+            <a:off x="76971" y="1106160"/>
+            <a:ext cx="4500206" cy="369332"/>
+          </a:xfrm>
+          <a:prstGeom prst="rect">
+            <a:avLst/>
+          </a:prstGeom>
+          <a:noFill/>
+        </p:spPr>
+        <p:txBody>
+          <a:bodyPr wrap="none" rtlCol="0">
+            <a:spAutoFit/>
+          </a:bodyPr>
+          <a:lstStyle/>
+          <a:p>
+            <a:r>
+              <a:rPr lang="de-DE" b="1" dirty="0" smtClean="0"/>
+              <a:t>Struktur im Code und Wiederverwendbarkeit</a:t>
+            </a:r>
+            <a:endParaRPr lang="de-DE" b="1" dirty="0"/>
+          </a:p>
+        </p:txBody>
+      </p:sp>
+      <p:sp>
+        <p:nvSpPr>
+          <p:cNvPr id="8" name="Inhaltsplatzhalter 1"/>
+          <p:cNvSpPr txBox="1">
+            <a:spLocks/>
+          </p:cNvSpPr>
+          <p:nvPr/>
+        </p:nvSpPr>
+        <p:spPr>
+          <a:xfrm>
+            <a:off x="655638" y="1556792"/>
+            <a:ext cx="7804794" cy="4608041"/>
+          </a:xfrm>
+          <a:prstGeom prst="rect">
+            <a:avLst/>
+          </a:prstGeom>
+        </p:spPr>
+        <p:txBody>
+          <a:bodyPr lIns="0" tIns="0" rIns="0" bIns="0"/>
+          <a:lstStyle>
+            <a:lvl1pPr marL="0" marR="0" indent="0" algn="l" defTabSz="914368" rtl="0" eaLnBrk="1" fontAlgn="t" latinLnBrk="0" hangingPunct="1">
+              <a:lnSpc>
+                <a:spcPct val="100000"/>
+              </a:lnSpc>
+              <a:spcBef>
+                <a:spcPts val="0"/>
+              </a:spcBef>
+              <a:spcAft>
+                <a:spcPts val="600"/>
+              </a:spcAft>
+              <a:buClrTx/>
+              <a:buSzTx/>
+              <a:buFontTx/>
+              <a:buNone/>
+              <a:tabLst/>
+              <a:defRPr sz="2000" kern="1200" baseline="0">
+                <a:solidFill>
+                  <a:srgbClr val="0B2A51"/>
+                </a:solidFill>
+                <a:latin typeface="Verdana" pitchFamily="34" charset="0"/>
+                <a:ea typeface="+mn-ea"/>
+                <a:cs typeface="+mn-cs"/>
+              </a:defRPr>
+            </a:lvl1pPr>
+            <a:lvl2pPr marL="161925" indent="-161925" algn="l" defTabSz="914368" rtl="0" eaLnBrk="1" fontAlgn="t" latinLnBrk="0" hangingPunct="1">
+              <a:spcBef>
+                <a:spcPts val="300"/>
+              </a:spcBef>
+              <a:spcAft>
+                <a:spcPts val="600"/>
+              </a:spcAft>
+              <a:buClr>
+                <a:schemeClr val="tx1"/>
+              </a:buClr>
+              <a:buSzPct val="120000"/>
+              <a:buFont typeface="LucidaGrande" charset="0"/>
+              <a:buChar char="_"/>
+              <a:tabLst/>
+              <a:defRPr sz="2000" kern="1200" baseline="0">
+                <a:solidFill>
+                  <a:srgbClr val="0B2A51"/>
+                </a:solidFill>
+                <a:latin typeface="Verdana" pitchFamily="34" charset="0"/>
+                <a:ea typeface="+mn-ea"/>
+                <a:cs typeface="+mn-cs"/>
+              </a:defRPr>
+            </a:lvl2pPr>
+            <a:lvl3pPr marL="0" indent="0" algn="l" defTabSz="914368" rtl="0" eaLnBrk="1" fontAlgn="t" latinLnBrk="0" hangingPunct="1">
+              <a:spcBef>
+                <a:spcPts val="0"/>
+              </a:spcBef>
+              <a:spcAft>
+                <a:spcPts val="600"/>
+              </a:spcAft>
+              <a:buSzPct val="100000"/>
+              <a:buFont typeface="Symbol" charset="2"/>
+              <a:buNone/>
+              <a:tabLst/>
+              <a:defRPr sz="1600" kern="1200" baseline="0">
+                <a:solidFill>
+                  <a:srgbClr val="0B2A51"/>
+                </a:solidFill>
+                <a:latin typeface="Verdana" pitchFamily="34" charset="0"/>
+                <a:ea typeface="+mn-ea"/>
+                <a:cs typeface="+mn-cs"/>
+              </a:defRPr>
+            </a:lvl3pPr>
+            <a:lvl4pPr marL="288925" indent="-127000" algn="l" defTabSz="914368" rtl="0" eaLnBrk="1" latinLnBrk="0" hangingPunct="1">
+              <a:spcBef>
+                <a:spcPts val="0"/>
+              </a:spcBef>
+              <a:spcAft>
+                <a:spcPts val="600"/>
+              </a:spcAft>
+              <a:buClr>
+                <a:schemeClr val="tx1"/>
+              </a:buClr>
+              <a:buSzPct val="100000"/>
+              <a:buFont typeface="LucidaGrande" charset="0"/>
+              <a:buChar char="_"/>
+              <a:tabLst/>
+              <a:defRPr sz="1600" kern="1200" baseline="0">
+                <a:solidFill>
+                  <a:srgbClr val="0B2A51"/>
+                </a:solidFill>
+                <a:latin typeface="Verdana" pitchFamily="34" charset="0"/>
+                <a:ea typeface="+mn-ea"/>
+                <a:cs typeface="+mn-cs"/>
+              </a:defRPr>
+            </a:lvl4pPr>
+            <a:lvl5pPr marL="415925" indent="-127000" algn="l" defTabSz="914368" rtl="0" eaLnBrk="1" latinLnBrk="0" hangingPunct="1">
+              <a:spcBef>
+                <a:spcPts val="0"/>
+              </a:spcBef>
+              <a:spcAft>
+                <a:spcPts val="600"/>
+              </a:spcAft>
+              <a:buSzPct val="170000"/>
+              <a:buFont typeface="AppleSymbols" charset="0"/>
+              <a:buChar char="⌞"/>
+              <a:tabLst/>
+              <a:defRPr sz="1600" kern="1200" baseline="0">
+                <a:solidFill>
+                  <a:srgbClr val="0B2A51"/>
+                </a:solidFill>
+                <a:latin typeface="Verdana" pitchFamily="34" charset="0"/>
+                <a:ea typeface="+mn-ea"/>
+                <a:cs typeface="+mn-cs"/>
+              </a:defRPr>
+            </a:lvl5pPr>
+            <a:lvl6pPr marL="2514512" indent="-228592" algn="l" defTabSz="914368" rtl="0" eaLnBrk="1" latinLnBrk="0" hangingPunct="1">
+              <a:spcBef>
+                <a:spcPct val="20000"/>
+              </a:spcBef>
+              <a:buFont typeface="Arial" pitchFamily="34" charset="0"/>
+              <a:buChar char="•"/>
+              <a:defRPr sz="2000" kern="1200">
+                <a:solidFill>
+                  <a:schemeClr val="tx1"/>
+                </a:solidFill>
+                <a:latin typeface="+mn-lt"/>
+                <a:ea typeface="+mn-ea"/>
+                <a:cs typeface="+mn-cs"/>
+              </a:defRPr>
+            </a:lvl6pPr>
+            <a:lvl7pPr marL="2971696" indent="-228592" algn="l" defTabSz="914368" rtl="0" eaLnBrk="1" latinLnBrk="0" hangingPunct="1">
+              <a:spcBef>
+                <a:spcPct val="20000"/>
+              </a:spcBef>
+              <a:buFont typeface="Arial" pitchFamily="34" charset="0"/>
+              <a:buChar char="•"/>
+              <a:defRPr sz="2000" kern="1200">
+                <a:solidFill>
+                  <a:schemeClr val="tx1"/>
+                </a:solidFill>
+                <a:latin typeface="+mn-lt"/>
+                <a:ea typeface="+mn-ea"/>
+                <a:cs typeface="+mn-cs"/>
+              </a:defRPr>
+            </a:lvl7pPr>
+            <a:lvl8pPr marL="3428880" indent="-228592" algn="l" defTabSz="914368" rtl="0" eaLnBrk="1" latinLnBrk="0" hangingPunct="1">
+              <a:spcBef>
+                <a:spcPct val="20000"/>
+              </a:spcBef>
+              <a:buFont typeface="Arial" pitchFamily="34" charset="0"/>
+              <a:buChar char="•"/>
+              <a:defRPr sz="2000" kern="1200">
+                <a:solidFill>
+                  <a:schemeClr val="tx1"/>
+                </a:solidFill>
+                <a:latin typeface="+mn-lt"/>
+                <a:ea typeface="+mn-ea"/>
+                <a:cs typeface="+mn-cs"/>
+              </a:defRPr>
+            </a:lvl8pPr>
+            <a:lvl9pPr marL="3886064" indent="-228592" algn="l" defTabSz="914368" rtl="0" eaLnBrk="1" latinLnBrk="0" hangingPunct="1">
+              <a:spcBef>
+                <a:spcPct val="20000"/>
+              </a:spcBef>
+              <a:buFont typeface="Arial" pitchFamily="34" charset="0"/>
+              <a:buChar char="•"/>
+              <a:defRPr sz="2000" kern="1200">
+                <a:solidFill>
+                  <a:schemeClr val="tx1"/>
+                </a:solidFill>
+                <a:latin typeface="+mn-lt"/>
+                <a:ea typeface="+mn-ea"/>
+                <a:cs typeface="+mn-cs"/>
+              </a:defRPr>
+            </a:lvl9pPr>
+          </a:lstStyle>
+          <a:p>
+            <a:pPr marL="342900" indent="-342900">
+              <a:buFont typeface=".AppleSystemUIFont" charset="-120"/>
+              <a:buChar char="-"/>
+            </a:pPr>
+            <a:r>
+              <a:rPr lang="de-DE" dirty="0" smtClean="0"/>
+              <a:t>Einfache Erweiterung des Packages</a:t>
+            </a:r>
+            <a:endParaRPr lang="de-DE" dirty="0"/>
+          </a:p>
+          <a:p>
+            <a:pPr marL="631825" lvl="3" indent="-342900">
+              <a:buFont typeface="Wingdings" charset="2"/>
+              <a:buChar char="§"/>
+            </a:pPr>
+            <a:r>
+              <a:rPr lang="de-DE" dirty="0" err="1" smtClean="0"/>
+              <a:t>DialogView</a:t>
+            </a:r>
+            <a:endParaRPr lang="de-DE" dirty="0" smtClean="0"/>
+          </a:p>
+          <a:p>
+            <a:pPr marL="631825" lvl="3" indent="-342900">
+              <a:buFont typeface="Wingdings" charset="2"/>
+              <a:buChar char="§"/>
+            </a:pPr>
+            <a:r>
+              <a:rPr lang="de-DE" dirty="0" err="1" smtClean="0"/>
+              <a:t>ViewManager</a:t>
+            </a:r>
+            <a:endParaRPr lang="de-DE" dirty="0"/>
+          </a:p>
+          <a:p>
+            <a:pPr marL="631825" lvl="3" indent="-342900">
+              <a:buFont typeface="Wingdings" charset="2"/>
+              <a:buChar char="§"/>
+            </a:pPr>
+            <a:endParaRPr lang="de-DE" dirty="0" smtClean="0"/>
+          </a:p>
+          <a:p>
+            <a:pPr marL="342900" lvl="2" indent="-342900">
+              <a:buFont typeface=".AppleSystemUIFont" charset="-120"/>
+              <a:buChar char="-"/>
+            </a:pPr>
+            <a:r>
+              <a:rPr lang="de-DE" sz="2000" dirty="0" smtClean="0"/>
+              <a:t>Sprachunterstützung</a:t>
+            </a:r>
+          </a:p>
+          <a:p>
+            <a:pPr marL="631825" lvl="3" indent="-342900">
+              <a:buFont typeface="Wingdings" charset="2"/>
+              <a:buChar char="§"/>
+            </a:pPr>
+            <a:r>
+              <a:rPr lang="de-DE" dirty="0" smtClean="0"/>
+              <a:t>Alle Textelemente in Variablen</a:t>
+            </a:r>
+          </a:p>
+        </p:txBody>
+      </p:sp>
+    </p:spTree>
+    <p:extLst>
+      <p:ext uri="{BB962C8B-B14F-4D97-AF65-F5344CB8AC3E}">
+        <p14:creationId xmlns:p14="http://schemas.microsoft.com/office/powerpoint/2010/main" val="679048016"/>
       </p:ext>
     </p:extLst>
   </p:cSld>
@@ -7476,34 +10198,41 @@
           <a:lstStyle/>
           <a:p>
             <a:pPr marL="457200" indent="-457200">
+              <a:lnSpc>
+                <a:spcPts val="2600"/>
+              </a:lnSpc>
               <a:buFont typeface="+mj-lt"/>
               <a:buAutoNum type="arabicPeriod"/>
             </a:pPr>
             <a:r>
-              <a:rPr lang="de-DE" dirty="0"/>
+              <a:rPr lang="de-DE" dirty="0" smtClean="0"/>
               <a:t>Zielstellung</a:t>
             </a:r>
-            <a:br>
-              <a:rPr lang="de-DE" dirty="0"/>
-            </a:br>
             <a:endParaRPr lang="de-DE" dirty="0"/>
           </a:p>
           <a:p>
             <a:pPr marL="457200" indent="-457200">
+              <a:lnSpc>
+                <a:spcPts val="2600"/>
+              </a:lnSpc>
               <a:buFont typeface="+mj-lt"/>
               <a:buAutoNum type="arabicPeriod"/>
             </a:pPr>
             <a:r>
               <a:rPr lang="de-DE" dirty="0"/>
-              <a:t>Bestehende Lösungsansätze</a:t>
-            </a:r>
-            <a:br>
-              <a:rPr lang="de-DE" dirty="0"/>
-            </a:br>
+              <a:t>Bestehende </a:t>
+            </a:r>
+            <a:r>
+              <a:rPr lang="de-DE" dirty="0" smtClean="0"/>
+              <a:t>Lösungsansätze</a:t>
+            </a:r>
             <a:endParaRPr lang="de-DE" dirty="0"/>
           </a:p>
           <a:p>
             <a:pPr marL="457200" indent="-457200">
+              <a:lnSpc>
+                <a:spcPts val="2600"/>
+              </a:lnSpc>
               <a:buFont typeface="+mj-lt"/>
               <a:buAutoNum type="arabicPeriod"/>
             </a:pPr>
@@ -7514,18 +10243,42 @@
           </a:p>
           <a:p>
             <a:pPr marL="619125" lvl="1" indent="-457200">
-              <a:buFont typeface="Arial" charset="0"/>
-              <a:buChar char="•"/>
+              <a:lnSpc>
+                <a:spcPts val="2600"/>
+              </a:lnSpc>
+              <a:buFont typeface="Wingdings" charset="2"/>
+              <a:buChar char="§"/>
             </a:pPr>
             <a:r>
               <a:rPr lang="de-DE" sz="1600" dirty="0"/>
-              <a:t>Vorteile des Editors</a:t>
+              <a:t>Vorteile des </a:t>
+            </a:r>
+            <a:r>
+              <a:rPr lang="de-DE" sz="1600" dirty="0" smtClean="0"/>
+              <a:t>Editors</a:t>
             </a:r>
           </a:p>
           <a:p>
             <a:pPr marL="619125" lvl="1" indent="-457200">
-              <a:buFont typeface="Arial" charset="0"/>
-              <a:buChar char="•"/>
+              <a:lnSpc>
+                <a:spcPts val="2600"/>
+              </a:lnSpc>
+              <a:buFont typeface="Wingdings" charset="2"/>
+              <a:buChar char="§"/>
+            </a:pPr>
+            <a:r>
+              <a:rPr lang="de-DE" sz="1600" dirty="0" smtClean="0"/>
+              <a:t>Eingesetzte Werkzeuge für die Entwicklung</a:t>
+            </a:r>
+            <a:endParaRPr lang="de-DE" sz="1600" dirty="0"/>
+          </a:p>
+          <a:p>
+            <a:pPr marL="619125" lvl="1" indent="-457200">
+              <a:lnSpc>
+                <a:spcPts val="2600"/>
+              </a:lnSpc>
+              <a:buFont typeface="Wingdings" charset="2"/>
+              <a:buChar char="§"/>
             </a:pPr>
             <a:r>
               <a:rPr lang="de-DE" sz="1600" dirty="0"/>
@@ -7534,20 +10287,27 @@
           </a:p>
           <a:p>
             <a:pPr marL="619125" lvl="1" indent="-457200">
-              <a:buFont typeface="Arial" charset="0"/>
-              <a:buChar char="•"/>
+              <a:lnSpc>
+                <a:spcPts val="2600"/>
+              </a:lnSpc>
+              <a:buFont typeface="Wingdings" charset="2"/>
+              <a:buChar char="§"/>
             </a:pPr>
             <a:r>
               <a:rPr lang="de-DE" sz="1600" dirty="0"/>
-              <a:t>Struktur im Code, Wiederverwendbarkeit</a:t>
-            </a:r>
-            <a:br>
-              <a:rPr lang="de-DE" sz="1600" dirty="0"/>
-            </a:br>
+              <a:t>Struktur im Code, </a:t>
+            </a:r>
+            <a:r>
+              <a:rPr lang="de-DE" sz="1600" dirty="0" smtClean="0"/>
+              <a:t>Wiederverwendbarkeit</a:t>
+            </a:r>
             <a:endParaRPr lang="de-DE" sz="1600" dirty="0"/>
           </a:p>
           <a:p>
             <a:pPr marL="457200" indent="-457200">
+              <a:lnSpc>
+                <a:spcPts val="2600"/>
+              </a:lnSpc>
               <a:buFont typeface="+mj-lt"/>
               <a:buAutoNum type="arabicPeriod"/>
             </a:pPr>
@@ -8038,6 +10798,9 @@
           <a:lstStyle/>
           <a:p>
             <a:pPr marL="342900" indent="-342900">
+              <a:lnSpc>
+                <a:spcPts val="2600"/>
+              </a:lnSpc>
               <a:buFont typeface=".AppleSystemUIFont" charset="-120"/>
               <a:buChar char="-"/>
             </a:pPr>
@@ -8056,6 +10819,9 @@
           </a:p>
           <a:p>
             <a:pPr marL="631825" lvl="3" indent="-342900">
+              <a:lnSpc>
+                <a:spcPts val="2600"/>
+              </a:lnSpc>
               <a:buFont typeface="Wingdings" charset="2"/>
               <a:buChar char="§"/>
             </a:pPr>
@@ -8074,6 +10840,9 @@
           </a:p>
           <a:p>
             <a:pPr marL="631825" lvl="3" indent="-342900">
+              <a:lnSpc>
+                <a:spcPts val="2600"/>
+              </a:lnSpc>
               <a:buFont typeface="Wingdings" charset="2"/>
               <a:buChar char="§"/>
             </a:pPr>
@@ -8084,6 +10853,9 @@
           </a:p>
           <a:p>
             <a:pPr marL="631825" lvl="3" indent="-342900">
+              <a:lnSpc>
+                <a:spcPts val="2600"/>
+              </a:lnSpc>
               <a:buFont typeface="Wingdings" charset="2"/>
               <a:buChar char="§"/>
             </a:pPr>
@@ -8103,6 +10875,9 @@
           </a:p>
           <a:p>
             <a:pPr marL="631825" lvl="3" indent="-342900">
+              <a:lnSpc>
+                <a:spcPts val="2600"/>
+              </a:lnSpc>
               <a:buFont typeface="Wingdings" charset="2"/>
               <a:buChar char="§"/>
             </a:pPr>
@@ -8113,6 +10888,9 @@
           </a:p>
           <a:p>
             <a:pPr marL="631825" lvl="3" indent="-342900">
+              <a:lnSpc>
+                <a:spcPts val="2600"/>
+              </a:lnSpc>
               <a:buFont typeface="Wingdings" charset="2"/>
               <a:buChar char="§"/>
             </a:pPr>
@@ -8123,6 +10901,9 @@
           </a:p>
           <a:p>
             <a:pPr marL="342900" indent="-342900">
+              <a:lnSpc>
+                <a:spcPts val="2600"/>
+              </a:lnSpc>
               <a:buFont typeface=".AppleSystemUIFont" charset="-120"/>
               <a:buChar char="-"/>
             </a:pPr>
@@ -8133,6 +10914,9 @@
           </a:p>
           <a:p>
             <a:pPr marL="342900" indent="-342900">
+              <a:lnSpc>
+                <a:spcPts val="2600"/>
+              </a:lnSpc>
               <a:buFont typeface=".AppleSystemUIFont" charset="-120"/>
               <a:buChar char="-"/>
             </a:pPr>
@@ -8778,12 +11562,8 @@
               <a:buChar char="§"/>
             </a:pPr>
             <a:r>
-              <a:rPr lang="de-DE" dirty="0" err="1" smtClean="0"/>
-              <a:t>Mpletter</a:t>
-            </a:r>
-            <a:r>
               <a:rPr lang="de-DE" dirty="0" smtClean="0"/>
-              <a:t> Funktionsumfang von </a:t>
+              <a:t>Kompletter Funktionsumfang von </a:t>
             </a:r>
             <a:r>
               <a:rPr lang="de-DE" dirty="0" err="1" smtClean="0"/>
@@ -9063,12 +11843,8 @@
               <a:buChar char="§"/>
             </a:pPr>
             <a:r>
-              <a:rPr lang="de-DE" dirty="0" err="1" smtClean="0"/>
-              <a:t>Mpletter</a:t>
-            </a:r>
-            <a:r>
               <a:rPr lang="de-DE" dirty="0" smtClean="0"/>
-              <a:t> Funktionsumfang von </a:t>
+              <a:t>Kompletter Funktionsumfang von </a:t>
             </a:r>
             <a:r>
               <a:rPr lang="de-DE" dirty="0" err="1" smtClean="0"/>

--- a/presentation.pptx
+++ b/presentation.pptx
@@ -307,6 +307,716 @@
 </p:presentation>
 </file>
 
+<file path=ppt/charts/chart1.xml><?xml version="1.0" encoding="utf-8"?>
+<c:chartSpace xmlns:c="http://schemas.openxmlformats.org/drawingml/2006/chart" xmlns:a="http://schemas.openxmlformats.org/drawingml/2006/main" xmlns:r="http://schemas.openxmlformats.org/officeDocument/2006/relationships" xmlns:c16r2="http://schemas.microsoft.com/office/drawing/2015/06/chart">
+  <c:date1904 val="0"/>
+  <c:lang val="de-DE"/>
+  <c:roundedCorners val="0"/>
+  <mc:AlternateContent xmlns:mc="http://schemas.openxmlformats.org/markup-compatibility/2006">
+    <mc:Choice xmlns:c14="http://schemas.microsoft.com/office/drawing/2007/8/2/chart" Requires="c14">
+      <c14:style val="101"/>
+    </mc:Choice>
+    <mc:Fallback>
+      <c:style val="1"/>
+    </mc:Fallback>
+  </mc:AlternateContent>
+  <c:chart>
+    <c:autoTitleDeleted val="1"/>
+    <c:plotArea>
+      <c:layout>
+        <c:manualLayout>
+          <c:layoutTarget val="inner"/>
+          <c:xMode val="edge"/>
+          <c:yMode val="edge"/>
+          <c:x val="1.6928977974984886E-2"/>
+          <c:y val="0.11001818098922818"/>
+          <c:w val="0.64220622331894506"/>
+          <c:h val="0.89691747046689063"/>
+        </c:manualLayout>
+      </c:layout>
+      <c:doughnutChart>
+        <c:varyColors val="1"/>
+        <c:ser>
+          <c:idx val="0"/>
+          <c:order val="0"/>
+          <c:tx>
+            <c:strRef>
+              <c:f>Tabelle1!$B$1</c:f>
+              <c:strCache>
+                <c:ptCount val="1"/>
+                <c:pt idx="0">
+                  <c:v>Programmiersprachen</c:v>
+                </c:pt>
+              </c:strCache>
+            </c:strRef>
+          </c:tx>
+          <c:dPt>
+            <c:idx val="0"/>
+            <c:bubble3D val="0"/>
+            <c:spPr>
+              <a:solidFill>
+                <a:schemeClr val="bg2">
+                  <a:lumMod val="50000"/>
+                </a:schemeClr>
+              </a:solidFill>
+              <a:ln w="19050">
+                <a:solidFill>
+                  <a:schemeClr val="lt1"/>
+                </a:solidFill>
+              </a:ln>
+              <a:effectLst/>
+            </c:spPr>
+            <c:extLst>
+              <c:ext xmlns:c16="http://schemas.microsoft.com/office/drawing/2014/chart" uri="{C3380CC4-5D6E-409C-BE32-E72D297353CC}">
+                <c16:uniqueId val="{00000001-75C9-4E69-83EB-93AA4C88AE1A}"/>
+              </c:ext>
+            </c:extLst>
+          </c:dPt>
+          <c:dPt>
+            <c:idx val="1"/>
+            <c:bubble3D val="0"/>
+            <c:spPr>
+              <a:solidFill>
+                <a:schemeClr val="dk1">
+                  <a:tint val="55000"/>
+                </a:schemeClr>
+              </a:solidFill>
+              <a:ln w="19050">
+                <a:solidFill>
+                  <a:schemeClr val="lt1"/>
+                </a:solidFill>
+              </a:ln>
+              <a:effectLst/>
+            </c:spPr>
+          </c:dPt>
+          <c:cat>
+            <c:strRef>
+              <c:f>Tabelle1!$A$2:$A$3</c:f>
+              <c:strCache>
+                <c:ptCount val="2"/>
+                <c:pt idx="0">
+                  <c:v>Javascript</c:v>
+                </c:pt>
+                <c:pt idx="1">
+                  <c:v>less</c:v>
+                </c:pt>
+              </c:strCache>
+            </c:strRef>
+          </c:cat>
+          <c:val>
+            <c:numRef>
+              <c:f>Tabelle1!$B$2:$B$3</c:f>
+              <c:numCache>
+                <c:formatCode>General</c:formatCode>
+                <c:ptCount val="2"/>
+                <c:pt idx="0">
+                  <c:v>5474</c:v>
+                </c:pt>
+                <c:pt idx="1">
+                  <c:v>1662</c:v>
+                </c:pt>
+              </c:numCache>
+            </c:numRef>
+          </c:val>
+          <c:extLst>
+            <c:ext xmlns:c16="http://schemas.microsoft.com/office/drawing/2014/chart" uri="{C3380CC4-5D6E-409C-BE32-E72D297353CC}">
+              <c16:uniqueId val="{00000000-75C9-4E69-83EB-93AA4C88AE1A}"/>
+            </c:ext>
+          </c:extLst>
+        </c:ser>
+        <c:dLbls>
+          <c:showLegendKey val="0"/>
+          <c:showVal val="0"/>
+          <c:showCatName val="0"/>
+          <c:showSerName val="0"/>
+          <c:showPercent val="0"/>
+          <c:showBubbleSize val="0"/>
+          <c:showLeaderLines val="1"/>
+        </c:dLbls>
+        <c:firstSliceAng val="319"/>
+        <c:holeSize val="75"/>
+      </c:doughnutChart>
+      <c:spPr>
+        <a:noFill/>
+        <a:ln>
+          <a:noFill/>
+        </a:ln>
+        <a:effectLst/>
+      </c:spPr>
+    </c:plotArea>
+    <c:plotVisOnly val="1"/>
+    <c:dispBlanksAs val="gap"/>
+    <c:showDLblsOverMax val="0"/>
+  </c:chart>
+  <c:spPr>
+    <a:noFill/>
+    <a:ln>
+      <a:noFill/>
+    </a:ln>
+    <a:effectLst/>
+  </c:spPr>
+  <c:txPr>
+    <a:bodyPr/>
+    <a:lstStyle/>
+    <a:p>
+      <a:pPr>
+        <a:defRPr/>
+      </a:pPr>
+      <a:endParaRPr lang="de-DE"/>
+    </a:p>
+  </c:txPr>
+  <c:externalData r:id="rId3">
+    <c:autoUpdate val="0"/>
+  </c:externalData>
+</c:chartSpace>
+</file>
+
+<file path=ppt/charts/colors1.xml><?xml version="1.0" encoding="utf-8"?>
+<cs:colorStyle xmlns:cs="http://schemas.microsoft.com/office/drawing/2012/chartStyle" xmlns:a="http://schemas.openxmlformats.org/drawingml/2006/main" meth="cycle" id="20">
+  <a:schemeClr val="dk1"/>
+  <cs:variation>
+    <a:tint val="88500"/>
+  </cs:variation>
+  <cs:variation>
+    <a:tint val="55000"/>
+  </cs:variation>
+  <cs:variation>
+    <a:tint val="75000"/>
+  </cs:variation>
+  <cs:variation>
+    <a:tint val="98500"/>
+  </cs:variation>
+  <cs:variation>
+    <a:tint val="30000"/>
+  </cs:variation>
+  <cs:variation>
+    <a:tint val="60000"/>
+  </cs:variation>
+  <cs:variation>
+    <a:tint val="80000"/>
+  </cs:variation>
+</cs:colorStyle>
+</file>
+
+<file path=ppt/charts/style1.xml><?xml version="1.0" encoding="utf-8"?>
+<cs:chartStyle xmlns:cs="http://schemas.microsoft.com/office/drawing/2012/chartStyle" xmlns:a="http://schemas.openxmlformats.org/drawingml/2006/main" id="251">
+  <cs:axisTitle>
+    <cs:lnRef idx="0"/>
+    <cs:fillRef idx="0"/>
+    <cs:effectRef idx="0"/>
+    <cs:fontRef idx="minor">
+      <a:schemeClr val="tx1">
+        <a:lumMod val="65000"/>
+        <a:lumOff val="35000"/>
+      </a:schemeClr>
+    </cs:fontRef>
+    <cs:defRPr sz="1330" kern="1200"/>
+  </cs:axisTitle>
+  <cs:categoryAxis>
+    <cs:lnRef idx="0"/>
+    <cs:fillRef idx="0"/>
+    <cs:effectRef idx="0"/>
+    <cs:fontRef idx="minor">
+      <a:schemeClr val="tx1">
+        <a:lumMod val="65000"/>
+        <a:lumOff val="35000"/>
+      </a:schemeClr>
+    </cs:fontRef>
+    <cs:spPr>
+      <a:ln w="9525" cap="flat" cmpd="sng" algn="ctr">
+        <a:solidFill>
+          <a:schemeClr val="tx1">
+            <a:lumMod val="15000"/>
+            <a:lumOff val="85000"/>
+          </a:schemeClr>
+        </a:solidFill>
+        <a:round/>
+      </a:ln>
+    </cs:spPr>
+    <cs:defRPr sz="1197" kern="1200"/>
+  </cs:categoryAxis>
+  <cs:chartArea mods="allowNoFillOverride allowNoLineOverride">
+    <cs:lnRef idx="0"/>
+    <cs:fillRef idx="0"/>
+    <cs:effectRef idx="0"/>
+    <cs:fontRef idx="minor">
+      <a:schemeClr val="tx1"/>
+    </cs:fontRef>
+    <cs:spPr>
+      <a:solidFill>
+        <a:schemeClr val="bg1"/>
+      </a:solidFill>
+      <a:ln w="9525" cap="flat" cmpd="sng" algn="ctr">
+        <a:solidFill>
+          <a:schemeClr val="tx1">
+            <a:lumMod val="15000"/>
+            <a:lumOff val="85000"/>
+          </a:schemeClr>
+        </a:solidFill>
+        <a:round/>
+      </a:ln>
+    </cs:spPr>
+    <cs:defRPr sz="1197" kern="1200"/>
+  </cs:chartArea>
+  <cs:dataLabel>
+    <cs:lnRef idx="0"/>
+    <cs:fillRef idx="0"/>
+    <cs:effectRef idx="0"/>
+    <cs:fontRef idx="minor">
+      <a:schemeClr val="tx1">
+        <a:lumMod val="75000"/>
+        <a:lumOff val="25000"/>
+      </a:schemeClr>
+    </cs:fontRef>
+    <cs:defRPr sz="1197" kern="1200"/>
+  </cs:dataLabel>
+  <cs:dataLabelCallout>
+    <cs:lnRef idx="0"/>
+    <cs:fillRef idx="0"/>
+    <cs:effectRef idx="0"/>
+    <cs:fontRef idx="minor">
+      <a:schemeClr val="dk1">
+        <a:lumMod val="65000"/>
+        <a:lumOff val="35000"/>
+      </a:schemeClr>
+    </cs:fontRef>
+    <cs:spPr>
+      <a:solidFill>
+        <a:schemeClr val="lt1"/>
+      </a:solidFill>
+      <a:ln>
+        <a:solidFill>
+          <a:schemeClr val="dk1">
+            <a:lumMod val="25000"/>
+            <a:lumOff val="75000"/>
+          </a:schemeClr>
+        </a:solidFill>
+      </a:ln>
+    </cs:spPr>
+    <cs:defRPr sz="1197" kern="1200"/>
+    <cs:bodyPr rot="0" spcFirstLastPara="1" vertOverflow="clip" horzOverflow="clip" vert="horz" wrap="square" lIns="36576" tIns="18288" rIns="36576" bIns="18288" anchor="ctr" anchorCtr="1">
+      <a:spAutoFit/>
+    </cs:bodyPr>
+  </cs:dataLabelCallout>
+  <cs:dataPoint>
+    <cs:lnRef idx="0"/>
+    <cs:fillRef idx="1">
+      <cs:styleClr val="auto"/>
+    </cs:fillRef>
+    <cs:effectRef idx="0"/>
+    <cs:fontRef idx="minor">
+      <a:schemeClr val="tx1"/>
+    </cs:fontRef>
+    <cs:spPr>
+      <a:ln w="19050">
+        <a:solidFill>
+          <a:schemeClr val="lt1"/>
+        </a:solidFill>
+      </a:ln>
+    </cs:spPr>
+  </cs:dataPoint>
+  <cs:dataPoint3D>
+    <cs:lnRef idx="0"/>
+    <cs:fillRef idx="1">
+      <cs:styleClr val="auto"/>
+    </cs:fillRef>
+    <cs:effectRef idx="0"/>
+    <cs:fontRef idx="minor">
+      <a:schemeClr val="tx1"/>
+    </cs:fontRef>
+    <cs:spPr>
+      <a:ln w="25400">
+        <a:solidFill>
+          <a:schemeClr val="lt1"/>
+        </a:solidFill>
+      </a:ln>
+    </cs:spPr>
+  </cs:dataPoint3D>
+  <cs:dataPointLine>
+    <cs:lnRef idx="0">
+      <cs:styleClr val="auto"/>
+    </cs:lnRef>
+    <cs:fillRef idx="0"/>
+    <cs:effectRef idx="0"/>
+    <cs:fontRef idx="minor">
+      <a:schemeClr val="tx1"/>
+    </cs:fontRef>
+    <cs:spPr>
+      <a:ln w="28575" cap="rnd">
+        <a:solidFill>
+          <a:schemeClr val="phClr"/>
+        </a:solidFill>
+        <a:round/>
+      </a:ln>
+    </cs:spPr>
+  </cs:dataPointLine>
+  <cs:dataPointMarker>
+    <cs:lnRef idx="0">
+      <cs:styleClr val="auto"/>
+    </cs:lnRef>
+    <cs:fillRef idx="1">
+      <cs:styleClr val="auto"/>
+    </cs:fillRef>
+    <cs:effectRef idx="0"/>
+    <cs:fontRef idx="minor">
+      <a:schemeClr val="tx1"/>
+    </cs:fontRef>
+    <cs:spPr>
+      <a:ln w="9525">
+        <a:solidFill>
+          <a:schemeClr val="phClr"/>
+        </a:solidFill>
+      </a:ln>
+    </cs:spPr>
+  </cs:dataPointMarker>
+  <cs:dataPointMarkerLayout symbol="circle" size="5"/>
+  <cs:dataPointWireframe>
+    <cs:lnRef idx="0">
+      <cs:styleClr val="auto"/>
+    </cs:lnRef>
+    <cs:fillRef idx="0"/>
+    <cs:effectRef idx="0"/>
+    <cs:fontRef idx="minor">
+      <a:schemeClr val="tx1"/>
+    </cs:fontRef>
+    <cs:spPr>
+      <a:ln w="9525" cap="rnd">
+        <a:solidFill>
+          <a:schemeClr val="phClr"/>
+        </a:solidFill>
+        <a:round/>
+      </a:ln>
+    </cs:spPr>
+  </cs:dataPointWireframe>
+  <cs:dataTable>
+    <cs:lnRef idx="0"/>
+    <cs:fillRef idx="0"/>
+    <cs:effectRef idx="0"/>
+    <cs:fontRef idx="minor">
+      <a:schemeClr val="tx1">
+        <a:lumMod val="65000"/>
+        <a:lumOff val="35000"/>
+      </a:schemeClr>
+    </cs:fontRef>
+    <cs:spPr>
+      <a:noFill/>
+      <a:ln w="9525" cap="flat" cmpd="sng" algn="ctr">
+        <a:solidFill>
+          <a:schemeClr val="tx1">
+            <a:lumMod val="15000"/>
+            <a:lumOff val="85000"/>
+          </a:schemeClr>
+        </a:solidFill>
+        <a:round/>
+      </a:ln>
+    </cs:spPr>
+    <cs:defRPr sz="1197" kern="1200"/>
+  </cs:dataTable>
+  <cs:downBar>
+    <cs:lnRef idx="0"/>
+    <cs:fillRef idx="0"/>
+    <cs:effectRef idx="0"/>
+    <cs:fontRef idx="minor">
+      <a:schemeClr val="tx1"/>
+    </cs:fontRef>
+    <cs:spPr>
+      <a:solidFill>
+        <a:schemeClr val="dk1">
+          <a:lumMod val="75000"/>
+          <a:lumOff val="25000"/>
+        </a:schemeClr>
+      </a:solidFill>
+      <a:ln w="9525" cap="flat" cmpd="sng" algn="ctr">
+        <a:solidFill>
+          <a:schemeClr val="tx1">
+            <a:lumMod val="65000"/>
+            <a:lumOff val="35000"/>
+          </a:schemeClr>
+        </a:solidFill>
+        <a:round/>
+      </a:ln>
+    </cs:spPr>
+  </cs:downBar>
+  <cs:dropLine>
+    <cs:lnRef idx="0"/>
+    <cs:fillRef idx="0"/>
+    <cs:effectRef idx="0"/>
+    <cs:fontRef idx="minor">
+      <a:schemeClr val="tx1"/>
+    </cs:fontRef>
+    <cs:spPr>
+      <a:ln w="9525" cap="flat" cmpd="sng" algn="ctr">
+        <a:solidFill>
+          <a:schemeClr val="tx1">
+            <a:lumMod val="35000"/>
+            <a:lumOff val="65000"/>
+          </a:schemeClr>
+        </a:solidFill>
+        <a:round/>
+      </a:ln>
+    </cs:spPr>
+  </cs:dropLine>
+  <cs:errorBar>
+    <cs:lnRef idx="0"/>
+    <cs:fillRef idx="0"/>
+    <cs:effectRef idx="0"/>
+    <cs:fontRef idx="minor">
+      <a:schemeClr val="tx1"/>
+    </cs:fontRef>
+    <cs:spPr>
+      <a:ln w="9525" cap="flat" cmpd="sng" algn="ctr">
+        <a:solidFill>
+          <a:schemeClr val="tx1">
+            <a:lumMod val="65000"/>
+            <a:lumOff val="35000"/>
+          </a:schemeClr>
+        </a:solidFill>
+        <a:round/>
+      </a:ln>
+    </cs:spPr>
+  </cs:errorBar>
+  <cs:floor>
+    <cs:lnRef idx="0"/>
+    <cs:fillRef idx="0"/>
+    <cs:effectRef idx="0"/>
+    <cs:fontRef idx="minor">
+      <a:schemeClr val="tx1"/>
+    </cs:fontRef>
+    <cs:spPr>
+      <a:noFill/>
+      <a:ln>
+        <a:noFill/>
+      </a:ln>
+    </cs:spPr>
+  </cs:floor>
+  <cs:gridlineMajor>
+    <cs:lnRef idx="0"/>
+    <cs:fillRef idx="0"/>
+    <cs:effectRef idx="0"/>
+    <cs:fontRef idx="minor">
+      <a:schemeClr val="tx1"/>
+    </cs:fontRef>
+    <cs:spPr>
+      <a:ln w="9525" cap="flat" cmpd="sng" algn="ctr">
+        <a:solidFill>
+          <a:schemeClr val="tx1">
+            <a:lumMod val="15000"/>
+            <a:lumOff val="85000"/>
+          </a:schemeClr>
+        </a:solidFill>
+        <a:round/>
+      </a:ln>
+    </cs:spPr>
+  </cs:gridlineMajor>
+  <cs:gridlineMinor>
+    <cs:lnRef idx="0"/>
+    <cs:fillRef idx="0"/>
+    <cs:effectRef idx="0"/>
+    <cs:fontRef idx="minor">
+      <a:schemeClr val="tx1"/>
+    </cs:fontRef>
+    <cs:spPr>
+      <a:ln w="9525" cap="flat" cmpd="sng" algn="ctr">
+        <a:solidFill>
+          <a:schemeClr val="tx1">
+            <a:lumMod val="5000"/>
+            <a:lumOff val="95000"/>
+          </a:schemeClr>
+        </a:solidFill>
+        <a:round/>
+      </a:ln>
+    </cs:spPr>
+  </cs:gridlineMinor>
+  <cs:hiLoLine>
+    <cs:lnRef idx="0"/>
+    <cs:fillRef idx="0"/>
+    <cs:effectRef idx="0"/>
+    <cs:fontRef idx="minor">
+      <a:schemeClr val="tx1"/>
+    </cs:fontRef>
+    <cs:spPr>
+      <a:ln w="9525" cap="flat" cmpd="sng" algn="ctr">
+        <a:solidFill>
+          <a:schemeClr val="tx1">
+            <a:lumMod val="50000"/>
+            <a:lumOff val="50000"/>
+          </a:schemeClr>
+        </a:solidFill>
+        <a:round/>
+      </a:ln>
+    </cs:spPr>
+  </cs:hiLoLine>
+  <cs:leaderLine>
+    <cs:lnRef idx="0"/>
+    <cs:fillRef idx="0"/>
+    <cs:effectRef idx="0"/>
+    <cs:fontRef idx="minor">
+      <a:schemeClr val="tx1"/>
+    </cs:fontRef>
+    <cs:spPr>
+      <a:ln w="9525" cap="flat" cmpd="sng" algn="ctr">
+        <a:solidFill>
+          <a:schemeClr val="tx1">
+            <a:lumMod val="35000"/>
+            <a:lumOff val="65000"/>
+          </a:schemeClr>
+        </a:solidFill>
+        <a:round/>
+      </a:ln>
+    </cs:spPr>
+  </cs:leaderLine>
+  <cs:legend>
+    <cs:lnRef idx="0"/>
+    <cs:fillRef idx="0"/>
+    <cs:effectRef idx="0"/>
+    <cs:fontRef idx="minor">
+      <a:schemeClr val="tx1">
+        <a:lumMod val="65000"/>
+        <a:lumOff val="35000"/>
+      </a:schemeClr>
+    </cs:fontRef>
+    <cs:defRPr sz="1197" kern="1200"/>
+  </cs:legend>
+  <cs:plotArea mods="allowNoFillOverride allowNoLineOverride">
+    <cs:lnRef idx="0"/>
+    <cs:fillRef idx="0"/>
+    <cs:effectRef idx="0"/>
+    <cs:fontRef idx="minor">
+      <a:schemeClr val="tx1"/>
+    </cs:fontRef>
+  </cs:plotArea>
+  <cs:plotArea3D mods="allowNoFillOverride allowNoLineOverride">
+    <cs:lnRef idx="0"/>
+    <cs:fillRef idx="0"/>
+    <cs:effectRef idx="0"/>
+    <cs:fontRef idx="minor">
+      <a:schemeClr val="tx1"/>
+    </cs:fontRef>
+  </cs:plotArea3D>
+  <cs:seriesAxis>
+    <cs:lnRef idx="0"/>
+    <cs:fillRef idx="0"/>
+    <cs:effectRef idx="0"/>
+    <cs:fontRef idx="minor">
+      <a:schemeClr val="tx1">
+        <a:lumMod val="65000"/>
+        <a:lumOff val="35000"/>
+      </a:schemeClr>
+    </cs:fontRef>
+    <cs:defRPr sz="1197" kern="1200"/>
+  </cs:seriesAxis>
+  <cs:seriesLine>
+    <cs:lnRef idx="0"/>
+    <cs:fillRef idx="0"/>
+    <cs:effectRef idx="0"/>
+    <cs:fontRef idx="minor">
+      <a:schemeClr val="tx1"/>
+    </cs:fontRef>
+    <cs:spPr>
+      <a:ln w="9525" cap="flat" cmpd="sng" algn="ctr">
+        <a:solidFill>
+          <a:schemeClr val="tx1">
+            <a:lumMod val="35000"/>
+            <a:lumOff val="65000"/>
+          </a:schemeClr>
+        </a:solidFill>
+        <a:round/>
+      </a:ln>
+    </cs:spPr>
+  </cs:seriesLine>
+  <cs:title>
+    <cs:lnRef idx="0"/>
+    <cs:fillRef idx="0"/>
+    <cs:effectRef idx="0"/>
+    <cs:fontRef idx="minor">
+      <a:schemeClr val="tx1">
+        <a:lumMod val="65000"/>
+        <a:lumOff val="35000"/>
+      </a:schemeClr>
+    </cs:fontRef>
+    <cs:defRPr sz="1862" b="0" kern="1200" spc="0" baseline="0"/>
+  </cs:title>
+  <cs:trendline>
+    <cs:lnRef idx="0">
+      <cs:styleClr val="auto"/>
+    </cs:lnRef>
+    <cs:fillRef idx="0"/>
+    <cs:effectRef idx="0"/>
+    <cs:fontRef idx="minor">
+      <a:schemeClr val="tx1"/>
+    </cs:fontRef>
+    <cs:spPr>
+      <a:ln w="19050" cap="rnd">
+        <a:solidFill>
+          <a:schemeClr val="phClr"/>
+        </a:solidFill>
+        <a:prstDash val="sysDot"/>
+      </a:ln>
+    </cs:spPr>
+  </cs:trendline>
+  <cs:trendlineLabel>
+    <cs:lnRef idx="0"/>
+    <cs:fillRef idx="0"/>
+    <cs:effectRef idx="0"/>
+    <cs:fontRef idx="minor">
+      <a:schemeClr val="tx1">
+        <a:lumMod val="65000"/>
+        <a:lumOff val="35000"/>
+      </a:schemeClr>
+    </cs:fontRef>
+    <cs:defRPr sz="1197" kern="1200"/>
+  </cs:trendlineLabel>
+  <cs:upBar>
+    <cs:lnRef idx="0"/>
+    <cs:fillRef idx="0"/>
+    <cs:effectRef idx="0"/>
+    <cs:fontRef idx="minor">
+      <a:schemeClr val="tx1"/>
+    </cs:fontRef>
+    <cs:spPr>
+      <a:solidFill>
+        <a:schemeClr val="lt1"/>
+      </a:solidFill>
+      <a:ln w="9525" cap="flat" cmpd="sng" algn="ctr">
+        <a:solidFill>
+          <a:schemeClr val="tx1">
+            <a:lumMod val="65000"/>
+            <a:lumOff val="35000"/>
+          </a:schemeClr>
+        </a:solidFill>
+        <a:round/>
+      </a:ln>
+    </cs:spPr>
+  </cs:upBar>
+  <cs:valueAxis>
+    <cs:lnRef idx="0"/>
+    <cs:fillRef idx="0"/>
+    <cs:effectRef idx="0"/>
+    <cs:fontRef idx="minor">
+      <a:schemeClr val="tx1">
+        <a:lumMod val="65000"/>
+        <a:lumOff val="35000"/>
+      </a:schemeClr>
+    </cs:fontRef>
+    <cs:defRPr sz="1197" kern="1200"/>
+  </cs:valueAxis>
+  <cs:wall>
+    <cs:lnRef idx="0"/>
+    <cs:fillRef idx="0"/>
+    <cs:effectRef idx="0"/>
+    <cs:fontRef idx="minor">
+      <a:schemeClr val="tx1"/>
+    </cs:fontRef>
+    <cs:spPr>
+      <a:noFill/>
+      <a:ln>
+        <a:noFill/>
+      </a:ln>
+    </cs:spPr>
+  </cs:wall>
+</cs:chartStyle>
+</file>
+
 <file path=ppt/handoutMasters/handoutMaster1.xml><?xml version="1.0" encoding="utf-8"?>
 <p:handoutMaster xmlns:a="http://schemas.openxmlformats.org/drawingml/2006/main" xmlns:r="http://schemas.openxmlformats.org/officeDocument/2006/relationships" xmlns:p="http://schemas.openxmlformats.org/presentationml/2006/main">
   <p:cSld>
@@ -389,7 +1099,7 @@
           <a:p>
             <a:fld id="{C018CAB8-1F61-49D8-8340-04BCC7D2C15D}" type="datetimeFigureOut">
               <a:rPr lang="de-LU" smtClean="0"/>
-              <a:t>24.10.16</a:t>
+              <a:t>25.10.2016</a:t>
             </a:fld>
             <a:endParaRPr lang="de-LU"/>
           </a:p>
@@ -555,7 +1265,7 @@
           <a:p>
             <a:fld id="{8B9FABE9-F223-40F4-B29B-AF42B1456244}" type="datetimeFigureOut">
               <a:rPr lang="de-LU" smtClean="0"/>
-              <a:t>24.10.16</a:t>
+              <a:t>25.10.2016</a:t>
             </a:fld>
             <a:endParaRPr lang="de-LU"/>
           </a:p>
@@ -952,7 +1662,7 @@
           <a:bodyPr/>
           <a:lstStyle/>
           <a:p>
-            <a:endParaRPr lang="de-DE" baseline="0" dirty="0" smtClean="0"/>
+            <a:endParaRPr lang="de-DE" baseline="0" dirty="0"/>
           </a:p>
         </p:txBody>
       </p:sp>
@@ -1037,54 +1747,54 @@
           <a:lstStyle/>
           <a:p>
             <a:r>
-              <a:rPr lang="de-DE" dirty="0" err="1" smtClean="0"/>
+              <a:rPr lang="de-DE" dirty="0" err="1"/>
               <a:t>DialogView</a:t>
             </a:r>
             <a:r>
-              <a:rPr lang="de-DE" dirty="0" smtClean="0"/>
+              <a:rPr lang="de-DE" dirty="0"/>
               <a:t>: Wrapper für neue Dialoge</a:t>
             </a:r>
-            <a:endParaRPr lang="de-DE" baseline="0" dirty="0" smtClean="0"/>
-          </a:p>
-          <a:p>
-            <a:r>
-              <a:rPr lang="de-DE" baseline="0" dirty="0" smtClean="0"/>
+            <a:endParaRPr lang="de-DE" baseline="0" dirty="0"/>
+          </a:p>
+          <a:p>
+            <a:r>
+              <a:rPr lang="de-DE" baseline="0" dirty="0"/>
               <a:t>Oberflächenelemente können mit einfachen Funktionen aus </a:t>
             </a:r>
             <a:r>
-              <a:rPr lang="de-DE" baseline="0" dirty="0" err="1" smtClean="0"/>
+              <a:rPr lang="de-DE" baseline="0" dirty="0" err="1"/>
               <a:t>ViewManager</a:t>
             </a:r>
             <a:r>
-              <a:rPr lang="de-DE" baseline="0" dirty="0" smtClean="0"/>
+              <a:rPr lang="de-DE" baseline="0" dirty="0"/>
               <a:t> eingefügt und angepasst werden</a:t>
             </a:r>
           </a:p>
           <a:p>
             <a:r>
-              <a:rPr lang="de-DE" baseline="0" dirty="0" smtClean="0"/>
+              <a:rPr lang="de-DE" baseline="0" dirty="0"/>
               <a:t>Sprachunterstützung: Bisher Deutsch und Englisch</a:t>
             </a:r>
           </a:p>
           <a:p>
             <a:r>
-              <a:rPr lang="de-DE" baseline="0" dirty="0" smtClean="0"/>
+              <a:rPr lang="de-DE" baseline="0" dirty="0"/>
               <a:t>Keine Textelemente wurden „</a:t>
             </a:r>
             <a:r>
-              <a:rPr lang="de-DE" baseline="0" dirty="0" err="1" smtClean="0"/>
+              <a:rPr lang="de-DE" baseline="0" dirty="0" err="1"/>
               <a:t>hardgecoded</a:t>
             </a:r>
             <a:r>
-              <a:rPr lang="de-DE" baseline="0" dirty="0" smtClean="0"/>
+              <a:rPr lang="de-DE" baseline="0" dirty="0"/>
               <a:t>“, d.h. es handelt sich um Variablen in </a:t>
             </a:r>
             <a:r>
-              <a:rPr lang="de-DE" baseline="0" smtClean="0"/>
+              <a:rPr lang="de-DE" baseline="0"/>
               <a:t>den Dialogen und Hinweisen, </a:t>
             </a:r>
             <a:r>
-              <a:rPr lang="de-DE" baseline="0" dirty="0" smtClean="0"/>
+              <a:rPr lang="de-DE" baseline="0" dirty="0"/>
               <a:t>nicht um feste Strings</a:t>
             </a:r>
           </a:p>
@@ -2024,7 +2734,7 @@
           <a:lstStyle/>
           <a:p>
             <a:r>
-              <a:rPr lang="de-DE" dirty="0" smtClean="0"/>
+              <a:rPr lang="de-DE" dirty="0"/>
               <a:t>Plattformübergreifend:</a:t>
             </a:r>
           </a:p>
@@ -2034,11 +2744,11 @@
               <a:buChar char="-"/>
             </a:pPr>
             <a:r>
-              <a:rPr lang="de-DE" baseline="0" dirty="0" err="1" smtClean="0"/>
+              <a:rPr lang="de-DE" baseline="0" dirty="0" err="1"/>
               <a:t>Läut</a:t>
             </a:r>
             <a:r>
-              <a:rPr lang="de-DE" baseline="0" dirty="0" smtClean="0"/>
+              <a:rPr lang="de-DE" baseline="0" dirty="0"/>
               <a:t> auf allen OS</a:t>
             </a:r>
           </a:p>
@@ -2047,7 +2757,7 @@
               <a:buFontTx/>
               <a:buChar char="-"/>
             </a:pPr>
-            <a:endParaRPr lang="de-DE" baseline="0" dirty="0" smtClean="0"/>
+            <a:endParaRPr lang="de-DE" baseline="0" dirty="0"/>
           </a:p>
           <a:p>
             <a:pPr marL="0" indent="0">
@@ -2055,11 +2765,11 @@
               <a:buNone/>
             </a:pPr>
             <a:r>
-              <a:rPr lang="de-DE" baseline="0" dirty="0" err="1" smtClean="0"/>
+              <a:rPr lang="de-DE" baseline="0" dirty="0" err="1"/>
               <a:t>Git</a:t>
             </a:r>
             <a:r>
-              <a:rPr lang="de-DE" baseline="0" dirty="0" smtClean="0"/>
+              <a:rPr lang="de-DE" baseline="0" dirty="0"/>
               <a:t>-Integration:</a:t>
             </a:r>
           </a:p>
@@ -2069,7 +2779,7 @@
               <a:buChar char="-"/>
             </a:pPr>
             <a:r>
-              <a:rPr lang="de-DE" baseline="0" dirty="0" smtClean="0"/>
+              <a:rPr lang="de-DE" baseline="0" dirty="0"/>
               <a:t>Von Anfang an am Start</a:t>
             </a:r>
           </a:p>
@@ -2079,7 +2789,7 @@
               <a:buChar char="-"/>
             </a:pPr>
             <a:r>
-              <a:rPr lang="de-DE" baseline="0" dirty="0" smtClean="0"/>
+              <a:rPr lang="de-DE" baseline="0" dirty="0"/>
               <a:t>Kostenlos, für Sublime nur proprietär</a:t>
             </a:r>
           </a:p>
@@ -2088,7 +2798,7 @@
               <a:buFontTx/>
               <a:buChar char="-"/>
             </a:pPr>
-            <a:endParaRPr lang="de-DE" baseline="0" dirty="0" smtClean="0"/>
+            <a:endParaRPr lang="de-DE" baseline="0" dirty="0"/>
           </a:p>
           <a:p>
             <a:pPr marL="0" indent="0">
@@ -2096,11 +2806,11 @@
               <a:buNone/>
             </a:pPr>
             <a:r>
-              <a:rPr lang="de-DE" baseline="0" dirty="0" err="1" smtClean="0"/>
+              <a:rPr lang="de-DE" baseline="0" dirty="0" err="1"/>
               <a:t>Electron</a:t>
             </a:r>
             <a:r>
-              <a:rPr lang="de-DE" baseline="0" dirty="0" smtClean="0"/>
+              <a:rPr lang="de-DE" baseline="0" dirty="0"/>
               <a:t>-Engine:</a:t>
             </a:r>
           </a:p>
@@ -2110,7 +2820,7 @@
               <a:buChar char="•"/>
             </a:pPr>
             <a:r>
-              <a:rPr lang="de-DE" sz="1200" kern="1200" dirty="0" smtClean="0">
+              <a:rPr lang="de-DE" sz="1200" kern="1200" dirty="0">
                 <a:solidFill>
                   <a:schemeClr val="tx1"/>
                 </a:solidFill>
@@ -2121,7 +2831,7 @@
               <a:t>Atom </a:t>
             </a:r>
             <a:r>
-              <a:rPr lang="de-DE" sz="1200" kern="1200" dirty="0" err="1" smtClean="0">
+              <a:rPr lang="de-DE" sz="1200" kern="1200" dirty="0" err="1">
                 <a:solidFill>
                   <a:schemeClr val="tx1"/>
                 </a:solidFill>
@@ -2132,7 +2842,7 @@
               <a:t>is</a:t>
             </a:r>
             <a:r>
-              <a:rPr lang="de-DE" sz="1200" kern="1200" dirty="0" smtClean="0">
+              <a:rPr lang="de-DE" sz="1200" kern="1200" dirty="0">
                 <a:solidFill>
                   <a:schemeClr val="tx1"/>
                 </a:solidFill>
@@ -2143,7 +2853,7 @@
               <a:t> a </a:t>
             </a:r>
             <a:r>
-              <a:rPr lang="de-DE" sz="1200" kern="1200" dirty="0" err="1" smtClean="0">
+              <a:rPr lang="de-DE" sz="1200" kern="1200" dirty="0" err="1">
                 <a:solidFill>
                   <a:schemeClr val="tx1"/>
                 </a:solidFill>
@@ -2154,7 +2864,7 @@
               <a:t>desktop</a:t>
             </a:r>
             <a:r>
-              <a:rPr lang="de-DE" sz="1200" kern="1200" dirty="0" smtClean="0">
+              <a:rPr lang="de-DE" sz="1200" kern="1200" dirty="0">
                 <a:solidFill>
                   <a:schemeClr val="tx1"/>
                 </a:solidFill>
@@ -2165,7 +2875,7 @@
               <a:t> </a:t>
             </a:r>
             <a:r>
-              <a:rPr lang="de-DE" sz="1200" kern="1200" dirty="0" err="1" smtClean="0">
+              <a:rPr lang="de-DE" sz="1200" kern="1200" dirty="0" err="1">
                 <a:solidFill>
                   <a:schemeClr val="tx1"/>
                 </a:solidFill>
@@ -2176,7 +2886,7 @@
               <a:t>application</a:t>
             </a:r>
             <a:r>
-              <a:rPr lang="de-DE" sz="1200" kern="1200" dirty="0" smtClean="0">
+              <a:rPr lang="de-DE" sz="1200" kern="1200" dirty="0">
                 <a:solidFill>
                   <a:schemeClr val="tx1"/>
                 </a:solidFill>
@@ -2187,7 +2897,7 @@
               <a:t> </a:t>
             </a:r>
             <a:r>
-              <a:rPr lang="de-DE" sz="1200" kern="1200" dirty="0" err="1" smtClean="0">
+              <a:rPr lang="de-DE" sz="1200" kern="1200" dirty="0" err="1">
                 <a:solidFill>
                   <a:schemeClr val="tx1"/>
                 </a:solidFill>
@@ -2198,7 +2908,7 @@
               <a:t>built</a:t>
             </a:r>
             <a:r>
-              <a:rPr lang="de-DE" sz="1200" kern="1200" dirty="0" smtClean="0">
+              <a:rPr lang="de-DE" sz="1200" kern="1200" dirty="0">
                 <a:solidFill>
                   <a:schemeClr val="tx1"/>
                 </a:solidFill>
@@ -2209,7 +2919,7 @@
               <a:t> </a:t>
             </a:r>
             <a:r>
-              <a:rPr lang="de-DE" sz="1200" kern="1200" dirty="0" err="1" smtClean="0">
+              <a:rPr lang="de-DE" sz="1200" kern="1200" dirty="0" err="1">
                 <a:solidFill>
                   <a:schemeClr val="tx1"/>
                 </a:solidFill>
@@ -2220,7 +2930,7 @@
               <a:t>with</a:t>
             </a:r>
             <a:r>
-              <a:rPr lang="de-DE" sz="1200" kern="1200" dirty="0" smtClean="0">
+              <a:rPr lang="de-DE" sz="1200" kern="1200" dirty="0">
                 <a:solidFill>
                   <a:schemeClr val="tx1"/>
                 </a:solidFill>
@@ -2231,7 +2941,7 @@
               <a:t> HTML, JavaScript, CSS, </a:t>
             </a:r>
             <a:r>
-              <a:rPr lang="de-DE" sz="1200" kern="1200" dirty="0" err="1" smtClean="0">
+              <a:rPr lang="de-DE" sz="1200" kern="1200" dirty="0" err="1">
                 <a:solidFill>
                   <a:schemeClr val="tx1"/>
                 </a:solidFill>
@@ -2242,7 +2952,7 @@
               <a:t>and</a:t>
             </a:r>
             <a:r>
-              <a:rPr lang="de-DE" sz="1200" kern="1200" dirty="0" smtClean="0">
+              <a:rPr lang="de-DE" sz="1200" kern="1200" dirty="0">
                 <a:solidFill>
                   <a:schemeClr val="tx1"/>
                 </a:solidFill>
@@ -2253,7 +2963,7 @@
               <a:t> </a:t>
             </a:r>
             <a:r>
-              <a:rPr lang="de-DE" sz="1200" kern="1200" dirty="0" err="1" smtClean="0">
+              <a:rPr lang="de-DE" sz="1200" kern="1200" dirty="0" err="1">
                 <a:solidFill>
                   <a:schemeClr val="tx1"/>
                 </a:solidFill>
@@ -2264,7 +2974,7 @@
               <a:t>Node.js</a:t>
             </a:r>
             <a:r>
-              <a:rPr lang="de-DE" sz="1200" kern="1200" dirty="0" smtClean="0">
+              <a:rPr lang="de-DE" sz="1200" kern="1200" dirty="0">
                 <a:solidFill>
                   <a:schemeClr val="tx1"/>
                 </a:solidFill>
@@ -2280,7 +2990,7 @@
               <a:buFont typeface="Arial" charset="0"/>
               <a:buChar char="•"/>
             </a:pPr>
-            <a:endParaRPr lang="de-DE" baseline="0" dirty="0" smtClean="0"/>
+            <a:endParaRPr lang="de-DE" baseline="0" dirty="0"/>
           </a:p>
           <a:p>
             <a:pPr marL="0" indent="0">
@@ -2288,7 +2998,7 @@
               <a:buNone/>
             </a:pPr>
             <a:r>
-              <a:rPr lang="de-DE" baseline="0" dirty="0" smtClean="0"/>
+              <a:rPr lang="de-DE" baseline="0" dirty="0"/>
               <a:t>Paketmanager:</a:t>
             </a:r>
           </a:p>
@@ -2298,7 +3008,7 @@
               <a:buChar char="-"/>
             </a:pPr>
             <a:r>
-              <a:rPr lang="de-DE" baseline="0" dirty="0" smtClean="0"/>
+              <a:rPr lang="de-DE" baseline="0" dirty="0"/>
               <a:t>Einfach</a:t>
             </a:r>
           </a:p>
@@ -2308,7 +3018,7 @@
               <a:buChar char="-"/>
             </a:pPr>
             <a:r>
-              <a:rPr lang="de-DE" baseline="0" dirty="0" smtClean="0"/>
+              <a:rPr lang="de-DE" baseline="0" dirty="0"/>
               <a:t>Cool</a:t>
             </a:r>
           </a:p>
@@ -2318,41 +3028,41 @@
               <a:buChar char="-"/>
             </a:pPr>
             <a:r>
-              <a:rPr lang="de-DE" baseline="0" dirty="0" err="1" smtClean="0"/>
+              <a:rPr lang="de-DE" baseline="0" dirty="0" err="1"/>
               <a:t>Node.js</a:t>
             </a:r>
             <a:r>
-              <a:rPr lang="de-DE" baseline="0" dirty="0" smtClean="0"/>
+              <a:rPr lang="de-DE" baseline="0" dirty="0"/>
               <a:t> </a:t>
             </a:r>
             <a:r>
-              <a:rPr lang="de-DE" baseline="0" dirty="0" err="1" smtClean="0"/>
+              <a:rPr lang="de-DE" baseline="0" dirty="0" err="1"/>
               <a:t>packages</a:t>
             </a:r>
             <a:r>
-              <a:rPr lang="de-DE" baseline="0" dirty="0" smtClean="0"/>
+              <a:rPr lang="de-DE" baseline="0" dirty="0"/>
               <a:t> und </a:t>
             </a:r>
             <a:r>
-              <a:rPr lang="de-DE" baseline="0" dirty="0" err="1" smtClean="0"/>
+              <a:rPr lang="de-DE" baseline="0" dirty="0" err="1"/>
               <a:t>atom</a:t>
             </a:r>
             <a:r>
-              <a:rPr lang="de-DE" baseline="0" dirty="0" smtClean="0"/>
+              <a:rPr lang="de-DE" baseline="0" dirty="0"/>
               <a:t> </a:t>
             </a:r>
             <a:r>
-              <a:rPr lang="de-DE" baseline="0" dirty="0" err="1" smtClean="0"/>
+              <a:rPr lang="de-DE" baseline="0" dirty="0" err="1"/>
               <a:t>packages</a:t>
             </a:r>
-            <a:endParaRPr lang="de-DE" baseline="0" dirty="0" smtClean="0"/>
+            <a:endParaRPr lang="de-DE" baseline="0" dirty="0"/>
           </a:p>
           <a:p>
             <a:pPr marL="171450" indent="-171450">
               <a:buFontTx/>
               <a:buChar char="-"/>
             </a:pPr>
-            <a:endParaRPr lang="de-DE" baseline="0" dirty="0" smtClean="0"/>
+            <a:endParaRPr lang="de-DE" baseline="0" dirty="0"/>
           </a:p>
           <a:p>
             <a:pPr marL="0" indent="0">
@@ -2360,7 +3070,7 @@
               <a:buNone/>
             </a:pPr>
             <a:r>
-              <a:rPr lang="de-DE" baseline="0" dirty="0" smtClean="0"/>
+              <a:rPr lang="de-DE" baseline="0" dirty="0"/>
               <a:t>Package-Einstellungen:</a:t>
             </a:r>
           </a:p>
@@ -2370,7 +3080,7 @@
               <a:buChar char="•"/>
             </a:pPr>
             <a:r>
-              <a:rPr lang="de-DE" baseline="0" dirty="0" smtClean="0"/>
+              <a:rPr lang="de-DE" baseline="0" dirty="0"/>
               <a:t>Adaptierbarkeit</a:t>
             </a:r>
           </a:p>
@@ -2380,30 +3090,30 @@
               <a:buChar char="•"/>
             </a:pPr>
             <a:r>
-              <a:rPr lang="de-DE" baseline="0" dirty="0" smtClean="0"/>
+              <a:rPr lang="de-DE" baseline="0" dirty="0"/>
               <a:t>Sublime: </a:t>
             </a:r>
             <a:r>
-              <a:rPr lang="de-DE" baseline="0" dirty="0" err="1" smtClean="0"/>
+              <a:rPr lang="de-DE" baseline="0" dirty="0" err="1"/>
               <a:t>json</a:t>
             </a:r>
             <a:r>
-              <a:rPr lang="de-DE" baseline="0" dirty="0" smtClean="0"/>
+              <a:rPr lang="de-DE" baseline="0" dirty="0"/>
               <a:t> und </a:t>
             </a:r>
             <a:r>
-              <a:rPr lang="de-DE" baseline="0" dirty="0" err="1" smtClean="0"/>
+              <a:rPr lang="de-DE" baseline="0" dirty="0" err="1"/>
               <a:t>python</a:t>
             </a:r>
             <a:r>
-              <a:rPr lang="de-DE" baseline="0" dirty="0" smtClean="0"/>
+              <a:rPr lang="de-DE" baseline="0" dirty="0"/>
               <a:t> </a:t>
             </a:r>
             <a:r>
-              <a:rPr lang="de-DE" baseline="0" dirty="0" err="1" smtClean="0"/>
+              <a:rPr lang="de-DE" baseline="0" dirty="0" err="1"/>
               <a:t>mist</a:t>
             </a:r>
-            <a:endParaRPr lang="de-DE" baseline="0" dirty="0" smtClean="0"/>
+            <a:endParaRPr lang="de-DE" baseline="0" dirty="0"/>
           </a:p>
           <a:p>
             <a:pPr marL="171450" indent="-171450">
@@ -2411,7 +3121,7 @@
               <a:buChar char="•"/>
             </a:pPr>
             <a:r>
-              <a:rPr lang="de-DE" baseline="0" dirty="0" smtClean="0"/>
+              <a:rPr lang="de-DE" baseline="0" dirty="0"/>
               <a:t>Atom: GUI</a:t>
             </a:r>
           </a:p>
@@ -2420,7 +3130,7 @@
               <a:buFontTx/>
               <a:buNone/>
             </a:pPr>
-            <a:endParaRPr lang="de-DE" baseline="0" dirty="0" smtClean="0"/>
+            <a:endParaRPr lang="de-DE" baseline="0" dirty="0"/>
           </a:p>
           <a:p>
             <a:pPr marL="0" indent="0">
@@ -2428,7 +3138,7 @@
               <a:buNone/>
             </a:pPr>
             <a:r>
-              <a:rPr lang="de-DE" baseline="0" dirty="0" smtClean="0"/>
+              <a:rPr lang="de-DE" baseline="0" dirty="0"/>
               <a:t>Fantastischer Support:</a:t>
             </a:r>
           </a:p>
@@ -2438,7 +3148,7 @@
               <a:buChar char="-"/>
             </a:pPr>
             <a:r>
-              <a:rPr lang="de-DE" baseline="0" dirty="0" smtClean="0"/>
+              <a:rPr lang="de-DE" baseline="0" dirty="0"/>
               <a:t>Geile Community</a:t>
             </a:r>
           </a:p>
@@ -2448,11 +3158,11 @@
               <a:buChar char="-"/>
             </a:pPr>
             <a:r>
-              <a:rPr lang="de-DE" baseline="0" dirty="0" err="1" smtClean="0"/>
+              <a:rPr lang="de-DE" baseline="0" dirty="0" err="1"/>
               <a:t>Rüsch</a:t>
             </a:r>
             <a:r>
-              <a:rPr lang="de-DE" baseline="0" dirty="0" smtClean="0"/>
+              <a:rPr lang="de-DE" baseline="0" dirty="0"/>
               <a:t> gute Doku</a:t>
             </a:r>
           </a:p>
@@ -2539,10 +3249,9 @@
           <a:lstStyle/>
           <a:p>
             <a:r>
-              <a:rPr lang="de-DE" dirty="0" smtClean="0"/>
-              <a:t>GUIs:</a:t>
-            </a:r>
-            <a:endParaRPr lang="de-DE" dirty="0"/>
+              <a:rPr lang="de-DE" baseline="0" dirty="0"/>
+              <a:t>ATOM als DIE</a:t>
+            </a:r>
           </a:p>
           <a:p>
             <a:pPr marL="171450" indent="-171450">
@@ -2550,8 +3259,30 @@
               <a:buChar char="-"/>
             </a:pPr>
             <a:r>
-              <a:rPr lang="de-DE" baseline="0" dirty="0" smtClean="0"/>
-              <a:t>Dialoge mit Textfeldern und eindeutigen Hinweisen</a:t>
+              <a:rPr lang="de-DE" baseline="0" dirty="0"/>
+              <a:t>Basiert auf </a:t>
+            </a:r>
+            <a:r>
+              <a:rPr lang="de-DE" baseline="0" dirty="0" err="1"/>
+              <a:t>Electron</a:t>
+            </a:r>
+            <a:r>
+              <a:rPr lang="de-DE" baseline="0" dirty="0"/>
+              <a:t> und Node.js</a:t>
+            </a:r>
+          </a:p>
+          <a:p>
+            <a:pPr marL="0" indent="0">
+              <a:buFontTx/>
+              <a:buNone/>
+            </a:pPr>
+            <a:r>
+              <a:rPr lang="de-DE" baseline="0" dirty="0" err="1"/>
+              <a:t>Github</a:t>
+            </a:r>
+            <a:r>
+              <a:rPr lang="de-DE" baseline="0" dirty="0"/>
+              <a:t>:</a:t>
             </a:r>
           </a:p>
           <a:p>
@@ -2560,28 +3291,30 @@
               <a:buChar char="-"/>
             </a:pPr>
             <a:r>
-              <a:rPr lang="de-DE" dirty="0" smtClean="0"/>
-              <a:t>Bilder:</a:t>
-            </a:r>
-            <a:r>
-              <a:rPr lang="de-DE" baseline="0" dirty="0" smtClean="0"/>
-              <a:t> </a:t>
-            </a:r>
-            <a:r>
-              <a:rPr lang="de-DE" baseline="0" dirty="0" err="1" smtClean="0"/>
-              <a:t>matuc</a:t>
-            </a:r>
-            <a:r>
-              <a:rPr lang="de-DE" baseline="0" dirty="0" smtClean="0"/>
-              <a:t> </a:t>
-            </a:r>
-            <a:r>
-              <a:rPr lang="de-DE" baseline="0" dirty="0" err="1" smtClean="0"/>
-              <a:t>imgdsc</a:t>
-            </a:r>
-            <a:r>
-              <a:rPr lang="de-DE" baseline="0" dirty="0" smtClean="0"/>
-              <a:t> wird aufgerufen, es wird programmatisch entschieden, ob Bildbeschreibungen ausgelagert werden</a:t>
+              <a:rPr lang="de-DE" baseline="0" dirty="0"/>
+              <a:t>Tickets in Form von </a:t>
+            </a:r>
+            <a:r>
+              <a:rPr lang="de-DE" baseline="0" dirty="0" err="1"/>
+              <a:t>issues</a:t>
+            </a:r>
+            <a:r>
+              <a:rPr lang="de-DE" baseline="0" dirty="0"/>
+              <a:t> und Kommunikation</a:t>
+            </a:r>
+          </a:p>
+          <a:p>
+            <a:pPr marL="0" indent="0">
+              <a:buFontTx/>
+              <a:buNone/>
+            </a:pPr>
+            <a:r>
+              <a:rPr lang="de-DE" baseline="0" dirty="0" err="1"/>
+              <a:t>Less</a:t>
+            </a:r>
+            <a:r>
+              <a:rPr lang="de-DE" baseline="0" dirty="0"/>
+              <a:t>:</a:t>
             </a:r>
           </a:p>
           <a:p>
@@ -2590,16 +3323,8 @@
               <a:buChar char="-"/>
             </a:pPr>
             <a:r>
-              <a:rPr lang="de-DE" baseline="0" dirty="0" smtClean="0"/>
-              <a:t>Tabellen: verschiedene </a:t>
-            </a:r>
-            <a:r>
-              <a:rPr lang="de-DE" baseline="0" dirty="0" err="1" smtClean="0"/>
-              <a:t>Markdown</a:t>
-            </a:r>
-            <a:r>
-              <a:rPr lang="de-DE" baseline="0" dirty="0" smtClean="0"/>
-              <a:t> Tabellentypen werden angeboten, nicht alle von Live-Preview unterstützt (siehe Ausblick)</a:t>
+              <a:rPr lang="de-DE" baseline="0" dirty="0"/>
+              <a:t>CSS Präprozessor</a:t>
             </a:r>
           </a:p>
           <a:p>
@@ -2608,8 +3333,8 @@
               <a:buChar char="-"/>
             </a:pPr>
             <a:r>
-              <a:rPr lang="de-DE" baseline="0" dirty="0" smtClean="0"/>
-              <a:t>CSV Import von Tabellen möglich</a:t>
+              <a:rPr lang="de-DE" baseline="0" dirty="0"/>
+              <a:t>Styling</a:t>
             </a:r>
           </a:p>
           <a:p>
@@ -2617,7 +3342,15 @@
               <a:buFontTx/>
               <a:buChar char="-"/>
             </a:pPr>
-            <a:endParaRPr lang="de-DE" baseline="0" dirty="0" smtClean="0"/>
+            <a:r>
+              <a:rPr lang="de-DE" baseline="0" dirty="0"/>
+              <a:t>Nutzung von Variablen und </a:t>
+            </a:r>
+            <a:r>
+              <a:rPr lang="de-DE" baseline="0" dirty="0" err="1"/>
+              <a:t>Mixins</a:t>
+            </a:r>
+            <a:endParaRPr lang="de-DE" baseline="0" dirty="0"/>
           </a:p>
           <a:p>
             <a:pPr marL="0" indent="0">
@@ -2625,44 +3358,9 @@
               <a:buNone/>
             </a:pPr>
             <a:r>
-              <a:rPr lang="de-DE" baseline="0" dirty="0" smtClean="0"/>
-              <a:t>GIT</a:t>
-            </a:r>
-          </a:p>
-          <a:p>
-            <a:pPr marL="171450" indent="-171450">
-              <a:buFontTx/>
-              <a:buChar char="-"/>
-            </a:pPr>
-            <a:r>
-              <a:rPr lang="de-DE" baseline="0" dirty="0" smtClean="0"/>
-              <a:t>In Einstellungen des </a:t>
-            </a:r>
-            <a:r>
-              <a:rPr lang="de-DE" baseline="0" dirty="0" err="1" smtClean="0"/>
-              <a:t>Plugins</a:t>
-            </a:r>
-            <a:r>
-              <a:rPr lang="de-DE" baseline="0" dirty="0" smtClean="0"/>
-              <a:t> kann die Integration deaktiviert werden, ansonsten:</a:t>
-            </a:r>
-          </a:p>
-          <a:p>
-            <a:pPr marL="171450" indent="-171450">
-              <a:buFontTx/>
-              <a:buChar char="-"/>
-            </a:pPr>
-            <a:r>
-              <a:rPr lang="de-DE" baseline="0" dirty="0" smtClean="0"/>
-              <a:t>Beim Speichern wird an das Committen erinnert</a:t>
-            </a:r>
-          </a:p>
-          <a:p>
-            <a:pPr marL="171450" indent="-171450">
-              <a:buFontTx/>
-              <a:buChar char="-"/>
-            </a:pPr>
-            <a:endParaRPr lang="de-DE" baseline="0" dirty="0" smtClean="0"/>
+              <a:rPr lang="de-DE" baseline="0" dirty="0"/>
+              <a:t>JavaScript:</a:t>
+            </a:r>
           </a:p>
           <a:p>
             <a:pPr marL="0" indent="0">
@@ -2670,85 +3368,16 @@
               <a:buNone/>
             </a:pPr>
             <a:r>
-              <a:rPr lang="de-DE" baseline="0" dirty="0" smtClean="0"/>
-              <a:t>Live-Vorschau:</a:t>
-            </a:r>
-          </a:p>
-          <a:p>
-            <a:pPr marL="171450" indent="-171450">
-              <a:buFontTx/>
-              <a:buChar char="-"/>
-            </a:pPr>
-            <a:r>
-              <a:rPr lang="de-DE" baseline="0" dirty="0" smtClean="0"/>
-              <a:t>Man kann sofort sehen was passiert</a:t>
-            </a:r>
-          </a:p>
-          <a:p>
-            <a:pPr marL="171450" indent="-171450">
-              <a:buFontTx/>
-              <a:buChar char="-"/>
-            </a:pPr>
-            <a:r>
-              <a:rPr lang="de-DE" baseline="0" dirty="0" smtClean="0"/>
-              <a:t>Latex </a:t>
-            </a:r>
-            <a:r>
-              <a:rPr lang="de-DE" baseline="0" dirty="0" err="1" smtClean="0"/>
-              <a:t>Formeluntersützung</a:t>
-            </a:r>
-            <a:endParaRPr lang="de-DE" baseline="0" dirty="0" smtClean="0"/>
-          </a:p>
-          <a:p>
-            <a:pPr marL="171450" indent="-171450">
-              <a:buFontTx/>
-              <a:buChar char="-"/>
-            </a:pPr>
-            <a:endParaRPr lang="de-DE" baseline="0" dirty="0" smtClean="0"/>
-          </a:p>
-          <a:p>
-            <a:pPr marL="0" indent="0">
-              <a:buFontTx/>
-              <a:buNone/>
-            </a:pPr>
-            <a:r>
-              <a:rPr lang="de-DE" baseline="0" dirty="0" smtClean="0"/>
-              <a:t>Unterstützung in der Ausführung einzelner Arbeitsschritte</a:t>
-            </a:r>
-          </a:p>
-          <a:p>
-            <a:pPr marL="171450" indent="-171450">
-              <a:buFontTx/>
-              <a:buChar char="-"/>
-            </a:pPr>
-            <a:r>
-              <a:rPr lang="de-DE" baseline="0" dirty="0" smtClean="0"/>
-              <a:t>Commit Abfrage beim Speichern</a:t>
-            </a:r>
-          </a:p>
-          <a:p>
-            <a:pPr marL="171450" indent="-171450">
-              <a:buFontTx/>
-              <a:buChar char="-"/>
-            </a:pPr>
-            <a:r>
-              <a:rPr lang="de-DE" baseline="0" dirty="0" smtClean="0"/>
-              <a:t>beim Speichern wird überprüft mit </a:t>
-            </a:r>
-            <a:r>
-              <a:rPr lang="de-DE" baseline="0" dirty="0" err="1" smtClean="0"/>
-              <a:t>mistkerl</a:t>
-            </a:r>
-            <a:endParaRPr lang="de-DE" baseline="0" dirty="0" smtClean="0"/>
-          </a:p>
-          <a:p>
-            <a:pPr marL="171450" indent="-171450">
-              <a:buFontTx/>
-              <a:buChar char="-"/>
-            </a:pPr>
-            <a:r>
-              <a:rPr lang="de-DE" baseline="0" dirty="0" smtClean="0"/>
-              <a:t>An bestimmten Stellen wird im Hintergrund gespeichert, bevor die gewünschte Funktion ausgeführt wird</a:t>
+              <a:rPr lang="de-DE" baseline="0" dirty="0"/>
+              <a:t>- Package mit </a:t>
+            </a:r>
+            <a:r>
+              <a:rPr lang="de-DE" baseline="0" dirty="0" err="1"/>
+              <a:t>Javascript</a:t>
+            </a:r>
+            <a:r>
+              <a:rPr lang="de-DE" baseline="0" dirty="0"/>
+              <a:t>-Klassen</a:t>
             </a:r>
           </a:p>
         </p:txBody>
@@ -2838,7 +3467,7 @@
               <a:buNone/>
             </a:pPr>
             <a:r>
-              <a:rPr lang="de-DE" baseline="0" dirty="0" smtClean="0"/>
+              <a:rPr lang="de-DE" baseline="0" dirty="0"/>
               <a:t>GIT</a:t>
             </a:r>
           </a:p>
@@ -2848,15 +3477,15 @@
               <a:buChar char="-"/>
             </a:pPr>
             <a:r>
-              <a:rPr lang="de-DE" baseline="0" dirty="0" smtClean="0"/>
+              <a:rPr lang="de-DE" baseline="0" dirty="0"/>
               <a:t>In Einstellungen des </a:t>
             </a:r>
             <a:r>
-              <a:rPr lang="de-DE" baseline="0" dirty="0" err="1" smtClean="0"/>
+              <a:rPr lang="de-DE" baseline="0" dirty="0" err="1"/>
               <a:t>Plugins</a:t>
             </a:r>
             <a:r>
-              <a:rPr lang="de-DE" baseline="0" dirty="0" smtClean="0"/>
+              <a:rPr lang="de-DE" baseline="0" dirty="0"/>
               <a:t> kann die Integration deaktiviert werden, ansonsten:</a:t>
             </a:r>
           </a:p>
@@ -2866,7 +3495,7 @@
               <a:buChar char="-"/>
             </a:pPr>
             <a:r>
-              <a:rPr lang="de-DE" baseline="0" dirty="0" smtClean="0"/>
+              <a:rPr lang="de-DE" baseline="0" dirty="0"/>
               <a:t>Beim Speichern wird an das Committen erinnert</a:t>
             </a:r>
           </a:p>
@@ -2875,7 +3504,7 @@
               <a:buFontTx/>
               <a:buChar char="-"/>
             </a:pPr>
-            <a:endParaRPr lang="de-DE" baseline="0" dirty="0" smtClean="0"/>
+            <a:endParaRPr lang="de-DE" baseline="0" dirty="0"/>
           </a:p>
           <a:p>
             <a:pPr marL="0" indent="0">
@@ -2883,7 +3512,7 @@
               <a:buNone/>
             </a:pPr>
             <a:r>
-              <a:rPr lang="de-DE" baseline="0" dirty="0" smtClean="0"/>
+              <a:rPr lang="de-DE" baseline="0" dirty="0"/>
               <a:t>Live-Vorschau:</a:t>
             </a:r>
           </a:p>
@@ -2893,7 +3522,7 @@
               <a:buChar char="-"/>
             </a:pPr>
             <a:r>
-              <a:rPr lang="de-DE" baseline="0" dirty="0" smtClean="0"/>
+              <a:rPr lang="de-DE" baseline="0" dirty="0"/>
               <a:t>Man kann sofort sehen was passiert</a:t>
             </a:r>
           </a:p>
@@ -2903,28 +3532,28 @@
               <a:buChar char="-"/>
             </a:pPr>
             <a:r>
-              <a:rPr lang="de-DE" baseline="0" dirty="0" smtClean="0"/>
+              <a:rPr lang="de-DE" baseline="0" dirty="0"/>
               <a:t>Latex </a:t>
             </a:r>
             <a:r>
-              <a:rPr lang="de-DE" baseline="0" dirty="0" err="1" smtClean="0"/>
+              <a:rPr lang="de-DE" baseline="0" dirty="0" err="1"/>
               <a:t>Formeluntersützung</a:t>
             </a:r>
-            <a:endParaRPr lang="de-DE" baseline="0" dirty="0" smtClean="0"/>
+            <a:endParaRPr lang="de-DE" baseline="0" dirty="0"/>
           </a:p>
           <a:p>
             <a:pPr marL="171450" indent="-171450">
               <a:buFontTx/>
               <a:buChar char="-"/>
             </a:pPr>
-            <a:endParaRPr lang="de-DE" baseline="0" dirty="0" smtClean="0"/>
+            <a:endParaRPr lang="de-DE" baseline="0" dirty="0"/>
           </a:p>
           <a:p>
             <a:pPr marL="171450" indent="-171450">
               <a:buFontTx/>
               <a:buChar char="-"/>
             </a:pPr>
-            <a:endParaRPr lang="de-DE" baseline="0" dirty="0" smtClean="0"/>
+            <a:endParaRPr lang="de-DE" baseline="0" dirty="0"/>
           </a:p>
           <a:p>
             <a:pPr marL="0" indent="0">
@@ -2932,7 +3561,7 @@
               <a:buNone/>
             </a:pPr>
             <a:r>
-              <a:rPr lang="de-DE" baseline="0" dirty="0" smtClean="0"/>
+              <a:rPr lang="de-DE" baseline="0" dirty="0"/>
               <a:t>Shortcuts für erfahrene Benutzer</a:t>
             </a:r>
           </a:p>
@@ -2942,7 +3571,7 @@
               <a:buChar char="-"/>
             </a:pPr>
             <a:r>
-              <a:rPr lang="de-DE" baseline="0" dirty="0" smtClean="0"/>
+              <a:rPr lang="de-DE" baseline="0" dirty="0"/>
               <a:t>Jede Funktion kann über einen Tastaturkurzbefehl aufgerufen werden</a:t>
             </a:r>
           </a:p>
@@ -2951,7 +3580,7 @@
               <a:buFontTx/>
               <a:buChar char="-"/>
             </a:pPr>
-            <a:endParaRPr lang="de-DE" baseline="0" dirty="0" smtClean="0"/>
+            <a:endParaRPr lang="de-DE" baseline="0" dirty="0"/>
           </a:p>
           <a:p>
             <a:pPr marL="0" indent="0">
@@ -2959,7 +3588,7 @@
               <a:buNone/>
             </a:pPr>
             <a:r>
-              <a:rPr lang="de-DE" baseline="0" dirty="0" smtClean="0"/>
+              <a:rPr lang="de-DE" baseline="0" dirty="0"/>
               <a:t>Unterstützung in der Ausführung einzelner Arbeitsschritte</a:t>
             </a:r>
           </a:p>
@@ -2969,7 +3598,7 @@
               <a:buChar char="-"/>
             </a:pPr>
             <a:r>
-              <a:rPr lang="de-DE" baseline="0" dirty="0" smtClean="0"/>
+              <a:rPr lang="de-DE" baseline="0" dirty="0"/>
               <a:t>Commit Abfrage beim Speichern</a:t>
             </a:r>
           </a:p>
@@ -2979,14 +3608,14 @@
               <a:buChar char="-"/>
             </a:pPr>
             <a:r>
-              <a:rPr lang="de-DE" baseline="0" dirty="0" smtClean="0"/>
+              <a:rPr lang="de-DE" baseline="0" dirty="0"/>
               <a:t>beim Speichern wird überprüft mit </a:t>
             </a:r>
             <a:r>
-              <a:rPr lang="de-DE" baseline="0" dirty="0" err="1" smtClean="0"/>
+              <a:rPr lang="de-DE" baseline="0" dirty="0" err="1"/>
               <a:t>mistkerl</a:t>
             </a:r>
-            <a:endParaRPr lang="de-DE" baseline="0" dirty="0" smtClean="0"/>
+            <a:endParaRPr lang="de-DE" baseline="0" dirty="0"/>
           </a:p>
           <a:p>
             <a:pPr marL="171450" indent="-171450">
@@ -2994,7 +3623,7 @@
               <a:buChar char="-"/>
             </a:pPr>
             <a:r>
-              <a:rPr lang="de-DE" baseline="0" dirty="0" smtClean="0"/>
+              <a:rPr lang="de-DE" baseline="0" dirty="0"/>
               <a:t>An bestimmten Stellen wird im Hintergrund gespeichert, bevor die gewünschte Funktion ausgeführt wird</a:t>
             </a:r>
           </a:p>
@@ -3081,10 +3710,9 @@
           <a:lstStyle/>
           <a:p>
             <a:r>
-              <a:rPr lang="de-DE" dirty="0" smtClean="0"/>
+              <a:rPr lang="de-DE" dirty="0"/>
               <a:t>GUIs:</a:t>
             </a:r>
-            <a:endParaRPr lang="de-DE" dirty="0"/>
           </a:p>
           <a:p>
             <a:pPr marL="171450" indent="-171450">
@@ -3092,7 +3720,7 @@
               <a:buChar char="-"/>
             </a:pPr>
             <a:r>
-              <a:rPr lang="de-DE" baseline="0" dirty="0" smtClean="0"/>
+              <a:rPr lang="de-DE" baseline="0" dirty="0"/>
               <a:t>Dialoge mit Textfeldern und eindeutigen Hinweisen</a:t>
             </a:r>
           </a:p>
@@ -3102,27 +3730,27 @@
               <a:buChar char="-"/>
             </a:pPr>
             <a:r>
-              <a:rPr lang="de-DE" dirty="0" smtClean="0"/>
+              <a:rPr lang="de-DE" dirty="0"/>
               <a:t>Bilder:</a:t>
             </a:r>
             <a:r>
-              <a:rPr lang="de-DE" baseline="0" dirty="0" smtClean="0"/>
+              <a:rPr lang="de-DE" baseline="0" dirty="0"/>
               <a:t> </a:t>
             </a:r>
             <a:r>
-              <a:rPr lang="de-DE" baseline="0" dirty="0" err="1" smtClean="0"/>
+              <a:rPr lang="de-DE" baseline="0" dirty="0" err="1"/>
               <a:t>matuc</a:t>
             </a:r>
             <a:r>
-              <a:rPr lang="de-DE" baseline="0" dirty="0" smtClean="0"/>
+              <a:rPr lang="de-DE" baseline="0" dirty="0"/>
               <a:t> </a:t>
             </a:r>
             <a:r>
-              <a:rPr lang="de-DE" baseline="0" dirty="0" err="1" smtClean="0"/>
+              <a:rPr lang="de-DE" baseline="0" dirty="0" err="1"/>
               <a:t>imgdsc</a:t>
             </a:r>
             <a:r>
-              <a:rPr lang="de-DE" baseline="0" dirty="0" smtClean="0"/>
+              <a:rPr lang="de-DE" baseline="0" dirty="0"/>
               <a:t> wird aufgerufen, es wird programmatisch entschieden, ob Bildbeschreibungen ausgelagert werden</a:t>
             </a:r>
           </a:p>
@@ -3132,15 +3760,15 @@
               <a:buChar char="-"/>
             </a:pPr>
             <a:r>
-              <a:rPr lang="de-DE" baseline="0" dirty="0" smtClean="0"/>
+              <a:rPr lang="de-DE" baseline="0" dirty="0"/>
               <a:t>Tabellen: verschiedene </a:t>
             </a:r>
             <a:r>
-              <a:rPr lang="de-DE" baseline="0" dirty="0" err="1" smtClean="0"/>
+              <a:rPr lang="de-DE" baseline="0" dirty="0" err="1"/>
               <a:t>Markdown</a:t>
             </a:r>
             <a:r>
-              <a:rPr lang="de-DE" baseline="0" dirty="0" smtClean="0"/>
+              <a:rPr lang="de-DE" baseline="0" dirty="0"/>
               <a:t> Tabellentypen werden angeboten, nicht alle von Live-Preview unterstützt (siehe Ausblick)</a:t>
             </a:r>
           </a:p>
@@ -3150,7 +3778,7 @@
               <a:buChar char="-"/>
             </a:pPr>
             <a:r>
-              <a:rPr lang="de-DE" baseline="0" dirty="0" smtClean="0"/>
+              <a:rPr lang="de-DE" baseline="0" dirty="0"/>
               <a:t>CSV Import von Tabellen möglich</a:t>
             </a:r>
           </a:p>
@@ -3543,13 +4171,6 @@
       </p:stSnd>
     </p:sndAc>
   </p:transition>
-  <p:timing>
-    <p:tnLst>
-      <p:par>
-        <p:cTn id="1" dur="indefinite" restart="never" nodeType="tmRoot"/>
-      </p:par>
-    </p:tnLst>
-  </p:timing>
 </p:sldLayout>
 </file>
 
@@ -3955,10 +4576,9 @@
           <a:lstStyle/>
           <a:p>
             <a:r>
-              <a:rPr lang="de-DE" smtClean="0"/>
+              <a:rPr lang="de-DE"/>
               <a:t>Mastertitelformat bearbeiten</a:t>
             </a:r>
-            <a:endParaRPr lang="de-DE"/>
           </a:p>
         </p:txBody>
       </p:sp>
@@ -3980,13 +4600,6 @@
       </p:stSnd>
     </p:sndAc>
   </p:transition>
-  <p:timing>
-    <p:tnLst>
-      <p:par>
-        <p:cTn id="1" dur="indefinite" restart="never" nodeType="tmRoot"/>
-      </p:par>
-    </p:tnLst>
-  </p:timing>
 </p:sldLayout>
 </file>
 
@@ -4216,7 +4829,7 @@
           <a:p>
             <a:fld id="{852F18A7-60EF-DD48-8F37-BE93452F0A67}" type="datetime1">
               <a:rPr lang="de-DE" smtClean="0"/>
-              <a:t>24.10.16</a:t>
+              <a:t>25.10.2016</a:t>
             </a:fld>
             <a:endParaRPr lang="de-DE" dirty="0"/>
           </a:p>
@@ -4272,13 +4885,6 @@
   <p:transition spd="slow">
     <p:push dir="u"/>
   </p:transition>
-  <p:timing>
-    <p:tnLst>
-      <p:par>
-        <p:cTn id="1" dur="indefinite" restart="never" nodeType="tmRoot"/>
-      </p:par>
-    </p:tnLst>
-  </p:timing>
 </p:sldLayout>
 </file>
 
@@ -4667,7 +5273,7 @@
           <a:p>
             <a:fld id="{914A7847-6905-B242-ACA4-DFC698823CB6}" type="datetime1">
               <a:rPr lang="de-DE" smtClean="0"/>
-              <a:t>24.10.16</a:t>
+              <a:t>25.10.2016</a:t>
             </a:fld>
             <a:endParaRPr lang="de-DE" dirty="0"/>
           </a:p>
@@ -5345,7 +5951,7 @@
           <a:p>
             <a:fld id="{773F783F-9998-A34F-A6AA-7D13D942F7CC}" type="datetime1">
               <a:rPr lang="de-DE" smtClean="0"/>
-              <a:t>24.10.16</a:t>
+              <a:t>25.10.2016</a:t>
             </a:fld>
             <a:endParaRPr lang="de-DE" dirty="0"/>
           </a:p>
@@ -5624,7 +6230,7 @@
           <a:p>
             <a:fld id="{1F7C8A0B-D180-C94D-8A26-BC490BCDA509}" type="datetime1">
               <a:rPr lang="de-DE" smtClean="0"/>
-              <a:t>24.10.16</a:t>
+              <a:t>25.10.2016</a:t>
             </a:fld>
             <a:endParaRPr lang="de-DE"/>
           </a:p>
@@ -6191,7 +6797,7 @@
           <a:p>
             <a:fld id="{AE07911B-7DE2-8645-9FD8-F88AE04D4E83}" type="datetime1">
               <a:rPr lang="de-DE" smtClean="0"/>
-              <a:t>24.10.16</a:t>
+              <a:t>25.10.2016</a:t>
             </a:fld>
             <a:endParaRPr lang="de-DE"/>
           </a:p>
@@ -6284,7 +6890,7 @@
           <a:p>
             <a:fld id="{53518F0A-BFE1-F04E-AFB7-3E5E45ABF79C}" type="datetime1">
               <a:rPr lang="de-DE" smtClean="0"/>
-              <a:t>24.10.16</a:t>
+              <a:t>25.10.2016</a:t>
             </a:fld>
             <a:endParaRPr lang="de-DE"/>
           </a:p>
@@ -6526,7 +7132,7 @@
             <a:fld id="{8B5938FC-41F9-514F-B1BF-C7F60C0AA152}" type="datetime1">
               <a:rPr lang="de-DE" smtClean="0"/>
               <a:pPr/>
-              <a:t>24.10.16</a:t>
+              <a:t>25.10.2016</a:t>
             </a:fld>
             <a:endParaRPr lang="de-DE" dirty="0"/>
           </a:p>
@@ -6629,13 +7235,6 @@
       </p:stSnd>
     </p:sndAc>
   </p:transition>
-  <p:timing>
-    <p:tnLst>
-      <p:par>
-        <p:cTn id="1" dur="indefinite" restart="never" nodeType="tmRoot"/>
-      </p:par>
-    </p:tnLst>
-  </p:timing>
   <p:hf hdr="0"/>
   <p:txStyles>
     <p:titleStyle>
@@ -7120,10 +7719,6 @@
               <a:rPr lang="de-DE" dirty="0" err="1"/>
               <a:t>Matuc</a:t>
             </a:r>
-            <a:r>
-              <a:rPr lang="de-DE" dirty="0"/>
-              <a:t/>
-            </a:r>
             <a:br>
               <a:rPr lang="de-DE" dirty="0"/>
             </a:br>
@@ -7174,13 +7769,6 @@
       </p:stSnd>
     </p:sndAc>
   </p:transition>
-  <p:timing>
-    <p:tnLst>
-      <p:par>
-        <p:cTn id="1" dur="indefinite" restart="never" nodeType="tmRoot"/>
-      </p:par>
-    </p:tnLst>
-  </p:timing>
 </p:sld>
 </file>
 
@@ -7201,6 +7789,30 @@
           <a:chExt cx="0" cy="0"/>
         </a:xfrm>
       </p:grpSpPr>
+      <p:pic>
+        <p:nvPicPr>
+          <p:cNvPr id="2" name="Grafik 1"/>
+          <p:cNvPicPr>
+            <a:picLocks noChangeAspect="1"/>
+          </p:cNvPicPr>
+          <p:nvPr/>
+        </p:nvPicPr>
+        <p:blipFill>
+          <a:blip r:embed="rId3"/>
+          <a:stretch>
+            <a:fillRect/>
+          </a:stretch>
+        </p:blipFill>
+        <p:spPr>
+          <a:xfrm>
+            <a:off x="2682236" y="1856961"/>
+            <a:ext cx="3779528" cy="3444247"/>
+          </a:xfrm>
+          <a:prstGeom prst="rect">
+            <a:avLst/>
+          </a:prstGeom>
+        </p:spPr>
+      </p:pic>
       <p:sp>
         <p:nvSpPr>
           <p:cNvPr id="3" name="Inhaltsplatzhalter 2"/>
@@ -7258,7 +7870,7 @@
           <a:p>
             <a:fld id="{852F18A7-60EF-DD48-8F37-BE93452F0A67}" type="datetime1">
               <a:rPr lang="de-DE" smtClean="0"/>
-              <a:t>24.10.16</a:t>
+              <a:t>25.10.2016</a:t>
             </a:fld>
             <a:endParaRPr lang="de-DE" dirty="0"/>
           </a:p>
@@ -7296,36 +7908,6 @@
           </a:p>
         </p:txBody>
       </p:sp>
-      <p:pic>
-        <p:nvPicPr>
-          <p:cNvPr id="5" name="Bild 4"/>
-          <p:cNvPicPr>
-            <a:picLocks noChangeAspect="1"/>
-          </p:cNvPicPr>
-          <p:nvPr/>
-        </p:nvPicPr>
-        <p:blipFill>
-          <a:blip r:embed="rId3">
-            <a:extLst>
-              <a:ext uri="{28A0092B-C50C-407E-A947-70E740481C1C}">
-                <a14:useLocalDpi xmlns:a14="http://schemas.microsoft.com/office/drawing/2010/main" val="0"/>
-              </a:ext>
-            </a:extLst>
-          </a:blip>
-          <a:stretch>
-            <a:fillRect/>
-          </a:stretch>
-        </p:blipFill>
-        <p:spPr>
-          <a:xfrm>
-            <a:off x="2682240" y="1844824"/>
-            <a:ext cx="3779520" cy="3444240"/>
-          </a:xfrm>
-          <a:prstGeom prst="rect">
-            <a:avLst/>
-          </a:prstGeom>
-        </p:spPr>
-      </p:pic>
       <p:sp>
         <p:nvSpPr>
           <p:cNvPr id="8" name="Textfeld 7"/>
@@ -7349,10 +7931,9 @@
           <a:lstStyle/>
           <a:p>
             <a:r>
-              <a:rPr lang="de-DE" dirty="0" smtClean="0"/>
+              <a:rPr lang="de-DE" dirty="0"/>
               <a:t>Plattformübergreifend</a:t>
             </a:r>
-            <a:endParaRPr lang="de-DE" dirty="0"/>
           </a:p>
         </p:txBody>
       </p:sp>
@@ -7379,18 +7960,13 @@
           <a:lstStyle/>
           <a:p>
             <a:r>
-              <a:rPr lang="de-DE" dirty="0" err="1" smtClean="0"/>
+              <a:rPr lang="de-DE" dirty="0" err="1"/>
               <a:t>git</a:t>
             </a:r>
             <a:r>
               <a:rPr lang="de-DE" dirty="0"/>
-              <a:t>-</a:t>
-            </a:r>
-            <a:r>
-              <a:rPr lang="de-DE" dirty="0" smtClean="0"/>
-              <a:t>Integration</a:t>
-            </a:r>
-            <a:endParaRPr lang="de-DE" dirty="0"/>
+              <a:t>-Integration</a:t>
+            </a:r>
           </a:p>
         </p:txBody>
       </p:sp>
@@ -7417,14 +7993,13 @@
           <a:lstStyle/>
           <a:p>
             <a:r>
-              <a:rPr lang="de-DE" dirty="0" err="1" smtClean="0"/>
+              <a:rPr lang="de-DE" dirty="0" err="1"/>
               <a:t>Electron</a:t>
             </a:r>
             <a:r>
-              <a:rPr lang="de-DE" dirty="0" smtClean="0"/>
+              <a:rPr lang="de-DE" dirty="0"/>
               <a:t> Engine</a:t>
             </a:r>
-            <a:endParaRPr lang="de-DE" dirty="0"/>
           </a:p>
         </p:txBody>
       </p:sp>
@@ -7451,18 +8026,17 @@
           <a:lstStyle/>
           <a:p>
             <a:r>
-              <a:rPr lang="de-DE" dirty="0" smtClean="0"/>
+              <a:rPr lang="de-DE" dirty="0"/>
               <a:t>Paketmanager (</a:t>
             </a:r>
             <a:r>
-              <a:rPr lang="de-DE" dirty="0" err="1" smtClean="0"/>
+              <a:rPr lang="de-DE" dirty="0" err="1"/>
               <a:t>apm</a:t>
             </a:r>
             <a:r>
-              <a:rPr lang="de-DE" dirty="0" smtClean="0"/>
+              <a:rPr lang="de-DE" dirty="0"/>
               <a:t>)</a:t>
             </a:r>
-            <a:endParaRPr lang="de-DE" dirty="0"/>
           </a:p>
         </p:txBody>
       </p:sp>
@@ -7489,10 +8063,9 @@
           <a:lstStyle/>
           <a:p>
             <a:r>
-              <a:rPr lang="de-DE" dirty="0" smtClean="0"/>
+              <a:rPr lang="de-DE" dirty="0"/>
               <a:t>Package-Einstellungen</a:t>
             </a:r>
-            <a:endParaRPr lang="de-DE" dirty="0"/>
           </a:p>
         </p:txBody>
       </p:sp>
@@ -7519,10 +8092,9 @@
           <a:lstStyle/>
           <a:p>
             <a:r>
-              <a:rPr lang="de-DE" b="1" dirty="0" smtClean="0"/>
+              <a:rPr lang="de-DE" b="1" dirty="0"/>
               <a:t>Vorteile des Editors</a:t>
             </a:r>
-            <a:endParaRPr lang="de-DE" b="1" dirty="0"/>
           </a:p>
         </p:txBody>
       </p:sp>
@@ -7549,10 +8121,9 @@
           <a:lstStyle/>
           <a:p>
             <a:r>
-              <a:rPr lang="de-DE" smtClean="0"/>
+              <a:rPr lang="de-DE"/>
               <a:t>Support</a:t>
             </a:r>
-            <a:endParaRPr lang="de-DE"/>
           </a:p>
         </p:txBody>
       </p:sp>
@@ -7569,13 +8140,6 @@
   <p:transition spd="slow">
     <p:push dir="u"/>
   </p:transition>
-  <p:timing>
-    <p:tnLst>
-      <p:par>
-        <p:cTn id="1" dur="indefinite" restart="never" nodeType="tmRoot"/>
-      </p:par>
-    </p:tnLst>
-  </p:timing>
 </p:sld>
 </file>
 
@@ -7653,7 +8217,7 @@
           <a:p>
             <a:fld id="{852F18A7-60EF-DD48-8F37-BE93452F0A67}" type="datetime1">
               <a:rPr lang="de-DE" smtClean="0"/>
-              <a:t>25.10.16</a:t>
+              <a:t>25.10.2016</a:t>
             </a:fld>
             <a:endParaRPr lang="de-DE" dirty="0"/>
           </a:p>
@@ -7714,10 +8278,9 @@
           <a:lstStyle/>
           <a:p>
             <a:r>
-              <a:rPr lang="de-DE" b="1" dirty="0" smtClean="0"/>
+              <a:rPr lang="de-DE" b="1" dirty="0"/>
               <a:t>Eingesetzte Werkzeuge für die Entwicklung</a:t>
             </a:r>
-            <a:endParaRPr lang="de-DE" b="1" dirty="0"/>
           </a:p>
         </p:txBody>
       </p:sp>
@@ -7731,8 +8294,8 @@
         </p:nvSpPr>
         <p:spPr>
           <a:xfrm>
-            <a:off x="655637" y="1556792"/>
-            <a:ext cx="7832725" cy="4608041"/>
+            <a:off x="655637" y="1775733"/>
+            <a:ext cx="7832725" cy="451914"/>
           </a:xfrm>
           <a:prstGeom prst="rect">
             <a:avLst/>
@@ -7913,116 +8476,15 @@
             </a:lvl9pPr>
           </a:lstStyle>
           <a:p>
-            <a:pPr marL="342900" indent="-342900">
+            <a:pPr>
               <a:lnSpc>
                 <a:spcPts val="2600"/>
               </a:lnSpc>
-              <a:buFont typeface=".AppleSystemUIFont" charset="-120"/>
-              <a:buChar char="-"/>
-            </a:pPr>
-            <a:r>
-              <a:rPr lang="de-DE" dirty="0" smtClean="0"/>
-              <a:t>Entwicklung des Atom-Packages in Atom</a:t>
-            </a:r>
-          </a:p>
-          <a:p>
-            <a:pPr marL="342900" indent="-342900">
-              <a:lnSpc>
-                <a:spcPts val="2600"/>
-              </a:lnSpc>
-              <a:buFont typeface=".AppleSystemUIFont" charset="-120"/>
-              <a:buChar char="-"/>
-            </a:pPr>
-            <a:r>
-              <a:rPr lang="de-DE" dirty="0" err="1"/>
-              <a:t>g</a:t>
-            </a:r>
-            <a:r>
-              <a:rPr lang="de-DE" dirty="0" err="1" smtClean="0"/>
-              <a:t>it</a:t>
-            </a:r>
-            <a:r>
-              <a:rPr lang="de-DE" dirty="0" smtClean="0"/>
-              <a:t> als Versionskontrolle</a:t>
-            </a:r>
-            <a:br>
-              <a:rPr lang="de-DE" dirty="0" smtClean="0"/>
-            </a:br>
-            <a:r>
-              <a:rPr lang="de-DE" dirty="0" smtClean="0">
-                <a:sym typeface="Wingdings"/>
-              </a:rPr>
-              <a:t> </a:t>
-            </a:r>
-            <a:r>
-              <a:rPr lang="de-DE" dirty="0" err="1" smtClean="0">
-                <a:sym typeface="Wingdings"/>
-              </a:rPr>
-              <a:t>GitHub</a:t>
-            </a:r>
-            <a:r>
-              <a:rPr lang="de-DE" dirty="0" smtClean="0">
-                <a:sym typeface="Wingdings"/>
-              </a:rPr>
-              <a:t> als Ticketsystem</a:t>
-            </a:r>
-          </a:p>
-          <a:p>
-            <a:pPr marL="342900" indent="-342900">
-              <a:lnSpc>
-                <a:spcPts val="2600"/>
-              </a:lnSpc>
-              <a:buFont typeface=".AppleSystemUIFont" charset="-120"/>
-              <a:buChar char="-"/>
-            </a:pPr>
-            <a:r>
-              <a:rPr lang="de-DE" dirty="0" smtClean="0">
-                <a:sym typeface="Wingdings"/>
-              </a:rPr>
-              <a:t>Programmiersprachen:</a:t>
-            </a:r>
-          </a:p>
-          <a:p>
-            <a:pPr marL="631825" lvl="3" indent="-342900">
-              <a:lnSpc>
-                <a:spcPts val="2600"/>
-              </a:lnSpc>
-              <a:buFont typeface="Wingdings" charset="2"/>
-              <a:buChar char="§"/>
-            </a:pPr>
-            <a:r>
-              <a:rPr lang="de-DE" dirty="0" smtClean="0"/>
-              <a:t>JavaScript		5474 Zeilen Code</a:t>
-            </a:r>
-            <a:endParaRPr lang="de-DE" dirty="0"/>
-          </a:p>
-          <a:p>
-            <a:pPr marL="631825" lvl="3" indent="-342900">
-              <a:lnSpc>
-                <a:spcPts val="2600"/>
-              </a:lnSpc>
-              <a:buFont typeface="Wingdings" charset="2"/>
-              <a:buChar char="§"/>
-            </a:pPr>
-            <a:r>
-              <a:rPr lang="de-DE" dirty="0" err="1"/>
-              <a:t>l</a:t>
-            </a:r>
-            <a:r>
-              <a:rPr lang="de-DE" dirty="0" err="1" smtClean="0"/>
-              <a:t>ess</a:t>
-            </a:r>
-            <a:r>
-              <a:rPr lang="de-DE" dirty="0" smtClean="0"/>
-              <a:t>		1662 Zeilen Code</a:t>
-            </a:r>
-          </a:p>
-          <a:p>
-            <a:pPr marL="342900" indent="-342900">
-              <a:buFont typeface=".AppleSystemUIFont" charset="-120"/>
-              <a:buChar char="-"/>
-            </a:pPr>
-            <a:endParaRPr lang="de-DE" dirty="0" smtClean="0"/>
+            </a:pPr>
+            <a:r>
+              <a:rPr lang="de-DE" dirty="0"/>
+              <a:t>        Entwicklung des Atom-Packages in Atom</a:t>
+            </a:r>
           </a:p>
           <a:p>
             <a:pPr marL="631825" lvl="3" indent="-342900">
@@ -8033,174 +8495,321 @@
           </a:p>
         </p:txBody>
       </p:sp>
-    </p:spTree>
-    <p:extLst>
-      <p:ext uri="{BB962C8B-B14F-4D97-AF65-F5344CB8AC3E}">
-        <p14:creationId xmlns:p14="http://schemas.microsoft.com/office/powerpoint/2010/main" val="1782800565"/>
-      </p:ext>
-    </p:extLst>
-  </p:cSld>
-  <p:clrMapOvr>
-    <a:masterClrMapping/>
-  </p:clrMapOvr>
-  <p:transition spd="slow">
-    <p:push dir="u"/>
-  </p:transition>
-  <p:timing>
-    <p:tnLst>
-      <p:par>
-        <p:cTn id="1" dur="indefinite" restart="never" nodeType="tmRoot"/>
-      </p:par>
-    </p:tnLst>
-  </p:timing>
-</p:sld>
-</file>
-
-<file path=ppt/slides/slide12.xml><?xml version="1.0" encoding="utf-8"?>
-<p:sld xmlns:a="http://schemas.openxmlformats.org/drawingml/2006/main" xmlns:r="http://schemas.openxmlformats.org/officeDocument/2006/relationships" xmlns:p="http://schemas.openxmlformats.org/presentationml/2006/main">
-  <p:cSld>
-    <p:spTree>
-      <p:nvGrpSpPr>
-        <p:cNvPr id="1" name=""/>
-        <p:cNvGrpSpPr/>
-        <p:nvPr/>
-      </p:nvGrpSpPr>
-      <p:grpSpPr>
-        <a:xfrm>
-          <a:off x="0" y="0"/>
-          <a:ext cx="0" cy="0"/>
-          <a:chOff x="0" y="0"/>
-          <a:chExt cx="0" cy="0"/>
-        </a:xfrm>
-      </p:grpSpPr>
-      <p:sp>
-        <p:nvSpPr>
-          <p:cNvPr id="3" name="Inhaltsplatzhalter 2"/>
-          <p:cNvSpPr>
-            <a:spLocks noGrp="1"/>
-          </p:cNvSpPr>
-          <p:nvPr>
-            <p:ph sz="quarter" idx="19"/>
-          </p:nvPr>
-        </p:nvSpPr>
+      <p:pic>
+        <p:nvPicPr>
+          <p:cNvPr id="2" name="Grafik 1"/>
+          <p:cNvPicPr>
+            <a:picLocks noChangeAspect="1"/>
+          </p:cNvPicPr>
+          <p:nvPr/>
+        </p:nvPicPr>
+        <p:blipFill>
+          <a:blip r:embed="rId3"/>
+          <a:stretch>
+            <a:fillRect/>
+          </a:stretch>
+        </p:blipFill>
         <p:spPr>
           <a:xfrm>
-            <a:off x="0" y="764704"/>
-            <a:ext cx="9144000" cy="288032"/>
-          </a:xfrm>
-        </p:spPr>
-        <p:txBody>
-          <a:bodyPr anchor="ctr"/>
-          <a:lstStyle/>
-          <a:p>
-            <a:pPr algn="ctr"/>
-            <a:r>
-              <a:rPr lang="de-DE" sz="1200" b="0" dirty="0"/>
-              <a:t>1. Zielstellung &gt; 2. Bestehende Lösungsansätze &gt; </a:t>
-            </a:r>
-            <a:r>
-              <a:rPr lang="de-DE" sz="1200" b="0" dirty="0">
-                <a:solidFill>
-                  <a:schemeClr val="tx1"/>
-                </a:solidFill>
-              </a:rPr>
-              <a:t>3. Entwicklung einer neuen Erweiterung für ATOM</a:t>
-            </a:r>
-            <a:r>
-              <a:rPr lang="de-DE" sz="1200" b="0" dirty="0"/>
-              <a:t> &gt; 4. Ausblick</a:t>
-            </a:r>
-          </a:p>
-        </p:txBody>
-      </p:sp>
-      <p:sp>
-        <p:nvSpPr>
-          <p:cNvPr id="4" name="Datumsplatzhalter 3"/>
-          <p:cNvSpPr>
-            <a:spLocks noGrp="1"/>
-          </p:cNvSpPr>
-          <p:nvPr>
-            <p:ph type="dt" sz="half" idx="20"/>
-          </p:nvPr>
-        </p:nvSpPr>
-        <p:spPr/>
-        <p:txBody>
-          <a:bodyPr/>
-          <a:lstStyle/>
-          <a:p>
-            <a:fld id="{852F18A7-60EF-DD48-8F37-BE93452F0A67}" type="datetime1">
-              <a:rPr lang="de-DE" smtClean="0"/>
-              <a:t>25.10.16</a:t>
-            </a:fld>
-            <a:endParaRPr lang="de-DE" dirty="0"/>
-          </a:p>
-        </p:txBody>
-      </p:sp>
-      <p:sp>
-        <p:nvSpPr>
-          <p:cNvPr id="6" name="Foliennummernplatzhalter 5"/>
-          <p:cNvSpPr>
-            <a:spLocks noGrp="1"/>
-          </p:cNvSpPr>
-          <p:nvPr>
-            <p:ph type="sldNum" sz="quarter" idx="22"/>
-          </p:nvPr>
-        </p:nvSpPr>
-        <p:spPr/>
-        <p:txBody>
-          <a:bodyPr/>
-          <a:lstStyle/>
-          <a:p>
-            <a:r>
-              <a:rPr lang="de-DE"/>
-              <a:t>Folie </a:t>
-            </a:r>
-            <a:fld id="{20336FBE-96EF-1B43-9998-83765DDB0397}" type="slidenum">
-              <a:rPr lang="de-DE" smtClean="0"/>
-              <a:pPr/>
-              <a:t>12</a:t>
-            </a:fld>
-            <a:r>
-              <a:rPr lang="de-DE"/>
-              <a:t> von XYZ</a:t>
-            </a:r>
-            <a:endParaRPr lang="de-DE" dirty="0"/>
-          </a:p>
-        </p:txBody>
-      </p:sp>
-      <p:sp>
-        <p:nvSpPr>
-          <p:cNvPr id="7" name="Textfeld 6"/>
-          <p:cNvSpPr txBox="1"/>
-          <p:nvPr/>
-        </p:nvSpPr>
-        <p:spPr>
-          <a:xfrm>
-            <a:off x="76971" y="1106160"/>
-            <a:ext cx="3773597" cy="369332"/>
+            <a:off x="446972" y="3356651"/>
+            <a:ext cx="812660" cy="792429"/>
           </a:xfrm>
           <a:prstGeom prst="rect">
             <a:avLst/>
           </a:prstGeom>
-          <a:noFill/>
         </p:spPr>
-        <p:txBody>
-          <a:bodyPr wrap="none" rtlCol="0">
-            <a:spAutoFit/>
-          </a:bodyPr>
-          <a:lstStyle/>
-          <a:p>
-            <a:r>
-              <a:rPr lang="de-DE" b="1" dirty="0" smtClean="0"/>
-              <a:t>Funktionalität der neuen Erweiterung</a:t>
-            </a:r>
-            <a:endParaRPr lang="de-DE" b="1" dirty="0"/>
-          </a:p>
-        </p:txBody>
-      </p:sp>
-      <p:sp>
-        <p:nvSpPr>
-          <p:cNvPr id="8" name="Inhaltsplatzhalter 1"/>
+      </p:pic>
+      <p:pic>
+        <p:nvPicPr>
+          <p:cNvPr id="5" name="Grafik 4"/>
+          <p:cNvPicPr>
+            <a:picLocks noChangeAspect="1"/>
+          </p:cNvPicPr>
+          <p:nvPr/>
+        </p:nvPicPr>
+        <p:blipFill>
+          <a:blip r:embed="rId4"/>
+          <a:stretch>
+            <a:fillRect/>
+          </a:stretch>
+        </p:blipFill>
+        <p:spPr>
+          <a:xfrm>
+            <a:off x="1331640" y="2401800"/>
+            <a:ext cx="811176" cy="811176"/>
+          </a:xfrm>
+          <a:prstGeom prst="rect">
+            <a:avLst/>
+          </a:prstGeom>
+        </p:spPr>
+      </p:pic>
+      <p:pic>
+        <p:nvPicPr>
+          <p:cNvPr id="10" name="Grafik 9"/>
+          <p:cNvPicPr>
+            <a:picLocks noChangeAspect="1"/>
+          </p:cNvPicPr>
+          <p:nvPr/>
+        </p:nvPicPr>
+        <p:blipFill>
+          <a:blip r:embed="rId5"/>
+          <a:stretch>
+            <a:fillRect/>
+          </a:stretch>
+        </p:blipFill>
+        <p:spPr>
+          <a:xfrm>
+            <a:off x="7524328" y="1613568"/>
+            <a:ext cx="1109615" cy="679604"/>
+          </a:xfrm>
+          <a:prstGeom prst="rect">
+            <a:avLst/>
+          </a:prstGeom>
+        </p:spPr>
+      </p:pic>
+      <p:pic>
+        <p:nvPicPr>
+          <p:cNvPr id="12" name="Grafik 11"/>
+          <p:cNvPicPr>
+            <a:picLocks noChangeAspect="1"/>
+          </p:cNvPicPr>
+          <p:nvPr/>
+        </p:nvPicPr>
+        <p:blipFill>
+          <a:blip r:embed="rId6"/>
+          <a:stretch>
+            <a:fillRect/>
+          </a:stretch>
+        </p:blipFill>
+        <p:spPr>
+          <a:xfrm>
+            <a:off x="6704045" y="1484784"/>
+            <a:ext cx="748275" cy="808388"/>
+          </a:xfrm>
+          <a:prstGeom prst="rect">
+            <a:avLst/>
+          </a:prstGeom>
+        </p:spPr>
+      </p:pic>
+      <p:grpSp>
+        <p:nvGrpSpPr>
+          <p:cNvPr id="26" name="Gruppieren 25"/>
+          <p:cNvGrpSpPr/>
+          <p:nvPr/>
+        </p:nvGrpSpPr>
+        <p:grpSpPr>
+          <a:xfrm>
+            <a:off x="1331640" y="3717032"/>
+            <a:ext cx="6120680" cy="2500414"/>
+            <a:chOff x="1331640" y="3717032"/>
+            <a:chExt cx="6120680" cy="2500414"/>
+          </a:xfrm>
+        </p:grpSpPr>
+        <p:graphicFrame>
+          <p:nvGraphicFramePr>
+            <p:cNvPr id="16" name="Diagramm 15"/>
+            <p:cNvGraphicFramePr/>
+            <p:nvPr>
+              <p:extLst>
+                <p:ext uri="{D42A27DB-BD31-4B8C-83A1-F6EECF244321}">
+                  <p14:modId xmlns:p14="http://schemas.microsoft.com/office/powerpoint/2010/main" val="489421115"/>
+                </p:ext>
+              </p:extLst>
+            </p:nvPr>
+          </p:nvGraphicFramePr>
+          <p:xfrm>
+            <a:off x="3413753" y="3717032"/>
+            <a:ext cx="3240361" cy="2500414"/>
+          </p:xfrm>
+          <a:graphic>
+            <a:graphicData uri="http://schemas.openxmlformats.org/drawingml/2006/chart">
+              <c:chart xmlns:c="http://schemas.openxmlformats.org/drawingml/2006/chart" xmlns:r="http://schemas.openxmlformats.org/officeDocument/2006/relationships" r:id="rId7"/>
+            </a:graphicData>
+          </a:graphic>
+        </p:graphicFrame>
+        <p:pic>
+          <p:nvPicPr>
+            <p:cNvPr id="9" name="Grafik 8"/>
+            <p:cNvPicPr>
+              <a:picLocks noChangeAspect="1"/>
+            </p:cNvPicPr>
+            <p:nvPr/>
+          </p:nvPicPr>
+          <p:blipFill>
+            <a:blip r:embed="rId8"/>
+            <a:stretch>
+              <a:fillRect/>
+            </a:stretch>
+          </p:blipFill>
+          <p:spPr>
+            <a:xfrm>
+              <a:off x="6051187" y="4365104"/>
+              <a:ext cx="720080" cy="1011541"/>
+            </a:xfrm>
+            <a:prstGeom prst="rect">
+              <a:avLst/>
+            </a:prstGeom>
+          </p:spPr>
+        </p:pic>
+        <p:pic>
+          <p:nvPicPr>
+            <p:cNvPr id="11" name="Grafik 10"/>
+            <p:cNvPicPr>
+              <a:picLocks noChangeAspect="1"/>
+            </p:cNvPicPr>
+            <p:nvPr/>
+          </p:nvPicPr>
+          <p:blipFill>
+            <a:blip r:embed="rId9"/>
+            <a:stretch>
+              <a:fillRect/>
+            </a:stretch>
+          </p:blipFill>
+          <p:spPr>
+            <a:xfrm>
+              <a:off x="1889047" y="4622854"/>
+              <a:ext cx="1185065" cy="507217"/>
+            </a:xfrm>
+            <a:prstGeom prst="rect">
+              <a:avLst/>
+            </a:prstGeom>
+          </p:spPr>
+        </p:pic>
+        <p:sp>
+          <p:nvSpPr>
+            <p:cNvPr id="17" name="Rechteck 16"/>
+            <p:cNvSpPr/>
+            <p:nvPr/>
+          </p:nvSpPr>
+          <p:spPr>
+            <a:xfrm>
+              <a:off x="5238328" y="5329781"/>
+              <a:ext cx="2213992" cy="425758"/>
+            </a:xfrm>
+            <a:prstGeom prst="rect">
+              <a:avLst/>
+            </a:prstGeom>
+          </p:spPr>
+          <p:txBody>
+            <a:bodyPr wrap="square">
+              <a:spAutoFit/>
+            </a:bodyPr>
+            <a:lstStyle/>
+            <a:p>
+              <a:pPr marL="288925" lvl="3">
+                <a:lnSpc>
+                  <a:spcPts val="2600"/>
+                </a:lnSpc>
+              </a:pPr>
+              <a:r>
+                <a:rPr lang="de-DE" dirty="0"/>
+                <a:t>5474 Zeilen Code</a:t>
+              </a:r>
+            </a:p>
+          </p:txBody>
+        </p:sp>
+        <p:sp>
+          <p:nvSpPr>
+            <p:cNvPr id="18" name="Rechteck 17"/>
+            <p:cNvSpPr/>
+            <p:nvPr/>
+          </p:nvSpPr>
+          <p:spPr>
+            <a:xfrm>
+              <a:off x="1331640" y="5041908"/>
+              <a:ext cx="2095189" cy="403316"/>
+            </a:xfrm>
+            <a:prstGeom prst="rect">
+              <a:avLst/>
+            </a:prstGeom>
+          </p:spPr>
+          <p:txBody>
+            <a:bodyPr wrap="none">
+              <a:spAutoFit/>
+            </a:bodyPr>
+            <a:lstStyle/>
+            <a:p>
+              <a:pPr marL="288925" lvl="3">
+                <a:lnSpc>
+                  <a:spcPts val="2600"/>
+                </a:lnSpc>
+              </a:pPr>
+              <a:r>
+                <a:rPr lang="de-DE" dirty="0"/>
+                <a:t>1662 Zeilen Code</a:t>
+              </a:r>
+            </a:p>
+          </p:txBody>
+        </p:sp>
+        <p:sp>
+          <p:nvSpPr>
+            <p:cNvPr id="19" name="Rechteck 18"/>
+            <p:cNvSpPr/>
+            <p:nvPr/>
+          </p:nvSpPr>
+          <p:spPr>
+            <a:xfrm>
+              <a:off x="3773793" y="4754732"/>
+              <a:ext cx="1484252" cy="646331"/>
+            </a:xfrm>
+            <a:prstGeom prst="rect">
+              <a:avLst/>
+            </a:prstGeom>
+          </p:spPr>
+          <p:txBody>
+            <a:bodyPr wrap="none">
+              <a:spAutoFit/>
+            </a:bodyPr>
+            <a:lstStyle/>
+            <a:p>
+              <a:pPr algn="ctr"/>
+              <a:r>
+                <a:rPr lang="de-DE" dirty="0">
+                  <a:sym typeface="Wingdings"/>
+                </a:rPr>
+                <a:t>Programmier-</a:t>
+              </a:r>
+            </a:p>
+            <a:p>
+              <a:pPr algn="ctr"/>
+              <a:r>
+                <a:rPr lang="de-DE" dirty="0">
+                  <a:sym typeface="Wingdings"/>
+                </a:rPr>
+                <a:t>sprachen</a:t>
+              </a:r>
+              <a:endParaRPr lang="de-DE" dirty="0"/>
+            </a:p>
+          </p:txBody>
+        </p:sp>
+      </p:grpSp>
+      <p:pic>
+        <p:nvPicPr>
+          <p:cNvPr id="21" name="Grafik 20"/>
+          <p:cNvPicPr>
+            <a:picLocks noChangeAspect="1"/>
+          </p:cNvPicPr>
+          <p:nvPr/>
+        </p:nvPicPr>
+        <p:blipFill>
+          <a:blip r:embed="rId10"/>
+          <a:stretch>
+            <a:fillRect/>
+          </a:stretch>
+        </p:blipFill>
+        <p:spPr>
+          <a:xfrm>
+            <a:off x="449981" y="1556792"/>
+            <a:ext cx="809651" cy="737827"/>
+          </a:xfrm>
+          <a:prstGeom prst="rect">
+            <a:avLst/>
+          </a:prstGeom>
+        </p:spPr>
+      </p:pic>
+      <p:sp>
+        <p:nvSpPr>
+          <p:cNvPr id="22" name="Inhaltsplatzhalter 1"/>
           <p:cNvSpPr txBox="1">
             <a:spLocks/>
           </p:cNvSpPr>
@@ -8208,8 +8817,8 @@
         </p:nvSpPr>
         <p:spPr>
           <a:xfrm>
-            <a:off x="655637" y="1556792"/>
-            <a:ext cx="7832725" cy="4608041"/>
+            <a:off x="1537256" y="2617046"/>
+            <a:ext cx="6949541" cy="451914"/>
           </a:xfrm>
           <a:prstGeom prst="rect">
             <a:avLst/>
@@ -8390,227 +8999,30 @@
             </a:lvl9pPr>
           </a:lstStyle>
           <a:p>
-            <a:pPr marL="342900" indent="-342900">
-              <a:buFont typeface=".AppleSystemUIFont" charset="-120"/>
-              <a:buChar char="-"/>
-            </a:pPr>
-            <a:r>
-              <a:rPr lang="de-DE" dirty="0"/>
-              <a:t>Live-Vorschau mit </a:t>
-            </a:r>
-            <a:r>
-              <a:rPr lang="de-DE" dirty="0" err="1" smtClean="0"/>
-              <a:t>LaTeX</a:t>
-            </a:r>
-            <a:r>
-              <a:rPr lang="de-DE" dirty="0" smtClean="0"/>
-              <a:t>-Umsetzung</a:t>
-            </a:r>
-          </a:p>
-          <a:p>
-            <a:pPr marL="342900" lvl="2" indent="-342900">
-              <a:buFont typeface=".AppleSystemUIFont" charset="-120"/>
-              <a:buChar char="-"/>
-            </a:pPr>
-            <a:r>
-              <a:rPr lang="de-DE" sz="2000" dirty="0" err="1" smtClean="0"/>
+            <a:pPr>
+              <a:lnSpc>
+                <a:spcPts val="2600"/>
+              </a:lnSpc>
+            </a:pPr>
+            <a:r>
+              <a:rPr lang="de-DE" dirty="0"/>
+              <a:t>        </a:t>
+            </a:r>
+            <a:r>
+              <a:rPr lang="de-DE" dirty="0" err="1"/>
               <a:t>git</a:t>
             </a:r>
             <a:r>
-              <a:rPr lang="de-DE" sz="2000" dirty="0" smtClean="0"/>
-              <a:t>-Integration</a:t>
-            </a:r>
-          </a:p>
-          <a:p>
-            <a:pPr marL="342900" lvl="2" indent="-342900">
-              <a:buFont typeface=".AppleSystemUIFont" charset="-120"/>
-              <a:buChar char="-"/>
-            </a:pPr>
-            <a:r>
-              <a:rPr lang="de-DE" sz="2000" dirty="0" smtClean="0"/>
-              <a:t>Shortcuts für erfahrene Benutzer</a:t>
-            </a:r>
-          </a:p>
-          <a:p>
-            <a:pPr marL="342900" indent="-342900">
-              <a:buFont typeface=".AppleSystemUIFont" charset="-120"/>
-              <a:buChar char="-"/>
-            </a:pPr>
-            <a:r>
-              <a:rPr lang="de-DE" dirty="0" smtClean="0"/>
-              <a:t>Unterstützung in der Ausführung einzelner Arbeitsschritte</a:t>
-            </a:r>
-          </a:p>
-        </p:txBody>
-      </p:sp>
-    </p:spTree>
-    <p:extLst>
-      <p:ext uri="{BB962C8B-B14F-4D97-AF65-F5344CB8AC3E}">
-        <p14:creationId xmlns:p14="http://schemas.microsoft.com/office/powerpoint/2010/main" val="1044140025"/>
-      </p:ext>
-    </p:extLst>
-  </p:cSld>
-  <p:clrMapOvr>
-    <a:masterClrMapping/>
-  </p:clrMapOvr>
-  <p:transition spd="slow">
-    <p:push dir="u"/>
-  </p:transition>
-  <p:timing>
-    <p:tnLst>
-      <p:par>
-        <p:cTn id="1" dur="indefinite" restart="never" nodeType="tmRoot"/>
-      </p:par>
-    </p:tnLst>
-  </p:timing>
-</p:sld>
-</file>
-
-<file path=ppt/slides/slide13.xml><?xml version="1.0" encoding="utf-8"?>
-<p:sld xmlns:a="http://schemas.openxmlformats.org/drawingml/2006/main" xmlns:r="http://schemas.openxmlformats.org/officeDocument/2006/relationships" xmlns:p="http://schemas.openxmlformats.org/presentationml/2006/main">
-  <p:cSld>
-    <p:spTree>
-      <p:nvGrpSpPr>
-        <p:cNvPr id="1" name=""/>
-        <p:cNvGrpSpPr/>
-        <p:nvPr/>
-      </p:nvGrpSpPr>
-      <p:grpSpPr>
-        <a:xfrm>
-          <a:off x="0" y="0"/>
-          <a:ext cx="0" cy="0"/>
-          <a:chOff x="0" y="0"/>
-          <a:chExt cx="0" cy="0"/>
-        </a:xfrm>
-      </p:grpSpPr>
-      <p:sp>
-        <p:nvSpPr>
-          <p:cNvPr id="3" name="Inhaltsplatzhalter 2"/>
-          <p:cNvSpPr>
-            <a:spLocks noGrp="1"/>
-          </p:cNvSpPr>
-          <p:nvPr>
-            <p:ph sz="quarter" idx="19"/>
-          </p:nvPr>
-        </p:nvSpPr>
-        <p:spPr>
-          <a:xfrm>
-            <a:off x="0" y="764704"/>
-            <a:ext cx="9144000" cy="288032"/>
-          </a:xfrm>
-        </p:spPr>
-        <p:txBody>
-          <a:bodyPr anchor="ctr"/>
-          <a:lstStyle/>
-          <a:p>
-            <a:pPr algn="ctr"/>
-            <a:r>
-              <a:rPr lang="de-DE" sz="1200" b="0" dirty="0"/>
-              <a:t>1. Zielstellung &gt; 2. Bestehende Lösungsansätze &gt; </a:t>
-            </a:r>
-            <a:r>
-              <a:rPr lang="de-DE" sz="1200" b="0" dirty="0">
-                <a:solidFill>
-                  <a:schemeClr val="tx1"/>
-                </a:solidFill>
-              </a:rPr>
-              <a:t>3. Entwicklung einer neuen Erweiterung für ATOM</a:t>
-            </a:r>
-            <a:r>
-              <a:rPr lang="de-DE" sz="1200" b="0" dirty="0"/>
-              <a:t> &gt; 4. Ausblick</a:t>
-            </a:r>
-          </a:p>
-        </p:txBody>
-      </p:sp>
-      <p:sp>
-        <p:nvSpPr>
-          <p:cNvPr id="4" name="Datumsplatzhalter 3"/>
-          <p:cNvSpPr>
-            <a:spLocks noGrp="1"/>
-          </p:cNvSpPr>
-          <p:nvPr>
-            <p:ph type="dt" sz="half" idx="20"/>
-          </p:nvPr>
-        </p:nvSpPr>
-        <p:spPr/>
-        <p:txBody>
-          <a:bodyPr/>
-          <a:lstStyle/>
-          <a:p>
-            <a:fld id="{852F18A7-60EF-DD48-8F37-BE93452F0A67}" type="datetime1">
-              <a:rPr lang="de-DE" smtClean="0"/>
-              <a:t>25.10.16</a:t>
-            </a:fld>
+              <a:rPr lang="de-DE" dirty="0"/>
+              <a:t> als Versionskontrolle</a:t>
+            </a:r>
             <a:endParaRPr lang="de-DE" dirty="0"/>
           </a:p>
         </p:txBody>
       </p:sp>
       <p:sp>
         <p:nvSpPr>
-          <p:cNvPr id="6" name="Foliennummernplatzhalter 5"/>
-          <p:cNvSpPr>
-            <a:spLocks noGrp="1"/>
-          </p:cNvSpPr>
-          <p:nvPr>
-            <p:ph type="sldNum" sz="quarter" idx="22"/>
-          </p:nvPr>
-        </p:nvSpPr>
-        <p:spPr/>
-        <p:txBody>
-          <a:bodyPr/>
-          <a:lstStyle/>
-          <a:p>
-            <a:r>
-              <a:rPr lang="de-DE"/>
-              <a:t>Folie </a:t>
-            </a:r>
-            <a:fld id="{20336FBE-96EF-1B43-9998-83765DDB0397}" type="slidenum">
-              <a:rPr lang="de-DE" smtClean="0"/>
-              <a:pPr/>
-              <a:t>13</a:t>
-            </a:fld>
-            <a:r>
-              <a:rPr lang="de-DE"/>
-              <a:t> von XYZ</a:t>
-            </a:r>
-            <a:endParaRPr lang="de-DE" dirty="0"/>
-          </a:p>
-        </p:txBody>
-      </p:sp>
-      <p:sp>
-        <p:nvSpPr>
-          <p:cNvPr id="7" name="Textfeld 6"/>
-          <p:cNvSpPr txBox="1"/>
-          <p:nvPr/>
-        </p:nvSpPr>
-        <p:spPr>
-          <a:xfrm>
-            <a:off x="76971" y="1106160"/>
-            <a:ext cx="3773597" cy="369332"/>
-          </a:xfrm>
-          <a:prstGeom prst="rect">
-            <a:avLst/>
-          </a:prstGeom>
-          <a:noFill/>
-        </p:spPr>
-        <p:txBody>
-          <a:bodyPr wrap="none" rtlCol="0">
-            <a:spAutoFit/>
-          </a:bodyPr>
-          <a:lstStyle/>
-          <a:p>
-            <a:r>
-              <a:rPr lang="de-DE" b="1" dirty="0" smtClean="0"/>
-              <a:t>Funktionalität der neuen Erweiterung</a:t>
-            </a:r>
-            <a:endParaRPr lang="de-DE" b="1" dirty="0"/>
-          </a:p>
-        </p:txBody>
-      </p:sp>
-      <p:sp>
-        <p:nvSpPr>
-          <p:cNvPr id="8" name="Inhaltsplatzhalter 1"/>
+          <p:cNvPr id="24" name="Inhaltsplatzhalter 1"/>
           <p:cNvSpPr txBox="1">
             <a:spLocks/>
           </p:cNvSpPr>
@@ -8618,8 +9030,8 @@
         </p:nvSpPr>
         <p:spPr>
           <a:xfrm>
-            <a:off x="655637" y="1556792"/>
-            <a:ext cx="7832725" cy="4608041"/>
+            <a:off x="654072" y="3553150"/>
+            <a:ext cx="7832725" cy="451914"/>
           </a:xfrm>
           <a:prstGeom prst="rect">
             <a:avLst/>
@@ -8800,120 +9212,42 @@
             </a:lvl9pPr>
           </a:lstStyle>
           <a:p>
-            <a:pPr marL="342900" indent="-342900">
-              <a:buFont typeface=".AppleSystemUIFont" charset="-120"/>
-              <a:buChar char="-"/>
-            </a:pPr>
-            <a:r>
-              <a:rPr lang="de-DE" dirty="0" smtClean="0"/>
-              <a:t>Graphische Benutzeroberflächen </a:t>
-            </a:r>
-            <a:r>
-              <a:rPr lang="de-DE" dirty="0"/>
-              <a:t>für</a:t>
-            </a:r>
-          </a:p>
-          <a:p>
-            <a:pPr marL="631825" lvl="3" indent="-342900">
-              <a:buFont typeface="Wingdings" charset="2"/>
-              <a:buChar char="§"/>
-            </a:pPr>
-            <a:r>
-              <a:rPr lang="de-DE" dirty="0" err="1"/>
-              <a:t>Markdown</a:t>
-            </a:r>
-            <a:r>
-              <a:rPr lang="de-DE" dirty="0"/>
-              <a:t>-Syntax</a:t>
-            </a:r>
-          </a:p>
-          <a:p>
-            <a:pPr marL="631825" lvl="3" indent="-342900">
-              <a:buFont typeface="Wingdings" charset="2"/>
-              <a:buChar char="§"/>
-            </a:pPr>
-            <a:r>
-              <a:rPr lang="de-DE" dirty="0"/>
-              <a:t>Anlegen eines neuen </a:t>
-            </a:r>
-            <a:r>
-              <a:rPr lang="de-DE" dirty="0" smtClean="0"/>
-              <a:t>Projekts</a:t>
-            </a:r>
-          </a:p>
-          <a:p>
-            <a:pPr marL="631825" lvl="3" indent="-342900">
-              <a:buFont typeface="Wingdings" charset="2"/>
-              <a:buChar char="§"/>
-            </a:pPr>
-            <a:r>
-              <a:rPr lang="de-DE" dirty="0" smtClean="0"/>
-              <a:t>Bearbeiten der Metadaten</a:t>
-            </a:r>
+            <a:pPr>
+              <a:lnSpc>
+                <a:spcPts val="2600"/>
+              </a:lnSpc>
+            </a:pPr>
+            <a:r>
+              <a:rPr lang="de-DE" dirty="0"/>
+              <a:t>        </a:t>
+            </a:r>
+            <a:r>
+              <a:rPr lang="de-DE" dirty="0" err="1">
+                <a:sym typeface="Wingdings"/>
+              </a:rPr>
+              <a:t>GitHub</a:t>
+            </a:r>
+            <a:r>
+              <a:rPr lang="de-DE" dirty="0">
+                <a:sym typeface="Wingdings"/>
+              </a:rPr>
+              <a:t> als Ticketsystem</a:t>
+            </a:r>
+          </a:p>
+          <a:p>
+            <a:pPr>
+              <a:lnSpc>
+                <a:spcPts val="2600"/>
+              </a:lnSpc>
+            </a:pPr>
             <a:endParaRPr lang="de-DE" dirty="0"/>
-          </a:p>
-          <a:p>
-            <a:pPr marL="631825" lvl="3" indent="-342900">
-              <a:buFont typeface="Wingdings" charset="2"/>
-              <a:buChar char="§"/>
-            </a:pPr>
-            <a:r>
-              <a:rPr lang="de-DE" dirty="0"/>
-              <a:t>Einfügen von Links</a:t>
-            </a:r>
-          </a:p>
-          <a:p>
-            <a:pPr marL="631825" lvl="3" indent="-342900">
-              <a:buFont typeface="Wingdings" charset="2"/>
-              <a:buChar char="§"/>
-            </a:pPr>
-            <a:r>
-              <a:rPr lang="de-DE" dirty="0"/>
-              <a:t>Einfügen von Bildern</a:t>
-            </a:r>
-          </a:p>
-          <a:p>
-            <a:pPr marL="631825" lvl="3" indent="-342900">
-              <a:buFont typeface="Wingdings" charset="2"/>
-              <a:buChar char="§"/>
-            </a:pPr>
-            <a:r>
-              <a:rPr lang="de-DE" dirty="0"/>
-              <a:t>Einfügen von Tabellen</a:t>
-            </a:r>
-          </a:p>
-          <a:p>
-            <a:pPr marL="631825" lvl="3" indent="-342900">
-              <a:buFont typeface="Wingdings" charset="2"/>
-              <a:buChar char="§"/>
-            </a:pPr>
-            <a:r>
-              <a:rPr lang="de-DE" dirty="0" err="1"/>
-              <a:t>git</a:t>
-            </a:r>
-            <a:r>
-              <a:rPr lang="de-DE" dirty="0"/>
-              <a:t> </a:t>
-            </a:r>
-            <a:r>
-              <a:rPr lang="de-DE" dirty="0" err="1"/>
-              <a:t>commit</a:t>
-            </a:r>
-            <a:r>
-              <a:rPr lang="de-DE" dirty="0"/>
-              <a:t> </a:t>
-            </a:r>
-            <a:r>
-              <a:rPr lang="de-DE" dirty="0" smtClean="0"/>
-              <a:t>Nachrichten</a:t>
-            </a:r>
           </a:p>
         </p:txBody>
       </p:sp>
     </p:spTree>
     <p:extLst>
       <p:ext uri="{BB962C8B-B14F-4D97-AF65-F5344CB8AC3E}">
-        <p14:creationId xmlns:p14="http://schemas.microsoft.com/office/powerpoint/2010/main" val="1615594771"/>
+        <p14:creationId xmlns:p14="http://schemas.microsoft.com/office/powerpoint/2010/main" val="1782800565"/>
       </p:ext>
     </p:extLst>
   </p:cSld>
@@ -8923,17 +9257,10 @@
   <p:transition spd="slow">
     <p:push dir="u"/>
   </p:transition>
-  <p:timing>
-    <p:tnLst>
-      <p:par>
-        <p:cTn id="1" dur="indefinite" restart="never" nodeType="tmRoot"/>
-      </p:par>
-    </p:tnLst>
-  </p:timing>
 </p:sld>
 </file>
 
-<file path=ppt/slides/slide14.xml><?xml version="1.0" encoding="utf-8"?>
+<file path=ppt/slides/slide12.xml><?xml version="1.0" encoding="utf-8"?>
 <p:sld xmlns:a="http://schemas.openxmlformats.org/drawingml/2006/main" xmlns:r="http://schemas.openxmlformats.org/officeDocument/2006/relationships" xmlns:p="http://schemas.openxmlformats.org/presentationml/2006/main">
   <p:cSld>
     <p:spTree>
@@ -9007,7 +9334,7 @@
           <a:p>
             <a:fld id="{852F18A7-60EF-DD48-8F37-BE93452F0A67}" type="datetime1">
               <a:rPr lang="de-DE" smtClean="0"/>
-              <a:t>25.10.16</a:t>
+              <a:t>25.10.2016</a:t>
             </a:fld>
             <a:endParaRPr lang="de-DE" dirty="0"/>
           </a:p>
@@ -9035,7 +9362,7 @@
             <a:fld id="{20336FBE-96EF-1B43-9998-83765DDB0397}" type="slidenum">
               <a:rPr lang="de-DE" smtClean="0"/>
               <a:pPr/>
-              <a:t>14</a:t>
+              <a:t>12</a:t>
             </a:fld>
             <a:r>
               <a:rPr lang="de-DE"/>
@@ -9054,7 +9381,7 @@
         <p:spPr>
           <a:xfrm>
             <a:off x="76971" y="1106160"/>
-            <a:ext cx="4500206" cy="369332"/>
+            <a:ext cx="3773597" cy="369332"/>
           </a:xfrm>
           <a:prstGeom prst="rect">
             <a:avLst/>
@@ -9068,10 +9395,9 @@
           <a:lstStyle/>
           <a:p>
             <a:r>
-              <a:rPr lang="de-DE" b="1" dirty="0" smtClean="0"/>
-              <a:t>Struktur im Code und Wiederverwendbarkeit</a:t>
-            </a:r>
-            <a:endParaRPr lang="de-DE" b="1" dirty="0"/>
+              <a:rPr lang="de-DE" b="1" dirty="0"/>
+              <a:t>Funktionalität der neuen Erweiterung</a:t>
+            </a:r>
           </a:p>
         </p:txBody>
       </p:sp>
@@ -9085,8 +9411,8 @@
         </p:nvSpPr>
         <p:spPr>
           <a:xfrm>
-            <a:off x="655638" y="1556792"/>
-            <a:ext cx="3921540" cy="4608041"/>
+            <a:off x="655637" y="1556792"/>
+            <a:ext cx="7832725" cy="4608041"/>
           </a:xfrm>
           <a:prstGeom prst="rect">
             <a:avLst/>
@@ -9272,147 +9598,214 @@
               <a:buChar char="-"/>
             </a:pPr>
             <a:r>
-              <a:rPr lang="de-DE" dirty="0" smtClean="0"/>
-              <a:t>Klassen des Packages</a:t>
-            </a:r>
+              <a:rPr lang="de-DE" dirty="0"/>
+              <a:t>Live-Vorschau mit </a:t>
+            </a:r>
+            <a:r>
+              <a:rPr lang="de-DE" dirty="0" err="1"/>
+              <a:t>LaTeX</a:t>
+            </a:r>
+            <a:r>
+              <a:rPr lang="de-DE" dirty="0"/>
+              <a:t>-Umsetzung</a:t>
+            </a:r>
+          </a:p>
+          <a:p>
+            <a:pPr marL="342900" lvl="2" indent="-342900">
+              <a:buFont typeface=".AppleSystemUIFont" charset="-120"/>
+              <a:buChar char="-"/>
+            </a:pPr>
+            <a:r>
+              <a:rPr lang="de-DE" sz="2000" dirty="0" err="1"/>
+              <a:t>git</a:t>
+            </a:r>
+            <a:r>
+              <a:rPr lang="de-DE" sz="2000" dirty="0"/>
+              <a:t>-Integration</a:t>
+            </a:r>
+          </a:p>
+          <a:p>
+            <a:pPr marL="342900" lvl="2" indent="-342900">
+              <a:buFont typeface=".AppleSystemUIFont" charset="-120"/>
+              <a:buChar char="-"/>
+            </a:pPr>
+            <a:r>
+              <a:rPr lang="de-DE" sz="2000" dirty="0"/>
+              <a:t>Shortcuts für erfahrene Benutzer</a:t>
+            </a:r>
+          </a:p>
+          <a:p>
+            <a:pPr marL="342900" indent="-342900">
+              <a:buFont typeface=".AppleSystemUIFont" charset="-120"/>
+              <a:buChar char="-"/>
+            </a:pPr>
+            <a:r>
+              <a:rPr lang="de-DE" dirty="0"/>
+              <a:t>Unterstützung in der Ausführung einzelner Arbeitsschritte</a:t>
+            </a:r>
+          </a:p>
+        </p:txBody>
+      </p:sp>
+    </p:spTree>
+    <p:extLst>
+      <p:ext uri="{BB962C8B-B14F-4D97-AF65-F5344CB8AC3E}">
+        <p14:creationId xmlns:p14="http://schemas.microsoft.com/office/powerpoint/2010/main" val="1044140025"/>
+      </p:ext>
+    </p:extLst>
+  </p:cSld>
+  <p:clrMapOvr>
+    <a:masterClrMapping/>
+  </p:clrMapOvr>
+  <p:transition spd="slow">
+    <p:push dir="u"/>
+  </p:transition>
+</p:sld>
+</file>
+
+<file path=ppt/slides/slide13.xml><?xml version="1.0" encoding="utf-8"?>
+<p:sld xmlns:a="http://schemas.openxmlformats.org/drawingml/2006/main" xmlns:r="http://schemas.openxmlformats.org/officeDocument/2006/relationships" xmlns:p="http://schemas.openxmlformats.org/presentationml/2006/main">
+  <p:cSld>
+    <p:spTree>
+      <p:nvGrpSpPr>
+        <p:cNvPr id="1" name=""/>
+        <p:cNvGrpSpPr/>
+        <p:nvPr/>
+      </p:nvGrpSpPr>
+      <p:grpSpPr>
+        <a:xfrm>
+          <a:off x="0" y="0"/>
+          <a:ext cx="0" cy="0"/>
+          <a:chOff x="0" y="0"/>
+          <a:chExt cx="0" cy="0"/>
+        </a:xfrm>
+      </p:grpSpPr>
+      <p:sp>
+        <p:nvSpPr>
+          <p:cNvPr id="3" name="Inhaltsplatzhalter 2"/>
+          <p:cNvSpPr>
+            <a:spLocks noGrp="1"/>
+          </p:cNvSpPr>
+          <p:nvPr>
+            <p:ph sz="quarter" idx="19"/>
+          </p:nvPr>
+        </p:nvSpPr>
+        <p:spPr>
+          <a:xfrm>
+            <a:off x="0" y="764704"/>
+            <a:ext cx="9144000" cy="288032"/>
+          </a:xfrm>
+        </p:spPr>
+        <p:txBody>
+          <a:bodyPr anchor="ctr"/>
+          <a:lstStyle/>
+          <a:p>
+            <a:pPr algn="ctr"/>
+            <a:r>
+              <a:rPr lang="de-DE" sz="1200" b="0" dirty="0"/>
+              <a:t>1. Zielstellung &gt; 2. Bestehende Lösungsansätze &gt; </a:t>
+            </a:r>
+            <a:r>
+              <a:rPr lang="de-DE" sz="1200" b="0" dirty="0">
+                <a:solidFill>
+                  <a:schemeClr val="tx1"/>
+                </a:solidFill>
+              </a:rPr>
+              <a:t>3. Entwicklung einer neuen Erweiterung für ATOM</a:t>
+            </a:r>
+            <a:r>
+              <a:rPr lang="de-DE" sz="1200" b="0" dirty="0"/>
+              <a:t> &gt; 4. Ausblick</a:t>
+            </a:r>
+          </a:p>
+        </p:txBody>
+      </p:sp>
+      <p:sp>
+        <p:nvSpPr>
+          <p:cNvPr id="4" name="Datumsplatzhalter 3"/>
+          <p:cNvSpPr>
+            <a:spLocks noGrp="1"/>
+          </p:cNvSpPr>
+          <p:nvPr>
+            <p:ph type="dt" sz="half" idx="20"/>
+          </p:nvPr>
+        </p:nvSpPr>
+        <p:spPr/>
+        <p:txBody>
+          <a:bodyPr/>
+          <a:lstStyle/>
+          <a:p>
+            <a:fld id="{852F18A7-60EF-DD48-8F37-BE93452F0A67}" type="datetime1">
+              <a:rPr lang="de-DE" smtClean="0"/>
+              <a:t>25.10.2016</a:t>
+            </a:fld>
             <a:endParaRPr lang="de-DE" dirty="0"/>
           </a:p>
-          <a:p>
-            <a:pPr marL="631825" lvl="3" indent="-342900">
-              <a:buFont typeface="Wingdings" charset="2"/>
-              <a:buChar char="§"/>
-            </a:pPr>
-            <a:r>
-              <a:rPr lang="de-DE" dirty="0" smtClean="0"/>
-              <a:t>Views</a:t>
-            </a:r>
-          </a:p>
-          <a:p>
-            <a:pPr marL="758825" lvl="4" indent="-342900">
-              <a:buFont typeface="Wingdings" charset="2"/>
-              <a:buChar char="§"/>
-            </a:pPr>
-            <a:r>
-              <a:rPr lang="de-DE" dirty="0" err="1" smtClean="0"/>
-              <a:t>MainNavigationView</a:t>
-            </a:r>
-            <a:endParaRPr lang="de-DE" dirty="0" smtClean="0"/>
-          </a:p>
-          <a:p>
-            <a:pPr marL="758825" lvl="4" indent="-342900">
-              <a:buFont typeface="Wingdings" charset="2"/>
-              <a:buChar char="§"/>
-            </a:pPr>
-            <a:r>
-              <a:rPr lang="de-DE" dirty="0" err="1" smtClean="0"/>
-              <a:t>FooterPanelView</a:t>
-            </a:r>
-            <a:endParaRPr lang="de-DE" dirty="0" smtClean="0"/>
-          </a:p>
-          <a:p>
-            <a:pPr marL="631825" lvl="3" indent="-342900">
-              <a:buFont typeface="Wingdings" charset="2"/>
-              <a:buChar char="§"/>
-            </a:pPr>
-            <a:r>
-              <a:rPr lang="de-DE" dirty="0" smtClean="0"/>
-              <a:t>Funktionalität</a:t>
-            </a:r>
-          </a:p>
-          <a:p>
-            <a:pPr marL="758825" lvl="4" indent="-342900">
-              <a:buFont typeface="Wingdings" charset="2"/>
-              <a:buChar char="§"/>
-            </a:pPr>
-            <a:r>
-              <a:rPr lang="de-DE" dirty="0" smtClean="0"/>
-              <a:t>Editor</a:t>
-            </a:r>
-          </a:p>
-          <a:p>
-            <a:pPr marL="758825" lvl="4" indent="-342900">
-              <a:buFont typeface="Wingdings" charset="2"/>
-              <a:buChar char="§"/>
-            </a:pPr>
-            <a:r>
-              <a:rPr lang="de-DE" dirty="0" err="1" smtClean="0"/>
-              <a:t>Matuc</a:t>
-            </a:r>
-            <a:endParaRPr lang="de-DE" dirty="0" smtClean="0"/>
-          </a:p>
-          <a:p>
-            <a:pPr marL="758825" lvl="4" indent="-342900">
-              <a:buFont typeface="Wingdings" charset="2"/>
-              <a:buChar char="§"/>
-            </a:pPr>
-            <a:r>
-              <a:rPr lang="de-DE" dirty="0" err="1" smtClean="0"/>
-              <a:t>Git</a:t>
-            </a:r>
-            <a:endParaRPr lang="de-DE" dirty="0" smtClean="0"/>
-          </a:p>
-          <a:p>
-            <a:pPr marL="631825" lvl="3" indent="-342900">
-              <a:buFont typeface="Wingdings" charset="2"/>
-              <a:buChar char="§"/>
-            </a:pPr>
-            <a:r>
-              <a:rPr lang="de-DE" dirty="0" smtClean="0"/>
-              <a:t>Helfer</a:t>
-            </a:r>
-          </a:p>
-          <a:p>
-            <a:pPr marL="758825" lvl="4" indent="-342900">
-              <a:buFont typeface="Wingdings" charset="2"/>
-              <a:buChar char="§"/>
-            </a:pPr>
-            <a:r>
-              <a:rPr lang="de-DE" dirty="0" err="1" smtClean="0"/>
-              <a:t>ErrorMessageFormatter</a:t>
-            </a:r>
-            <a:endParaRPr lang="de-DE" dirty="0" smtClean="0"/>
-          </a:p>
-          <a:p>
-            <a:pPr marL="758825" lvl="4" indent="-342900">
-              <a:buFont typeface="Wingdings" charset="2"/>
-              <a:buChar char="§"/>
-            </a:pPr>
-            <a:r>
-              <a:rPr lang="de-DE" dirty="0" err="1" smtClean="0"/>
-              <a:t>ShortcutManager</a:t>
-            </a:r>
-            <a:endParaRPr lang="de-DE" dirty="0" smtClean="0"/>
-          </a:p>
-          <a:p>
-            <a:pPr marL="758825" lvl="4" indent="-342900">
-              <a:buFont typeface="Wingdings" charset="2"/>
-              <a:buChar char="§"/>
-            </a:pPr>
-            <a:r>
-              <a:rPr lang="de-DE" dirty="0" err="1" smtClean="0"/>
-              <a:t>ViewManager</a:t>
-            </a:r>
-            <a:endParaRPr lang="de-DE" dirty="0" smtClean="0"/>
-          </a:p>
-          <a:p>
-            <a:pPr marL="758825" lvl="4" indent="-342900">
-              <a:buFont typeface="Wingdings" charset="2"/>
-              <a:buChar char="§"/>
-            </a:pPr>
-            <a:endParaRPr lang="de-DE" dirty="0" smtClean="0"/>
-          </a:p>
-          <a:p>
-            <a:pPr marL="758825" lvl="4" indent="-342900">
-              <a:buFont typeface="Wingdings" charset="2"/>
-              <a:buChar char="§"/>
-            </a:pPr>
-            <a:endParaRPr lang="de-DE" dirty="0" smtClean="0"/>
-          </a:p>
-        </p:txBody>
-      </p:sp>
-      <p:sp>
-        <p:nvSpPr>
-          <p:cNvPr id="9" name="Inhaltsplatzhalter 1"/>
+        </p:txBody>
+      </p:sp>
+      <p:sp>
+        <p:nvSpPr>
+          <p:cNvPr id="6" name="Foliennummernplatzhalter 5"/>
+          <p:cNvSpPr>
+            <a:spLocks noGrp="1"/>
+          </p:cNvSpPr>
+          <p:nvPr>
+            <p:ph type="sldNum" sz="quarter" idx="22"/>
+          </p:nvPr>
+        </p:nvSpPr>
+        <p:spPr/>
+        <p:txBody>
+          <a:bodyPr/>
+          <a:lstStyle/>
+          <a:p>
+            <a:r>
+              <a:rPr lang="de-DE"/>
+              <a:t>Folie </a:t>
+            </a:r>
+            <a:fld id="{20336FBE-96EF-1B43-9998-83765DDB0397}" type="slidenum">
+              <a:rPr lang="de-DE" smtClean="0"/>
+              <a:pPr/>
+              <a:t>13</a:t>
+            </a:fld>
+            <a:r>
+              <a:rPr lang="de-DE"/>
+              <a:t> von XYZ</a:t>
+            </a:r>
+            <a:endParaRPr lang="de-DE" dirty="0"/>
+          </a:p>
+        </p:txBody>
+      </p:sp>
+      <p:sp>
+        <p:nvSpPr>
+          <p:cNvPr id="7" name="Textfeld 6"/>
+          <p:cNvSpPr txBox="1"/>
+          <p:nvPr/>
+        </p:nvSpPr>
+        <p:spPr>
+          <a:xfrm>
+            <a:off x="76971" y="1106160"/>
+            <a:ext cx="3773597" cy="369332"/>
+          </a:xfrm>
+          <a:prstGeom prst="rect">
+            <a:avLst/>
+          </a:prstGeom>
+          <a:noFill/>
+        </p:spPr>
+        <p:txBody>
+          <a:bodyPr wrap="none" rtlCol="0">
+            <a:spAutoFit/>
+          </a:bodyPr>
+          <a:lstStyle/>
+          <a:p>
+            <a:r>
+              <a:rPr lang="de-DE" b="1" dirty="0"/>
+              <a:t>Funktionalität der neuen Erweiterung</a:t>
+            </a:r>
+          </a:p>
+        </p:txBody>
+      </p:sp>
+      <p:sp>
+        <p:nvSpPr>
+          <p:cNvPr id="8" name="Inhaltsplatzhalter 1"/>
           <p:cNvSpPr txBox="1">
             <a:spLocks/>
           </p:cNvSpPr>
@@ -9420,8 +9813,8 @@
         </p:nvSpPr>
         <p:spPr>
           <a:xfrm>
-            <a:off x="4572000" y="1555036"/>
-            <a:ext cx="3921540" cy="4608041"/>
+            <a:off x="655637" y="1556792"/>
+            <a:ext cx="7832725" cy="4608041"/>
           </a:xfrm>
           <a:prstGeom prst="rect">
             <a:avLst/>
@@ -9606,7 +9999,10 @@
               <a:buFont typeface=".AppleSystemUIFont" charset="-120"/>
               <a:buChar char="-"/>
             </a:pPr>
-            <a:endParaRPr lang="de-DE" dirty="0" smtClean="0"/>
+            <a:r>
+              <a:rPr lang="de-DE" dirty="0"/>
+              <a:t>Graphische Benutzeroberflächen für</a:t>
+            </a:r>
           </a:p>
           <a:p>
             <a:pPr marL="631825" lvl="3" indent="-342900">
@@ -9614,115 +10010,92 @@
               <a:buChar char="§"/>
             </a:pPr>
             <a:r>
-              <a:rPr lang="de-DE" dirty="0" smtClean="0"/>
-              <a:t>Dialoge</a:t>
-            </a:r>
-          </a:p>
-          <a:p>
-            <a:pPr marL="758825" lvl="4" indent="-342900">
+              <a:rPr lang="de-DE" dirty="0" err="1"/>
+              <a:t>Markdown</a:t>
+            </a:r>
+            <a:r>
+              <a:rPr lang="de-DE" dirty="0"/>
+              <a:t>-Syntax</a:t>
+            </a:r>
+          </a:p>
+          <a:p>
+            <a:pPr marL="631825" lvl="3" indent="-342900">
               <a:buFont typeface="Wingdings" charset="2"/>
               <a:buChar char="§"/>
             </a:pPr>
             <a:r>
-              <a:rPr lang="de-DE" dirty="0" err="1" smtClean="0"/>
-              <a:t>NewProjectDialog</a:t>
-            </a:r>
-            <a:endParaRPr lang="de-DE" dirty="0" smtClean="0"/>
-          </a:p>
-          <a:p>
-            <a:pPr marL="758825" lvl="4" indent="-342900">
+              <a:rPr lang="de-DE" dirty="0"/>
+              <a:t>Anlegen eines neuen Projekts</a:t>
+            </a:r>
+          </a:p>
+          <a:p>
+            <a:pPr marL="631825" lvl="3" indent="-342900">
               <a:buFont typeface="Wingdings" charset="2"/>
               <a:buChar char="§"/>
             </a:pPr>
             <a:r>
-              <a:rPr lang="de-DE" dirty="0" err="1" smtClean="0"/>
-              <a:t>EditProjectDialog</a:t>
-            </a:r>
-            <a:endParaRPr lang="de-DE" dirty="0" smtClean="0"/>
-          </a:p>
-          <a:p>
-            <a:pPr marL="758825" lvl="4" indent="-342900">
+              <a:rPr lang="de-DE" dirty="0"/>
+              <a:t>Bearbeiten der Metadaten</a:t>
+            </a:r>
+          </a:p>
+          <a:p>
+            <a:pPr marL="631825" lvl="3" indent="-342900">
               <a:buFont typeface="Wingdings" charset="2"/>
               <a:buChar char="§"/>
             </a:pPr>
             <a:r>
-              <a:rPr lang="de-DE" dirty="0" err="1" smtClean="0"/>
-              <a:t>ImportTableCsvDialog</a:t>
-            </a:r>
-            <a:endParaRPr lang="de-DE" dirty="0" smtClean="0"/>
-          </a:p>
-          <a:p>
-            <a:pPr marL="758825" lvl="4" indent="-342900">
+              <a:rPr lang="de-DE" dirty="0"/>
+              <a:t>Einfügen von Links</a:t>
+            </a:r>
+          </a:p>
+          <a:p>
+            <a:pPr marL="631825" lvl="3" indent="-342900">
               <a:buFont typeface="Wingdings" charset="2"/>
               <a:buChar char="§"/>
             </a:pPr>
             <a:r>
-              <a:rPr lang="de-DE" dirty="0" err="1" smtClean="0"/>
-              <a:t>InsertFootnoteDialog</a:t>
-            </a:r>
-            <a:endParaRPr lang="de-DE" dirty="0" smtClean="0"/>
-          </a:p>
-          <a:p>
-            <a:pPr marL="758825" lvl="4" indent="-342900">
+              <a:rPr lang="de-DE" dirty="0"/>
+              <a:t>Einfügen von Bildern</a:t>
+            </a:r>
+          </a:p>
+          <a:p>
+            <a:pPr marL="631825" lvl="3" indent="-342900">
               <a:buFont typeface="Wingdings" charset="2"/>
               <a:buChar char="§"/>
             </a:pPr>
             <a:r>
-              <a:rPr lang="de-DE" dirty="0" err="1" smtClean="0"/>
-              <a:t>InsertGraphicDialog</a:t>
-            </a:r>
-            <a:endParaRPr lang="de-DE" dirty="0" smtClean="0"/>
-          </a:p>
-          <a:p>
-            <a:pPr marL="758825" lvl="4" indent="-342900">
+              <a:rPr lang="de-DE" dirty="0"/>
+              <a:t>Einfügen von Tabellen</a:t>
+            </a:r>
+          </a:p>
+          <a:p>
+            <a:pPr marL="631825" lvl="3" indent="-342900">
               <a:buFont typeface="Wingdings" charset="2"/>
               <a:buChar char="§"/>
             </a:pPr>
             <a:r>
-              <a:rPr lang="de-DE" dirty="0" err="1" smtClean="0"/>
-              <a:t>InsertLinkDialog</a:t>
-            </a:r>
-            <a:endParaRPr lang="de-DE" dirty="0" smtClean="0"/>
-          </a:p>
-          <a:p>
-            <a:pPr marL="758825" lvl="4" indent="-342900">
-              <a:buFont typeface="Wingdings" charset="2"/>
-              <a:buChar char="§"/>
-            </a:pPr>
-            <a:r>
-              <a:rPr lang="de-DE" dirty="0" err="1" smtClean="0"/>
-              <a:t>InsertTableDialog</a:t>
-            </a:r>
-            <a:endParaRPr lang="de-DE" dirty="0" smtClean="0"/>
-          </a:p>
-          <a:p>
-            <a:pPr marL="758825" lvl="4" indent="-342900">
-              <a:buFont typeface="Wingdings" charset="2"/>
-              <a:buChar char="§"/>
-            </a:pPr>
-            <a:r>
-              <a:rPr lang="de-DE" dirty="0" err="1" smtClean="0"/>
-              <a:t>SaveDialog</a:t>
-            </a:r>
-            <a:endParaRPr lang="de-DE" dirty="0" smtClean="0"/>
-          </a:p>
-          <a:p>
-            <a:pPr marL="758825" lvl="4" indent="-342900">
-              <a:buFont typeface="Wingdings" charset="2"/>
-              <a:buChar char="§"/>
-            </a:pPr>
-            <a:r>
-              <a:rPr lang="de-DE" dirty="0" err="1" smtClean="0"/>
-              <a:t>CommitChangesDialog</a:t>
-            </a:r>
-            <a:endParaRPr lang="de-DE" dirty="0" smtClean="0"/>
+              <a:rPr lang="de-DE" dirty="0" err="1"/>
+              <a:t>git</a:t>
+            </a:r>
+            <a:r>
+              <a:rPr lang="de-DE" dirty="0"/>
+              <a:t> </a:t>
+            </a:r>
+            <a:r>
+              <a:rPr lang="de-DE" dirty="0" err="1"/>
+              <a:t>commit</a:t>
+            </a:r>
+            <a:r>
+              <a:rPr lang="de-DE" dirty="0"/>
+              <a:t> Nachrichten</a:t>
+            </a:r>
           </a:p>
         </p:txBody>
       </p:sp>
     </p:spTree>
     <p:extLst>
       <p:ext uri="{BB962C8B-B14F-4D97-AF65-F5344CB8AC3E}">
-        <p14:creationId xmlns:p14="http://schemas.microsoft.com/office/powerpoint/2010/main" val="624497072"/>
+        <p14:creationId xmlns:p14="http://schemas.microsoft.com/office/powerpoint/2010/main" val="1615594771"/>
       </p:ext>
     </p:extLst>
   </p:cSld>
@@ -9732,17 +10105,10 @@
   <p:transition spd="slow">
     <p:push dir="u"/>
   </p:transition>
-  <p:timing>
-    <p:tnLst>
-      <p:par>
-        <p:cTn id="1" dur="indefinite" restart="never" nodeType="tmRoot"/>
-      </p:par>
-    </p:tnLst>
-  </p:timing>
 </p:sld>
 </file>
 
-<file path=ppt/slides/slide15.xml><?xml version="1.0" encoding="utf-8"?>
+<file path=ppt/slides/slide14.xml><?xml version="1.0" encoding="utf-8"?>
 <p:sld xmlns:a="http://schemas.openxmlformats.org/drawingml/2006/main" xmlns:r="http://schemas.openxmlformats.org/officeDocument/2006/relationships" xmlns:p="http://schemas.openxmlformats.org/presentationml/2006/main">
   <p:cSld>
     <p:spTree>
@@ -9816,7 +10182,7 @@
           <a:p>
             <a:fld id="{852F18A7-60EF-DD48-8F37-BE93452F0A67}" type="datetime1">
               <a:rPr lang="de-DE" smtClean="0"/>
-              <a:t>25.10.16</a:t>
+              <a:t>25.10.2016</a:t>
             </a:fld>
             <a:endParaRPr lang="de-DE" dirty="0"/>
           </a:p>
@@ -9844,7 +10210,7 @@
             <a:fld id="{20336FBE-96EF-1B43-9998-83765DDB0397}" type="slidenum">
               <a:rPr lang="de-DE" smtClean="0"/>
               <a:pPr/>
-              <a:t>15</a:t>
+              <a:t>14</a:t>
             </a:fld>
             <a:r>
               <a:rPr lang="de-DE"/>
@@ -9877,10 +10243,9 @@
           <a:lstStyle/>
           <a:p>
             <a:r>
-              <a:rPr lang="de-DE" b="1" dirty="0" smtClean="0"/>
+              <a:rPr lang="de-DE" b="1" dirty="0"/>
               <a:t>Struktur im Code und Wiederverwendbarkeit</a:t>
             </a:r>
-            <a:endParaRPr lang="de-DE" b="1" dirty="0"/>
           </a:p>
         </p:txBody>
       </p:sp>
@@ -9895,7 +10260,7 @@
         <p:spPr>
           <a:xfrm>
             <a:off x="655638" y="1556792"/>
-            <a:ext cx="7804794" cy="4608041"/>
+            <a:ext cx="3921540" cy="4608041"/>
           </a:xfrm>
           <a:prstGeom prst="rect">
             <a:avLst/>
@@ -10081,10 +10446,9 @@
               <a:buChar char="-"/>
             </a:pPr>
             <a:r>
-              <a:rPr lang="de-DE" dirty="0" smtClean="0"/>
-              <a:t>Einfache Erweiterung des Packages</a:t>
-            </a:r>
-            <a:endParaRPr lang="de-DE" dirty="0"/>
+              <a:rPr lang="de-DE" dirty="0"/>
+              <a:t>Klassen des Packages</a:t>
+            </a:r>
           </a:p>
           <a:p>
             <a:pPr marL="631825" lvl="3" indent="-342900">
@@ -10092,10 +10456,31 @@
               <a:buChar char="§"/>
             </a:pPr>
             <a:r>
-              <a:rPr lang="de-DE" dirty="0" err="1" smtClean="0"/>
-              <a:t>DialogView</a:t>
-            </a:r>
-            <a:endParaRPr lang="de-DE" dirty="0" smtClean="0"/>
+              <a:rPr lang="de-DE" dirty="0"/>
+              <a:t>Views</a:t>
+            </a:r>
+          </a:p>
+          <a:p>
+            <a:pPr marL="758825" lvl="4" indent="-342900">
+              <a:buFont typeface="Wingdings" charset="2"/>
+              <a:buChar char="§"/>
+            </a:pPr>
+            <a:r>
+              <a:rPr lang="de-DE" dirty="0" err="1"/>
+              <a:t>MainNavigationView</a:t>
+            </a:r>
+            <a:endParaRPr lang="de-DE" dirty="0"/>
+          </a:p>
+          <a:p>
+            <a:pPr marL="758825" lvl="4" indent="-342900">
+              <a:buFont typeface="Wingdings" charset="2"/>
+              <a:buChar char="§"/>
+            </a:pPr>
+            <a:r>
+              <a:rPr lang="de-DE" dirty="0" err="1"/>
+              <a:t>FooterPanelView</a:t>
+            </a:r>
+            <a:endParaRPr lang="de-DE" dirty="0"/>
           </a:p>
           <a:p>
             <a:pPr marL="631825" lvl="3" indent="-342900">
@@ -10103,8 +10488,39 @@
               <a:buChar char="§"/>
             </a:pPr>
             <a:r>
-              <a:rPr lang="de-DE" dirty="0" err="1" smtClean="0"/>
-              <a:t>ViewManager</a:t>
+              <a:rPr lang="de-DE" dirty="0"/>
+              <a:t>Funktionalität</a:t>
+            </a:r>
+          </a:p>
+          <a:p>
+            <a:pPr marL="758825" lvl="4" indent="-342900">
+              <a:buFont typeface="Wingdings" charset="2"/>
+              <a:buChar char="§"/>
+            </a:pPr>
+            <a:r>
+              <a:rPr lang="de-DE" dirty="0"/>
+              <a:t>Editor</a:t>
+            </a:r>
+          </a:p>
+          <a:p>
+            <a:pPr marL="758825" lvl="4" indent="-342900">
+              <a:buFont typeface="Wingdings" charset="2"/>
+              <a:buChar char="§"/>
+            </a:pPr>
+            <a:r>
+              <a:rPr lang="de-DE" dirty="0" err="1"/>
+              <a:t>Matuc</a:t>
+            </a:r>
+            <a:endParaRPr lang="de-DE" dirty="0"/>
+          </a:p>
+          <a:p>
+            <a:pPr marL="758825" lvl="4" indent="-342900">
+              <a:buFont typeface="Wingdings" charset="2"/>
+              <a:buChar char="§"/>
+            </a:pPr>
+            <a:r>
+              <a:rPr lang="de-DE" dirty="0" err="1"/>
+              <a:t>Git</a:t>
             </a:r>
             <a:endParaRPr lang="de-DE" dirty="0"/>
           </a:p>
@@ -10113,7 +10529,755 @@
               <a:buFont typeface="Wingdings" charset="2"/>
               <a:buChar char="§"/>
             </a:pPr>
-            <a:endParaRPr lang="de-DE" dirty="0" smtClean="0"/>
+            <a:r>
+              <a:rPr lang="de-DE" dirty="0"/>
+              <a:t>Helfer</a:t>
+            </a:r>
+          </a:p>
+          <a:p>
+            <a:pPr marL="758825" lvl="4" indent="-342900">
+              <a:buFont typeface="Wingdings" charset="2"/>
+              <a:buChar char="§"/>
+            </a:pPr>
+            <a:r>
+              <a:rPr lang="de-DE" dirty="0" err="1"/>
+              <a:t>ErrorMessageFormatter</a:t>
+            </a:r>
+            <a:endParaRPr lang="de-DE" dirty="0"/>
+          </a:p>
+          <a:p>
+            <a:pPr marL="758825" lvl="4" indent="-342900">
+              <a:buFont typeface="Wingdings" charset="2"/>
+              <a:buChar char="§"/>
+            </a:pPr>
+            <a:r>
+              <a:rPr lang="de-DE" dirty="0" err="1"/>
+              <a:t>ShortcutManager</a:t>
+            </a:r>
+            <a:endParaRPr lang="de-DE" dirty="0"/>
+          </a:p>
+          <a:p>
+            <a:pPr marL="758825" lvl="4" indent="-342900">
+              <a:buFont typeface="Wingdings" charset="2"/>
+              <a:buChar char="§"/>
+            </a:pPr>
+            <a:r>
+              <a:rPr lang="de-DE" dirty="0" err="1"/>
+              <a:t>ViewManager</a:t>
+            </a:r>
+            <a:endParaRPr lang="de-DE" dirty="0"/>
+          </a:p>
+          <a:p>
+            <a:pPr marL="758825" lvl="4" indent="-342900">
+              <a:buFont typeface="Wingdings" charset="2"/>
+              <a:buChar char="§"/>
+            </a:pPr>
+            <a:endParaRPr lang="de-DE" dirty="0"/>
+          </a:p>
+          <a:p>
+            <a:pPr marL="758825" lvl="4" indent="-342900">
+              <a:buFont typeface="Wingdings" charset="2"/>
+              <a:buChar char="§"/>
+            </a:pPr>
+            <a:endParaRPr lang="de-DE" dirty="0"/>
+          </a:p>
+        </p:txBody>
+      </p:sp>
+      <p:sp>
+        <p:nvSpPr>
+          <p:cNvPr id="9" name="Inhaltsplatzhalter 1"/>
+          <p:cNvSpPr txBox="1">
+            <a:spLocks/>
+          </p:cNvSpPr>
+          <p:nvPr/>
+        </p:nvSpPr>
+        <p:spPr>
+          <a:xfrm>
+            <a:off x="4572000" y="1555036"/>
+            <a:ext cx="3921540" cy="4608041"/>
+          </a:xfrm>
+          <a:prstGeom prst="rect">
+            <a:avLst/>
+          </a:prstGeom>
+        </p:spPr>
+        <p:txBody>
+          <a:bodyPr lIns="0" tIns="0" rIns="0" bIns="0"/>
+          <a:lstStyle>
+            <a:lvl1pPr marL="0" marR="0" indent="0" algn="l" defTabSz="914368" rtl="0" eaLnBrk="1" fontAlgn="t" latinLnBrk="0" hangingPunct="1">
+              <a:lnSpc>
+                <a:spcPct val="100000"/>
+              </a:lnSpc>
+              <a:spcBef>
+                <a:spcPts val="0"/>
+              </a:spcBef>
+              <a:spcAft>
+                <a:spcPts val="600"/>
+              </a:spcAft>
+              <a:buClrTx/>
+              <a:buSzTx/>
+              <a:buFontTx/>
+              <a:buNone/>
+              <a:tabLst/>
+              <a:defRPr sz="2000" kern="1200" baseline="0">
+                <a:solidFill>
+                  <a:srgbClr val="0B2A51"/>
+                </a:solidFill>
+                <a:latin typeface="Verdana" pitchFamily="34" charset="0"/>
+                <a:ea typeface="+mn-ea"/>
+                <a:cs typeface="+mn-cs"/>
+              </a:defRPr>
+            </a:lvl1pPr>
+            <a:lvl2pPr marL="161925" indent="-161925" algn="l" defTabSz="914368" rtl="0" eaLnBrk="1" fontAlgn="t" latinLnBrk="0" hangingPunct="1">
+              <a:spcBef>
+                <a:spcPts val="300"/>
+              </a:spcBef>
+              <a:spcAft>
+                <a:spcPts val="600"/>
+              </a:spcAft>
+              <a:buClr>
+                <a:schemeClr val="tx1"/>
+              </a:buClr>
+              <a:buSzPct val="120000"/>
+              <a:buFont typeface="LucidaGrande" charset="0"/>
+              <a:buChar char="_"/>
+              <a:tabLst/>
+              <a:defRPr sz="2000" kern="1200" baseline="0">
+                <a:solidFill>
+                  <a:srgbClr val="0B2A51"/>
+                </a:solidFill>
+                <a:latin typeface="Verdana" pitchFamily="34" charset="0"/>
+                <a:ea typeface="+mn-ea"/>
+                <a:cs typeface="+mn-cs"/>
+              </a:defRPr>
+            </a:lvl2pPr>
+            <a:lvl3pPr marL="0" indent="0" algn="l" defTabSz="914368" rtl="0" eaLnBrk="1" fontAlgn="t" latinLnBrk="0" hangingPunct="1">
+              <a:spcBef>
+                <a:spcPts val="0"/>
+              </a:spcBef>
+              <a:spcAft>
+                <a:spcPts val="600"/>
+              </a:spcAft>
+              <a:buSzPct val="100000"/>
+              <a:buFont typeface="Symbol" charset="2"/>
+              <a:buNone/>
+              <a:tabLst/>
+              <a:defRPr sz="1600" kern="1200" baseline="0">
+                <a:solidFill>
+                  <a:srgbClr val="0B2A51"/>
+                </a:solidFill>
+                <a:latin typeface="Verdana" pitchFamily="34" charset="0"/>
+                <a:ea typeface="+mn-ea"/>
+                <a:cs typeface="+mn-cs"/>
+              </a:defRPr>
+            </a:lvl3pPr>
+            <a:lvl4pPr marL="288925" indent="-127000" algn="l" defTabSz="914368" rtl="0" eaLnBrk="1" latinLnBrk="0" hangingPunct="1">
+              <a:spcBef>
+                <a:spcPts val="0"/>
+              </a:spcBef>
+              <a:spcAft>
+                <a:spcPts val="600"/>
+              </a:spcAft>
+              <a:buClr>
+                <a:schemeClr val="tx1"/>
+              </a:buClr>
+              <a:buSzPct val="100000"/>
+              <a:buFont typeface="LucidaGrande" charset="0"/>
+              <a:buChar char="_"/>
+              <a:tabLst/>
+              <a:defRPr sz="1600" kern="1200" baseline="0">
+                <a:solidFill>
+                  <a:srgbClr val="0B2A51"/>
+                </a:solidFill>
+                <a:latin typeface="Verdana" pitchFamily="34" charset="0"/>
+                <a:ea typeface="+mn-ea"/>
+                <a:cs typeface="+mn-cs"/>
+              </a:defRPr>
+            </a:lvl4pPr>
+            <a:lvl5pPr marL="415925" indent="-127000" algn="l" defTabSz="914368" rtl="0" eaLnBrk="1" latinLnBrk="0" hangingPunct="1">
+              <a:spcBef>
+                <a:spcPts val="0"/>
+              </a:spcBef>
+              <a:spcAft>
+                <a:spcPts val="600"/>
+              </a:spcAft>
+              <a:buSzPct val="170000"/>
+              <a:buFont typeface="AppleSymbols" charset="0"/>
+              <a:buChar char="⌞"/>
+              <a:tabLst/>
+              <a:defRPr sz="1600" kern="1200" baseline="0">
+                <a:solidFill>
+                  <a:srgbClr val="0B2A51"/>
+                </a:solidFill>
+                <a:latin typeface="Verdana" pitchFamily="34" charset="0"/>
+                <a:ea typeface="+mn-ea"/>
+                <a:cs typeface="+mn-cs"/>
+              </a:defRPr>
+            </a:lvl5pPr>
+            <a:lvl6pPr marL="2514512" indent="-228592" algn="l" defTabSz="914368" rtl="0" eaLnBrk="1" latinLnBrk="0" hangingPunct="1">
+              <a:spcBef>
+                <a:spcPct val="20000"/>
+              </a:spcBef>
+              <a:buFont typeface="Arial" pitchFamily="34" charset="0"/>
+              <a:buChar char="•"/>
+              <a:defRPr sz="2000" kern="1200">
+                <a:solidFill>
+                  <a:schemeClr val="tx1"/>
+                </a:solidFill>
+                <a:latin typeface="+mn-lt"/>
+                <a:ea typeface="+mn-ea"/>
+                <a:cs typeface="+mn-cs"/>
+              </a:defRPr>
+            </a:lvl6pPr>
+            <a:lvl7pPr marL="2971696" indent="-228592" algn="l" defTabSz="914368" rtl="0" eaLnBrk="1" latinLnBrk="0" hangingPunct="1">
+              <a:spcBef>
+                <a:spcPct val="20000"/>
+              </a:spcBef>
+              <a:buFont typeface="Arial" pitchFamily="34" charset="0"/>
+              <a:buChar char="•"/>
+              <a:defRPr sz="2000" kern="1200">
+                <a:solidFill>
+                  <a:schemeClr val="tx1"/>
+                </a:solidFill>
+                <a:latin typeface="+mn-lt"/>
+                <a:ea typeface="+mn-ea"/>
+                <a:cs typeface="+mn-cs"/>
+              </a:defRPr>
+            </a:lvl7pPr>
+            <a:lvl8pPr marL="3428880" indent="-228592" algn="l" defTabSz="914368" rtl="0" eaLnBrk="1" latinLnBrk="0" hangingPunct="1">
+              <a:spcBef>
+                <a:spcPct val="20000"/>
+              </a:spcBef>
+              <a:buFont typeface="Arial" pitchFamily="34" charset="0"/>
+              <a:buChar char="•"/>
+              <a:defRPr sz="2000" kern="1200">
+                <a:solidFill>
+                  <a:schemeClr val="tx1"/>
+                </a:solidFill>
+                <a:latin typeface="+mn-lt"/>
+                <a:ea typeface="+mn-ea"/>
+                <a:cs typeface="+mn-cs"/>
+              </a:defRPr>
+            </a:lvl8pPr>
+            <a:lvl9pPr marL="3886064" indent="-228592" algn="l" defTabSz="914368" rtl="0" eaLnBrk="1" latinLnBrk="0" hangingPunct="1">
+              <a:spcBef>
+                <a:spcPct val="20000"/>
+              </a:spcBef>
+              <a:buFont typeface="Arial" pitchFamily="34" charset="0"/>
+              <a:buChar char="•"/>
+              <a:defRPr sz="2000" kern="1200">
+                <a:solidFill>
+                  <a:schemeClr val="tx1"/>
+                </a:solidFill>
+                <a:latin typeface="+mn-lt"/>
+                <a:ea typeface="+mn-ea"/>
+                <a:cs typeface="+mn-cs"/>
+              </a:defRPr>
+            </a:lvl9pPr>
+          </a:lstStyle>
+          <a:p>
+            <a:pPr marL="342900" indent="-342900">
+              <a:buFont typeface=".AppleSystemUIFont" charset="-120"/>
+              <a:buChar char="-"/>
+            </a:pPr>
+            <a:endParaRPr lang="de-DE" dirty="0"/>
+          </a:p>
+          <a:p>
+            <a:pPr marL="631825" lvl="3" indent="-342900">
+              <a:buFont typeface="Wingdings" charset="2"/>
+              <a:buChar char="§"/>
+            </a:pPr>
+            <a:r>
+              <a:rPr lang="de-DE" dirty="0"/>
+              <a:t>Dialoge</a:t>
+            </a:r>
+          </a:p>
+          <a:p>
+            <a:pPr marL="758825" lvl="4" indent="-342900">
+              <a:buFont typeface="Wingdings" charset="2"/>
+              <a:buChar char="§"/>
+            </a:pPr>
+            <a:r>
+              <a:rPr lang="de-DE" dirty="0" err="1"/>
+              <a:t>NewProjectDialog</a:t>
+            </a:r>
+            <a:endParaRPr lang="de-DE" dirty="0"/>
+          </a:p>
+          <a:p>
+            <a:pPr marL="758825" lvl="4" indent="-342900">
+              <a:buFont typeface="Wingdings" charset="2"/>
+              <a:buChar char="§"/>
+            </a:pPr>
+            <a:r>
+              <a:rPr lang="de-DE" dirty="0" err="1"/>
+              <a:t>EditProjectDialog</a:t>
+            </a:r>
+            <a:endParaRPr lang="de-DE" dirty="0"/>
+          </a:p>
+          <a:p>
+            <a:pPr marL="758825" lvl="4" indent="-342900">
+              <a:buFont typeface="Wingdings" charset="2"/>
+              <a:buChar char="§"/>
+            </a:pPr>
+            <a:r>
+              <a:rPr lang="de-DE" dirty="0" err="1"/>
+              <a:t>ImportTableCsvDialog</a:t>
+            </a:r>
+            <a:endParaRPr lang="de-DE" dirty="0"/>
+          </a:p>
+          <a:p>
+            <a:pPr marL="758825" lvl="4" indent="-342900">
+              <a:buFont typeface="Wingdings" charset="2"/>
+              <a:buChar char="§"/>
+            </a:pPr>
+            <a:r>
+              <a:rPr lang="de-DE" dirty="0" err="1"/>
+              <a:t>InsertFootnoteDialog</a:t>
+            </a:r>
+            <a:endParaRPr lang="de-DE" dirty="0"/>
+          </a:p>
+          <a:p>
+            <a:pPr marL="758825" lvl="4" indent="-342900">
+              <a:buFont typeface="Wingdings" charset="2"/>
+              <a:buChar char="§"/>
+            </a:pPr>
+            <a:r>
+              <a:rPr lang="de-DE" dirty="0" err="1"/>
+              <a:t>InsertGraphicDialog</a:t>
+            </a:r>
+            <a:endParaRPr lang="de-DE" dirty="0"/>
+          </a:p>
+          <a:p>
+            <a:pPr marL="758825" lvl="4" indent="-342900">
+              <a:buFont typeface="Wingdings" charset="2"/>
+              <a:buChar char="§"/>
+            </a:pPr>
+            <a:r>
+              <a:rPr lang="de-DE" dirty="0" err="1"/>
+              <a:t>InsertLinkDialog</a:t>
+            </a:r>
+            <a:endParaRPr lang="de-DE" dirty="0"/>
+          </a:p>
+          <a:p>
+            <a:pPr marL="758825" lvl="4" indent="-342900">
+              <a:buFont typeface="Wingdings" charset="2"/>
+              <a:buChar char="§"/>
+            </a:pPr>
+            <a:r>
+              <a:rPr lang="de-DE" dirty="0" err="1"/>
+              <a:t>InsertTableDialog</a:t>
+            </a:r>
+            <a:endParaRPr lang="de-DE" dirty="0"/>
+          </a:p>
+          <a:p>
+            <a:pPr marL="758825" lvl="4" indent="-342900">
+              <a:buFont typeface="Wingdings" charset="2"/>
+              <a:buChar char="§"/>
+            </a:pPr>
+            <a:r>
+              <a:rPr lang="de-DE" dirty="0" err="1"/>
+              <a:t>SaveDialog</a:t>
+            </a:r>
+            <a:endParaRPr lang="de-DE" dirty="0"/>
+          </a:p>
+          <a:p>
+            <a:pPr marL="758825" lvl="4" indent="-342900">
+              <a:buFont typeface="Wingdings" charset="2"/>
+              <a:buChar char="§"/>
+            </a:pPr>
+            <a:r>
+              <a:rPr lang="de-DE" dirty="0" err="1"/>
+              <a:t>CommitChangesDialog</a:t>
+            </a:r>
+            <a:endParaRPr lang="de-DE" dirty="0"/>
+          </a:p>
+        </p:txBody>
+      </p:sp>
+    </p:spTree>
+    <p:extLst>
+      <p:ext uri="{BB962C8B-B14F-4D97-AF65-F5344CB8AC3E}">
+        <p14:creationId xmlns:p14="http://schemas.microsoft.com/office/powerpoint/2010/main" val="624497072"/>
+      </p:ext>
+    </p:extLst>
+  </p:cSld>
+  <p:clrMapOvr>
+    <a:masterClrMapping/>
+  </p:clrMapOvr>
+  <p:transition spd="slow">
+    <p:push dir="u"/>
+  </p:transition>
+</p:sld>
+</file>
+
+<file path=ppt/slides/slide15.xml><?xml version="1.0" encoding="utf-8"?>
+<p:sld xmlns:a="http://schemas.openxmlformats.org/drawingml/2006/main" xmlns:r="http://schemas.openxmlformats.org/officeDocument/2006/relationships" xmlns:p="http://schemas.openxmlformats.org/presentationml/2006/main">
+  <p:cSld>
+    <p:spTree>
+      <p:nvGrpSpPr>
+        <p:cNvPr id="1" name=""/>
+        <p:cNvGrpSpPr/>
+        <p:nvPr/>
+      </p:nvGrpSpPr>
+      <p:grpSpPr>
+        <a:xfrm>
+          <a:off x="0" y="0"/>
+          <a:ext cx="0" cy="0"/>
+          <a:chOff x="0" y="0"/>
+          <a:chExt cx="0" cy="0"/>
+        </a:xfrm>
+      </p:grpSpPr>
+      <p:sp>
+        <p:nvSpPr>
+          <p:cNvPr id="3" name="Inhaltsplatzhalter 2"/>
+          <p:cNvSpPr>
+            <a:spLocks noGrp="1"/>
+          </p:cNvSpPr>
+          <p:nvPr>
+            <p:ph sz="quarter" idx="19"/>
+          </p:nvPr>
+        </p:nvSpPr>
+        <p:spPr>
+          <a:xfrm>
+            <a:off x="0" y="764704"/>
+            <a:ext cx="9144000" cy="288032"/>
+          </a:xfrm>
+        </p:spPr>
+        <p:txBody>
+          <a:bodyPr anchor="ctr"/>
+          <a:lstStyle/>
+          <a:p>
+            <a:pPr algn="ctr"/>
+            <a:r>
+              <a:rPr lang="de-DE" sz="1200" b="0" dirty="0"/>
+              <a:t>1. Zielstellung &gt; 2. Bestehende Lösungsansätze &gt; </a:t>
+            </a:r>
+            <a:r>
+              <a:rPr lang="de-DE" sz="1200" b="0" dirty="0">
+                <a:solidFill>
+                  <a:schemeClr val="tx1"/>
+                </a:solidFill>
+              </a:rPr>
+              <a:t>3. Entwicklung einer neuen Erweiterung für ATOM</a:t>
+            </a:r>
+            <a:r>
+              <a:rPr lang="de-DE" sz="1200" b="0" dirty="0"/>
+              <a:t> &gt; 4. Ausblick</a:t>
+            </a:r>
+          </a:p>
+        </p:txBody>
+      </p:sp>
+      <p:sp>
+        <p:nvSpPr>
+          <p:cNvPr id="4" name="Datumsplatzhalter 3"/>
+          <p:cNvSpPr>
+            <a:spLocks noGrp="1"/>
+          </p:cNvSpPr>
+          <p:nvPr>
+            <p:ph type="dt" sz="half" idx="20"/>
+          </p:nvPr>
+        </p:nvSpPr>
+        <p:spPr/>
+        <p:txBody>
+          <a:bodyPr/>
+          <a:lstStyle/>
+          <a:p>
+            <a:fld id="{852F18A7-60EF-DD48-8F37-BE93452F0A67}" type="datetime1">
+              <a:rPr lang="de-DE" smtClean="0"/>
+              <a:t>25.10.2016</a:t>
+            </a:fld>
+            <a:endParaRPr lang="de-DE" dirty="0"/>
+          </a:p>
+        </p:txBody>
+      </p:sp>
+      <p:sp>
+        <p:nvSpPr>
+          <p:cNvPr id="6" name="Foliennummernplatzhalter 5"/>
+          <p:cNvSpPr>
+            <a:spLocks noGrp="1"/>
+          </p:cNvSpPr>
+          <p:nvPr>
+            <p:ph type="sldNum" sz="quarter" idx="22"/>
+          </p:nvPr>
+        </p:nvSpPr>
+        <p:spPr/>
+        <p:txBody>
+          <a:bodyPr/>
+          <a:lstStyle/>
+          <a:p>
+            <a:r>
+              <a:rPr lang="de-DE"/>
+              <a:t>Folie </a:t>
+            </a:r>
+            <a:fld id="{20336FBE-96EF-1B43-9998-83765DDB0397}" type="slidenum">
+              <a:rPr lang="de-DE" smtClean="0"/>
+              <a:pPr/>
+              <a:t>15</a:t>
+            </a:fld>
+            <a:r>
+              <a:rPr lang="de-DE"/>
+              <a:t> von XYZ</a:t>
+            </a:r>
+            <a:endParaRPr lang="de-DE" dirty="0"/>
+          </a:p>
+        </p:txBody>
+      </p:sp>
+      <p:sp>
+        <p:nvSpPr>
+          <p:cNvPr id="7" name="Textfeld 6"/>
+          <p:cNvSpPr txBox="1"/>
+          <p:nvPr/>
+        </p:nvSpPr>
+        <p:spPr>
+          <a:xfrm>
+            <a:off x="76971" y="1106160"/>
+            <a:ext cx="4500206" cy="369332"/>
+          </a:xfrm>
+          <a:prstGeom prst="rect">
+            <a:avLst/>
+          </a:prstGeom>
+          <a:noFill/>
+        </p:spPr>
+        <p:txBody>
+          <a:bodyPr wrap="none" rtlCol="0">
+            <a:spAutoFit/>
+          </a:bodyPr>
+          <a:lstStyle/>
+          <a:p>
+            <a:r>
+              <a:rPr lang="de-DE" b="1" dirty="0"/>
+              <a:t>Struktur im Code und Wiederverwendbarkeit</a:t>
+            </a:r>
+          </a:p>
+        </p:txBody>
+      </p:sp>
+      <p:sp>
+        <p:nvSpPr>
+          <p:cNvPr id="8" name="Inhaltsplatzhalter 1"/>
+          <p:cNvSpPr txBox="1">
+            <a:spLocks/>
+          </p:cNvSpPr>
+          <p:nvPr/>
+        </p:nvSpPr>
+        <p:spPr>
+          <a:xfrm>
+            <a:off x="655638" y="1556792"/>
+            <a:ext cx="7804794" cy="4608041"/>
+          </a:xfrm>
+          <a:prstGeom prst="rect">
+            <a:avLst/>
+          </a:prstGeom>
+        </p:spPr>
+        <p:txBody>
+          <a:bodyPr lIns="0" tIns="0" rIns="0" bIns="0"/>
+          <a:lstStyle>
+            <a:lvl1pPr marL="0" marR="0" indent="0" algn="l" defTabSz="914368" rtl="0" eaLnBrk="1" fontAlgn="t" latinLnBrk="0" hangingPunct="1">
+              <a:lnSpc>
+                <a:spcPct val="100000"/>
+              </a:lnSpc>
+              <a:spcBef>
+                <a:spcPts val="0"/>
+              </a:spcBef>
+              <a:spcAft>
+                <a:spcPts val="600"/>
+              </a:spcAft>
+              <a:buClrTx/>
+              <a:buSzTx/>
+              <a:buFontTx/>
+              <a:buNone/>
+              <a:tabLst/>
+              <a:defRPr sz="2000" kern="1200" baseline="0">
+                <a:solidFill>
+                  <a:srgbClr val="0B2A51"/>
+                </a:solidFill>
+                <a:latin typeface="Verdana" pitchFamily="34" charset="0"/>
+                <a:ea typeface="+mn-ea"/>
+                <a:cs typeface="+mn-cs"/>
+              </a:defRPr>
+            </a:lvl1pPr>
+            <a:lvl2pPr marL="161925" indent="-161925" algn="l" defTabSz="914368" rtl="0" eaLnBrk="1" fontAlgn="t" latinLnBrk="0" hangingPunct="1">
+              <a:spcBef>
+                <a:spcPts val="300"/>
+              </a:spcBef>
+              <a:spcAft>
+                <a:spcPts val="600"/>
+              </a:spcAft>
+              <a:buClr>
+                <a:schemeClr val="tx1"/>
+              </a:buClr>
+              <a:buSzPct val="120000"/>
+              <a:buFont typeface="LucidaGrande" charset="0"/>
+              <a:buChar char="_"/>
+              <a:tabLst/>
+              <a:defRPr sz="2000" kern="1200" baseline="0">
+                <a:solidFill>
+                  <a:srgbClr val="0B2A51"/>
+                </a:solidFill>
+                <a:latin typeface="Verdana" pitchFamily="34" charset="0"/>
+                <a:ea typeface="+mn-ea"/>
+                <a:cs typeface="+mn-cs"/>
+              </a:defRPr>
+            </a:lvl2pPr>
+            <a:lvl3pPr marL="0" indent="0" algn="l" defTabSz="914368" rtl="0" eaLnBrk="1" fontAlgn="t" latinLnBrk="0" hangingPunct="1">
+              <a:spcBef>
+                <a:spcPts val="0"/>
+              </a:spcBef>
+              <a:spcAft>
+                <a:spcPts val="600"/>
+              </a:spcAft>
+              <a:buSzPct val="100000"/>
+              <a:buFont typeface="Symbol" charset="2"/>
+              <a:buNone/>
+              <a:tabLst/>
+              <a:defRPr sz="1600" kern="1200" baseline="0">
+                <a:solidFill>
+                  <a:srgbClr val="0B2A51"/>
+                </a:solidFill>
+                <a:latin typeface="Verdana" pitchFamily="34" charset="0"/>
+                <a:ea typeface="+mn-ea"/>
+                <a:cs typeface="+mn-cs"/>
+              </a:defRPr>
+            </a:lvl3pPr>
+            <a:lvl4pPr marL="288925" indent="-127000" algn="l" defTabSz="914368" rtl="0" eaLnBrk="1" latinLnBrk="0" hangingPunct="1">
+              <a:spcBef>
+                <a:spcPts val="0"/>
+              </a:spcBef>
+              <a:spcAft>
+                <a:spcPts val="600"/>
+              </a:spcAft>
+              <a:buClr>
+                <a:schemeClr val="tx1"/>
+              </a:buClr>
+              <a:buSzPct val="100000"/>
+              <a:buFont typeface="LucidaGrande" charset="0"/>
+              <a:buChar char="_"/>
+              <a:tabLst/>
+              <a:defRPr sz="1600" kern="1200" baseline="0">
+                <a:solidFill>
+                  <a:srgbClr val="0B2A51"/>
+                </a:solidFill>
+                <a:latin typeface="Verdana" pitchFamily="34" charset="0"/>
+                <a:ea typeface="+mn-ea"/>
+                <a:cs typeface="+mn-cs"/>
+              </a:defRPr>
+            </a:lvl4pPr>
+            <a:lvl5pPr marL="415925" indent="-127000" algn="l" defTabSz="914368" rtl="0" eaLnBrk="1" latinLnBrk="0" hangingPunct="1">
+              <a:spcBef>
+                <a:spcPts val="0"/>
+              </a:spcBef>
+              <a:spcAft>
+                <a:spcPts val="600"/>
+              </a:spcAft>
+              <a:buSzPct val="170000"/>
+              <a:buFont typeface="AppleSymbols" charset="0"/>
+              <a:buChar char="⌞"/>
+              <a:tabLst/>
+              <a:defRPr sz="1600" kern="1200" baseline="0">
+                <a:solidFill>
+                  <a:srgbClr val="0B2A51"/>
+                </a:solidFill>
+                <a:latin typeface="Verdana" pitchFamily="34" charset="0"/>
+                <a:ea typeface="+mn-ea"/>
+                <a:cs typeface="+mn-cs"/>
+              </a:defRPr>
+            </a:lvl5pPr>
+            <a:lvl6pPr marL="2514512" indent="-228592" algn="l" defTabSz="914368" rtl="0" eaLnBrk="1" latinLnBrk="0" hangingPunct="1">
+              <a:spcBef>
+                <a:spcPct val="20000"/>
+              </a:spcBef>
+              <a:buFont typeface="Arial" pitchFamily="34" charset="0"/>
+              <a:buChar char="•"/>
+              <a:defRPr sz="2000" kern="1200">
+                <a:solidFill>
+                  <a:schemeClr val="tx1"/>
+                </a:solidFill>
+                <a:latin typeface="+mn-lt"/>
+                <a:ea typeface="+mn-ea"/>
+                <a:cs typeface="+mn-cs"/>
+              </a:defRPr>
+            </a:lvl6pPr>
+            <a:lvl7pPr marL="2971696" indent="-228592" algn="l" defTabSz="914368" rtl="0" eaLnBrk="1" latinLnBrk="0" hangingPunct="1">
+              <a:spcBef>
+                <a:spcPct val="20000"/>
+              </a:spcBef>
+              <a:buFont typeface="Arial" pitchFamily="34" charset="0"/>
+              <a:buChar char="•"/>
+              <a:defRPr sz="2000" kern="1200">
+                <a:solidFill>
+                  <a:schemeClr val="tx1"/>
+                </a:solidFill>
+                <a:latin typeface="+mn-lt"/>
+                <a:ea typeface="+mn-ea"/>
+                <a:cs typeface="+mn-cs"/>
+              </a:defRPr>
+            </a:lvl7pPr>
+            <a:lvl8pPr marL="3428880" indent="-228592" algn="l" defTabSz="914368" rtl="0" eaLnBrk="1" latinLnBrk="0" hangingPunct="1">
+              <a:spcBef>
+                <a:spcPct val="20000"/>
+              </a:spcBef>
+              <a:buFont typeface="Arial" pitchFamily="34" charset="0"/>
+              <a:buChar char="•"/>
+              <a:defRPr sz="2000" kern="1200">
+                <a:solidFill>
+                  <a:schemeClr val="tx1"/>
+                </a:solidFill>
+                <a:latin typeface="+mn-lt"/>
+                <a:ea typeface="+mn-ea"/>
+                <a:cs typeface="+mn-cs"/>
+              </a:defRPr>
+            </a:lvl8pPr>
+            <a:lvl9pPr marL="3886064" indent="-228592" algn="l" defTabSz="914368" rtl="0" eaLnBrk="1" latinLnBrk="0" hangingPunct="1">
+              <a:spcBef>
+                <a:spcPct val="20000"/>
+              </a:spcBef>
+              <a:buFont typeface="Arial" pitchFamily="34" charset="0"/>
+              <a:buChar char="•"/>
+              <a:defRPr sz="2000" kern="1200">
+                <a:solidFill>
+                  <a:schemeClr val="tx1"/>
+                </a:solidFill>
+                <a:latin typeface="+mn-lt"/>
+                <a:ea typeface="+mn-ea"/>
+                <a:cs typeface="+mn-cs"/>
+              </a:defRPr>
+            </a:lvl9pPr>
+          </a:lstStyle>
+          <a:p>
+            <a:pPr marL="342900" indent="-342900">
+              <a:buFont typeface=".AppleSystemUIFont" charset="-120"/>
+              <a:buChar char="-"/>
+            </a:pPr>
+            <a:r>
+              <a:rPr lang="de-DE" dirty="0"/>
+              <a:t>Einfache Erweiterung des Packages</a:t>
+            </a:r>
+          </a:p>
+          <a:p>
+            <a:pPr marL="631825" lvl="3" indent="-342900">
+              <a:buFont typeface="Wingdings" charset="2"/>
+              <a:buChar char="§"/>
+            </a:pPr>
+            <a:r>
+              <a:rPr lang="de-DE" dirty="0" err="1"/>
+              <a:t>DialogView</a:t>
+            </a:r>
+            <a:endParaRPr lang="de-DE" dirty="0"/>
+          </a:p>
+          <a:p>
+            <a:pPr marL="631825" lvl="3" indent="-342900">
+              <a:buFont typeface="Wingdings" charset="2"/>
+              <a:buChar char="§"/>
+            </a:pPr>
+            <a:r>
+              <a:rPr lang="de-DE" dirty="0" err="1"/>
+              <a:t>ViewManager</a:t>
+            </a:r>
+            <a:endParaRPr lang="de-DE" dirty="0"/>
+          </a:p>
+          <a:p>
+            <a:pPr marL="631825" lvl="3" indent="-342900">
+              <a:buFont typeface="Wingdings" charset="2"/>
+              <a:buChar char="§"/>
+            </a:pPr>
+            <a:endParaRPr lang="de-DE" dirty="0"/>
           </a:p>
           <a:p>
             <a:pPr marL="342900" lvl="2" indent="-342900">
@@ -10121,7 +11285,7 @@
               <a:buChar char="-"/>
             </a:pPr>
             <a:r>
-              <a:rPr lang="de-DE" sz="2000" dirty="0" smtClean="0"/>
+              <a:rPr lang="de-DE" sz="2000" dirty="0"/>
               <a:t>Sprachunterstützung</a:t>
             </a:r>
           </a:p>
@@ -10131,7 +11295,7 @@
               <a:buChar char="§"/>
             </a:pPr>
             <a:r>
-              <a:rPr lang="de-DE" dirty="0" smtClean="0"/>
+              <a:rPr lang="de-DE" dirty="0"/>
               <a:t>Alle Textelemente in Variablen</a:t>
             </a:r>
           </a:p>
@@ -10150,13 +11314,6 @@
   <p:transition spd="slow">
     <p:push dir="u"/>
   </p:transition>
-  <p:timing>
-    <p:tnLst>
-      <p:par>
-        <p:cTn id="1" dur="indefinite" restart="never" nodeType="tmRoot"/>
-      </p:par>
-    </p:tnLst>
-  </p:timing>
 </p:sld>
 </file>
 
@@ -10205,10 +11362,9 @@
               <a:buAutoNum type="arabicPeriod"/>
             </a:pPr>
             <a:r>
-              <a:rPr lang="de-DE" dirty="0" smtClean="0"/>
+              <a:rPr lang="de-DE" dirty="0"/>
               <a:t>Zielstellung</a:t>
             </a:r>
-            <a:endParaRPr lang="de-DE" dirty="0"/>
           </a:p>
           <a:p>
             <a:pPr marL="457200" indent="-457200">
@@ -10220,13 +11376,8 @@
             </a:pPr>
             <a:r>
               <a:rPr lang="de-DE" dirty="0"/>
-              <a:t>Bestehende </a:t>
-            </a:r>
-            <a:r>
-              <a:rPr lang="de-DE" dirty="0" smtClean="0"/>
-              <a:t>Lösungsansätze</a:t>
-            </a:r>
-            <a:endParaRPr lang="de-DE" dirty="0"/>
+              <a:t>Bestehende Lösungsansätze</a:t>
+            </a:r>
           </a:p>
           <a:p>
             <a:pPr marL="457200" indent="-457200">
@@ -10251,11 +11402,7 @@
             </a:pPr>
             <a:r>
               <a:rPr lang="de-DE" sz="1600" dirty="0"/>
-              <a:t>Vorteile des </a:t>
-            </a:r>
-            <a:r>
-              <a:rPr lang="de-DE" sz="1600" dirty="0" smtClean="0"/>
-              <a:t>Editors</a:t>
+              <a:t>Vorteile des Editors</a:t>
             </a:r>
           </a:p>
           <a:p>
@@ -10267,10 +11414,9 @@
               <a:buChar char="§"/>
             </a:pPr>
             <a:r>
-              <a:rPr lang="de-DE" sz="1600" dirty="0" smtClean="0"/>
+              <a:rPr lang="de-DE" sz="1600" dirty="0"/>
               <a:t>Eingesetzte Werkzeuge für die Entwicklung</a:t>
             </a:r>
-            <a:endParaRPr lang="de-DE" sz="1600" dirty="0"/>
           </a:p>
           <a:p>
             <a:pPr marL="619125" lvl="1" indent="-457200">
@@ -10295,13 +11441,8 @@
             </a:pPr>
             <a:r>
               <a:rPr lang="de-DE" sz="1600" dirty="0"/>
-              <a:t>Struktur im Code, </a:t>
-            </a:r>
-            <a:r>
-              <a:rPr lang="de-DE" sz="1600" dirty="0" smtClean="0"/>
-              <a:t>Wiederverwendbarkeit</a:t>
-            </a:r>
-            <a:endParaRPr lang="de-DE" sz="1600" dirty="0"/>
+              <a:t>Struktur im Code, Wiederverwendbarkeit</a:t>
+            </a:r>
           </a:p>
           <a:p>
             <a:pPr marL="457200" indent="-457200">
@@ -10541,7 +11682,7 @@
           <a:p>
             <a:fld id="{852F18A7-60EF-DD48-8F37-BE93452F0A67}" type="datetime1">
               <a:rPr lang="de-DE" smtClean="0"/>
-              <a:t>24.10.16</a:t>
+              <a:t>25.10.2016</a:t>
             </a:fld>
             <a:endParaRPr lang="de-DE" dirty="0"/>
           </a:p>
@@ -10574,7 +11715,7 @@
             <a:fld id="{20336FBE-96EF-1B43-9998-83765DDB0397}" type="slidenum">
               <a:rPr lang="de-DE" smtClean="0"/>
               <a:pPr/>
-              <a:t>3</a:t>
+              <a:t>2</a:t>
             </a:fld>
             <a:r>
               <a:rPr lang="de-DE" dirty="0"/>
@@ -10596,13 +11737,6 @@
   <p:transition spd="slow">
     <p:push dir="u"/>
   </p:transition>
-  <p:timing>
-    <p:tnLst>
-      <p:par>
-        <p:cTn id="1" dur="indefinite" restart="never" nodeType="tmRoot"/>
-      </p:par>
-    </p:tnLst>
-  </p:timing>
 </p:sld>
 </file>
 
@@ -10673,13 +11807,8 @@
           <a:p>
             <a:r>
               <a:rPr lang="de-DE" sz="2800" dirty="0"/>
-              <a:t>1. </a:t>
-            </a:r>
-            <a:r>
-              <a:rPr lang="de-DE" sz="2800" dirty="0" smtClean="0"/>
-              <a:t>	ZIELSTELLUNG</a:t>
-            </a:r>
-            <a:endParaRPr lang="de-DE" sz="2800" dirty="0"/>
+              <a:t>1. 	ZIELSTELLUNG</a:t>
+            </a:r>
           </a:p>
         </p:txBody>
       </p:sp>
@@ -10700,7 +11829,7 @@
           <a:p>
             <a:fld id="{852F18A7-60EF-DD48-8F37-BE93452F0A67}" type="datetime1">
               <a:rPr lang="de-DE" smtClean="0"/>
-              <a:t>24.10.16</a:t>
+              <a:t>25.10.2016</a:t>
             </a:fld>
             <a:endParaRPr lang="de-DE" dirty="0"/>
           </a:p>
@@ -10750,13 +11879,6 @@
   <p:transition spd="slow">
     <p:push dir="u"/>
   </p:transition>
-  <p:timing>
-    <p:tnLst>
-      <p:par>
-        <p:cTn id="1" dur="indefinite" restart="never" nodeType="tmRoot"/>
-      </p:par>
-    </p:tnLst>
-  </p:timing>
 </p:sld>
 </file>
 
@@ -10987,7 +12109,7 @@
           <a:p>
             <a:fld id="{852F18A7-60EF-DD48-8F37-BE93452F0A67}" type="datetime1">
               <a:rPr lang="de-DE" smtClean="0"/>
-              <a:t>24.10.16</a:t>
+              <a:t>25.10.2016</a:t>
             </a:fld>
             <a:endParaRPr lang="de-DE" dirty="0"/>
           </a:p>
@@ -11038,13 +12160,6 @@
   <p:transition spd="slow">
     <p:push dir="u"/>
   </p:transition>
-  <p:timing>
-    <p:tnLst>
-      <p:par>
-        <p:cTn id="1" dur="indefinite" restart="never" nodeType="tmRoot"/>
-      </p:par>
-    </p:tnLst>
-  </p:timing>
 </p:sld>
 </file>
 
@@ -11115,15 +12230,7 @@
           <a:p>
             <a:r>
               <a:rPr lang="de-DE" sz="2800" dirty="0"/>
-              <a:t>2. </a:t>
-            </a:r>
-            <a:r>
-              <a:rPr lang="de-DE" sz="2800" dirty="0" smtClean="0"/>
-              <a:t>	BESTEHENDE </a:t>
-            </a:r>
-            <a:r>
-              <a:rPr lang="de-DE" sz="2800" dirty="0"/>
-              <a:t>LÖSUNGSANSÄTZE</a:t>
+              <a:t>2. 	BESTEHENDE LÖSUNGSANSÄTZE</a:t>
             </a:r>
           </a:p>
         </p:txBody>
@@ -11145,7 +12252,7 @@
           <a:p>
             <a:fld id="{852F18A7-60EF-DD48-8F37-BE93452F0A67}" type="datetime1">
               <a:rPr lang="de-DE" smtClean="0"/>
-              <a:t>24.10.16</a:t>
+              <a:t>25.10.2016</a:t>
             </a:fld>
             <a:endParaRPr lang="de-DE" dirty="0"/>
           </a:p>
@@ -11196,13 +12303,6 @@
   <p:transition spd="slow">
     <p:push dir="u"/>
   </p:transition>
-  <p:timing>
-    <p:tnLst>
-      <p:par>
-        <p:cTn id="1" dur="indefinite" restart="never" nodeType="tmRoot"/>
-      </p:par>
-    </p:tnLst>
-  </p:timing>
 </p:sld>
 </file>
 
@@ -11444,7 +12544,7 @@
           <a:p>
             <a:fld id="{852F18A7-60EF-DD48-8F37-BE93452F0A67}" type="datetime1">
               <a:rPr lang="de-DE" smtClean="0"/>
-              <a:t>24.10.16</a:t>
+              <a:t>25.10.2016</a:t>
             </a:fld>
             <a:endParaRPr lang="de-DE" dirty="0"/>
           </a:p>
@@ -11495,13 +12595,6 @@
   <p:transition spd="slow">
     <p:push dir="u"/>
   </p:transition>
-  <p:timing>
-    <p:tnLst>
-      <p:par>
-        <p:cTn id="1" dur="indefinite" restart="never" nodeType="tmRoot"/>
-      </p:par>
-    </p:tnLst>
-  </p:timing>
 </p:sld>
 </file>
 
@@ -11547,14 +12640,13 @@
               <a:buChar char="-"/>
             </a:pPr>
             <a:r>
-              <a:rPr lang="de-DE" dirty="0" err="1" smtClean="0"/>
+              <a:rPr lang="de-DE" dirty="0" err="1"/>
               <a:t>Matuc</a:t>
             </a:r>
             <a:r>
-              <a:rPr lang="de-DE" dirty="0" smtClean="0"/>
+              <a:rPr lang="de-DE" dirty="0"/>
               <a:t> JSON-API</a:t>
             </a:r>
-            <a:endParaRPr lang="de-DE" dirty="0"/>
           </a:p>
           <a:p>
             <a:pPr marL="631825" lvl="3" indent="-342900">
@@ -11562,11 +12654,11 @@
               <a:buChar char="§"/>
             </a:pPr>
             <a:r>
-              <a:rPr lang="de-DE" dirty="0" smtClean="0"/>
+              <a:rPr lang="de-DE" dirty="0"/>
               <a:t>Kompletter Funktionsumfang von </a:t>
             </a:r>
             <a:r>
-              <a:rPr lang="de-DE" dirty="0" err="1" smtClean="0"/>
+              <a:rPr lang="de-DE" dirty="0" err="1"/>
               <a:t>Matuc</a:t>
             </a:r>
             <a:endParaRPr lang="de-DE" dirty="0"/>
@@ -11577,7 +12669,7 @@
               <a:buChar char="§"/>
             </a:pPr>
             <a:r>
-              <a:rPr lang="de-DE" dirty="0" smtClean="0"/>
+              <a:rPr lang="de-DE" dirty="0"/>
               <a:t>Liefert JSON-Objekte zurück</a:t>
             </a:r>
           </a:p>
@@ -11587,11 +12679,11 @@
               <a:buChar char="§"/>
             </a:pPr>
             <a:r>
-              <a:rPr lang="de-DE" dirty="0" smtClean="0"/>
+              <a:rPr lang="de-DE" dirty="0"/>
               <a:t>Beispielbefehl: 	</a:t>
             </a:r>
             <a:r>
-              <a:rPr lang="de-DE" dirty="0" err="1" smtClean="0">
+              <a:rPr lang="de-DE" dirty="0" err="1">
                 <a:latin typeface="Courier" charset="0"/>
                 <a:ea typeface="Courier" charset="0"/>
                 <a:cs typeface="Courier" charset="0"/>
@@ -11599,7 +12691,7 @@
               <a:t>matuc</a:t>
             </a:r>
             <a:r>
-              <a:rPr lang="de-DE" dirty="0" smtClean="0">
+              <a:rPr lang="de-DE" dirty="0">
                 <a:latin typeface="Courier" charset="0"/>
                 <a:ea typeface="Courier" charset="0"/>
                 <a:cs typeface="Courier" charset="0"/>
@@ -11607,7 +12699,7 @@
               <a:t> </a:t>
             </a:r>
             <a:r>
-              <a:rPr lang="de-DE" dirty="0" err="1" smtClean="0">
+              <a:rPr lang="de-DE" dirty="0" err="1">
                 <a:latin typeface="Courier" charset="0"/>
                 <a:ea typeface="Courier" charset="0"/>
                 <a:cs typeface="Courier" charset="0"/>
@@ -11615,7 +12707,7 @@
               <a:t>conf</a:t>
             </a:r>
             <a:r>
-              <a:rPr lang="de-DE" dirty="0" smtClean="0">
+              <a:rPr lang="de-DE" dirty="0">
                 <a:latin typeface="Courier" charset="0"/>
                 <a:ea typeface="Courier" charset="0"/>
                 <a:cs typeface="Courier" charset="0"/>
@@ -11623,14 +12715,14 @@
               <a:t> </a:t>
             </a:r>
             <a:r>
-              <a:rPr lang="de-DE" dirty="0" err="1" smtClean="0">
+              <a:rPr lang="de-DE" dirty="0" err="1">
                 <a:latin typeface="Courier" charset="0"/>
                 <a:ea typeface="Courier" charset="0"/>
                 <a:cs typeface="Courier" charset="0"/>
               </a:rPr>
               <a:t>show</a:t>
             </a:r>
-            <a:endParaRPr lang="de-DE" dirty="0" smtClean="0">
+            <a:endParaRPr lang="de-DE" dirty="0">
               <a:latin typeface="Courier" charset="0"/>
               <a:ea typeface="Courier" charset="0"/>
               <a:cs typeface="Courier" charset="0"/>
@@ -11695,7 +12787,7 @@
           <a:p>
             <a:fld id="{852F18A7-60EF-DD48-8F37-BE93452F0A67}" type="datetime1">
               <a:rPr lang="de-DE" smtClean="0"/>
-              <a:t>24.10.16</a:t>
+              <a:t>25.10.2016</a:t>
             </a:fld>
             <a:endParaRPr lang="de-DE" dirty="0"/>
           </a:p>
@@ -11776,13 +12868,6 @@
   <p:transition spd="slow">
     <p:push dir="u"/>
   </p:transition>
-  <p:timing>
-    <p:tnLst>
-      <p:par>
-        <p:cTn id="1" dur="indefinite" restart="never" nodeType="tmRoot"/>
-      </p:par>
-    </p:tnLst>
-  </p:timing>
 </p:sld>
 </file>
 
@@ -11828,14 +12913,13 @@
               <a:buChar char="-"/>
             </a:pPr>
             <a:r>
-              <a:rPr lang="de-DE" dirty="0" err="1" smtClean="0"/>
+              <a:rPr lang="de-DE" dirty="0" err="1"/>
               <a:t>Matuc</a:t>
             </a:r>
             <a:r>
-              <a:rPr lang="de-DE" dirty="0" smtClean="0"/>
+              <a:rPr lang="de-DE" dirty="0"/>
               <a:t> JSON-API</a:t>
             </a:r>
-            <a:endParaRPr lang="de-DE" dirty="0"/>
           </a:p>
           <a:p>
             <a:pPr marL="631825" lvl="3" indent="-342900">
@@ -11843,11 +12927,11 @@
               <a:buChar char="§"/>
             </a:pPr>
             <a:r>
-              <a:rPr lang="de-DE" dirty="0" smtClean="0"/>
+              <a:rPr lang="de-DE" dirty="0"/>
               <a:t>Kompletter Funktionsumfang von </a:t>
             </a:r>
             <a:r>
-              <a:rPr lang="de-DE" dirty="0" err="1" smtClean="0"/>
+              <a:rPr lang="de-DE" dirty="0" err="1"/>
               <a:t>Matuc</a:t>
             </a:r>
             <a:endParaRPr lang="de-DE" dirty="0"/>
@@ -11858,7 +12942,7 @@
               <a:buChar char="§"/>
             </a:pPr>
             <a:r>
-              <a:rPr lang="de-DE" dirty="0" smtClean="0"/>
+              <a:rPr lang="de-DE" dirty="0"/>
               <a:t>Liefert JSON-Objekte zurück</a:t>
             </a:r>
           </a:p>
@@ -11868,11 +12952,11 @@
               <a:buChar char="§"/>
             </a:pPr>
             <a:r>
-              <a:rPr lang="de-DE" dirty="0" smtClean="0"/>
+              <a:rPr lang="de-DE" dirty="0"/>
               <a:t>Beispielbefehl: 	</a:t>
             </a:r>
             <a:r>
-              <a:rPr lang="de-DE" dirty="0" err="1" smtClean="0">
+              <a:rPr lang="de-DE" dirty="0" err="1">
                 <a:latin typeface="Courier" charset="0"/>
                 <a:ea typeface="Courier" charset="0"/>
                 <a:cs typeface="Courier" charset="0"/>
@@ -11880,7 +12964,7 @@
               <a:t>matuc</a:t>
             </a:r>
             <a:r>
-              <a:rPr lang="de-DE" dirty="0" smtClean="0">
+              <a:rPr lang="de-DE" dirty="0">
                 <a:latin typeface="Courier" charset="0"/>
                 <a:ea typeface="Courier" charset="0"/>
                 <a:cs typeface="Courier" charset="0"/>
@@ -11888,7 +12972,7 @@
               <a:t> </a:t>
             </a:r>
             <a:r>
-              <a:rPr lang="de-DE" dirty="0" err="1" smtClean="0">
+              <a:rPr lang="de-DE" dirty="0" err="1">
                 <a:latin typeface="Courier" charset="0"/>
                 <a:ea typeface="Courier" charset="0"/>
                 <a:cs typeface="Courier" charset="0"/>
@@ -11896,7 +12980,7 @@
               <a:t>conf</a:t>
             </a:r>
             <a:r>
-              <a:rPr lang="de-DE" dirty="0" smtClean="0">
+              <a:rPr lang="de-DE" dirty="0">
                 <a:latin typeface="Courier" charset="0"/>
                 <a:ea typeface="Courier" charset="0"/>
                 <a:cs typeface="Courier" charset="0"/>
@@ -11904,14 +12988,14 @@
               <a:t> </a:t>
             </a:r>
             <a:r>
-              <a:rPr lang="de-DE" dirty="0" err="1" smtClean="0">
+              <a:rPr lang="de-DE" dirty="0" err="1">
                 <a:latin typeface="Courier" charset="0"/>
                 <a:ea typeface="Courier" charset="0"/>
                 <a:cs typeface="Courier" charset="0"/>
               </a:rPr>
               <a:t>show</a:t>
             </a:r>
-            <a:endParaRPr lang="de-DE" dirty="0" smtClean="0">
+            <a:endParaRPr lang="de-DE" dirty="0">
               <a:latin typeface="Courier" charset="0"/>
               <a:ea typeface="Courier" charset="0"/>
               <a:cs typeface="Courier" charset="0"/>
@@ -11976,7 +13060,7 @@
           <a:p>
             <a:fld id="{852F18A7-60EF-DD48-8F37-BE93452F0A67}" type="datetime1">
               <a:rPr lang="de-DE" smtClean="0"/>
-              <a:t>24.10.16</a:t>
+              <a:t>25.10.2016</a:t>
             </a:fld>
             <a:endParaRPr lang="de-DE" dirty="0"/>
           </a:p>
@@ -12084,21 +13168,14 @@
   <p:clrMapOvr>
     <a:masterClrMapping/>
   </p:clrMapOvr>
-  <mc:AlternateContent xmlns:mc="http://schemas.openxmlformats.org/markup-compatibility/2006">
-    <mc:Choice xmlns:p14="http://schemas.microsoft.com/office/powerpoint/2010/main" Requires="p14">
+  <mc:AlternateContent xmlns:mc="http://schemas.openxmlformats.org/markup-compatibility/2006" xmlns:p14="http://schemas.microsoft.com/office/powerpoint/2010/main">
+    <mc:Choice Requires="p14">
       <p:transition p14:dur="0"/>
     </mc:Choice>
-    <mc:Fallback>
+    <mc:Fallback xmlns="">
       <p:transition/>
     </mc:Fallback>
   </mc:AlternateContent>
-  <p:timing>
-    <p:tnLst>
-      <p:par>
-        <p:cTn id="1" dur="indefinite" restart="never" nodeType="tmRoot"/>
-      </p:par>
-    </p:tnLst>
-  </p:timing>
 </p:sld>
 </file>
 
@@ -12141,19 +13218,19 @@
           <a:p>
             <a:pPr algn="r"/>
             <a:r>
-              <a:rPr lang="de-DE" sz="1800" dirty="0" smtClean="0"/>
+              <a:rPr lang="de-DE" sz="1800" dirty="0"/>
               <a:t>Das </a:t>
             </a:r>
             <a:r>
-              <a:rPr lang="de-DE" sz="1800" dirty="0" err="1" smtClean="0"/>
+              <a:rPr lang="de-DE" sz="1800" dirty="0" err="1"/>
               <a:t>agsbs</a:t>
             </a:r>
             <a:r>
-              <a:rPr lang="de-DE" sz="1800" dirty="0" smtClean="0"/>
+              <a:rPr lang="de-DE" sz="1800" dirty="0"/>
               <a:t>-atom-</a:t>
             </a:r>
             <a:r>
-              <a:rPr lang="de-DE" sz="1800" dirty="0" err="1" smtClean="0"/>
+              <a:rPr lang="de-DE" sz="1800" dirty="0" err="1"/>
               <a:t>package</a:t>
             </a:r>
             <a:endParaRPr lang="de-DE" sz="1800" dirty="0"/>
@@ -12181,10 +13258,9 @@
           <a:lstStyle/>
           <a:p>
             <a:r>
-              <a:rPr lang="de-DE" sz="2800" dirty="0" smtClean="0"/>
+              <a:rPr lang="de-DE" sz="2800" dirty="0"/>
               <a:t>3. 	Entwicklung einer neuen 	Erweiterung für ATOM</a:t>
             </a:r>
-            <a:endParaRPr lang="de-DE" sz="2800" dirty="0"/>
           </a:p>
         </p:txBody>
       </p:sp>
@@ -12205,7 +13281,7 @@
           <a:p>
             <a:fld id="{852F18A7-60EF-DD48-8F37-BE93452F0A67}" type="datetime1">
               <a:rPr lang="de-DE" smtClean="0"/>
-              <a:t>24.10.16</a:t>
+              <a:t>25.10.2016</a:t>
             </a:fld>
             <a:endParaRPr lang="de-DE" dirty="0"/>
           </a:p>
@@ -12256,13 +13332,6 @@
   <p:transition spd="slow">
     <p:push dir="u"/>
   </p:transition>
-  <p:timing>
-    <p:tnLst>
-      <p:par>
-        <p:cTn id="1" dur="indefinite" restart="never" nodeType="tmRoot"/>
-      </p:par>
-    </p:tnLst>
-  </p:timing>
 </p:sld>
 </file>
 

--- a/presentation.pptx
+++ b/presentation.pptx
@@ -5,10 +5,10 @@
     <p:sldMasterId id="2147483648" r:id="rId1"/>
   </p:sldMasterIdLst>
   <p:notesMasterIdLst>
-    <p:notesMasterId r:id="rId17"/>
+    <p:notesMasterId r:id="rId19"/>
   </p:notesMasterIdLst>
   <p:handoutMasterIdLst>
-    <p:handoutMasterId r:id="rId18"/>
+    <p:handoutMasterId r:id="rId20"/>
   </p:handoutMasterIdLst>
   <p:sldIdLst>
     <p:sldId id="259" r:id="rId2"/>
@@ -26,6 +26,8 @@
     <p:sldId id="271" r:id="rId14"/>
     <p:sldId id="272" r:id="rId15"/>
     <p:sldId id="273" r:id="rId16"/>
+    <p:sldId id="275" r:id="rId17"/>
+    <p:sldId id="274" r:id="rId18"/>
   </p:sldIdLst>
   <p:sldSz cx="9144000" cy="6858000" type="screen4x3"/>
   <p:notesSz cx="6858000" cy="9144000"/>
@@ -1836,6 +1838,104 @@
 </p:notes>
 </file>
 
+<file path=ppt/notesSlides/notesSlide12.xml><?xml version="1.0" encoding="utf-8"?>
+<p:notes xmlns:a="http://schemas.openxmlformats.org/drawingml/2006/main" xmlns:r="http://schemas.openxmlformats.org/officeDocument/2006/relationships" xmlns:p="http://schemas.openxmlformats.org/presentationml/2006/main">
+  <p:cSld>
+    <p:spTree>
+      <p:nvGrpSpPr>
+        <p:cNvPr id="1" name=""/>
+        <p:cNvGrpSpPr/>
+        <p:nvPr/>
+      </p:nvGrpSpPr>
+      <p:grpSpPr>
+        <a:xfrm>
+          <a:off x="0" y="0"/>
+          <a:ext cx="0" cy="0"/>
+          <a:chOff x="0" y="0"/>
+          <a:chExt cx="0" cy="0"/>
+        </a:xfrm>
+      </p:grpSpPr>
+      <p:sp>
+        <p:nvSpPr>
+          <p:cNvPr id="2" name="Folienbildplatzhalter 1"/>
+          <p:cNvSpPr>
+            <a:spLocks noGrp="1" noRot="1" noChangeAspect="1"/>
+          </p:cNvSpPr>
+          <p:nvPr>
+            <p:ph type="sldImg"/>
+          </p:nvPr>
+        </p:nvSpPr>
+        <p:spPr/>
+      </p:sp>
+      <p:sp>
+        <p:nvSpPr>
+          <p:cNvPr id="3" name="Notizenplatzhalter 2"/>
+          <p:cNvSpPr>
+            <a:spLocks noGrp="1"/>
+          </p:cNvSpPr>
+          <p:nvPr>
+            <p:ph type="body" idx="1"/>
+          </p:nvPr>
+        </p:nvSpPr>
+        <p:spPr/>
+        <p:txBody>
+          <a:bodyPr/>
+          <a:lstStyle/>
+          <a:p>
+            <a:r>
+              <a:rPr lang="de-DE" baseline="0" dirty="0"/>
+              <a:t>Live Preview:</a:t>
+            </a:r>
+          </a:p>
+          <a:p>
+            <a:r>
+              <a:rPr lang="de-DE" baseline="0" dirty="0"/>
+              <a:t>- Mehr </a:t>
+            </a:r>
+            <a:r>
+              <a:rPr lang="de-DE" baseline="0" dirty="0" err="1"/>
+              <a:t>wysiwyg</a:t>
+            </a:r>
+            <a:endParaRPr lang="de-DE" baseline="0" dirty="0"/>
+          </a:p>
+        </p:txBody>
+      </p:sp>
+      <p:sp>
+        <p:nvSpPr>
+          <p:cNvPr id="4" name="Foliennummernplatzhalter 3"/>
+          <p:cNvSpPr>
+            <a:spLocks noGrp="1"/>
+          </p:cNvSpPr>
+          <p:nvPr>
+            <p:ph type="sldNum" sz="quarter" idx="10"/>
+          </p:nvPr>
+        </p:nvSpPr>
+        <p:spPr/>
+        <p:txBody>
+          <a:bodyPr/>
+          <a:lstStyle/>
+          <a:p>
+            <a:fld id="{97667336-ABAD-4032-8A72-A57DA0F2B670}" type="slidenum">
+              <a:rPr lang="de-LU" smtClean="0"/>
+              <a:t>17</a:t>
+            </a:fld>
+            <a:endParaRPr lang="de-LU"/>
+          </a:p>
+        </p:txBody>
+      </p:sp>
+    </p:spTree>
+    <p:extLst>
+      <p:ext uri="{BB962C8B-B14F-4D97-AF65-F5344CB8AC3E}">
+        <p14:creationId xmlns:p14="http://schemas.microsoft.com/office/powerpoint/2010/main" val="2618046515"/>
+      </p:ext>
+    </p:extLst>
+  </p:cSld>
+  <p:clrMapOvr>
+    <a:masterClrMapping/>
+  </p:clrMapOvr>
+</p:notes>
+</file>
+
 <file path=ppt/notesSlides/notesSlide2.xml><?xml version="1.0" encoding="utf-8"?>
 <p:notes xmlns:a="http://schemas.openxmlformats.org/drawingml/2006/main" xmlns:r="http://schemas.openxmlformats.org/officeDocument/2006/relationships" xmlns:p="http://schemas.openxmlformats.org/presentationml/2006/main">
   <p:cSld>
@@ -3250,7 +3350,7 @@
           <a:p>
             <a:r>
               <a:rPr lang="de-DE" baseline="0" dirty="0"/>
-              <a:t>ATOM als DIE</a:t>
+              <a:t>ATOM als IDE</a:t>
             </a:r>
           </a:p>
           <a:p>
@@ -8599,7 +8699,7 @@
         </p:nvGrpSpPr>
         <p:grpSpPr>
           <a:xfrm>
-            <a:off x="1331640" y="3717032"/>
+            <a:off x="1547664" y="3861048"/>
             <a:ext cx="6120680" cy="2500414"/>
             <a:chOff x="1331640" y="3717032"/>
             <a:chExt cx="6120680" cy="2500414"/>
@@ -11305,6 +11405,491 @@
     <p:extLst>
       <p:ext uri="{BB962C8B-B14F-4D97-AF65-F5344CB8AC3E}">
         <p14:creationId xmlns:p14="http://schemas.microsoft.com/office/powerpoint/2010/main" val="679048016"/>
+      </p:ext>
+    </p:extLst>
+  </p:cSld>
+  <p:clrMapOvr>
+    <a:masterClrMapping/>
+  </p:clrMapOvr>
+  <p:transition spd="slow">
+    <p:push dir="u"/>
+  </p:transition>
+</p:sld>
+</file>
+
+<file path=ppt/slides/slide16.xml><?xml version="1.0" encoding="utf-8"?>
+<p:sld xmlns:a="http://schemas.openxmlformats.org/drawingml/2006/main" xmlns:r="http://schemas.openxmlformats.org/officeDocument/2006/relationships" xmlns:p="http://schemas.openxmlformats.org/presentationml/2006/main">
+  <p:cSld>
+    <p:spTree>
+      <p:nvGrpSpPr>
+        <p:cNvPr id="1" name=""/>
+        <p:cNvGrpSpPr/>
+        <p:nvPr/>
+      </p:nvGrpSpPr>
+      <p:grpSpPr>
+        <a:xfrm>
+          <a:off x="0" y="0"/>
+          <a:ext cx="0" cy="0"/>
+          <a:chOff x="0" y="0"/>
+          <a:chExt cx="0" cy="0"/>
+        </a:xfrm>
+      </p:grpSpPr>
+      <p:sp>
+        <p:nvSpPr>
+          <p:cNvPr id="2" name="Inhaltsplatzhalter 1"/>
+          <p:cNvSpPr>
+            <a:spLocks noGrp="1"/>
+          </p:cNvSpPr>
+          <p:nvPr>
+            <p:ph sz="quarter" idx="11"/>
+          </p:nvPr>
+        </p:nvSpPr>
+        <p:spPr>
+          <a:xfrm>
+            <a:off x="859632" y="4277677"/>
+            <a:ext cx="7832725" cy="360313"/>
+          </a:xfrm>
+        </p:spPr>
+        <p:txBody>
+          <a:bodyPr/>
+          <a:lstStyle/>
+          <a:p>
+            <a:pPr algn="r"/>
+            <a:r>
+              <a:rPr lang="de-DE" sz="1800" dirty="0"/>
+              <a:t>Was fehlt noch?</a:t>
+            </a:r>
+          </a:p>
+        </p:txBody>
+      </p:sp>
+      <p:sp>
+        <p:nvSpPr>
+          <p:cNvPr id="3" name="Inhaltsplatzhalter 2"/>
+          <p:cNvSpPr>
+            <a:spLocks noGrp="1"/>
+          </p:cNvSpPr>
+          <p:nvPr>
+            <p:ph sz="quarter" idx="19"/>
+          </p:nvPr>
+        </p:nvSpPr>
+        <p:spPr>
+          <a:xfrm>
+            <a:off x="858043" y="2324000"/>
+            <a:ext cx="7834314" cy="558801"/>
+          </a:xfrm>
+        </p:spPr>
+        <p:txBody>
+          <a:bodyPr/>
+          <a:lstStyle/>
+          <a:p>
+            <a:r>
+              <a:rPr lang="de-DE" sz="2800" dirty="0"/>
+              <a:t>4. 	Ausblick</a:t>
+            </a:r>
+          </a:p>
+        </p:txBody>
+      </p:sp>
+      <p:sp>
+        <p:nvSpPr>
+          <p:cNvPr id="4" name="Datumsplatzhalter 3"/>
+          <p:cNvSpPr>
+            <a:spLocks noGrp="1"/>
+          </p:cNvSpPr>
+          <p:nvPr>
+            <p:ph type="dt" sz="half" idx="20"/>
+          </p:nvPr>
+        </p:nvSpPr>
+        <p:spPr/>
+        <p:txBody>
+          <a:bodyPr/>
+          <a:lstStyle/>
+          <a:p>
+            <a:fld id="{852F18A7-60EF-DD48-8F37-BE93452F0A67}" type="datetime1">
+              <a:rPr lang="de-DE" smtClean="0"/>
+              <a:t>25.10.2016</a:t>
+            </a:fld>
+            <a:endParaRPr lang="de-DE" dirty="0"/>
+          </a:p>
+        </p:txBody>
+      </p:sp>
+      <p:sp>
+        <p:nvSpPr>
+          <p:cNvPr id="6" name="Foliennummernplatzhalter 5"/>
+          <p:cNvSpPr>
+            <a:spLocks noGrp="1"/>
+          </p:cNvSpPr>
+          <p:nvPr>
+            <p:ph type="sldNum" sz="quarter" idx="22"/>
+          </p:nvPr>
+        </p:nvSpPr>
+        <p:spPr/>
+        <p:txBody>
+          <a:bodyPr/>
+          <a:lstStyle/>
+          <a:p>
+            <a:r>
+              <a:rPr lang="de-DE"/>
+              <a:t>Folie </a:t>
+            </a:r>
+            <a:fld id="{20336FBE-96EF-1B43-9998-83765DDB0397}" type="slidenum">
+              <a:rPr lang="de-DE" smtClean="0"/>
+              <a:pPr/>
+              <a:t>16</a:t>
+            </a:fld>
+            <a:r>
+              <a:rPr lang="de-DE"/>
+              <a:t> von XYZ</a:t>
+            </a:r>
+            <a:endParaRPr lang="de-DE" dirty="0"/>
+          </a:p>
+        </p:txBody>
+      </p:sp>
+    </p:spTree>
+    <p:extLst>
+      <p:ext uri="{BB962C8B-B14F-4D97-AF65-F5344CB8AC3E}">
+        <p14:creationId xmlns:p14="http://schemas.microsoft.com/office/powerpoint/2010/main" val="746873612"/>
+      </p:ext>
+    </p:extLst>
+  </p:cSld>
+  <p:clrMapOvr>
+    <a:masterClrMapping/>
+  </p:clrMapOvr>
+  <p:transition spd="slow">
+    <p:push dir="u"/>
+  </p:transition>
+</p:sld>
+</file>
+
+<file path=ppt/slides/slide17.xml><?xml version="1.0" encoding="utf-8"?>
+<p:sld xmlns:a="http://schemas.openxmlformats.org/drawingml/2006/main" xmlns:r="http://schemas.openxmlformats.org/officeDocument/2006/relationships" xmlns:p="http://schemas.openxmlformats.org/presentationml/2006/main">
+  <p:cSld>
+    <p:spTree>
+      <p:nvGrpSpPr>
+        <p:cNvPr id="1" name=""/>
+        <p:cNvGrpSpPr/>
+        <p:nvPr/>
+      </p:nvGrpSpPr>
+      <p:grpSpPr>
+        <a:xfrm>
+          <a:off x="0" y="0"/>
+          <a:ext cx="0" cy="0"/>
+          <a:chOff x="0" y="0"/>
+          <a:chExt cx="0" cy="0"/>
+        </a:xfrm>
+      </p:grpSpPr>
+      <p:sp>
+        <p:nvSpPr>
+          <p:cNvPr id="3" name="Inhaltsplatzhalter 2"/>
+          <p:cNvSpPr>
+            <a:spLocks noGrp="1"/>
+          </p:cNvSpPr>
+          <p:nvPr>
+            <p:ph sz="quarter" idx="19"/>
+          </p:nvPr>
+        </p:nvSpPr>
+        <p:spPr>
+          <a:xfrm>
+            <a:off x="0" y="764704"/>
+            <a:ext cx="9144000" cy="288032"/>
+          </a:xfrm>
+        </p:spPr>
+        <p:txBody>
+          <a:bodyPr anchor="ctr"/>
+          <a:lstStyle/>
+          <a:p>
+            <a:pPr algn="ctr"/>
+            <a:r>
+              <a:rPr lang="de-DE" sz="1200" b="0" dirty="0"/>
+              <a:t>1. Zielstellung &gt; 2. Bestehende Lösungsansätze &gt; </a:t>
+            </a:r>
+            <a:r>
+              <a:rPr lang="de-DE" sz="1200" b="0" dirty="0">
+                <a:solidFill>
+                  <a:schemeClr val="tx1"/>
+                </a:solidFill>
+              </a:rPr>
+              <a:t>3. Entwicklung einer neuen Erweiterung für ATOM</a:t>
+            </a:r>
+            <a:r>
+              <a:rPr lang="de-DE" sz="1200" b="0" dirty="0"/>
+              <a:t> &gt; 4. Ausblick</a:t>
+            </a:r>
+          </a:p>
+        </p:txBody>
+      </p:sp>
+      <p:sp>
+        <p:nvSpPr>
+          <p:cNvPr id="4" name="Datumsplatzhalter 3"/>
+          <p:cNvSpPr>
+            <a:spLocks noGrp="1"/>
+          </p:cNvSpPr>
+          <p:nvPr>
+            <p:ph type="dt" sz="half" idx="20"/>
+          </p:nvPr>
+        </p:nvSpPr>
+        <p:spPr/>
+        <p:txBody>
+          <a:bodyPr/>
+          <a:lstStyle/>
+          <a:p>
+            <a:fld id="{852F18A7-60EF-DD48-8F37-BE93452F0A67}" type="datetime1">
+              <a:rPr lang="de-DE" smtClean="0"/>
+              <a:t>25.10.2016</a:t>
+            </a:fld>
+            <a:endParaRPr lang="de-DE" dirty="0"/>
+          </a:p>
+        </p:txBody>
+      </p:sp>
+      <p:sp>
+        <p:nvSpPr>
+          <p:cNvPr id="6" name="Foliennummernplatzhalter 5"/>
+          <p:cNvSpPr>
+            <a:spLocks noGrp="1"/>
+          </p:cNvSpPr>
+          <p:nvPr>
+            <p:ph type="sldNum" sz="quarter" idx="22"/>
+          </p:nvPr>
+        </p:nvSpPr>
+        <p:spPr/>
+        <p:txBody>
+          <a:bodyPr/>
+          <a:lstStyle/>
+          <a:p>
+            <a:r>
+              <a:rPr lang="de-DE"/>
+              <a:t>Folie </a:t>
+            </a:r>
+            <a:fld id="{20336FBE-96EF-1B43-9998-83765DDB0397}" type="slidenum">
+              <a:rPr lang="de-DE" smtClean="0"/>
+              <a:pPr/>
+              <a:t>17</a:t>
+            </a:fld>
+            <a:r>
+              <a:rPr lang="de-DE"/>
+              <a:t> von XYZ</a:t>
+            </a:r>
+            <a:endParaRPr lang="de-DE" dirty="0"/>
+          </a:p>
+        </p:txBody>
+      </p:sp>
+      <p:sp>
+        <p:nvSpPr>
+          <p:cNvPr id="8" name="Inhaltsplatzhalter 1"/>
+          <p:cNvSpPr txBox="1">
+            <a:spLocks/>
+          </p:cNvSpPr>
+          <p:nvPr/>
+        </p:nvSpPr>
+        <p:spPr>
+          <a:xfrm>
+            <a:off x="655638" y="1556792"/>
+            <a:ext cx="7804794" cy="4608041"/>
+          </a:xfrm>
+          <a:prstGeom prst="rect">
+            <a:avLst/>
+          </a:prstGeom>
+        </p:spPr>
+        <p:txBody>
+          <a:bodyPr lIns="0" tIns="0" rIns="0" bIns="0"/>
+          <a:lstStyle>
+            <a:lvl1pPr marL="0" marR="0" indent="0" algn="l" defTabSz="914368" rtl="0" eaLnBrk="1" fontAlgn="t" latinLnBrk="0" hangingPunct="1">
+              <a:lnSpc>
+                <a:spcPct val="100000"/>
+              </a:lnSpc>
+              <a:spcBef>
+                <a:spcPts val="0"/>
+              </a:spcBef>
+              <a:spcAft>
+                <a:spcPts val="600"/>
+              </a:spcAft>
+              <a:buClrTx/>
+              <a:buSzTx/>
+              <a:buFontTx/>
+              <a:buNone/>
+              <a:tabLst/>
+              <a:defRPr sz="2000" kern="1200" baseline="0">
+                <a:solidFill>
+                  <a:srgbClr val="0B2A51"/>
+                </a:solidFill>
+                <a:latin typeface="Verdana" pitchFamily="34" charset="0"/>
+                <a:ea typeface="+mn-ea"/>
+                <a:cs typeface="+mn-cs"/>
+              </a:defRPr>
+            </a:lvl1pPr>
+            <a:lvl2pPr marL="161925" indent="-161925" algn="l" defTabSz="914368" rtl="0" eaLnBrk="1" fontAlgn="t" latinLnBrk="0" hangingPunct="1">
+              <a:spcBef>
+                <a:spcPts val="300"/>
+              </a:spcBef>
+              <a:spcAft>
+                <a:spcPts val="600"/>
+              </a:spcAft>
+              <a:buClr>
+                <a:schemeClr val="tx1"/>
+              </a:buClr>
+              <a:buSzPct val="120000"/>
+              <a:buFont typeface="LucidaGrande" charset="0"/>
+              <a:buChar char="_"/>
+              <a:tabLst/>
+              <a:defRPr sz="2000" kern="1200" baseline="0">
+                <a:solidFill>
+                  <a:srgbClr val="0B2A51"/>
+                </a:solidFill>
+                <a:latin typeface="Verdana" pitchFamily="34" charset="0"/>
+                <a:ea typeface="+mn-ea"/>
+                <a:cs typeface="+mn-cs"/>
+              </a:defRPr>
+            </a:lvl2pPr>
+            <a:lvl3pPr marL="0" indent="0" algn="l" defTabSz="914368" rtl="0" eaLnBrk="1" fontAlgn="t" latinLnBrk="0" hangingPunct="1">
+              <a:spcBef>
+                <a:spcPts val="0"/>
+              </a:spcBef>
+              <a:spcAft>
+                <a:spcPts val="600"/>
+              </a:spcAft>
+              <a:buSzPct val="100000"/>
+              <a:buFont typeface="Symbol" charset="2"/>
+              <a:buNone/>
+              <a:tabLst/>
+              <a:defRPr sz="1600" kern="1200" baseline="0">
+                <a:solidFill>
+                  <a:srgbClr val="0B2A51"/>
+                </a:solidFill>
+                <a:latin typeface="Verdana" pitchFamily="34" charset="0"/>
+                <a:ea typeface="+mn-ea"/>
+                <a:cs typeface="+mn-cs"/>
+              </a:defRPr>
+            </a:lvl3pPr>
+            <a:lvl4pPr marL="288925" indent="-127000" algn="l" defTabSz="914368" rtl="0" eaLnBrk="1" latinLnBrk="0" hangingPunct="1">
+              <a:spcBef>
+                <a:spcPts val="0"/>
+              </a:spcBef>
+              <a:spcAft>
+                <a:spcPts val="600"/>
+              </a:spcAft>
+              <a:buClr>
+                <a:schemeClr val="tx1"/>
+              </a:buClr>
+              <a:buSzPct val="100000"/>
+              <a:buFont typeface="LucidaGrande" charset="0"/>
+              <a:buChar char="_"/>
+              <a:tabLst/>
+              <a:defRPr sz="1600" kern="1200" baseline="0">
+                <a:solidFill>
+                  <a:srgbClr val="0B2A51"/>
+                </a:solidFill>
+                <a:latin typeface="Verdana" pitchFamily="34" charset="0"/>
+                <a:ea typeface="+mn-ea"/>
+                <a:cs typeface="+mn-cs"/>
+              </a:defRPr>
+            </a:lvl4pPr>
+            <a:lvl5pPr marL="415925" indent="-127000" algn="l" defTabSz="914368" rtl="0" eaLnBrk="1" latinLnBrk="0" hangingPunct="1">
+              <a:spcBef>
+                <a:spcPts val="0"/>
+              </a:spcBef>
+              <a:spcAft>
+                <a:spcPts val="600"/>
+              </a:spcAft>
+              <a:buSzPct val="170000"/>
+              <a:buFont typeface="AppleSymbols" charset="0"/>
+              <a:buChar char="⌞"/>
+              <a:tabLst/>
+              <a:defRPr sz="1600" kern="1200" baseline="0">
+                <a:solidFill>
+                  <a:srgbClr val="0B2A51"/>
+                </a:solidFill>
+                <a:latin typeface="Verdana" pitchFamily="34" charset="0"/>
+                <a:ea typeface="+mn-ea"/>
+                <a:cs typeface="+mn-cs"/>
+              </a:defRPr>
+            </a:lvl5pPr>
+            <a:lvl6pPr marL="2514512" indent="-228592" algn="l" defTabSz="914368" rtl="0" eaLnBrk="1" latinLnBrk="0" hangingPunct="1">
+              <a:spcBef>
+                <a:spcPct val="20000"/>
+              </a:spcBef>
+              <a:buFont typeface="Arial" pitchFamily="34" charset="0"/>
+              <a:buChar char="•"/>
+              <a:defRPr sz="2000" kern="1200">
+                <a:solidFill>
+                  <a:schemeClr val="tx1"/>
+                </a:solidFill>
+                <a:latin typeface="+mn-lt"/>
+                <a:ea typeface="+mn-ea"/>
+                <a:cs typeface="+mn-cs"/>
+              </a:defRPr>
+            </a:lvl6pPr>
+            <a:lvl7pPr marL="2971696" indent="-228592" algn="l" defTabSz="914368" rtl="0" eaLnBrk="1" latinLnBrk="0" hangingPunct="1">
+              <a:spcBef>
+                <a:spcPct val="20000"/>
+              </a:spcBef>
+              <a:buFont typeface="Arial" pitchFamily="34" charset="0"/>
+              <a:buChar char="•"/>
+              <a:defRPr sz="2000" kern="1200">
+                <a:solidFill>
+                  <a:schemeClr val="tx1"/>
+                </a:solidFill>
+                <a:latin typeface="+mn-lt"/>
+                <a:ea typeface="+mn-ea"/>
+                <a:cs typeface="+mn-cs"/>
+              </a:defRPr>
+            </a:lvl7pPr>
+            <a:lvl8pPr marL="3428880" indent="-228592" algn="l" defTabSz="914368" rtl="0" eaLnBrk="1" latinLnBrk="0" hangingPunct="1">
+              <a:spcBef>
+                <a:spcPct val="20000"/>
+              </a:spcBef>
+              <a:buFont typeface="Arial" pitchFamily="34" charset="0"/>
+              <a:buChar char="•"/>
+              <a:defRPr sz="2000" kern="1200">
+                <a:solidFill>
+                  <a:schemeClr val="tx1"/>
+                </a:solidFill>
+                <a:latin typeface="+mn-lt"/>
+                <a:ea typeface="+mn-ea"/>
+                <a:cs typeface="+mn-cs"/>
+              </a:defRPr>
+            </a:lvl8pPr>
+            <a:lvl9pPr marL="3886064" indent="-228592" algn="l" defTabSz="914368" rtl="0" eaLnBrk="1" latinLnBrk="0" hangingPunct="1">
+              <a:spcBef>
+                <a:spcPct val="20000"/>
+              </a:spcBef>
+              <a:buFont typeface="Arial" pitchFamily="34" charset="0"/>
+              <a:buChar char="•"/>
+              <a:defRPr sz="2000" kern="1200">
+                <a:solidFill>
+                  <a:schemeClr val="tx1"/>
+                </a:solidFill>
+                <a:latin typeface="+mn-lt"/>
+                <a:ea typeface="+mn-ea"/>
+                <a:cs typeface="+mn-cs"/>
+              </a:defRPr>
+            </a:lvl9pPr>
+          </a:lstStyle>
+          <a:p>
+            <a:pPr marL="342900" indent="-342900">
+              <a:buFont typeface=".AppleSystemUIFont" charset="-120"/>
+              <a:buChar char="-"/>
+            </a:pPr>
+            <a:r>
+              <a:rPr lang="de-DE" dirty="0"/>
+              <a:t>Anpassung der Live Preview</a:t>
+            </a:r>
+          </a:p>
+          <a:p>
+            <a:pPr marL="342900" indent="-342900">
+              <a:buFont typeface=".AppleSystemUIFont" charset="-120"/>
+              <a:buChar char="-"/>
+            </a:pPr>
+            <a:r>
+              <a:rPr lang="de-DE"/>
+              <a:t>Usability Tests</a:t>
+            </a:r>
+            <a:endParaRPr lang="de-DE" dirty="0"/>
+          </a:p>
+        </p:txBody>
+      </p:sp>
+    </p:spTree>
+    <p:extLst>
+      <p:ext uri="{BB962C8B-B14F-4D97-AF65-F5344CB8AC3E}">
+        <p14:creationId xmlns:p14="http://schemas.microsoft.com/office/powerpoint/2010/main" val="629531849"/>
       </p:ext>
     </p:extLst>
   </p:cSld>

--- a/presentation.pptx
+++ b/presentation.pptx
@@ -2068,15 +2068,39 @@
             </a:r>
           </a:p>
           <a:p>
+            <a:pPr marL="171450" indent="-171450">
+              <a:buFontTx/>
+              <a:buChar char="-"/>
+            </a:pPr>
             <a:r>
               <a:rPr lang="de-DE" baseline="0" dirty="0"/>
-              <a:t>- Mehr </a:t>
+              <a:t>Mehr </a:t>
             </a:r>
             <a:r>
               <a:rPr lang="de-DE" baseline="0" dirty="0" err="1"/>
               <a:t>wysiwyg</a:t>
             </a:r>
             <a:endParaRPr lang="de-DE" baseline="0" dirty="0"/>
+          </a:p>
+          <a:p>
+            <a:pPr marL="0" indent="0">
+              <a:buFontTx/>
+              <a:buNone/>
+            </a:pPr>
+            <a:r>
+              <a:rPr lang="de-DE" baseline="0" dirty="0"/>
+              <a:t>Import:</a:t>
+            </a:r>
+          </a:p>
+          <a:p>
+            <a:pPr marL="0" indent="0">
+              <a:buFontTx/>
+              <a:buNone/>
+            </a:pPr>
+            <a:r>
+              <a:rPr lang="de-DE" baseline="0" dirty="0"/>
+              <a:t>- Aus dem Internet und aus anderen Ordnern in den Kapitelordner</a:t>
+            </a:r>
           </a:p>
           <a:p>
             <a:endParaRPr lang="de-DE" dirty="0"/>
@@ -4116,7 +4140,7 @@
           <a:lstStyle/>
           <a:p>
             <a:r>
-              <a:rPr lang="de-DE"/>
+              <a:rPr lang="de-DE" dirty="0"/>
               <a:t>Folie </a:t>
             </a:r>
             <a:fld id="{20336FBE-96EF-1B43-9998-83765DDB0397}" type="slidenum">
@@ -4125,10 +4149,9 @@
               <a:t>‹Nr.›</a:t>
             </a:fld>
             <a:r>
-              <a:rPr lang="de-DE"/>
-              <a:t> von XYZ</a:t>
-            </a:r>
-            <a:endParaRPr lang="de-DE" dirty="0"/>
+              <a:rPr lang="de-DE" dirty="0"/>
+              <a:t> von 19</a:t>
+            </a:r>
           </a:p>
         </p:txBody>
       </p:sp>
@@ -4696,7 +4719,7 @@
             </a:fld>
             <a:r>
               <a:rPr lang="de-DE" dirty="0"/>
-              <a:t> von XYZ</a:t>
+              <a:t> von 19</a:t>
             </a:r>
           </a:p>
         </p:txBody>
@@ -5005,7 +5028,7 @@
             </a:fld>
             <a:r>
               <a:rPr lang="de-DE" dirty="0"/>
-              <a:t> von XYZ</a:t>
+              <a:t> von 19</a:t>
             </a:r>
           </a:p>
         </p:txBody>
@@ -5507,7 +5530,7 @@
             </a:fld>
             <a:r>
               <a:rPr lang="de-DE" dirty="0"/>
-              <a:t> von XYZ</a:t>
+              <a:t> von 19</a:t>
             </a:r>
           </a:p>
         </p:txBody>
@@ -6021,7 +6044,7 @@
             </a:fld>
             <a:r>
               <a:rPr lang="de-DE" dirty="0"/>
-              <a:t> von XYZ</a:t>
+              <a:t> von 19</a:t>
             </a:r>
           </a:p>
         </p:txBody>
@@ -6535,7 +6558,7 @@
             </a:fld>
             <a:r>
               <a:rPr lang="de-DE" dirty="0"/>
-              <a:t> von XYZ</a:t>
+              <a:t> von 19</a:t>
             </a:r>
           </a:p>
         </p:txBody>
@@ -6961,7 +6984,7 @@
             </a:fld>
             <a:r>
               <a:rPr lang="de-DE" dirty="0"/>
-              <a:t> von XYZ</a:t>
+              <a:t> von 19</a:t>
             </a:r>
           </a:p>
         </p:txBody>
@@ -7523,7 +7546,7 @@
           <a:lstStyle/>
           <a:p>
             <a:r>
-              <a:rPr lang="de-DE"/>
+              <a:rPr lang="de-DE" dirty="0"/>
               <a:t>Folie </a:t>
             </a:r>
             <a:fld id="{20336FBE-96EF-1B43-9998-83765DDB0397}" type="slidenum">
@@ -7532,10 +7555,9 @@
               <a:t>10</a:t>
             </a:fld>
             <a:r>
-              <a:rPr lang="de-DE"/>
-              <a:t> von XYZ</a:t>
-            </a:r>
-            <a:endParaRPr lang="de-DE" dirty="0"/>
+              <a:rPr lang="de-DE" dirty="0"/>
+              <a:t> von 19</a:t>
+            </a:r>
           </a:p>
         </p:txBody>
       </p:sp>
@@ -7592,11 +7614,7 @@
           <a:p>
             <a:r>
               <a:rPr lang="de-DE" dirty="0"/>
-              <a:t>3.	</a:t>
-            </a:r>
-            <a:r>
-              <a:rPr lang="de-DE" dirty="0"/>
-              <a:t>Entwicklung des neuen ATOM-</a:t>
+              <a:t>3.	Entwicklung des neuen ATOM-</a:t>
             </a:r>
             <a:r>
               <a:rPr lang="de-DE" dirty="0" err="1"/>
@@ -7700,7 +7718,7 @@
           <a:lstStyle/>
           <a:p>
             <a:r>
-              <a:rPr lang="de-DE"/>
+              <a:rPr lang="de-DE" dirty="0"/>
               <a:t>Folie </a:t>
             </a:r>
             <a:fld id="{20336FBE-96EF-1B43-9998-83765DDB0397}" type="slidenum">
@@ -7709,10 +7727,9 @@
               <a:t>11</a:t>
             </a:fld>
             <a:r>
-              <a:rPr lang="de-DE"/>
-              <a:t> von XYZ</a:t>
-            </a:r>
-            <a:endParaRPr lang="de-DE" dirty="0"/>
+              <a:rPr lang="de-DE" dirty="0"/>
+              <a:t> von 19</a:t>
+            </a:r>
           </a:p>
         </p:txBody>
       </p:sp>
@@ -8028,7 +8045,7 @@
           <a:lstStyle/>
           <a:p>
             <a:r>
-              <a:rPr lang="de-DE"/>
+              <a:rPr lang="de-DE" dirty="0"/>
               <a:t>Folie </a:t>
             </a:r>
             <a:fld id="{20336FBE-96EF-1B43-9998-83765DDB0397}" type="slidenum">
@@ -8037,10 +8054,9 @@
               <a:t>12</a:t>
             </a:fld>
             <a:r>
-              <a:rPr lang="de-DE"/>
-              <a:t> von XYZ</a:t>
-            </a:r>
-            <a:endParaRPr lang="de-DE" dirty="0"/>
+              <a:rPr lang="de-DE" dirty="0"/>
+              <a:t> von 19</a:t>
+            </a:r>
           </a:p>
         </p:txBody>
       </p:sp>
@@ -8931,7 +8947,7 @@
           <a:lstStyle/>
           <a:p>
             <a:r>
-              <a:rPr lang="de-DE"/>
+              <a:rPr lang="de-DE" dirty="0"/>
               <a:t>Folie </a:t>
             </a:r>
             <a:fld id="{20336FBE-96EF-1B43-9998-83765DDB0397}" type="slidenum">
@@ -8940,10 +8956,9 @@
               <a:t>13</a:t>
             </a:fld>
             <a:r>
-              <a:rPr lang="de-DE"/>
-              <a:t> von XYZ</a:t>
-            </a:r>
-            <a:endParaRPr lang="de-DE" dirty="0"/>
+              <a:rPr lang="de-DE" dirty="0"/>
+              <a:t> von 19</a:t>
+            </a:r>
           </a:p>
         </p:txBody>
       </p:sp>
@@ -9242,7 +9257,7 @@
           <a:lstStyle/>
           <a:p>
             <a:r>
-              <a:rPr lang="de-DE"/>
+              <a:rPr lang="de-DE" dirty="0"/>
               <a:t>Folie </a:t>
             </a:r>
             <a:fld id="{20336FBE-96EF-1B43-9998-83765DDB0397}" type="slidenum">
@@ -9251,10 +9266,9 @@
               <a:t>14</a:t>
             </a:fld>
             <a:r>
-              <a:rPr lang="de-DE"/>
-              <a:t> von XYZ</a:t>
-            </a:r>
-            <a:endParaRPr lang="de-DE" dirty="0"/>
+              <a:rPr lang="de-DE" dirty="0"/>
+              <a:t> von 19</a:t>
+            </a:r>
           </a:p>
         </p:txBody>
       </p:sp>
@@ -9468,7 +9482,7 @@
           <a:lstStyle/>
           <a:p>
             <a:r>
-              <a:rPr lang="de-DE"/>
+              <a:rPr lang="de-DE" dirty="0"/>
               <a:t>Folie </a:t>
             </a:r>
             <a:fld id="{20336FBE-96EF-1B43-9998-83765DDB0397}" type="slidenum">
@@ -9477,10 +9491,9 @@
               <a:t>15</a:t>
             </a:fld>
             <a:r>
-              <a:rPr lang="de-DE"/>
-              <a:t> von XYZ</a:t>
-            </a:r>
-            <a:endParaRPr lang="de-DE" dirty="0"/>
+              <a:rPr lang="de-DE" dirty="0"/>
+              <a:t> von 19</a:t>
+            </a:r>
           </a:p>
         </p:txBody>
       </p:sp>
@@ -9685,7 +9698,7 @@
           <a:lstStyle/>
           <a:p>
             <a:r>
-              <a:rPr lang="de-DE"/>
+              <a:rPr lang="de-DE" dirty="0"/>
               <a:t>Folie </a:t>
             </a:r>
             <a:fld id="{20336FBE-96EF-1B43-9998-83765DDB0397}" type="slidenum">
@@ -9694,10 +9707,9 @@
               <a:t>16</a:t>
             </a:fld>
             <a:r>
-              <a:rPr lang="de-DE"/>
-              <a:t> von XYZ</a:t>
-            </a:r>
-            <a:endParaRPr lang="de-DE" dirty="0"/>
+              <a:rPr lang="de-DE" dirty="0"/>
+              <a:t> von 19</a:t>
+            </a:r>
           </a:p>
         </p:txBody>
       </p:sp>
@@ -10183,7 +10195,7 @@
           <a:lstStyle/>
           <a:p>
             <a:r>
-              <a:rPr lang="de-DE"/>
+              <a:rPr lang="de-DE" dirty="0"/>
               <a:t>Folie </a:t>
             </a:r>
             <a:fld id="{20336FBE-96EF-1B43-9998-83765DDB0397}" type="slidenum">
@@ -10192,10 +10204,9 @@
               <a:t>17</a:t>
             </a:fld>
             <a:r>
-              <a:rPr lang="de-DE"/>
-              <a:t> von XYZ</a:t>
-            </a:r>
-            <a:endParaRPr lang="de-DE" dirty="0"/>
+              <a:rPr lang="de-DE" dirty="0"/>
+              <a:t> von 19</a:t>
+            </a:r>
           </a:p>
         </p:txBody>
       </p:sp>
@@ -10272,7 +10283,7 @@
           <a:lstStyle/>
           <a:p>
             <a:r>
-              <a:rPr lang="de-DE"/>
+              <a:rPr lang="de-DE" dirty="0"/>
               <a:t>Folie </a:t>
             </a:r>
             <a:fld id="{20336FBE-96EF-1B43-9998-83765DDB0397}" type="slidenum">
@@ -10281,10 +10292,9 @@
               <a:t>18</a:t>
             </a:fld>
             <a:r>
-              <a:rPr lang="de-DE"/>
-              <a:t> von XYZ</a:t>
-            </a:r>
-            <a:endParaRPr lang="de-DE" dirty="0"/>
+              <a:rPr lang="de-DE" dirty="0"/>
+              <a:t> von 19</a:t>
+            </a:r>
           </a:p>
         </p:txBody>
       </p:sp>
@@ -10403,8 +10413,73 @@
             </a:pPr>
             <a:r>
               <a:rPr lang="de-DE" dirty="0"/>
+              <a:t>Import von Bildern</a:t>
+            </a:r>
+          </a:p>
+          <a:p>
+            <a:pPr marL="342900" indent="-342900">
+              <a:lnSpc>
+                <a:spcPts val="2600"/>
+              </a:lnSpc>
+              <a:buFont typeface=".AppleSystemUIFont" charset="-120"/>
+              <a:buChar char="-"/>
+            </a:pPr>
+            <a:r>
+              <a:rPr lang="de-DE" dirty="0"/>
+              <a:t>Import von Tabellen</a:t>
+            </a:r>
+          </a:p>
+          <a:p>
+            <a:pPr marL="342900" indent="-342900">
+              <a:lnSpc>
+                <a:spcPts val="2600"/>
+              </a:lnSpc>
+              <a:buFont typeface=".AppleSystemUIFont" charset="-120"/>
+              <a:buChar char="-"/>
+            </a:pPr>
+            <a:r>
+              <a:rPr lang="de-DE" dirty="0"/>
+              <a:t>Go </a:t>
+            </a:r>
+            <a:r>
+              <a:rPr lang="de-DE" dirty="0" err="1"/>
+              <a:t>to</a:t>
+            </a:r>
+            <a:r>
+              <a:rPr lang="de-DE" dirty="0"/>
+              <a:t> </a:t>
+            </a:r>
+            <a:r>
+              <a:rPr lang="de-DE" dirty="0" err="1"/>
+              <a:t>line</a:t>
+            </a:r>
+            <a:r>
+              <a:rPr lang="de-DE" dirty="0"/>
+              <a:t> Funktion bei Klick auf Fehlermeldung</a:t>
+            </a:r>
+          </a:p>
+          <a:p>
+            <a:pPr marL="342900" indent="-342900">
+              <a:lnSpc>
+                <a:spcPts val="2600"/>
+              </a:lnSpc>
+              <a:buFont typeface=".AppleSystemUIFont" charset="-120"/>
+              <a:buChar char="-"/>
+            </a:pPr>
+            <a:r>
+              <a:rPr lang="de-DE" dirty="0"/>
               <a:t>Usability Tests</a:t>
             </a:r>
+          </a:p>
+          <a:p>
+            <a:pPr marL="342900" indent="-342900">
+              <a:lnSpc>
+                <a:spcPts val="2600"/>
+              </a:lnSpc>
+              <a:buFont typeface=".AppleSystemUIFont" charset="-120"/>
+              <a:buChar char="-"/>
+            </a:pPr>
+            <a:endParaRPr lang="de-DE" dirty="0"/>
           </a:p>
           <a:p>
             <a:endParaRPr lang="de-DE" dirty="0"/>
@@ -10469,7 +10544,7 @@
           <a:lstStyle/>
           <a:p>
             <a:r>
-              <a:rPr lang="de-DE"/>
+              <a:rPr lang="de-DE" dirty="0"/>
               <a:t>Folie </a:t>
             </a:r>
             <a:fld id="{20336FBE-96EF-1B43-9998-83765DDB0397}" type="slidenum">
@@ -10478,10 +10553,9 @@
               <a:t>19</a:t>
             </a:fld>
             <a:r>
-              <a:rPr lang="de-DE"/>
-              <a:t> von XYZ</a:t>
-            </a:r>
-            <a:endParaRPr lang="de-DE" dirty="0"/>
+              <a:rPr lang="de-DE" dirty="0"/>
+              <a:t> von 19</a:t>
+            </a:r>
           </a:p>
         </p:txBody>
       </p:sp>
@@ -10702,7 +10776,7 @@
           <a:lstStyle/>
           <a:p>
             <a:r>
-              <a:rPr lang="de-DE"/>
+              <a:rPr lang="de-DE" dirty="0"/>
               <a:t>Folie </a:t>
             </a:r>
             <a:fld id="{20336FBE-96EF-1B43-9998-83765DDB0397}" type="slidenum">
@@ -10711,10 +10785,9 @@
               <a:t>2</a:t>
             </a:fld>
             <a:r>
-              <a:rPr lang="de-DE"/>
-              <a:t> von XYZ</a:t>
-            </a:r>
-            <a:endParaRPr lang="de-DE" dirty="0"/>
+              <a:rPr lang="de-DE" dirty="0"/>
+              <a:t> von 19</a:t>
+            </a:r>
           </a:p>
         </p:txBody>
       </p:sp>
@@ -10791,7 +10864,7 @@
           <a:lstStyle/>
           <a:p>
             <a:r>
-              <a:rPr lang="de-DE"/>
+              <a:rPr lang="de-DE" dirty="0"/>
               <a:t>Folie </a:t>
             </a:r>
             <a:fld id="{20336FBE-96EF-1B43-9998-83765DDB0397}" type="slidenum">
@@ -10800,10 +10873,9 @@
               <a:t>3</a:t>
             </a:fld>
             <a:r>
-              <a:rPr lang="de-DE"/>
-              <a:t> von XYZ</a:t>
-            </a:r>
-            <a:endParaRPr lang="de-DE" dirty="0"/>
+              <a:rPr lang="de-DE" dirty="0"/>
+              <a:t> von 19</a:t>
+            </a:r>
           </a:p>
         </p:txBody>
       </p:sp>
@@ -10847,13 +10919,8 @@
           <a:p>
             <a:r>
               <a:rPr lang="de-DE" dirty="0"/>
-              <a:t>1.	</a:t>
-            </a:r>
-            <a:r>
-              <a:rPr lang="de-DE" dirty="0"/>
-              <a:t> ZIELSTELLUNG</a:t>
-            </a:r>
-            <a:endParaRPr lang="de-DE" dirty="0"/>
+              <a:t>1.	 ZIELSTELLUNG</a:t>
+            </a:r>
           </a:p>
         </p:txBody>
       </p:sp>
@@ -11093,7 +11160,7 @@
           <a:lstStyle/>
           <a:p>
             <a:r>
-              <a:rPr lang="de-DE"/>
+              <a:rPr lang="de-DE" dirty="0"/>
               <a:t>Folie </a:t>
             </a:r>
             <a:fld id="{20336FBE-96EF-1B43-9998-83765DDB0397}" type="slidenum">
@@ -11102,10 +11169,9 @@
               <a:t>4</a:t>
             </a:fld>
             <a:r>
-              <a:rPr lang="de-DE"/>
-              <a:t> von XYZ</a:t>
-            </a:r>
-            <a:endParaRPr lang="de-DE" dirty="0"/>
+              <a:rPr lang="de-DE" dirty="0"/>
+              <a:t> von 19</a:t>
+            </a:r>
           </a:p>
         </p:txBody>
       </p:sp>
@@ -11182,7 +11248,7 @@
           <a:lstStyle/>
           <a:p>
             <a:r>
-              <a:rPr lang="de-DE"/>
+              <a:rPr lang="de-DE" dirty="0"/>
               <a:t>Folie </a:t>
             </a:r>
             <a:fld id="{20336FBE-96EF-1B43-9998-83765DDB0397}" type="slidenum">
@@ -11191,10 +11257,9 @@
               <a:t>5</a:t>
             </a:fld>
             <a:r>
-              <a:rPr lang="de-DE"/>
-              <a:t> von XYZ</a:t>
-            </a:r>
-            <a:endParaRPr lang="de-DE" dirty="0"/>
+              <a:rPr lang="de-DE" dirty="0"/>
+              <a:t> von 19</a:t>
+            </a:r>
           </a:p>
         </p:txBody>
       </p:sp>
@@ -11238,13 +11303,8 @@
           <a:p>
             <a:r>
               <a:rPr lang="de-DE" dirty="0"/>
-              <a:t>2.	</a:t>
-            </a:r>
-            <a:r>
-              <a:rPr lang="de-DE" dirty="0"/>
-              <a:t> BESTEHENDE LÖSUNGSANSÄTZE</a:t>
-            </a:r>
-            <a:endParaRPr lang="de-DE" dirty="0"/>
+              <a:t>2.	 BESTEHENDE LÖSUNGSANSÄTZE</a:t>
+            </a:r>
           </a:p>
         </p:txBody>
       </p:sp>
@@ -11493,7 +11553,7 @@
           <a:lstStyle/>
           <a:p>
             <a:r>
-              <a:rPr lang="de-DE"/>
+              <a:rPr lang="de-DE" dirty="0"/>
               <a:t>Folie </a:t>
             </a:r>
             <a:fld id="{20336FBE-96EF-1B43-9998-83765DDB0397}" type="slidenum">
@@ -11502,10 +11562,9 @@
               <a:t>6</a:t>
             </a:fld>
             <a:r>
-              <a:rPr lang="de-DE"/>
-              <a:t> von XYZ</a:t>
-            </a:r>
-            <a:endParaRPr lang="de-DE" dirty="0"/>
+              <a:rPr lang="de-DE" dirty="0"/>
+              <a:t> von 19</a:t>
+            </a:r>
           </a:p>
         </p:txBody>
       </p:sp>
@@ -11732,7 +11791,7 @@
           <a:lstStyle/>
           <a:p>
             <a:r>
-              <a:rPr lang="de-DE"/>
+              <a:rPr lang="de-DE" dirty="0"/>
               <a:t>Folie </a:t>
             </a:r>
             <a:fld id="{20336FBE-96EF-1B43-9998-83765DDB0397}" type="slidenum">
@@ -11741,10 +11800,9 @@
               <a:t>7</a:t>
             </a:fld>
             <a:r>
-              <a:rPr lang="de-DE"/>
-              <a:t> von XYZ</a:t>
-            </a:r>
-            <a:endParaRPr lang="de-DE" dirty="0"/>
+              <a:rPr lang="de-DE" dirty="0"/>
+              <a:t> von 19</a:t>
+            </a:r>
           </a:p>
         </p:txBody>
       </p:sp>
@@ -11971,7 +12029,7 @@
           <a:lstStyle/>
           <a:p>
             <a:r>
-              <a:rPr lang="de-DE"/>
+              <a:rPr lang="de-DE" dirty="0"/>
               <a:t>Folie </a:t>
             </a:r>
             <a:fld id="{20336FBE-96EF-1B43-9998-83765DDB0397}" type="slidenum">
@@ -11980,10 +12038,9 @@
               <a:t>8</a:t>
             </a:fld>
             <a:r>
-              <a:rPr lang="de-DE"/>
-              <a:t> von XYZ</a:t>
-            </a:r>
-            <a:endParaRPr lang="de-DE" dirty="0"/>
+              <a:rPr lang="de-DE" dirty="0"/>
+              <a:t> von 19</a:t>
+            </a:r>
           </a:p>
         </p:txBody>
       </p:sp>
@@ -12240,7 +12297,7 @@
           <a:lstStyle/>
           <a:p>
             <a:r>
-              <a:rPr lang="de-DE"/>
+              <a:rPr lang="de-DE" dirty="0"/>
               <a:t>Folie </a:t>
             </a:r>
             <a:fld id="{20336FBE-96EF-1B43-9998-83765DDB0397}" type="slidenum">
@@ -12249,10 +12306,9 @@
               <a:t>9</a:t>
             </a:fld>
             <a:r>
-              <a:rPr lang="de-DE"/>
-              <a:t> von XYZ</a:t>
-            </a:r>
-            <a:endParaRPr lang="de-DE" dirty="0"/>
+              <a:rPr lang="de-DE" dirty="0"/>
+              <a:t> von 19</a:t>
+            </a:r>
           </a:p>
         </p:txBody>
       </p:sp>
@@ -12296,9 +12352,14 @@
   <p:clrMapOvr>
     <a:masterClrMapping/>
   </p:clrMapOvr>
-  <p:transition spd="slow">
-    <p:push dir="u"/>
-  </p:transition>
+  <mc:AlternateContent xmlns:mc="http://schemas.openxmlformats.org/markup-compatibility/2006">
+    <mc:Choice xmlns:p14="http://schemas.microsoft.com/office/powerpoint/2010/main" Requires="p14">
+      <p:transition p14:dur="0"/>
+    </mc:Choice>
+    <mc:Fallback>
+      <p:transition/>
+    </mc:Fallback>
+  </mc:AlternateContent>
 </p:sld>
 </file>
 

--- a/presentation.pptx
+++ b/presentation.pptx
@@ -5,10 +5,10 @@
     <p:sldMasterId id="2147483648" r:id="rId1"/>
   </p:sldMasterIdLst>
   <p:notesMasterIdLst>
-    <p:notesMasterId r:id="rId21"/>
+    <p:notesMasterId r:id="rId22"/>
   </p:notesMasterIdLst>
   <p:handoutMasterIdLst>
-    <p:handoutMasterId r:id="rId22"/>
+    <p:handoutMasterId r:id="rId23"/>
   </p:handoutMasterIdLst>
   <p:sldIdLst>
     <p:sldId id="259" r:id="rId2"/>
@@ -30,6 +30,7 @@
     <p:sldId id="292" r:id="rId18"/>
     <p:sldId id="291" r:id="rId19"/>
     <p:sldId id="293" r:id="rId20"/>
+    <p:sldId id="294" r:id="rId21"/>
   </p:sldIdLst>
   <p:sldSz cx="9144000" cy="6858000" type="screen4x3"/>
   <p:notesSz cx="6858000" cy="9144000"/>
@@ -4075,6 +4076,278 @@
 </file>
 
 <file path=ppt/slideLayouts/slideLayout2.xml><?xml version="1.0" encoding="utf-8"?>
+<p:sldLayout xmlns:a="http://schemas.openxmlformats.org/drawingml/2006/main" xmlns:r="http://schemas.openxmlformats.org/officeDocument/2006/relationships" xmlns:p="http://schemas.openxmlformats.org/presentationml/2006/main" showMasterSp="0" preserve="1" userDrawn="1">
+  <p:cSld name="2_Titelfolie">
+    <p:spTree>
+      <p:nvGrpSpPr>
+        <p:cNvPr id="1" name=""/>
+        <p:cNvGrpSpPr/>
+        <p:nvPr/>
+      </p:nvGrpSpPr>
+      <p:grpSpPr>
+        <a:xfrm>
+          <a:off x="0" y="0"/>
+          <a:ext cx="0" cy="0"/>
+          <a:chOff x="0" y="0"/>
+          <a:chExt cx="0" cy="0"/>
+        </a:xfrm>
+      </p:grpSpPr>
+      <p:sp>
+        <p:nvSpPr>
+          <p:cNvPr id="2" name="Rechteck 1"/>
+          <p:cNvSpPr/>
+          <p:nvPr userDrawn="1"/>
+        </p:nvSpPr>
+        <p:spPr>
+          <a:xfrm>
+            <a:off x="0" y="0"/>
+            <a:ext cx="9144000" cy="6858000"/>
+          </a:xfrm>
+          <a:prstGeom prst="rect">
+            <a:avLst/>
+          </a:prstGeom>
+          <a:solidFill>
+            <a:schemeClr val="tx1"/>
+          </a:solidFill>
+          <a:ln>
+            <a:noFill/>
+          </a:ln>
+        </p:spPr>
+        <p:style>
+          <a:lnRef idx="2">
+            <a:schemeClr val="dk1">
+              <a:shade val="50000"/>
+            </a:schemeClr>
+          </a:lnRef>
+          <a:fillRef idx="1">
+            <a:schemeClr val="dk1"/>
+          </a:fillRef>
+          <a:effectRef idx="0">
+            <a:schemeClr val="dk1"/>
+          </a:effectRef>
+          <a:fontRef idx="minor">
+            <a:schemeClr val="lt1"/>
+          </a:fontRef>
+        </p:style>
+        <p:txBody>
+          <a:bodyPr rtlCol="0" anchor="ctr"/>
+          <a:lstStyle/>
+          <a:p>
+            <a:pPr algn="ctr"/>
+            <a:endParaRPr lang="de-DE"/>
+          </a:p>
+        </p:txBody>
+      </p:sp>
+      <p:pic>
+        <p:nvPicPr>
+          <p:cNvPr id="5" name="Grafik 4"/>
+          <p:cNvPicPr>
+            <a:picLocks noChangeAspect="1"/>
+          </p:cNvPicPr>
+          <p:nvPr userDrawn="1"/>
+        </p:nvPicPr>
+        <p:blipFill>
+          <a:blip r:embed="rId3"/>
+          <a:stretch>
+            <a:fillRect/>
+          </a:stretch>
+        </p:blipFill>
+        <p:spPr>
+          <a:xfrm>
+            <a:off x="0" y="5336438"/>
+            <a:ext cx="9144000" cy="1521562"/>
+          </a:xfrm>
+          <a:prstGeom prst="rect">
+            <a:avLst/>
+          </a:prstGeom>
+        </p:spPr>
+      </p:pic>
+      <p:cxnSp>
+        <p:nvCxnSpPr>
+          <p:cNvPr id="4" name="Gerade Verbindung 3"/>
+          <p:cNvCxnSpPr/>
+          <p:nvPr userDrawn="1"/>
+        </p:nvCxnSpPr>
+        <p:spPr>
+          <a:xfrm>
+            <a:off x="0" y="765175"/>
+            <a:ext cx="9144000" cy="0"/>
+          </a:xfrm>
+          <a:prstGeom prst="line">
+            <a:avLst/>
+          </a:prstGeom>
+          <a:ln w="6350">
+            <a:solidFill>
+              <a:schemeClr val="bg1">
+                <a:lumMod val="95000"/>
+              </a:schemeClr>
+            </a:solidFill>
+          </a:ln>
+        </p:spPr>
+        <p:style>
+          <a:lnRef idx="1">
+            <a:schemeClr val="accent1"/>
+          </a:lnRef>
+          <a:fillRef idx="0">
+            <a:schemeClr val="accent1"/>
+          </a:fillRef>
+          <a:effectRef idx="0">
+            <a:schemeClr val="accent1"/>
+          </a:effectRef>
+          <a:fontRef idx="minor">
+            <a:schemeClr val="tx1"/>
+          </a:fontRef>
+        </p:style>
+      </p:cxnSp>
+      <p:cxnSp>
+        <p:nvCxnSpPr>
+          <p:cNvPr id="15" name="Gerade Verbindung 14"/>
+          <p:cNvCxnSpPr/>
+          <p:nvPr userDrawn="1"/>
+        </p:nvCxnSpPr>
+        <p:spPr>
+          <a:xfrm>
+            <a:off x="0" y="1052513"/>
+            <a:ext cx="9144001" cy="0"/>
+          </a:xfrm>
+          <a:prstGeom prst="line">
+            <a:avLst/>
+          </a:prstGeom>
+          <a:ln w="6350">
+            <a:solidFill>
+              <a:schemeClr val="bg1">
+                <a:lumMod val="95000"/>
+              </a:schemeClr>
+            </a:solidFill>
+          </a:ln>
+        </p:spPr>
+        <p:style>
+          <a:lnRef idx="1">
+            <a:schemeClr val="accent1"/>
+          </a:lnRef>
+          <a:fillRef idx="0">
+            <a:schemeClr val="accent1"/>
+          </a:fillRef>
+          <a:effectRef idx="0">
+            <a:schemeClr val="accent1"/>
+          </a:effectRef>
+          <a:fontRef idx="minor">
+            <a:schemeClr val="tx1"/>
+          </a:fontRef>
+        </p:style>
+      </p:cxnSp>
+      <p:sp>
+        <p:nvSpPr>
+          <p:cNvPr id="25" name="Inhaltsplatzhalter 24"/>
+          <p:cNvSpPr>
+            <a:spLocks noGrp="1"/>
+          </p:cNvSpPr>
+          <p:nvPr>
+            <p:ph sz="quarter" idx="12" hasCustomPrompt="1"/>
+          </p:nvPr>
+        </p:nvSpPr>
+        <p:spPr>
+          <a:xfrm>
+            <a:off x="611188" y="2843301"/>
+            <a:ext cx="7921625" cy="1318086"/>
+          </a:xfrm>
+          <a:prstGeom prst="rect">
+            <a:avLst/>
+          </a:prstGeom>
+        </p:spPr>
+        <p:txBody>
+          <a:bodyPr lIns="0" tIns="0" rIns="0" bIns="0"/>
+          <a:lstStyle>
+            <a:lvl1pPr>
+              <a:defRPr lang="de-DE" sz="3200" b="1" i="0" kern="1200" cap="all" baseline="0" dirty="0">
+                <a:solidFill>
+                  <a:schemeClr val="bg1"/>
+                </a:solidFill>
+                <a:latin typeface="Univers LT Std 55" panose="020B0603020202020204" pitchFamily="34" charset="0"/>
+                <a:ea typeface="+mj-ea"/>
+                <a:cs typeface="+mj-cs"/>
+              </a:defRPr>
+            </a:lvl1pPr>
+          </a:lstStyle>
+          <a:p>
+            <a:pPr lvl="0"/>
+            <a:r>
+              <a:rPr lang="de-DE" dirty="0"/>
+              <a:t>Präsentationsüberschrift</a:t>
+            </a:r>
+          </a:p>
+        </p:txBody>
+      </p:sp>
+      <p:pic>
+        <p:nvPicPr>
+          <p:cNvPr id="9" name="Grafik 8"/>
+          <p:cNvPicPr>
+            <a:picLocks noChangeAspect="1"/>
+          </p:cNvPicPr>
+          <p:nvPr userDrawn="1"/>
+        </p:nvPicPr>
+        <p:blipFill>
+          <a:blip r:embed="rId4"/>
+          <a:stretch>
+            <a:fillRect/>
+          </a:stretch>
+        </p:blipFill>
+        <p:spPr>
+          <a:xfrm>
+            <a:off x="7449954" y="214295"/>
+            <a:ext cx="1585109" cy="340033"/>
+          </a:xfrm>
+          <a:prstGeom prst="rect">
+            <a:avLst/>
+          </a:prstGeom>
+        </p:spPr>
+      </p:pic>
+      <p:pic>
+        <p:nvPicPr>
+          <p:cNvPr id="11" name="Grafik 10"/>
+          <p:cNvPicPr>
+            <a:picLocks noChangeAspect="1"/>
+          </p:cNvPicPr>
+          <p:nvPr userDrawn="1"/>
+        </p:nvPicPr>
+        <p:blipFill>
+          <a:blip r:embed="rId5"/>
+          <a:stretch>
+            <a:fillRect/>
+          </a:stretch>
+        </p:blipFill>
+        <p:spPr>
+          <a:xfrm>
+            <a:off x="107950" y="140235"/>
+            <a:ext cx="1653197" cy="480478"/>
+          </a:xfrm>
+          <a:prstGeom prst="rect">
+            <a:avLst/>
+          </a:prstGeom>
+        </p:spPr>
+      </p:pic>
+    </p:spTree>
+    <p:extLst>
+      <p:ext uri="{BB962C8B-B14F-4D97-AF65-F5344CB8AC3E}">
+        <p14:creationId xmlns:p14="http://schemas.microsoft.com/office/powerpoint/2010/main" val="725774458"/>
+      </p:ext>
+    </p:extLst>
+  </p:cSld>
+  <p:clrMapOvr>
+    <a:masterClrMapping/>
+  </p:clrMapOvr>
+  <p:transition spd="slow">
+    <p:push dir="u"/>
+    <p:sndAc>
+      <p:stSnd>
+        <p:snd r:embed="rId1" name="Chimes"/>
+      </p:stSnd>
+    </p:sndAc>
+  </p:transition>
+</p:sldLayout>
+</file>
+
+<file path=ppt/slideLayouts/slideLayout3.xml><?xml version="1.0" encoding="utf-8"?>
 <p:sldLayout xmlns:a="http://schemas.openxmlformats.org/drawingml/2006/main" xmlns:r="http://schemas.openxmlformats.org/officeDocument/2006/relationships" xmlns:p="http://schemas.openxmlformats.org/presentationml/2006/main" preserve="1" userDrawn="1">
   <p:cSld name="1_Titel und 1 Inhalt">
     <p:spTree>
@@ -4431,7 +4704,7 @@
 </p:sldLayout>
 </file>
 
-<file path=ppt/slideLayouts/slideLayout3.xml><?xml version="1.0" encoding="utf-8"?>
+<file path=ppt/slideLayouts/slideLayout4.xml><?xml version="1.0" encoding="utf-8"?>
 <p:sldLayout xmlns:a="http://schemas.openxmlformats.org/drawingml/2006/main" xmlns:r="http://schemas.openxmlformats.org/officeDocument/2006/relationships" xmlns:p="http://schemas.openxmlformats.org/presentationml/2006/main" preserve="1" userDrawn="1">
   <p:cSld name="5_Titel und 1 Inhalt">
     <p:spTree>
@@ -4740,7 +5013,7 @@
 </p:sldLayout>
 </file>
 
-<file path=ppt/slideLayouts/slideLayout4.xml><?xml version="1.0" encoding="utf-8"?>
+<file path=ppt/slideLayouts/slideLayout5.xml><?xml version="1.0" encoding="utf-8"?>
 <p:sldLayout xmlns:a="http://schemas.openxmlformats.org/drawingml/2006/main" xmlns:r="http://schemas.openxmlformats.org/officeDocument/2006/relationships" xmlns:p="http://schemas.openxmlformats.org/presentationml/2006/main" preserve="1" userDrawn="1">
   <p:cSld name="Titel und 1 Inhalt">
     <p:spTree>
@@ -5245,7 +5518,7 @@
 </p:sldLayout>
 </file>
 
-<file path=ppt/slideLayouts/slideLayout5.xml><?xml version="1.0" encoding="utf-8"?>
+<file path=ppt/slideLayouts/slideLayout6.xml><?xml version="1.0" encoding="utf-8"?>
 <p:sldLayout xmlns:a="http://schemas.openxmlformats.org/drawingml/2006/main" xmlns:r="http://schemas.openxmlformats.org/officeDocument/2006/relationships" xmlns:p="http://schemas.openxmlformats.org/presentationml/2006/main" preserve="1" userDrawn="1">
   <p:cSld name="2_Titel und 1 Inhalt">
     <p:spTree>
@@ -5759,7 +6032,7 @@
 </p:sldLayout>
 </file>
 
-<file path=ppt/slideLayouts/slideLayout6.xml><?xml version="1.0" encoding="utf-8"?>
+<file path=ppt/slideLayouts/slideLayout7.xml><?xml version="1.0" encoding="utf-8"?>
 <p:sldLayout xmlns:a="http://schemas.openxmlformats.org/drawingml/2006/main" xmlns:r="http://schemas.openxmlformats.org/officeDocument/2006/relationships" xmlns:p="http://schemas.openxmlformats.org/presentationml/2006/main" preserve="1" userDrawn="1">
   <p:cSld name="3_Titel und 1 Inhalt">
     <p:spTree>
@@ -6273,7 +6546,7 @@
 </p:sldLayout>
 </file>
 
-<file path=ppt/slideLayouts/slideLayout7.xml><?xml version="1.0" encoding="utf-8"?>
+<file path=ppt/slideLayouts/slideLayout8.xml><?xml version="1.0" encoding="utf-8"?>
 <p:sldLayout xmlns:a="http://schemas.openxmlformats.org/drawingml/2006/main" xmlns:r="http://schemas.openxmlformats.org/officeDocument/2006/relationships" xmlns:p="http://schemas.openxmlformats.org/presentationml/2006/main" preserve="1" userDrawn="1">
   <p:cSld name="4_Titel und 1 Inhalt">
     <p:spTree>
@@ -6809,7 +7082,7 @@
           <p:nvPr userDrawn="1"/>
         </p:nvPicPr>
         <p:blipFill>
-          <a:blip r:embed="rId10"/>
+          <a:blip r:embed="rId11"/>
           <a:stretch>
             <a:fillRect/>
           </a:stretch>
@@ -6998,7 +7271,7 @@
           <p:nvPr userDrawn="1"/>
         </p:nvPicPr>
         <p:blipFill>
-          <a:blip r:embed="rId11"/>
+          <a:blip r:embed="rId12"/>
           <a:stretch>
             <a:fillRect/>
           </a:stretch>
@@ -7022,7 +7295,7 @@
           <p:nvPr userDrawn="1"/>
         </p:nvPicPr>
         <p:blipFill>
-          <a:blip r:embed="rId12"/>
+          <a:blip r:embed="rId13"/>
           <a:stretch>
             <a:fillRect/>
           </a:stretch>
@@ -7047,18 +7320,19 @@
   <p:clrMap bg1="lt1" tx1="dk1" bg2="lt2" tx2="dk2" accent1="accent1" accent2="accent2" accent3="accent3" accent4="accent4" accent5="accent5" accent6="accent6" hlink="hlink" folHlink="folHlink"/>
   <p:sldLayoutIdLst>
     <p:sldLayoutId id="2147483659" r:id="rId1"/>
-    <p:sldLayoutId id="2147483660" r:id="rId2"/>
-    <p:sldLayoutId id="2147483664" r:id="rId3"/>
-    <p:sldLayoutId id="2147483650" r:id="rId4"/>
-    <p:sldLayoutId id="2147483661" r:id="rId5"/>
-    <p:sldLayoutId id="2147483662" r:id="rId6"/>
-    <p:sldLayoutId id="2147483663" r:id="rId7"/>
+    <p:sldLayoutId id="2147483665" r:id="rId2"/>
+    <p:sldLayoutId id="2147483660" r:id="rId3"/>
+    <p:sldLayoutId id="2147483664" r:id="rId4"/>
+    <p:sldLayoutId id="2147483650" r:id="rId5"/>
+    <p:sldLayoutId id="2147483661" r:id="rId6"/>
+    <p:sldLayoutId id="2147483662" r:id="rId7"/>
+    <p:sldLayoutId id="2147483663" r:id="rId8"/>
   </p:sldLayoutIdLst>
   <p:transition spd="slow">
     <p:push dir="u"/>
     <p:sndAc>
       <p:stSnd>
-        <p:snd r:embed="rId9" name="Chimes"/>
+        <p:snd r:embed="rId10" name="Chimes"/>
       </p:stSnd>
     </p:sndAc>
   </p:transition>
@@ -10807,6 +11081,132 @@
 </p:sld>
 </file>
 
+<file path=ppt/slides/slide20.xml><?xml version="1.0" encoding="utf-8"?>
+<p:sld xmlns:a="http://schemas.openxmlformats.org/drawingml/2006/main" xmlns:r="http://schemas.openxmlformats.org/officeDocument/2006/relationships" xmlns:p="http://schemas.openxmlformats.org/presentationml/2006/main">
+  <p:cSld>
+    <p:spTree>
+      <p:nvGrpSpPr>
+        <p:cNvPr id="1" name=""/>
+        <p:cNvGrpSpPr/>
+        <p:nvPr/>
+      </p:nvGrpSpPr>
+      <p:grpSpPr>
+        <a:xfrm>
+          <a:off x="0" y="0"/>
+          <a:ext cx="0" cy="0"/>
+          <a:chOff x="0" y="0"/>
+          <a:chExt cx="0" cy="0"/>
+        </a:xfrm>
+      </p:grpSpPr>
+      <p:sp>
+        <p:nvSpPr>
+          <p:cNvPr id="7" name="Inhaltsplatzhalter 6"/>
+          <p:cNvSpPr>
+            <a:spLocks noGrp="1"/>
+          </p:cNvSpPr>
+          <p:nvPr>
+            <p:ph sz="quarter" idx="12"/>
+          </p:nvPr>
+        </p:nvSpPr>
+        <p:spPr/>
+        <p:txBody>
+          <a:bodyPr/>
+          <a:lstStyle/>
+          <a:p>
+            <a:r>
+              <a:rPr lang="de-DE" dirty="0"/>
+              <a:t>Vielen Dank für die Aufmerksamkeit</a:t>
+            </a:r>
+          </a:p>
+        </p:txBody>
+      </p:sp>
+      <p:sp>
+        <p:nvSpPr>
+          <p:cNvPr id="4" name="Datumsplatzhalter 3"/>
+          <p:cNvSpPr>
+            <a:spLocks noGrp="1"/>
+          </p:cNvSpPr>
+          <p:nvPr>
+            <p:ph type="dt" sz="half" idx="4294967295"/>
+          </p:nvPr>
+        </p:nvSpPr>
+        <p:spPr>
+          <a:xfrm>
+            <a:off x="0" y="6488113"/>
+            <a:ext cx="1584325" cy="254000"/>
+          </a:xfrm>
+        </p:spPr>
+        <p:txBody>
+          <a:bodyPr/>
+          <a:lstStyle/>
+          <a:p>
+            <a:fld id="{852F18A7-60EF-DD48-8F37-BE93452F0A67}" type="datetime1">
+              <a:rPr lang="de-DE" smtClean="0"/>
+              <a:pPr/>
+              <a:t>26.10.2016</a:t>
+            </a:fld>
+            <a:endParaRPr lang="de-DE" dirty="0"/>
+          </a:p>
+        </p:txBody>
+      </p:sp>
+      <p:sp>
+        <p:nvSpPr>
+          <p:cNvPr id="5" name="Foliennummernplatzhalter 4"/>
+          <p:cNvSpPr>
+            <a:spLocks noGrp="1"/>
+          </p:cNvSpPr>
+          <p:nvPr>
+            <p:ph type="sldNum" sz="quarter" idx="4294967295"/>
+          </p:nvPr>
+        </p:nvSpPr>
+        <p:spPr>
+          <a:xfrm>
+            <a:off x="7559675" y="6488113"/>
+            <a:ext cx="1584325" cy="254000"/>
+          </a:xfrm>
+        </p:spPr>
+        <p:txBody>
+          <a:bodyPr/>
+          <a:lstStyle/>
+          <a:p>
+            <a:r>
+              <a:rPr lang="de-DE"/>
+              <a:t>Folie </a:t>
+            </a:r>
+            <a:fld id="{20336FBE-96EF-1B43-9998-83765DDB0397}" type="slidenum">
+              <a:rPr lang="de-DE" smtClean="0"/>
+              <a:pPr/>
+              <a:t>20</a:t>
+            </a:fld>
+            <a:r>
+              <a:rPr lang="de-DE"/>
+              <a:t> von 19</a:t>
+            </a:r>
+            <a:endParaRPr lang="de-DE" dirty="0"/>
+          </a:p>
+        </p:txBody>
+      </p:sp>
+    </p:spTree>
+    <p:extLst>
+      <p:ext uri="{BB962C8B-B14F-4D97-AF65-F5344CB8AC3E}">
+        <p14:creationId xmlns:p14="http://schemas.microsoft.com/office/powerpoint/2010/main" val="3479337105"/>
+      </p:ext>
+    </p:extLst>
+  </p:cSld>
+  <p:clrMapOvr>
+    <a:masterClrMapping/>
+  </p:clrMapOvr>
+  <p:transition spd="slow">
+    <p:push dir="u"/>
+    <p:sndAc>
+      <p:stSnd>
+        <p:snd r:embed="rId2" name="Chimes"/>
+      </p:stSnd>
+    </p:sndAc>
+  </p:transition>
+</p:sld>
+</file>
+
 <file path=ppt/slides/slide3.xml><?xml version="1.0" encoding="utf-8"?>
 <p:sld xmlns:a="http://schemas.openxmlformats.org/drawingml/2006/main" xmlns:r="http://schemas.openxmlformats.org/officeDocument/2006/relationships" xmlns:p="http://schemas.openxmlformats.org/presentationml/2006/main">
   <p:cSld>
@@ -12352,11 +12752,11 @@
   <p:clrMapOvr>
     <a:masterClrMapping/>
   </p:clrMapOvr>
-  <mc:AlternateContent xmlns:mc="http://schemas.openxmlformats.org/markup-compatibility/2006">
-    <mc:Choice xmlns:p14="http://schemas.microsoft.com/office/powerpoint/2010/main" Requires="p14">
+  <mc:AlternateContent xmlns:mc="http://schemas.openxmlformats.org/markup-compatibility/2006" xmlns:p14="http://schemas.microsoft.com/office/powerpoint/2010/main">
+    <mc:Choice Requires="p14">
       <p:transition p14:dur="0"/>
     </mc:Choice>
-    <mc:Fallback>
+    <mc:Fallback xmlns="">
       <p:transition/>
     </mc:Fallback>
   </mc:AlternateContent>
